--- a/images/nist-devops.pptx
+++ b/images/nist-devops.pptx
@@ -6,7 +6,9 @@
   </p:sldMasterIdLst>
   <p:sldIdLst>
     <p:sldId id="256" r:id="rId2"/>
-    <p:sldId id="257" r:id="rId3"/>
+    <p:sldId id="259" r:id="rId3"/>
+    <p:sldId id="257" r:id="rId4"/>
+    <p:sldId id="258" r:id="rId5"/>
   </p:sldIdLst>
   <p:sldSz cx="9144000" cy="6858000" type="screen4x3"/>
   <p:notesSz cx="6858000" cy="9144000"/>
@@ -860,6 +862,1628 @@
 </dgm:colorsDef>
 </file>
 
+<file path=ppt/diagrams/colors2.xml><?xml version="1.0" encoding="utf-8"?>
+<dgm:colorsDef xmlns:dgm="http://schemas.openxmlformats.org/drawingml/2006/diagram" xmlns:a="http://schemas.openxmlformats.org/drawingml/2006/main" uniqueId="urn:microsoft.com/office/officeart/2005/8/colors/accent2_3">
+  <dgm:title val=""/>
+  <dgm:desc val=""/>
+  <dgm:catLst>
+    <dgm:cat type="accent2" pri="11300"/>
+  </dgm:catLst>
+  <dgm:styleLbl name="node0">
+    <dgm:fillClrLst meth="repeat">
+      <a:schemeClr val="accent2">
+        <a:shade val="80000"/>
+      </a:schemeClr>
+    </dgm:fillClrLst>
+    <dgm:linClrLst meth="repeat">
+      <a:schemeClr val="lt1"/>
+    </dgm:linClrLst>
+    <dgm:effectClrLst/>
+    <dgm:txLinClrLst/>
+    <dgm:txFillClrLst/>
+    <dgm:txEffectClrLst/>
+  </dgm:styleLbl>
+  <dgm:styleLbl name="node1">
+    <dgm:fillClrLst>
+      <a:schemeClr val="accent2">
+        <a:shade val="80000"/>
+      </a:schemeClr>
+      <a:schemeClr val="accent2">
+        <a:tint val="70000"/>
+      </a:schemeClr>
+    </dgm:fillClrLst>
+    <dgm:linClrLst meth="repeat">
+      <a:schemeClr val="lt1"/>
+    </dgm:linClrLst>
+    <dgm:effectClrLst/>
+    <dgm:txLinClrLst/>
+    <dgm:txFillClrLst/>
+    <dgm:txEffectClrLst/>
+  </dgm:styleLbl>
+  <dgm:styleLbl name="alignNode1">
+    <dgm:fillClrLst>
+      <a:schemeClr val="accent2">
+        <a:shade val="80000"/>
+      </a:schemeClr>
+      <a:schemeClr val="accent2">
+        <a:tint val="70000"/>
+      </a:schemeClr>
+    </dgm:fillClrLst>
+    <dgm:linClrLst>
+      <a:schemeClr val="accent2">
+        <a:shade val="80000"/>
+      </a:schemeClr>
+      <a:schemeClr val="accent2">
+        <a:tint val="70000"/>
+      </a:schemeClr>
+    </dgm:linClrLst>
+    <dgm:effectClrLst/>
+    <dgm:txLinClrLst/>
+    <dgm:txFillClrLst/>
+    <dgm:txEffectClrLst/>
+  </dgm:styleLbl>
+  <dgm:styleLbl name="lnNode1">
+    <dgm:fillClrLst>
+      <a:schemeClr val="accent2">
+        <a:shade val="80000"/>
+      </a:schemeClr>
+      <a:schemeClr val="accent2">
+        <a:tint val="70000"/>
+      </a:schemeClr>
+    </dgm:fillClrLst>
+    <dgm:linClrLst meth="repeat">
+      <a:schemeClr val="lt1"/>
+    </dgm:linClrLst>
+    <dgm:effectClrLst/>
+    <dgm:txLinClrLst/>
+    <dgm:txFillClrLst/>
+    <dgm:txEffectClrLst/>
+  </dgm:styleLbl>
+  <dgm:styleLbl name="vennNode1">
+    <dgm:fillClrLst>
+      <a:schemeClr val="accent2">
+        <a:shade val="80000"/>
+        <a:alpha val="50000"/>
+      </a:schemeClr>
+      <a:schemeClr val="accent2">
+        <a:tint val="70000"/>
+        <a:alpha val="50000"/>
+      </a:schemeClr>
+    </dgm:fillClrLst>
+    <dgm:linClrLst meth="repeat">
+      <a:schemeClr val="lt1"/>
+    </dgm:linClrLst>
+    <dgm:effectClrLst/>
+    <dgm:txLinClrLst/>
+    <dgm:txFillClrLst/>
+    <dgm:txEffectClrLst/>
+  </dgm:styleLbl>
+  <dgm:styleLbl name="node2">
+    <dgm:fillClrLst>
+      <a:schemeClr val="accent2">
+        <a:tint val="99000"/>
+      </a:schemeClr>
+    </dgm:fillClrLst>
+    <dgm:linClrLst meth="repeat">
+      <a:schemeClr val="lt1"/>
+    </dgm:linClrLst>
+    <dgm:effectClrLst/>
+    <dgm:txLinClrLst/>
+    <dgm:txFillClrLst/>
+    <dgm:txEffectClrLst/>
+  </dgm:styleLbl>
+  <dgm:styleLbl name="node3">
+    <dgm:fillClrLst>
+      <a:schemeClr val="accent2">
+        <a:tint val="80000"/>
+      </a:schemeClr>
+    </dgm:fillClrLst>
+    <dgm:linClrLst meth="repeat">
+      <a:schemeClr val="lt1"/>
+    </dgm:linClrLst>
+    <dgm:effectClrLst/>
+    <dgm:txLinClrLst/>
+    <dgm:txFillClrLst/>
+    <dgm:txEffectClrLst/>
+  </dgm:styleLbl>
+  <dgm:styleLbl name="node4">
+    <dgm:fillClrLst>
+      <a:schemeClr val="accent2">
+        <a:tint val="70000"/>
+      </a:schemeClr>
+    </dgm:fillClrLst>
+    <dgm:linClrLst meth="repeat">
+      <a:schemeClr val="lt1"/>
+    </dgm:linClrLst>
+    <dgm:effectClrLst/>
+    <dgm:txLinClrLst/>
+    <dgm:txFillClrLst/>
+    <dgm:txEffectClrLst/>
+  </dgm:styleLbl>
+  <dgm:styleLbl name="fgImgPlace1">
+    <dgm:fillClrLst>
+      <a:schemeClr val="accent2">
+        <a:tint val="50000"/>
+      </a:schemeClr>
+      <a:schemeClr val="accent2">
+        <a:tint val="20000"/>
+      </a:schemeClr>
+    </dgm:fillClrLst>
+    <dgm:linClrLst meth="repeat">
+      <a:schemeClr val="lt1"/>
+    </dgm:linClrLst>
+    <dgm:effectClrLst/>
+    <dgm:txLinClrLst/>
+    <dgm:txFillClrLst meth="repeat">
+      <a:schemeClr val="lt1"/>
+    </dgm:txFillClrLst>
+    <dgm:txEffectClrLst/>
+  </dgm:styleLbl>
+  <dgm:styleLbl name="alignImgPlace1">
+    <dgm:fillClrLst>
+      <a:schemeClr val="accent2">
+        <a:tint val="50000"/>
+      </a:schemeClr>
+      <a:schemeClr val="accent2">
+        <a:tint val="20000"/>
+      </a:schemeClr>
+    </dgm:fillClrLst>
+    <dgm:linClrLst meth="repeat">
+      <a:schemeClr val="lt1"/>
+    </dgm:linClrLst>
+    <dgm:effectClrLst/>
+    <dgm:txLinClrLst/>
+    <dgm:txFillClrLst meth="repeat">
+      <a:schemeClr val="lt1"/>
+    </dgm:txFillClrLst>
+    <dgm:txEffectClrLst/>
+  </dgm:styleLbl>
+  <dgm:styleLbl name="bgImgPlace1">
+    <dgm:fillClrLst>
+      <a:schemeClr val="accent2">
+        <a:tint val="50000"/>
+      </a:schemeClr>
+      <a:schemeClr val="accent2">
+        <a:tint val="20000"/>
+      </a:schemeClr>
+    </dgm:fillClrLst>
+    <dgm:linClrLst meth="repeat">
+      <a:schemeClr val="lt1"/>
+    </dgm:linClrLst>
+    <dgm:effectClrLst/>
+    <dgm:txLinClrLst/>
+    <dgm:txFillClrLst meth="repeat">
+      <a:schemeClr val="lt1"/>
+    </dgm:txFillClrLst>
+    <dgm:txEffectClrLst/>
+  </dgm:styleLbl>
+  <dgm:styleLbl name="sibTrans2D1">
+    <dgm:fillClrLst>
+      <a:schemeClr val="accent2">
+        <a:shade val="90000"/>
+      </a:schemeClr>
+      <a:schemeClr val="accent2">
+        <a:tint val="70000"/>
+      </a:schemeClr>
+    </dgm:fillClrLst>
+    <dgm:linClrLst>
+      <a:schemeClr val="accent2">
+        <a:shade val="90000"/>
+      </a:schemeClr>
+      <a:schemeClr val="accent2">
+        <a:tint val="70000"/>
+      </a:schemeClr>
+    </dgm:linClrLst>
+    <dgm:effectClrLst/>
+    <dgm:txLinClrLst/>
+    <dgm:txFillClrLst/>
+    <dgm:txEffectClrLst/>
+  </dgm:styleLbl>
+  <dgm:styleLbl name="fgSibTrans2D1">
+    <dgm:fillClrLst>
+      <a:schemeClr val="accent2">
+        <a:shade val="90000"/>
+      </a:schemeClr>
+      <a:schemeClr val="accent2">
+        <a:tint val="70000"/>
+      </a:schemeClr>
+    </dgm:fillClrLst>
+    <dgm:linClrLst>
+      <a:schemeClr val="accent2">
+        <a:shade val="90000"/>
+      </a:schemeClr>
+      <a:schemeClr val="accent2">
+        <a:tint val="70000"/>
+      </a:schemeClr>
+    </dgm:linClrLst>
+    <dgm:effectClrLst/>
+    <dgm:txLinClrLst/>
+    <dgm:txFillClrLst meth="repeat">
+      <a:schemeClr val="lt1"/>
+    </dgm:txFillClrLst>
+    <dgm:txEffectClrLst/>
+  </dgm:styleLbl>
+  <dgm:styleLbl name="bgSibTrans2D1">
+    <dgm:fillClrLst>
+      <a:schemeClr val="accent2">
+        <a:shade val="90000"/>
+      </a:schemeClr>
+      <a:schemeClr val="accent2">
+        <a:tint val="70000"/>
+      </a:schemeClr>
+    </dgm:fillClrLst>
+    <dgm:linClrLst>
+      <a:schemeClr val="accent2">
+        <a:shade val="90000"/>
+      </a:schemeClr>
+      <a:schemeClr val="accent2">
+        <a:tint val="70000"/>
+      </a:schemeClr>
+    </dgm:linClrLst>
+    <dgm:effectClrLst/>
+    <dgm:txLinClrLst/>
+    <dgm:txFillClrLst meth="repeat">
+      <a:schemeClr val="lt1"/>
+    </dgm:txFillClrLst>
+    <dgm:txEffectClrLst/>
+  </dgm:styleLbl>
+  <dgm:styleLbl name="sibTrans1D1">
+    <dgm:fillClrLst>
+      <a:schemeClr val="accent2">
+        <a:shade val="90000"/>
+      </a:schemeClr>
+      <a:schemeClr val="accent2">
+        <a:tint val="70000"/>
+      </a:schemeClr>
+    </dgm:fillClrLst>
+    <dgm:linClrLst>
+      <a:schemeClr val="accent2">
+        <a:shade val="90000"/>
+      </a:schemeClr>
+      <a:schemeClr val="accent2">
+        <a:tint val="70000"/>
+      </a:schemeClr>
+    </dgm:linClrLst>
+    <dgm:effectClrLst/>
+    <dgm:txLinClrLst/>
+    <dgm:txFillClrLst meth="repeat">
+      <a:schemeClr val="tx1"/>
+    </dgm:txFillClrLst>
+    <dgm:txEffectClrLst/>
+  </dgm:styleLbl>
+  <dgm:styleLbl name="callout">
+    <dgm:fillClrLst meth="repeat">
+      <a:schemeClr val="accent2"/>
+    </dgm:fillClrLst>
+    <dgm:linClrLst meth="repeat">
+      <a:schemeClr val="accent2"/>
+    </dgm:linClrLst>
+    <dgm:effectClrLst/>
+    <dgm:txLinClrLst/>
+    <dgm:txFillClrLst meth="repeat">
+      <a:schemeClr val="tx1"/>
+    </dgm:txFillClrLst>
+    <dgm:txEffectClrLst/>
+  </dgm:styleLbl>
+  <dgm:styleLbl name="asst0">
+    <dgm:fillClrLst meth="repeat">
+      <a:schemeClr val="accent2">
+        <a:shade val="80000"/>
+      </a:schemeClr>
+    </dgm:fillClrLst>
+    <dgm:linClrLst meth="repeat">
+      <a:schemeClr val="lt1"/>
+    </dgm:linClrLst>
+    <dgm:effectClrLst/>
+    <dgm:txLinClrLst/>
+    <dgm:txFillClrLst/>
+    <dgm:txEffectClrLst/>
+  </dgm:styleLbl>
+  <dgm:styleLbl name="asst1">
+    <dgm:fillClrLst meth="repeat">
+      <a:schemeClr val="accent2">
+        <a:shade val="80000"/>
+      </a:schemeClr>
+    </dgm:fillClrLst>
+    <dgm:linClrLst meth="repeat">
+      <a:schemeClr val="lt1"/>
+    </dgm:linClrLst>
+    <dgm:effectClrLst/>
+    <dgm:txLinClrLst/>
+    <dgm:txFillClrLst/>
+    <dgm:txEffectClrLst/>
+  </dgm:styleLbl>
+  <dgm:styleLbl name="asst2">
+    <dgm:fillClrLst>
+      <a:schemeClr val="accent2">
+        <a:tint val="99000"/>
+      </a:schemeClr>
+    </dgm:fillClrLst>
+    <dgm:linClrLst meth="repeat">
+      <a:schemeClr val="lt1"/>
+    </dgm:linClrLst>
+    <dgm:effectClrLst/>
+    <dgm:txLinClrLst/>
+    <dgm:txFillClrLst/>
+    <dgm:txEffectClrLst/>
+  </dgm:styleLbl>
+  <dgm:styleLbl name="asst3">
+    <dgm:fillClrLst>
+      <a:schemeClr val="accent2">
+        <a:tint val="80000"/>
+      </a:schemeClr>
+    </dgm:fillClrLst>
+    <dgm:linClrLst meth="repeat">
+      <a:schemeClr val="lt1"/>
+    </dgm:linClrLst>
+    <dgm:effectClrLst/>
+    <dgm:txLinClrLst/>
+    <dgm:txFillClrLst/>
+    <dgm:txEffectClrLst/>
+  </dgm:styleLbl>
+  <dgm:styleLbl name="asst4">
+    <dgm:fillClrLst>
+      <a:schemeClr val="accent2">
+        <a:tint val="70000"/>
+      </a:schemeClr>
+    </dgm:fillClrLst>
+    <dgm:linClrLst meth="repeat">
+      <a:schemeClr val="lt1"/>
+    </dgm:linClrLst>
+    <dgm:effectClrLst/>
+    <dgm:txLinClrLst/>
+    <dgm:txFillClrLst/>
+    <dgm:txEffectClrLst/>
+  </dgm:styleLbl>
+  <dgm:styleLbl name="parChTrans2D1">
+    <dgm:fillClrLst meth="repeat">
+      <a:schemeClr val="accent2">
+        <a:tint val="60000"/>
+      </a:schemeClr>
+    </dgm:fillClrLst>
+    <dgm:linClrLst meth="repeat">
+      <a:schemeClr val="accent2">
+        <a:tint val="60000"/>
+      </a:schemeClr>
+    </dgm:linClrLst>
+    <dgm:effectClrLst/>
+    <dgm:txLinClrLst/>
+    <dgm:txFillClrLst meth="repeat">
+      <a:schemeClr val="lt1"/>
+    </dgm:txFillClrLst>
+    <dgm:txEffectClrLst/>
+  </dgm:styleLbl>
+  <dgm:styleLbl name="parChTrans2D2">
+    <dgm:fillClrLst meth="repeat">
+      <a:schemeClr val="accent2">
+        <a:tint val="90000"/>
+      </a:schemeClr>
+    </dgm:fillClrLst>
+    <dgm:linClrLst meth="repeat">
+      <a:schemeClr val="accent2">
+        <a:tint val="90000"/>
+      </a:schemeClr>
+    </dgm:linClrLst>
+    <dgm:effectClrLst/>
+    <dgm:txLinClrLst/>
+    <dgm:txFillClrLst/>
+    <dgm:txEffectClrLst/>
+  </dgm:styleLbl>
+  <dgm:styleLbl name="parChTrans2D3">
+    <dgm:fillClrLst meth="repeat">
+      <a:schemeClr val="accent2">
+        <a:tint val="70000"/>
+      </a:schemeClr>
+    </dgm:fillClrLst>
+    <dgm:linClrLst meth="repeat">
+      <a:schemeClr val="accent2">
+        <a:tint val="70000"/>
+      </a:schemeClr>
+    </dgm:linClrLst>
+    <dgm:effectClrLst/>
+    <dgm:txLinClrLst/>
+    <dgm:txFillClrLst/>
+    <dgm:txEffectClrLst/>
+  </dgm:styleLbl>
+  <dgm:styleLbl name="parChTrans2D4">
+    <dgm:fillClrLst meth="repeat">
+      <a:schemeClr val="accent2">
+        <a:tint val="50000"/>
+      </a:schemeClr>
+    </dgm:fillClrLst>
+    <dgm:linClrLst meth="repeat">
+      <a:schemeClr val="accent2">
+        <a:tint val="50000"/>
+      </a:schemeClr>
+    </dgm:linClrLst>
+    <dgm:effectClrLst/>
+    <dgm:txLinClrLst/>
+    <dgm:txFillClrLst meth="repeat">
+      <a:schemeClr val="lt1"/>
+    </dgm:txFillClrLst>
+    <dgm:txEffectClrLst/>
+  </dgm:styleLbl>
+  <dgm:styleLbl name="parChTrans1D1">
+    <dgm:fillClrLst meth="repeat">
+      <a:schemeClr val="accent2">
+        <a:shade val="80000"/>
+      </a:schemeClr>
+    </dgm:fillClrLst>
+    <dgm:linClrLst meth="repeat">
+      <a:schemeClr val="accent2">
+        <a:shade val="80000"/>
+      </a:schemeClr>
+    </dgm:linClrLst>
+    <dgm:effectClrLst/>
+    <dgm:txLinClrLst/>
+    <dgm:txFillClrLst meth="repeat">
+      <a:schemeClr val="tx1"/>
+    </dgm:txFillClrLst>
+    <dgm:txEffectClrLst/>
+  </dgm:styleLbl>
+  <dgm:styleLbl name="parChTrans1D2">
+    <dgm:fillClrLst meth="repeat">
+      <a:schemeClr val="accent2">
+        <a:tint val="99000"/>
+      </a:schemeClr>
+    </dgm:fillClrLst>
+    <dgm:linClrLst meth="repeat">
+      <a:schemeClr val="accent2">
+        <a:tint val="99000"/>
+      </a:schemeClr>
+    </dgm:linClrLst>
+    <dgm:effectClrLst/>
+    <dgm:txLinClrLst/>
+    <dgm:txFillClrLst meth="repeat">
+      <a:schemeClr val="tx1"/>
+    </dgm:txFillClrLst>
+    <dgm:txEffectClrLst/>
+  </dgm:styleLbl>
+  <dgm:styleLbl name="parChTrans1D3">
+    <dgm:fillClrLst meth="repeat">
+      <a:schemeClr val="accent2">
+        <a:tint val="80000"/>
+      </a:schemeClr>
+    </dgm:fillClrLst>
+    <dgm:linClrLst meth="repeat">
+      <a:schemeClr val="accent2">
+        <a:tint val="80000"/>
+      </a:schemeClr>
+    </dgm:linClrLst>
+    <dgm:effectClrLst/>
+    <dgm:txLinClrLst/>
+    <dgm:txFillClrLst meth="repeat">
+      <a:schemeClr val="tx1"/>
+    </dgm:txFillClrLst>
+    <dgm:txEffectClrLst/>
+  </dgm:styleLbl>
+  <dgm:styleLbl name="parChTrans1D4">
+    <dgm:fillClrLst meth="repeat">
+      <a:schemeClr val="accent2">
+        <a:tint val="70000"/>
+      </a:schemeClr>
+    </dgm:fillClrLst>
+    <dgm:linClrLst meth="repeat">
+      <a:schemeClr val="accent2">
+        <a:tint val="70000"/>
+      </a:schemeClr>
+    </dgm:linClrLst>
+    <dgm:effectClrLst/>
+    <dgm:txLinClrLst/>
+    <dgm:txFillClrLst meth="repeat">
+      <a:schemeClr val="tx1"/>
+    </dgm:txFillClrLst>
+    <dgm:txEffectClrLst/>
+  </dgm:styleLbl>
+  <dgm:styleLbl name="fgAcc1">
+    <dgm:fillClrLst meth="repeat">
+      <a:schemeClr val="lt1">
+        <a:alpha val="90000"/>
+      </a:schemeClr>
+    </dgm:fillClrLst>
+    <dgm:linClrLst>
+      <a:schemeClr val="accent2">
+        <a:shade val="80000"/>
+      </a:schemeClr>
+      <a:schemeClr val="accent2">
+        <a:tint val="70000"/>
+      </a:schemeClr>
+    </dgm:linClrLst>
+    <dgm:effectClrLst/>
+    <dgm:txLinClrLst/>
+    <dgm:txFillClrLst meth="repeat">
+      <a:schemeClr val="dk1"/>
+    </dgm:txFillClrLst>
+    <dgm:txEffectClrLst/>
+  </dgm:styleLbl>
+  <dgm:styleLbl name="conFgAcc1">
+    <dgm:fillClrLst meth="repeat">
+      <a:schemeClr val="lt1">
+        <a:alpha val="90000"/>
+      </a:schemeClr>
+    </dgm:fillClrLst>
+    <dgm:linClrLst>
+      <a:schemeClr val="accent2">
+        <a:shade val="80000"/>
+      </a:schemeClr>
+      <a:schemeClr val="accent2">
+        <a:tint val="70000"/>
+      </a:schemeClr>
+    </dgm:linClrLst>
+    <dgm:effectClrLst/>
+    <dgm:txLinClrLst/>
+    <dgm:txFillClrLst meth="repeat">
+      <a:schemeClr val="dk1"/>
+    </dgm:txFillClrLst>
+    <dgm:txEffectClrLst/>
+  </dgm:styleLbl>
+  <dgm:styleLbl name="alignAcc1">
+    <dgm:fillClrLst meth="repeat">
+      <a:schemeClr val="lt1">
+        <a:alpha val="90000"/>
+      </a:schemeClr>
+    </dgm:fillClrLst>
+    <dgm:linClrLst>
+      <a:schemeClr val="accent2">
+        <a:shade val="80000"/>
+      </a:schemeClr>
+      <a:schemeClr val="accent2">
+        <a:tint val="70000"/>
+      </a:schemeClr>
+    </dgm:linClrLst>
+    <dgm:effectClrLst/>
+    <dgm:txLinClrLst/>
+    <dgm:txFillClrLst meth="repeat">
+      <a:schemeClr val="dk1"/>
+    </dgm:txFillClrLst>
+    <dgm:txEffectClrLst/>
+  </dgm:styleLbl>
+  <dgm:styleLbl name="trAlignAcc1">
+    <dgm:fillClrLst meth="repeat">
+      <a:schemeClr val="lt1">
+        <a:alpha val="40000"/>
+      </a:schemeClr>
+    </dgm:fillClrLst>
+    <dgm:linClrLst meth="repeat">
+      <a:schemeClr val="accent2"/>
+    </dgm:linClrLst>
+    <dgm:effectClrLst/>
+    <dgm:txLinClrLst/>
+    <dgm:txFillClrLst meth="repeat">
+      <a:schemeClr val="dk1"/>
+    </dgm:txFillClrLst>
+    <dgm:txEffectClrLst/>
+  </dgm:styleLbl>
+  <dgm:styleLbl name="bgAcc1">
+    <dgm:fillClrLst meth="repeat">
+      <a:schemeClr val="lt1">
+        <a:alpha val="90000"/>
+      </a:schemeClr>
+    </dgm:fillClrLst>
+    <dgm:linClrLst>
+      <a:schemeClr val="accent2">
+        <a:shade val="80000"/>
+      </a:schemeClr>
+      <a:schemeClr val="accent2">
+        <a:tint val="70000"/>
+      </a:schemeClr>
+    </dgm:linClrLst>
+    <dgm:effectClrLst/>
+    <dgm:txLinClrLst/>
+    <dgm:txFillClrLst meth="repeat">
+      <a:schemeClr val="dk1"/>
+    </dgm:txFillClrLst>
+    <dgm:txEffectClrLst/>
+  </dgm:styleLbl>
+  <dgm:styleLbl name="solidFgAcc1">
+    <dgm:fillClrLst meth="repeat">
+      <a:schemeClr val="lt1"/>
+    </dgm:fillClrLst>
+    <dgm:linClrLst>
+      <a:schemeClr val="accent2">
+        <a:shade val="80000"/>
+      </a:schemeClr>
+      <a:schemeClr val="accent2">
+        <a:tint val="70000"/>
+      </a:schemeClr>
+    </dgm:linClrLst>
+    <dgm:effectClrLst/>
+    <dgm:txLinClrLst/>
+    <dgm:txFillClrLst meth="repeat">
+      <a:schemeClr val="dk1"/>
+    </dgm:txFillClrLst>
+    <dgm:txEffectClrLst/>
+  </dgm:styleLbl>
+  <dgm:styleLbl name="solidAlignAcc1">
+    <dgm:fillClrLst meth="repeat">
+      <a:schemeClr val="lt1"/>
+    </dgm:fillClrLst>
+    <dgm:linClrLst meth="repeat">
+      <a:schemeClr val="accent2"/>
+    </dgm:linClrLst>
+    <dgm:effectClrLst/>
+    <dgm:txLinClrLst/>
+    <dgm:txFillClrLst meth="repeat">
+      <a:schemeClr val="dk1"/>
+    </dgm:txFillClrLst>
+    <dgm:txEffectClrLst/>
+  </dgm:styleLbl>
+  <dgm:styleLbl name="solidBgAcc1">
+    <dgm:fillClrLst meth="repeat">
+      <a:schemeClr val="lt1"/>
+    </dgm:fillClrLst>
+    <dgm:linClrLst meth="repeat">
+      <a:schemeClr val="accent2"/>
+    </dgm:linClrLst>
+    <dgm:effectClrLst/>
+    <dgm:txLinClrLst/>
+    <dgm:txFillClrLst meth="repeat">
+      <a:schemeClr val="dk1"/>
+    </dgm:txFillClrLst>
+    <dgm:txEffectClrLst/>
+  </dgm:styleLbl>
+  <dgm:styleLbl name="fgAccFollowNode1">
+    <dgm:fillClrLst meth="repeat">
+      <a:schemeClr val="accent2">
+        <a:alpha val="90000"/>
+        <a:tint val="40000"/>
+      </a:schemeClr>
+    </dgm:fillClrLst>
+    <dgm:linClrLst meth="repeat">
+      <a:schemeClr val="accent2">
+        <a:alpha val="90000"/>
+        <a:tint val="40000"/>
+      </a:schemeClr>
+    </dgm:linClrLst>
+    <dgm:effectClrLst/>
+    <dgm:txLinClrLst/>
+    <dgm:txFillClrLst meth="repeat">
+      <a:schemeClr val="dk1"/>
+    </dgm:txFillClrLst>
+    <dgm:txEffectClrLst/>
+  </dgm:styleLbl>
+  <dgm:styleLbl name="alignAccFollowNode1">
+    <dgm:fillClrLst meth="repeat">
+      <a:schemeClr val="accent2">
+        <a:alpha val="90000"/>
+        <a:tint val="40000"/>
+      </a:schemeClr>
+    </dgm:fillClrLst>
+    <dgm:linClrLst meth="repeat">
+      <a:schemeClr val="accent2">
+        <a:alpha val="90000"/>
+        <a:tint val="40000"/>
+      </a:schemeClr>
+    </dgm:linClrLst>
+    <dgm:effectClrLst/>
+    <dgm:txLinClrLst/>
+    <dgm:txFillClrLst meth="repeat">
+      <a:schemeClr val="dk1"/>
+    </dgm:txFillClrLst>
+    <dgm:txEffectClrLst/>
+  </dgm:styleLbl>
+  <dgm:styleLbl name="bgAccFollowNode1">
+    <dgm:fillClrLst meth="repeat">
+      <a:schemeClr val="accent2">
+        <a:alpha val="90000"/>
+        <a:tint val="40000"/>
+      </a:schemeClr>
+    </dgm:fillClrLst>
+    <dgm:linClrLst meth="repeat">
+      <a:schemeClr val="lt1"/>
+    </dgm:linClrLst>
+    <dgm:effectClrLst/>
+    <dgm:txLinClrLst/>
+    <dgm:txFillClrLst meth="repeat">
+      <a:schemeClr val="dk1"/>
+    </dgm:txFillClrLst>
+    <dgm:txEffectClrLst/>
+  </dgm:styleLbl>
+  <dgm:styleLbl name="fgAcc0">
+    <dgm:fillClrLst meth="repeat">
+      <a:schemeClr val="lt1">
+        <a:alpha val="90000"/>
+      </a:schemeClr>
+    </dgm:fillClrLst>
+    <dgm:linClrLst meth="repeat">
+      <a:schemeClr val="accent2">
+        <a:shade val="80000"/>
+      </a:schemeClr>
+    </dgm:linClrLst>
+    <dgm:effectClrLst/>
+    <dgm:txLinClrLst/>
+    <dgm:txFillClrLst meth="repeat">
+      <a:schemeClr val="dk1"/>
+    </dgm:txFillClrLst>
+    <dgm:txEffectClrLst/>
+  </dgm:styleLbl>
+  <dgm:styleLbl name="fgAcc2">
+    <dgm:fillClrLst meth="repeat">
+      <a:schemeClr val="lt1">
+        <a:alpha val="90000"/>
+      </a:schemeClr>
+    </dgm:fillClrLst>
+    <dgm:linClrLst meth="repeat">
+      <a:schemeClr val="accent2">
+        <a:tint val="99000"/>
+      </a:schemeClr>
+    </dgm:linClrLst>
+    <dgm:effectClrLst/>
+    <dgm:txLinClrLst/>
+    <dgm:txFillClrLst meth="repeat">
+      <a:schemeClr val="dk1"/>
+    </dgm:txFillClrLst>
+    <dgm:txEffectClrLst/>
+  </dgm:styleLbl>
+  <dgm:styleLbl name="fgAcc3">
+    <dgm:fillClrLst meth="repeat">
+      <a:schemeClr val="lt1">
+        <a:alpha val="90000"/>
+      </a:schemeClr>
+    </dgm:fillClrLst>
+    <dgm:linClrLst meth="repeat">
+      <a:schemeClr val="accent2">
+        <a:tint val="80000"/>
+      </a:schemeClr>
+    </dgm:linClrLst>
+    <dgm:effectClrLst/>
+    <dgm:txLinClrLst/>
+    <dgm:txFillClrLst meth="repeat">
+      <a:schemeClr val="dk1"/>
+    </dgm:txFillClrLst>
+    <dgm:txEffectClrLst/>
+  </dgm:styleLbl>
+  <dgm:styleLbl name="fgAcc4">
+    <dgm:fillClrLst meth="repeat">
+      <a:schemeClr val="lt1">
+        <a:alpha val="90000"/>
+      </a:schemeClr>
+    </dgm:fillClrLst>
+    <dgm:linClrLst meth="repeat">
+      <a:schemeClr val="accent2">
+        <a:tint val="70000"/>
+      </a:schemeClr>
+    </dgm:linClrLst>
+    <dgm:effectClrLst/>
+    <dgm:txLinClrLst/>
+    <dgm:txFillClrLst meth="repeat">
+      <a:schemeClr val="dk1"/>
+    </dgm:txFillClrLst>
+    <dgm:txEffectClrLst/>
+  </dgm:styleLbl>
+  <dgm:styleLbl name="bgShp">
+    <dgm:fillClrLst meth="repeat">
+      <a:schemeClr val="accent2">
+        <a:tint val="40000"/>
+      </a:schemeClr>
+    </dgm:fillClrLst>
+    <dgm:linClrLst meth="repeat">
+      <a:schemeClr val="dk1"/>
+    </dgm:linClrLst>
+    <dgm:effectClrLst/>
+    <dgm:txLinClrLst/>
+    <dgm:txFillClrLst meth="repeat">
+      <a:schemeClr val="dk1"/>
+    </dgm:txFillClrLst>
+    <dgm:txEffectClrLst/>
+  </dgm:styleLbl>
+  <dgm:styleLbl name="dkBgShp">
+    <dgm:fillClrLst meth="repeat">
+      <a:schemeClr val="accent2">
+        <a:shade val="90000"/>
+      </a:schemeClr>
+    </dgm:fillClrLst>
+    <dgm:linClrLst meth="repeat">
+      <a:schemeClr val="dk1"/>
+    </dgm:linClrLst>
+    <dgm:effectClrLst/>
+    <dgm:txLinClrLst/>
+    <dgm:txFillClrLst meth="repeat">
+      <a:schemeClr val="lt1"/>
+    </dgm:txFillClrLst>
+    <dgm:txEffectClrLst/>
+  </dgm:styleLbl>
+  <dgm:styleLbl name="trBgShp">
+    <dgm:fillClrLst meth="repeat">
+      <a:schemeClr val="accent2">
+        <a:tint val="50000"/>
+        <a:alpha val="40000"/>
+      </a:schemeClr>
+    </dgm:fillClrLst>
+    <dgm:linClrLst meth="repeat">
+      <a:schemeClr val="accent2"/>
+    </dgm:linClrLst>
+    <dgm:effectClrLst/>
+    <dgm:txLinClrLst/>
+    <dgm:txFillClrLst meth="repeat">
+      <a:schemeClr val="lt1"/>
+    </dgm:txFillClrLst>
+    <dgm:txEffectClrLst/>
+  </dgm:styleLbl>
+  <dgm:styleLbl name="fgShp">
+    <dgm:fillClrLst meth="repeat">
+      <a:schemeClr val="accent2">
+        <a:tint val="40000"/>
+      </a:schemeClr>
+    </dgm:fillClrLst>
+    <dgm:linClrLst meth="repeat">
+      <a:schemeClr val="lt1"/>
+    </dgm:linClrLst>
+    <dgm:effectClrLst/>
+    <dgm:txLinClrLst/>
+    <dgm:txFillClrLst meth="repeat">
+      <a:schemeClr val="dk1"/>
+    </dgm:txFillClrLst>
+    <dgm:txEffectClrLst/>
+  </dgm:styleLbl>
+  <dgm:styleLbl name="revTx">
+    <dgm:fillClrLst meth="repeat">
+      <a:schemeClr val="lt1">
+        <a:alpha val="0"/>
+      </a:schemeClr>
+    </dgm:fillClrLst>
+    <dgm:linClrLst meth="repeat">
+      <a:schemeClr val="dk1">
+        <a:alpha val="0"/>
+      </a:schemeClr>
+    </dgm:linClrLst>
+    <dgm:effectClrLst/>
+    <dgm:txLinClrLst/>
+    <dgm:txFillClrLst meth="repeat">
+      <a:schemeClr val="tx1"/>
+    </dgm:txFillClrLst>
+    <dgm:txEffectClrLst/>
+  </dgm:styleLbl>
+</dgm:colorsDef>
+</file>
+
+<file path=ppt/diagrams/colors3.xml><?xml version="1.0" encoding="utf-8"?>
+<dgm:colorsDef xmlns:dgm="http://schemas.openxmlformats.org/drawingml/2006/diagram" xmlns:a="http://schemas.openxmlformats.org/drawingml/2006/main" uniqueId="urn:microsoft.com/office/officeart/2005/8/colors/accent1_2">
+  <dgm:title val=""/>
+  <dgm:desc val=""/>
+  <dgm:catLst>
+    <dgm:cat type="accent1" pri="11200"/>
+  </dgm:catLst>
+  <dgm:styleLbl name="node0">
+    <dgm:fillClrLst meth="repeat">
+      <a:schemeClr val="accent1"/>
+    </dgm:fillClrLst>
+    <dgm:linClrLst meth="repeat">
+      <a:schemeClr val="lt1"/>
+    </dgm:linClrLst>
+    <dgm:effectClrLst/>
+    <dgm:txLinClrLst/>
+    <dgm:txFillClrLst/>
+    <dgm:txEffectClrLst/>
+  </dgm:styleLbl>
+  <dgm:styleLbl name="alignNode1">
+    <dgm:fillClrLst meth="repeat">
+      <a:schemeClr val="accent1"/>
+    </dgm:fillClrLst>
+    <dgm:linClrLst meth="repeat">
+      <a:schemeClr val="accent1"/>
+    </dgm:linClrLst>
+    <dgm:effectClrLst/>
+    <dgm:txLinClrLst/>
+    <dgm:txFillClrLst/>
+    <dgm:txEffectClrLst/>
+  </dgm:styleLbl>
+  <dgm:styleLbl name="node1">
+    <dgm:fillClrLst meth="repeat">
+      <a:schemeClr val="accent1"/>
+    </dgm:fillClrLst>
+    <dgm:linClrLst meth="repeat">
+      <a:schemeClr val="lt1"/>
+    </dgm:linClrLst>
+    <dgm:effectClrLst/>
+    <dgm:txLinClrLst/>
+    <dgm:txFillClrLst/>
+    <dgm:txEffectClrLst/>
+  </dgm:styleLbl>
+  <dgm:styleLbl name="lnNode1">
+    <dgm:fillClrLst meth="repeat">
+      <a:schemeClr val="accent1"/>
+    </dgm:fillClrLst>
+    <dgm:linClrLst meth="repeat">
+      <a:schemeClr val="lt1"/>
+    </dgm:linClrLst>
+    <dgm:effectClrLst/>
+    <dgm:txLinClrLst/>
+    <dgm:txFillClrLst/>
+    <dgm:txEffectClrLst/>
+  </dgm:styleLbl>
+  <dgm:styleLbl name="vennNode1">
+    <dgm:fillClrLst meth="repeat">
+      <a:schemeClr val="accent1">
+        <a:alpha val="50000"/>
+      </a:schemeClr>
+    </dgm:fillClrLst>
+    <dgm:linClrLst meth="repeat">
+      <a:schemeClr val="lt1"/>
+    </dgm:linClrLst>
+    <dgm:effectClrLst/>
+    <dgm:txLinClrLst/>
+    <dgm:txFillClrLst/>
+    <dgm:txEffectClrLst/>
+  </dgm:styleLbl>
+  <dgm:styleLbl name="node2">
+    <dgm:fillClrLst meth="repeat">
+      <a:schemeClr val="accent1"/>
+    </dgm:fillClrLst>
+    <dgm:linClrLst meth="repeat">
+      <a:schemeClr val="lt1"/>
+    </dgm:linClrLst>
+    <dgm:effectClrLst/>
+    <dgm:txLinClrLst/>
+    <dgm:txFillClrLst/>
+    <dgm:txEffectClrLst/>
+  </dgm:styleLbl>
+  <dgm:styleLbl name="node3">
+    <dgm:fillClrLst meth="repeat">
+      <a:schemeClr val="accent1"/>
+    </dgm:fillClrLst>
+    <dgm:linClrLst meth="repeat">
+      <a:schemeClr val="lt1"/>
+    </dgm:linClrLst>
+    <dgm:effectClrLst/>
+    <dgm:txLinClrLst/>
+    <dgm:txFillClrLst/>
+    <dgm:txEffectClrLst/>
+  </dgm:styleLbl>
+  <dgm:styleLbl name="node4">
+    <dgm:fillClrLst meth="repeat">
+      <a:schemeClr val="accent1"/>
+    </dgm:fillClrLst>
+    <dgm:linClrLst meth="repeat">
+      <a:schemeClr val="lt1"/>
+    </dgm:linClrLst>
+    <dgm:effectClrLst/>
+    <dgm:txLinClrLst/>
+    <dgm:txFillClrLst/>
+    <dgm:txEffectClrLst/>
+  </dgm:styleLbl>
+  <dgm:styleLbl name="fgImgPlace1">
+    <dgm:fillClrLst meth="repeat">
+      <a:schemeClr val="accent1">
+        <a:tint val="50000"/>
+      </a:schemeClr>
+    </dgm:fillClrLst>
+    <dgm:linClrLst meth="repeat">
+      <a:schemeClr val="lt1"/>
+    </dgm:linClrLst>
+    <dgm:effectClrLst/>
+    <dgm:txLinClrLst/>
+    <dgm:txFillClrLst meth="repeat">
+      <a:schemeClr val="lt1"/>
+    </dgm:txFillClrLst>
+    <dgm:txEffectClrLst/>
+  </dgm:styleLbl>
+  <dgm:styleLbl name="alignImgPlace1">
+    <dgm:fillClrLst meth="repeat">
+      <a:schemeClr val="accent1">
+        <a:tint val="50000"/>
+      </a:schemeClr>
+    </dgm:fillClrLst>
+    <dgm:linClrLst meth="repeat">
+      <a:schemeClr val="lt1"/>
+    </dgm:linClrLst>
+    <dgm:effectClrLst/>
+    <dgm:txLinClrLst/>
+    <dgm:txFillClrLst meth="repeat">
+      <a:schemeClr val="lt1"/>
+    </dgm:txFillClrLst>
+    <dgm:txEffectClrLst/>
+  </dgm:styleLbl>
+  <dgm:styleLbl name="bgImgPlace1">
+    <dgm:fillClrLst meth="repeat">
+      <a:schemeClr val="accent1">
+        <a:tint val="50000"/>
+      </a:schemeClr>
+    </dgm:fillClrLst>
+    <dgm:linClrLst meth="repeat">
+      <a:schemeClr val="lt1"/>
+    </dgm:linClrLst>
+    <dgm:effectClrLst/>
+    <dgm:txLinClrLst/>
+    <dgm:txFillClrLst meth="repeat">
+      <a:schemeClr val="lt1"/>
+    </dgm:txFillClrLst>
+    <dgm:txEffectClrLst/>
+  </dgm:styleLbl>
+  <dgm:styleLbl name="sibTrans2D1">
+    <dgm:fillClrLst meth="repeat">
+      <a:schemeClr val="accent1">
+        <a:tint val="60000"/>
+      </a:schemeClr>
+    </dgm:fillClrLst>
+    <dgm:linClrLst meth="repeat">
+      <a:schemeClr val="accent1">
+        <a:tint val="60000"/>
+      </a:schemeClr>
+    </dgm:linClrLst>
+    <dgm:effectClrLst/>
+    <dgm:txLinClrLst/>
+    <dgm:txFillClrLst/>
+    <dgm:txEffectClrLst/>
+  </dgm:styleLbl>
+  <dgm:styleLbl name="fgSibTrans2D1">
+    <dgm:fillClrLst meth="repeat">
+      <a:schemeClr val="accent1">
+        <a:tint val="60000"/>
+      </a:schemeClr>
+    </dgm:fillClrLst>
+    <dgm:linClrLst meth="repeat">
+      <a:schemeClr val="accent1">
+        <a:tint val="60000"/>
+      </a:schemeClr>
+    </dgm:linClrLst>
+    <dgm:effectClrLst/>
+    <dgm:txLinClrLst/>
+    <dgm:txFillClrLst/>
+    <dgm:txEffectClrLst/>
+  </dgm:styleLbl>
+  <dgm:styleLbl name="bgSibTrans2D1">
+    <dgm:fillClrLst meth="repeat">
+      <a:schemeClr val="accent1">
+        <a:tint val="60000"/>
+      </a:schemeClr>
+    </dgm:fillClrLst>
+    <dgm:linClrLst meth="repeat">
+      <a:schemeClr val="accent1">
+        <a:tint val="60000"/>
+      </a:schemeClr>
+    </dgm:linClrLst>
+    <dgm:effectClrLst/>
+    <dgm:txLinClrLst/>
+    <dgm:txFillClrLst/>
+    <dgm:txEffectClrLst/>
+  </dgm:styleLbl>
+  <dgm:styleLbl name="sibTrans1D1">
+    <dgm:fillClrLst meth="repeat">
+      <a:schemeClr val="accent1"/>
+    </dgm:fillClrLst>
+    <dgm:linClrLst meth="repeat">
+      <a:schemeClr val="accent1"/>
+    </dgm:linClrLst>
+    <dgm:effectClrLst/>
+    <dgm:txLinClrLst/>
+    <dgm:txFillClrLst meth="repeat">
+      <a:schemeClr val="tx1"/>
+    </dgm:txFillClrLst>
+    <dgm:txEffectClrLst/>
+  </dgm:styleLbl>
+  <dgm:styleLbl name="callout">
+    <dgm:fillClrLst meth="repeat">
+      <a:schemeClr val="accent1"/>
+    </dgm:fillClrLst>
+    <dgm:linClrLst meth="repeat">
+      <a:schemeClr val="accent1">
+        <a:tint val="50000"/>
+      </a:schemeClr>
+    </dgm:linClrLst>
+    <dgm:effectClrLst/>
+    <dgm:txLinClrLst/>
+    <dgm:txFillClrLst meth="repeat">
+      <a:schemeClr val="tx1"/>
+    </dgm:txFillClrLst>
+    <dgm:txEffectClrLst/>
+  </dgm:styleLbl>
+  <dgm:styleLbl name="asst0">
+    <dgm:fillClrLst meth="repeat">
+      <a:schemeClr val="accent1"/>
+    </dgm:fillClrLst>
+    <dgm:linClrLst meth="repeat">
+      <a:schemeClr val="lt1"/>
+    </dgm:linClrLst>
+    <dgm:effectClrLst/>
+    <dgm:txLinClrLst/>
+    <dgm:txFillClrLst/>
+    <dgm:txEffectClrLst/>
+  </dgm:styleLbl>
+  <dgm:styleLbl name="asst1">
+    <dgm:fillClrLst meth="repeat">
+      <a:schemeClr val="accent1"/>
+    </dgm:fillClrLst>
+    <dgm:linClrLst meth="repeat">
+      <a:schemeClr val="lt1"/>
+    </dgm:linClrLst>
+    <dgm:effectClrLst/>
+    <dgm:txLinClrLst/>
+    <dgm:txFillClrLst/>
+    <dgm:txEffectClrLst/>
+  </dgm:styleLbl>
+  <dgm:styleLbl name="asst2">
+    <dgm:fillClrLst meth="repeat">
+      <a:schemeClr val="accent1"/>
+    </dgm:fillClrLst>
+    <dgm:linClrLst meth="repeat">
+      <a:schemeClr val="lt1"/>
+    </dgm:linClrLst>
+    <dgm:effectClrLst/>
+    <dgm:txLinClrLst/>
+    <dgm:txFillClrLst/>
+    <dgm:txEffectClrLst/>
+  </dgm:styleLbl>
+  <dgm:styleLbl name="asst3">
+    <dgm:fillClrLst meth="repeat">
+      <a:schemeClr val="accent1"/>
+    </dgm:fillClrLst>
+    <dgm:linClrLst meth="repeat">
+      <a:schemeClr val="lt1"/>
+    </dgm:linClrLst>
+    <dgm:effectClrLst/>
+    <dgm:txLinClrLst/>
+    <dgm:txFillClrLst/>
+    <dgm:txEffectClrLst/>
+  </dgm:styleLbl>
+  <dgm:styleLbl name="asst4">
+    <dgm:fillClrLst meth="repeat">
+      <a:schemeClr val="accent1"/>
+    </dgm:fillClrLst>
+    <dgm:linClrLst meth="repeat">
+      <a:schemeClr val="lt1"/>
+    </dgm:linClrLst>
+    <dgm:effectClrLst/>
+    <dgm:txLinClrLst/>
+    <dgm:txFillClrLst/>
+    <dgm:txEffectClrLst/>
+  </dgm:styleLbl>
+  <dgm:styleLbl name="parChTrans2D1">
+    <dgm:fillClrLst meth="repeat">
+      <a:schemeClr val="accent1">
+        <a:tint val="60000"/>
+      </a:schemeClr>
+    </dgm:fillClrLst>
+    <dgm:linClrLst meth="repeat">
+      <a:schemeClr val="accent1">
+        <a:tint val="60000"/>
+      </a:schemeClr>
+    </dgm:linClrLst>
+    <dgm:effectClrLst/>
+    <dgm:txLinClrLst/>
+    <dgm:txFillClrLst meth="repeat">
+      <a:schemeClr val="lt1"/>
+    </dgm:txFillClrLst>
+    <dgm:txEffectClrLst/>
+  </dgm:styleLbl>
+  <dgm:styleLbl name="parChTrans2D2">
+    <dgm:fillClrLst meth="repeat">
+      <a:schemeClr val="accent1"/>
+    </dgm:fillClrLst>
+    <dgm:linClrLst meth="repeat">
+      <a:schemeClr val="accent1"/>
+    </dgm:linClrLst>
+    <dgm:effectClrLst/>
+    <dgm:txLinClrLst/>
+    <dgm:txFillClrLst meth="repeat">
+      <a:schemeClr val="lt1"/>
+    </dgm:txFillClrLst>
+    <dgm:txEffectClrLst/>
+  </dgm:styleLbl>
+  <dgm:styleLbl name="parChTrans2D3">
+    <dgm:fillClrLst meth="repeat">
+      <a:schemeClr val="accent1"/>
+    </dgm:fillClrLst>
+    <dgm:linClrLst meth="repeat">
+      <a:schemeClr val="accent1"/>
+    </dgm:linClrLst>
+    <dgm:effectClrLst/>
+    <dgm:txLinClrLst/>
+    <dgm:txFillClrLst meth="repeat">
+      <a:schemeClr val="lt1"/>
+    </dgm:txFillClrLst>
+    <dgm:txEffectClrLst/>
+  </dgm:styleLbl>
+  <dgm:styleLbl name="parChTrans2D4">
+    <dgm:fillClrLst meth="repeat">
+      <a:schemeClr val="accent1"/>
+    </dgm:fillClrLst>
+    <dgm:linClrLst meth="repeat">
+      <a:schemeClr val="accent1"/>
+    </dgm:linClrLst>
+    <dgm:effectClrLst/>
+    <dgm:txLinClrLst/>
+    <dgm:txFillClrLst meth="repeat">
+      <a:schemeClr val="lt1"/>
+    </dgm:txFillClrLst>
+    <dgm:txEffectClrLst/>
+  </dgm:styleLbl>
+  <dgm:styleLbl name="parChTrans1D1">
+    <dgm:fillClrLst meth="repeat">
+      <a:schemeClr val="accent1"/>
+    </dgm:fillClrLst>
+    <dgm:linClrLst meth="repeat">
+      <a:schemeClr val="accent1">
+        <a:shade val="60000"/>
+      </a:schemeClr>
+    </dgm:linClrLst>
+    <dgm:effectClrLst/>
+    <dgm:txLinClrLst/>
+    <dgm:txFillClrLst meth="repeat">
+      <a:schemeClr val="tx1"/>
+    </dgm:txFillClrLst>
+    <dgm:txEffectClrLst/>
+  </dgm:styleLbl>
+  <dgm:styleLbl name="parChTrans1D2">
+    <dgm:fillClrLst meth="repeat">
+      <a:schemeClr val="accent1"/>
+    </dgm:fillClrLst>
+    <dgm:linClrLst meth="repeat">
+      <a:schemeClr val="accent1">
+        <a:shade val="60000"/>
+      </a:schemeClr>
+    </dgm:linClrLst>
+    <dgm:effectClrLst/>
+    <dgm:txLinClrLst/>
+    <dgm:txFillClrLst meth="repeat">
+      <a:schemeClr val="tx1"/>
+    </dgm:txFillClrLst>
+    <dgm:txEffectClrLst/>
+  </dgm:styleLbl>
+  <dgm:styleLbl name="parChTrans1D3">
+    <dgm:fillClrLst meth="repeat">
+      <a:schemeClr val="accent1"/>
+    </dgm:fillClrLst>
+    <dgm:linClrLst meth="repeat">
+      <a:schemeClr val="accent1">
+        <a:shade val="80000"/>
+      </a:schemeClr>
+    </dgm:linClrLst>
+    <dgm:effectClrLst/>
+    <dgm:txLinClrLst/>
+    <dgm:txFillClrLst meth="repeat">
+      <a:schemeClr val="tx1"/>
+    </dgm:txFillClrLst>
+    <dgm:txEffectClrLst/>
+  </dgm:styleLbl>
+  <dgm:styleLbl name="parChTrans1D4">
+    <dgm:fillClrLst meth="repeat">
+      <a:schemeClr val="accent1"/>
+    </dgm:fillClrLst>
+    <dgm:linClrLst meth="repeat">
+      <a:schemeClr val="accent1">
+        <a:shade val="80000"/>
+      </a:schemeClr>
+    </dgm:linClrLst>
+    <dgm:effectClrLst/>
+    <dgm:txLinClrLst/>
+    <dgm:txFillClrLst meth="repeat">
+      <a:schemeClr val="tx1"/>
+    </dgm:txFillClrLst>
+    <dgm:txEffectClrLst/>
+  </dgm:styleLbl>
+  <dgm:styleLbl name="fgAcc1">
+    <dgm:fillClrLst meth="repeat">
+      <a:schemeClr val="lt1">
+        <a:alpha val="90000"/>
+      </a:schemeClr>
+    </dgm:fillClrLst>
+    <dgm:linClrLst meth="repeat">
+      <a:schemeClr val="accent1"/>
+    </dgm:linClrLst>
+    <dgm:effectClrLst/>
+    <dgm:txLinClrLst/>
+    <dgm:txFillClrLst meth="repeat">
+      <a:schemeClr val="dk1"/>
+    </dgm:txFillClrLst>
+    <dgm:txEffectClrLst/>
+  </dgm:styleLbl>
+  <dgm:styleLbl name="conFgAcc1">
+    <dgm:fillClrLst meth="repeat">
+      <a:schemeClr val="lt1">
+        <a:alpha val="90000"/>
+      </a:schemeClr>
+    </dgm:fillClrLst>
+    <dgm:linClrLst meth="repeat">
+      <a:schemeClr val="accent1"/>
+    </dgm:linClrLst>
+    <dgm:effectClrLst/>
+    <dgm:txLinClrLst/>
+    <dgm:txFillClrLst meth="repeat">
+      <a:schemeClr val="dk1"/>
+    </dgm:txFillClrLst>
+    <dgm:txEffectClrLst/>
+  </dgm:styleLbl>
+  <dgm:styleLbl name="alignAcc1">
+    <dgm:fillClrLst meth="repeat">
+      <a:schemeClr val="lt1">
+        <a:alpha val="90000"/>
+      </a:schemeClr>
+    </dgm:fillClrLst>
+    <dgm:linClrLst meth="repeat">
+      <a:schemeClr val="accent1"/>
+    </dgm:linClrLst>
+    <dgm:effectClrLst/>
+    <dgm:txLinClrLst/>
+    <dgm:txFillClrLst meth="repeat">
+      <a:schemeClr val="dk1"/>
+    </dgm:txFillClrLst>
+    <dgm:txEffectClrLst/>
+  </dgm:styleLbl>
+  <dgm:styleLbl name="trAlignAcc1">
+    <dgm:fillClrLst meth="repeat">
+      <a:schemeClr val="lt1">
+        <a:alpha val="40000"/>
+      </a:schemeClr>
+    </dgm:fillClrLst>
+    <dgm:linClrLst meth="repeat">
+      <a:schemeClr val="accent1"/>
+    </dgm:linClrLst>
+    <dgm:effectClrLst/>
+    <dgm:txLinClrLst/>
+    <dgm:txFillClrLst meth="repeat">
+      <a:schemeClr val="dk1"/>
+    </dgm:txFillClrLst>
+    <dgm:txEffectClrLst/>
+  </dgm:styleLbl>
+  <dgm:styleLbl name="bgAcc1">
+    <dgm:fillClrLst meth="repeat">
+      <a:schemeClr val="lt1">
+        <a:alpha val="90000"/>
+      </a:schemeClr>
+    </dgm:fillClrLst>
+    <dgm:linClrLst meth="repeat">
+      <a:schemeClr val="accent1"/>
+    </dgm:linClrLst>
+    <dgm:effectClrLst/>
+    <dgm:txLinClrLst/>
+    <dgm:txFillClrLst meth="repeat">
+      <a:schemeClr val="dk1"/>
+    </dgm:txFillClrLst>
+    <dgm:txEffectClrLst/>
+  </dgm:styleLbl>
+  <dgm:styleLbl name="solidFgAcc1">
+    <dgm:fillClrLst meth="repeat">
+      <a:schemeClr val="lt1"/>
+    </dgm:fillClrLst>
+    <dgm:linClrLst meth="repeat">
+      <a:schemeClr val="accent1"/>
+    </dgm:linClrLst>
+    <dgm:effectClrLst/>
+    <dgm:txLinClrLst/>
+    <dgm:txFillClrLst meth="repeat">
+      <a:schemeClr val="dk1"/>
+    </dgm:txFillClrLst>
+    <dgm:txEffectClrLst/>
+  </dgm:styleLbl>
+  <dgm:styleLbl name="solidAlignAcc1">
+    <dgm:fillClrLst meth="repeat">
+      <a:schemeClr val="lt1"/>
+    </dgm:fillClrLst>
+    <dgm:linClrLst meth="repeat">
+      <a:schemeClr val="accent1"/>
+    </dgm:linClrLst>
+    <dgm:effectClrLst/>
+    <dgm:txLinClrLst/>
+    <dgm:txFillClrLst meth="repeat">
+      <a:schemeClr val="dk1"/>
+    </dgm:txFillClrLst>
+    <dgm:txEffectClrLst/>
+  </dgm:styleLbl>
+  <dgm:styleLbl name="solidBgAcc1">
+    <dgm:fillClrLst meth="repeat">
+      <a:schemeClr val="lt1"/>
+    </dgm:fillClrLst>
+    <dgm:linClrLst meth="repeat">
+      <a:schemeClr val="accent1"/>
+    </dgm:linClrLst>
+    <dgm:effectClrLst/>
+    <dgm:txLinClrLst/>
+    <dgm:txFillClrLst meth="repeat">
+      <a:schemeClr val="dk1"/>
+    </dgm:txFillClrLst>
+    <dgm:txEffectClrLst/>
+  </dgm:styleLbl>
+  <dgm:styleLbl name="fgAccFollowNode1">
+    <dgm:fillClrLst meth="repeat">
+      <a:schemeClr val="accent1">
+        <a:alpha val="90000"/>
+        <a:tint val="40000"/>
+      </a:schemeClr>
+    </dgm:fillClrLst>
+    <dgm:linClrLst meth="repeat">
+      <a:schemeClr val="accent1">
+        <a:alpha val="90000"/>
+        <a:tint val="40000"/>
+      </a:schemeClr>
+    </dgm:linClrLst>
+    <dgm:effectClrLst/>
+    <dgm:txLinClrLst/>
+    <dgm:txFillClrLst meth="repeat">
+      <a:schemeClr val="dk1"/>
+    </dgm:txFillClrLst>
+    <dgm:txEffectClrLst/>
+  </dgm:styleLbl>
+  <dgm:styleLbl name="alignAccFollowNode1">
+    <dgm:fillClrLst meth="repeat">
+      <a:schemeClr val="accent1">
+        <a:alpha val="90000"/>
+        <a:tint val="40000"/>
+      </a:schemeClr>
+    </dgm:fillClrLst>
+    <dgm:linClrLst meth="repeat">
+      <a:schemeClr val="accent1">
+        <a:alpha val="90000"/>
+        <a:tint val="40000"/>
+      </a:schemeClr>
+    </dgm:linClrLst>
+    <dgm:effectClrLst/>
+    <dgm:txLinClrLst/>
+    <dgm:txFillClrLst meth="repeat">
+      <a:schemeClr val="dk1"/>
+    </dgm:txFillClrLst>
+    <dgm:txEffectClrLst/>
+  </dgm:styleLbl>
+  <dgm:styleLbl name="bgAccFollowNode1">
+    <dgm:fillClrLst meth="repeat">
+      <a:schemeClr val="accent1">
+        <a:alpha val="90000"/>
+        <a:tint val="40000"/>
+      </a:schemeClr>
+    </dgm:fillClrLst>
+    <dgm:linClrLst meth="repeat">
+      <a:schemeClr val="accent1">
+        <a:alpha val="90000"/>
+        <a:tint val="40000"/>
+      </a:schemeClr>
+    </dgm:linClrLst>
+    <dgm:effectClrLst/>
+    <dgm:txLinClrLst/>
+    <dgm:txFillClrLst meth="repeat">
+      <a:schemeClr val="dk1"/>
+    </dgm:txFillClrLst>
+    <dgm:txEffectClrLst/>
+  </dgm:styleLbl>
+  <dgm:styleLbl name="fgAcc0">
+    <dgm:fillClrLst meth="repeat">
+      <a:schemeClr val="lt1">
+        <a:alpha val="90000"/>
+      </a:schemeClr>
+    </dgm:fillClrLst>
+    <dgm:linClrLst meth="repeat">
+      <a:schemeClr val="accent1"/>
+    </dgm:linClrLst>
+    <dgm:effectClrLst/>
+    <dgm:txLinClrLst/>
+    <dgm:txFillClrLst meth="repeat">
+      <a:schemeClr val="dk1"/>
+    </dgm:txFillClrLst>
+    <dgm:txEffectClrLst/>
+  </dgm:styleLbl>
+  <dgm:styleLbl name="fgAcc2">
+    <dgm:fillClrLst meth="repeat">
+      <a:schemeClr val="lt1">
+        <a:alpha val="90000"/>
+      </a:schemeClr>
+    </dgm:fillClrLst>
+    <dgm:linClrLst meth="repeat">
+      <a:schemeClr val="accent1"/>
+    </dgm:linClrLst>
+    <dgm:effectClrLst/>
+    <dgm:txLinClrLst/>
+    <dgm:txFillClrLst meth="repeat">
+      <a:schemeClr val="dk1"/>
+    </dgm:txFillClrLst>
+    <dgm:txEffectClrLst/>
+  </dgm:styleLbl>
+  <dgm:styleLbl name="fgAcc3">
+    <dgm:fillClrLst meth="repeat">
+      <a:schemeClr val="lt1">
+        <a:alpha val="90000"/>
+      </a:schemeClr>
+    </dgm:fillClrLst>
+    <dgm:linClrLst meth="repeat">
+      <a:schemeClr val="accent1"/>
+    </dgm:linClrLst>
+    <dgm:effectClrLst/>
+    <dgm:txLinClrLst/>
+    <dgm:txFillClrLst meth="repeat">
+      <a:schemeClr val="dk1"/>
+    </dgm:txFillClrLst>
+    <dgm:txEffectClrLst/>
+  </dgm:styleLbl>
+  <dgm:styleLbl name="fgAcc4">
+    <dgm:fillClrLst meth="repeat">
+      <a:schemeClr val="lt1">
+        <a:alpha val="90000"/>
+      </a:schemeClr>
+    </dgm:fillClrLst>
+    <dgm:linClrLst meth="repeat">
+      <a:schemeClr val="accent1"/>
+    </dgm:linClrLst>
+    <dgm:effectClrLst/>
+    <dgm:txLinClrLst/>
+    <dgm:txFillClrLst meth="repeat">
+      <a:schemeClr val="dk1"/>
+    </dgm:txFillClrLst>
+    <dgm:txEffectClrLst/>
+  </dgm:styleLbl>
+  <dgm:styleLbl name="bgShp">
+    <dgm:fillClrLst meth="repeat">
+      <a:schemeClr val="accent1">
+        <a:tint val="40000"/>
+      </a:schemeClr>
+    </dgm:fillClrLst>
+    <dgm:linClrLst meth="repeat">
+      <a:schemeClr val="accent1"/>
+    </dgm:linClrLst>
+    <dgm:effectClrLst/>
+    <dgm:txLinClrLst/>
+    <dgm:txFillClrLst meth="repeat">
+      <a:schemeClr val="dk1"/>
+    </dgm:txFillClrLst>
+    <dgm:txEffectClrLst/>
+  </dgm:styleLbl>
+  <dgm:styleLbl name="dkBgShp">
+    <dgm:fillClrLst meth="repeat">
+      <a:schemeClr val="accent1">
+        <a:shade val="80000"/>
+      </a:schemeClr>
+    </dgm:fillClrLst>
+    <dgm:linClrLst meth="repeat">
+      <a:schemeClr val="accent1"/>
+    </dgm:linClrLst>
+    <dgm:effectClrLst/>
+    <dgm:txLinClrLst/>
+    <dgm:txFillClrLst meth="repeat">
+      <a:schemeClr val="lt1"/>
+    </dgm:txFillClrLst>
+    <dgm:txEffectClrLst/>
+  </dgm:styleLbl>
+  <dgm:styleLbl name="trBgShp">
+    <dgm:fillClrLst meth="repeat">
+      <a:schemeClr val="accent1">
+        <a:tint val="50000"/>
+        <a:alpha val="40000"/>
+      </a:schemeClr>
+    </dgm:fillClrLst>
+    <dgm:linClrLst meth="repeat">
+      <a:schemeClr val="accent1"/>
+    </dgm:linClrLst>
+    <dgm:effectClrLst/>
+    <dgm:txLinClrLst/>
+    <dgm:txFillClrLst meth="repeat">
+      <a:schemeClr val="lt1"/>
+    </dgm:txFillClrLst>
+    <dgm:txEffectClrLst/>
+  </dgm:styleLbl>
+  <dgm:styleLbl name="fgShp">
+    <dgm:fillClrLst meth="repeat">
+      <a:schemeClr val="accent1">
+        <a:tint val="60000"/>
+      </a:schemeClr>
+    </dgm:fillClrLst>
+    <dgm:linClrLst meth="repeat">
+      <a:schemeClr val="lt1"/>
+    </dgm:linClrLst>
+    <dgm:effectClrLst/>
+    <dgm:txLinClrLst/>
+    <dgm:txFillClrLst meth="repeat">
+      <a:schemeClr val="dk1"/>
+    </dgm:txFillClrLst>
+    <dgm:txEffectClrLst/>
+  </dgm:styleLbl>
+  <dgm:styleLbl name="revTx">
+    <dgm:fillClrLst meth="repeat">
+      <a:schemeClr val="lt1">
+        <a:alpha val="0"/>
+      </a:schemeClr>
+    </dgm:fillClrLst>
+    <dgm:linClrLst meth="repeat">
+      <a:schemeClr val="dk1">
+        <a:alpha val="0"/>
+      </a:schemeClr>
+    </dgm:linClrLst>
+    <dgm:effectClrLst/>
+    <dgm:txLinClrLst/>
+    <dgm:txFillClrLst meth="repeat">
+      <a:schemeClr val="tx1"/>
+    </dgm:txFillClrLst>
+    <dgm:txEffectClrLst/>
+  </dgm:styleLbl>
+</dgm:colorsDef>
+</file>
+
 <file path=ppt/diagrams/data1.xml><?xml version="1.0" encoding="utf-8"?>
 <dgm:dataModel xmlns:dgm="http://schemas.openxmlformats.org/drawingml/2006/diagram" xmlns:a="http://schemas.openxmlformats.org/drawingml/2006/main">
   <dgm:ptLst>
@@ -871,83 +2495,6 @@
         <a:lstStyle/>
         <a:p>
           <a:endParaRPr lang="en-US"/>
-        </a:p>
-      </dgm:t>
-    </dgm:pt>
-    <dgm:pt modelId="{B18C4BD5-149D-4245-A780-D80B4A99244A}">
-      <dgm:prSet phldrT="[Text]"/>
-      <dgm:spPr>
-        <a:gradFill flip="none" rotWithShape="0">
-          <a:gsLst>
-            <a:gs pos="0">
-              <a:schemeClr val="accent6">
-                <a:lumMod val="67000"/>
-              </a:schemeClr>
-            </a:gs>
-            <a:gs pos="48000">
-              <a:schemeClr val="accent6">
-                <a:lumMod val="97000"/>
-                <a:lumOff val="3000"/>
-              </a:schemeClr>
-            </a:gs>
-            <a:gs pos="100000">
-              <a:schemeClr val="accent6">
-                <a:lumMod val="60000"/>
-                <a:lumOff val="40000"/>
-              </a:schemeClr>
-            </a:gs>
-          </a:gsLst>
-          <a:lin ang="16200000" scaled="1"/>
-          <a:tileRect/>
-        </a:gradFill>
-      </dgm:spPr>
-      <dgm:t>
-        <a:bodyPr/>
-        <a:lstStyle/>
-        <a:p>
-          <a:r>
-            <a:rPr lang="en-US" dirty="0" smtClean="0">
-              <a:solidFill>
-                <a:schemeClr val="tx1"/>
-              </a:solidFill>
-            </a:rPr>
-            <a:t>continuous integration</a:t>
-          </a:r>
-          <a:endParaRPr lang="en-US" dirty="0">
-            <a:solidFill>
-              <a:schemeClr val="tx1"/>
-            </a:solidFill>
-          </a:endParaRPr>
-        </a:p>
-      </dgm:t>
-    </dgm:pt>
-    <dgm:pt modelId="{250F1676-D3A7-FC45-B74F-3F2B1B2FB7A5}" type="parTrans" cxnId="{2AABADB6-1180-C44D-9BA8-90BC2D62602C}">
-      <dgm:prSet/>
-      <dgm:spPr/>
-      <dgm:t>
-        <a:bodyPr/>
-        <a:lstStyle/>
-        <a:p>
-          <a:endParaRPr lang="en-US">
-            <a:solidFill>
-              <a:schemeClr val="tx1"/>
-            </a:solidFill>
-          </a:endParaRPr>
-        </a:p>
-      </dgm:t>
-    </dgm:pt>
-    <dgm:pt modelId="{93947499-9B63-1245-913D-2AE948FB1D1D}" type="sibTrans" cxnId="{2AABADB6-1180-C44D-9BA8-90BC2D62602C}">
-      <dgm:prSet/>
-      <dgm:spPr/>
-      <dgm:t>
-        <a:bodyPr/>
-        <a:lstStyle/>
-        <a:p>
-          <a:endParaRPr lang="en-US">
-            <a:solidFill>
-              <a:schemeClr val="tx1"/>
-            </a:solidFill>
-          </a:endParaRPr>
         </a:p>
       </dgm:t>
     </dgm:pt>
@@ -1415,6 +2962,83 @@
         </a:p>
       </dgm:t>
     </dgm:pt>
+    <dgm:pt modelId="{B18C4BD5-149D-4245-A780-D80B4A99244A}">
+      <dgm:prSet phldrT="[Text]"/>
+      <dgm:spPr>
+        <a:gradFill flip="none" rotWithShape="0">
+          <a:gsLst>
+            <a:gs pos="0">
+              <a:schemeClr val="accent6">
+                <a:lumMod val="67000"/>
+              </a:schemeClr>
+            </a:gs>
+            <a:gs pos="48000">
+              <a:schemeClr val="accent6">
+                <a:lumMod val="97000"/>
+                <a:lumOff val="3000"/>
+              </a:schemeClr>
+            </a:gs>
+            <a:gs pos="100000">
+              <a:schemeClr val="accent6">
+                <a:lumMod val="60000"/>
+                <a:lumOff val="40000"/>
+              </a:schemeClr>
+            </a:gs>
+          </a:gsLst>
+          <a:lin ang="16200000" scaled="1"/>
+          <a:tileRect/>
+        </a:gradFill>
+      </dgm:spPr>
+      <dgm:t>
+        <a:bodyPr/>
+        <a:lstStyle/>
+        <a:p>
+          <a:r>
+            <a:rPr lang="en-US" dirty="0" smtClean="0">
+              <a:solidFill>
+                <a:schemeClr val="tx1"/>
+              </a:solidFill>
+            </a:rPr>
+            <a:t>continuous integration</a:t>
+          </a:r>
+          <a:endParaRPr lang="en-US" dirty="0">
+            <a:solidFill>
+              <a:schemeClr val="tx1"/>
+            </a:solidFill>
+          </a:endParaRPr>
+        </a:p>
+      </dgm:t>
+    </dgm:pt>
+    <dgm:pt modelId="{93947499-9B63-1245-913D-2AE948FB1D1D}" type="sibTrans" cxnId="{2AABADB6-1180-C44D-9BA8-90BC2D62602C}">
+      <dgm:prSet/>
+      <dgm:spPr/>
+      <dgm:t>
+        <a:bodyPr/>
+        <a:lstStyle/>
+        <a:p>
+          <a:endParaRPr lang="en-US">
+            <a:solidFill>
+              <a:schemeClr val="tx1"/>
+            </a:solidFill>
+          </a:endParaRPr>
+        </a:p>
+      </dgm:t>
+    </dgm:pt>
+    <dgm:pt modelId="{250F1676-D3A7-FC45-B74F-3F2B1B2FB7A5}" type="parTrans" cxnId="{2AABADB6-1180-C44D-9BA8-90BC2D62602C}">
+      <dgm:prSet/>
+      <dgm:spPr/>
+      <dgm:t>
+        <a:bodyPr/>
+        <a:lstStyle/>
+        <a:p>
+          <a:endParaRPr lang="en-US">
+            <a:solidFill>
+              <a:schemeClr val="tx1"/>
+            </a:solidFill>
+          </a:endParaRPr>
+        </a:p>
+      </dgm:t>
+    </dgm:pt>
     <dgm:pt modelId="{78C5897F-416D-CF46-A08F-7FA5FB04269C}" type="pres">
       <dgm:prSet presAssocID="{F2AA9E6C-32D4-E143-B4C1-8323F5885693}" presName="Name0" presStyleCnt="0">
         <dgm:presLayoutVars>
@@ -1677,6 +3301,697 @@
 </dgm:dataModel>
 </file>
 
+<file path=ppt/diagrams/data2.xml><?xml version="1.0" encoding="utf-8"?>
+<dgm:dataModel xmlns:dgm="http://schemas.openxmlformats.org/drawingml/2006/diagram" xmlns:a="http://schemas.openxmlformats.org/drawingml/2006/main">
+  <dgm:ptLst>
+    <dgm:pt modelId="{63197AB7-12F3-804D-AE7D-D6B85B32CE50}" type="doc">
+      <dgm:prSet loTypeId="urn:microsoft.com/office/officeart/2005/8/layout/cycle2" loCatId="" qsTypeId="urn:microsoft.com/office/officeart/2005/8/quickstyle/simple4" qsCatId="simple" csTypeId="urn:microsoft.com/office/officeart/2005/8/colors/accent2_3" csCatId="accent2" phldr="1"/>
+      <dgm:spPr/>
+      <dgm:t>
+        <a:bodyPr/>
+        <a:lstStyle/>
+        <a:p>
+          <a:endParaRPr lang="en-US"/>
+        </a:p>
+      </dgm:t>
+    </dgm:pt>
+    <dgm:pt modelId="{CD0FB108-420F-BD4A-9300-F034C4C50DAF}">
+      <dgm:prSet phldrT="[Text]"/>
+      <dgm:spPr/>
+      <dgm:t>
+        <a:bodyPr/>
+        <a:lstStyle/>
+        <a:p>
+          <a:r>
+            <a:rPr lang="en-US" dirty="0" smtClean="0"/>
+            <a:t>cloudmesh script</a:t>
+          </a:r>
+          <a:endParaRPr lang="en-US" dirty="0"/>
+        </a:p>
+      </dgm:t>
+    </dgm:pt>
+    <dgm:pt modelId="{3CCAEFA4-56F7-CC46-8573-1593D6432094}" type="parTrans" cxnId="{DC62637C-AF9F-0F43-AA2F-8759FAE978D0}">
+      <dgm:prSet/>
+      <dgm:spPr/>
+      <dgm:t>
+        <a:bodyPr/>
+        <a:lstStyle/>
+        <a:p>
+          <a:endParaRPr lang="en-US"/>
+        </a:p>
+      </dgm:t>
+    </dgm:pt>
+    <dgm:pt modelId="{C4AA3431-9F21-BC43-81F5-DE24CAD09118}" type="sibTrans" cxnId="{DC62637C-AF9F-0F43-AA2F-8759FAE978D0}">
+      <dgm:prSet/>
+      <dgm:spPr/>
+      <dgm:t>
+        <a:bodyPr/>
+        <a:lstStyle/>
+        <a:p>
+          <a:endParaRPr lang="en-US"/>
+        </a:p>
+      </dgm:t>
+    </dgm:pt>
+    <dgm:pt modelId="{63069A7D-0098-8048-9F53-2615F277A1DB}">
+      <dgm:prSet phldrT="[Text]"/>
+      <dgm:spPr/>
+      <dgm:t>
+        <a:bodyPr/>
+        <a:lstStyle/>
+        <a:p>
+          <a:r>
+            <a:rPr lang="en-US" dirty="0" smtClean="0"/>
+            <a:t>modification</a:t>
+          </a:r>
+          <a:endParaRPr lang="en-US" dirty="0"/>
+        </a:p>
+      </dgm:t>
+    </dgm:pt>
+    <dgm:pt modelId="{2DAD050F-24BE-A945-8230-AD7E0250B117}" type="parTrans" cxnId="{BC1B467C-F704-2F49-A504-2E9294E4142A}">
+      <dgm:prSet/>
+      <dgm:spPr/>
+      <dgm:t>
+        <a:bodyPr/>
+        <a:lstStyle/>
+        <a:p>
+          <a:endParaRPr lang="en-US"/>
+        </a:p>
+      </dgm:t>
+    </dgm:pt>
+    <dgm:pt modelId="{782FD5DE-9273-C046-A74E-29BCB5CE2BF3}" type="sibTrans" cxnId="{BC1B467C-F704-2F49-A504-2E9294E4142A}">
+      <dgm:prSet/>
+      <dgm:spPr/>
+      <dgm:t>
+        <a:bodyPr/>
+        <a:lstStyle/>
+        <a:p>
+          <a:endParaRPr lang="en-US"/>
+        </a:p>
+      </dgm:t>
+    </dgm:pt>
+    <dgm:pt modelId="{4BBBEC2D-0534-8649-9842-F26D4001C8BE}">
+      <dgm:prSet phldrT="[Text]"/>
+      <dgm:spPr/>
+      <dgm:t>
+        <a:bodyPr/>
+        <a:lstStyle/>
+        <a:p>
+          <a:r>
+            <a:rPr lang="en-US" dirty="0" smtClean="0"/>
+            <a:t>deployment script</a:t>
+          </a:r>
+          <a:endParaRPr lang="en-US" dirty="0"/>
+        </a:p>
+      </dgm:t>
+    </dgm:pt>
+    <dgm:pt modelId="{CBD4DD76-67F0-DF43-AC55-3F6A4E19A04C}" type="parTrans" cxnId="{1C9D03C7-DA03-2B44-A55A-B9874070DC4B}">
+      <dgm:prSet/>
+      <dgm:spPr/>
+      <dgm:t>
+        <a:bodyPr/>
+        <a:lstStyle/>
+        <a:p>
+          <a:endParaRPr lang="en-US"/>
+        </a:p>
+      </dgm:t>
+    </dgm:pt>
+    <dgm:pt modelId="{1E6D5263-32CF-404F-B495-23A8F4FB6543}" type="sibTrans" cxnId="{1C9D03C7-DA03-2B44-A55A-B9874070DC4B}">
+      <dgm:prSet/>
+      <dgm:spPr/>
+      <dgm:t>
+        <a:bodyPr/>
+        <a:lstStyle/>
+        <a:p>
+          <a:endParaRPr lang="en-US"/>
+        </a:p>
+      </dgm:t>
+    </dgm:pt>
+    <dgm:pt modelId="{304F1EB4-7687-B242-8E07-6868482A130C}">
+      <dgm:prSet phldrT="[Text]"/>
+      <dgm:spPr/>
+      <dgm:t>
+        <a:bodyPr/>
+        <a:lstStyle/>
+        <a:p>
+          <a:r>
+            <a:rPr lang="en-US" dirty="0" smtClean="0"/>
+            <a:t>obtain data</a:t>
+          </a:r>
+          <a:endParaRPr lang="en-US" dirty="0"/>
+        </a:p>
+      </dgm:t>
+    </dgm:pt>
+    <dgm:pt modelId="{8E82A390-73AA-EE46-85E0-3B90114D9DF4}" type="parTrans" cxnId="{1CFC6727-77BD-E743-B582-AD540FF8D02A}">
+      <dgm:prSet/>
+      <dgm:spPr/>
+      <dgm:t>
+        <a:bodyPr/>
+        <a:lstStyle/>
+        <a:p>
+          <a:endParaRPr lang="en-US"/>
+        </a:p>
+      </dgm:t>
+    </dgm:pt>
+    <dgm:pt modelId="{67E9EFEF-C6F5-CE4D-97DD-C5D3500F12C6}" type="sibTrans" cxnId="{1CFC6727-77BD-E743-B582-AD540FF8D02A}">
+      <dgm:prSet/>
+      <dgm:spPr/>
+      <dgm:t>
+        <a:bodyPr/>
+        <a:lstStyle/>
+        <a:p>
+          <a:endParaRPr lang="en-US"/>
+        </a:p>
+      </dgm:t>
+    </dgm:pt>
+    <dgm:pt modelId="{CBBF8690-89AB-164E-AE8B-A6FDF5AABFAB}">
+      <dgm:prSet phldrT="[Text]"/>
+      <dgm:spPr/>
+      <dgm:t>
+        <a:bodyPr/>
+        <a:lstStyle/>
+        <a:p>
+          <a:r>
+            <a:rPr lang="en-US" dirty="0" smtClean="0"/>
+            <a:t>result verification</a:t>
+          </a:r>
+          <a:endParaRPr lang="en-US" dirty="0"/>
+        </a:p>
+      </dgm:t>
+    </dgm:pt>
+    <dgm:pt modelId="{1AD1F862-E8E1-AC4C-818F-E862309D532F}" type="parTrans" cxnId="{261B3286-52DD-224C-8070-1CC6243F7582}">
+      <dgm:prSet/>
+      <dgm:spPr/>
+      <dgm:t>
+        <a:bodyPr/>
+        <a:lstStyle/>
+        <a:p>
+          <a:endParaRPr lang="en-US"/>
+        </a:p>
+      </dgm:t>
+    </dgm:pt>
+    <dgm:pt modelId="{EBC96FD7-90C7-C546-8C94-842DAA4D1DB7}" type="sibTrans" cxnId="{261B3286-52DD-224C-8070-1CC6243F7582}">
+      <dgm:prSet/>
+      <dgm:spPr/>
+      <dgm:t>
+        <a:bodyPr/>
+        <a:lstStyle/>
+        <a:p>
+          <a:endParaRPr lang="en-US"/>
+        </a:p>
+      </dgm:t>
+    </dgm:pt>
+    <dgm:pt modelId="{190AECDB-F7E7-8A47-8E38-E0EEC2232C4B}">
+      <dgm:prSet phldrT="[Text]"/>
+      <dgm:spPr/>
+      <dgm:t>
+        <a:bodyPr/>
+        <a:lstStyle/>
+        <a:p>
+          <a:r>
+            <a:rPr lang="en-US" dirty="0" smtClean="0"/>
+            <a:t>application execution</a:t>
+          </a:r>
+          <a:endParaRPr lang="en-US" dirty="0"/>
+        </a:p>
+      </dgm:t>
+    </dgm:pt>
+    <dgm:pt modelId="{B535A3A4-E523-9346-B01C-994C33126033}" type="parTrans" cxnId="{9D1EDE9C-56A5-904D-A65B-B6F0D5FF2703}">
+      <dgm:prSet/>
+      <dgm:spPr/>
+      <dgm:t>
+        <a:bodyPr/>
+        <a:lstStyle/>
+        <a:p>
+          <a:endParaRPr lang="en-US"/>
+        </a:p>
+      </dgm:t>
+    </dgm:pt>
+    <dgm:pt modelId="{9478AABA-454C-9C4C-9BDB-CB664F12E9FA}" type="sibTrans" cxnId="{9D1EDE9C-56A5-904D-A65B-B6F0D5FF2703}">
+      <dgm:prSet/>
+      <dgm:spPr/>
+      <dgm:t>
+        <a:bodyPr/>
+        <a:lstStyle/>
+        <a:p>
+          <a:endParaRPr lang="en-US"/>
+        </a:p>
+      </dgm:t>
+    </dgm:pt>
+    <dgm:pt modelId="{1002C5F2-77A0-DE43-80C0-DCB5C7E16643}" type="pres">
+      <dgm:prSet presAssocID="{63197AB7-12F3-804D-AE7D-D6B85B32CE50}" presName="cycle" presStyleCnt="0">
+        <dgm:presLayoutVars>
+          <dgm:dir/>
+          <dgm:resizeHandles val="exact"/>
+        </dgm:presLayoutVars>
+      </dgm:prSet>
+      <dgm:spPr/>
+    </dgm:pt>
+    <dgm:pt modelId="{43192D4D-AD5E-6A41-96EC-C36565597CFF}" type="pres">
+      <dgm:prSet presAssocID="{CD0FB108-420F-BD4A-9300-F034C4C50DAF}" presName="node" presStyleLbl="node1" presStyleIdx="0" presStyleCnt="6">
+        <dgm:presLayoutVars>
+          <dgm:bulletEnabled val="1"/>
+        </dgm:presLayoutVars>
+      </dgm:prSet>
+      <dgm:spPr/>
+    </dgm:pt>
+    <dgm:pt modelId="{8DFC2DFB-C5CF-4B4D-858C-98A91CEEB855}" type="pres">
+      <dgm:prSet presAssocID="{C4AA3431-9F21-BC43-81F5-DE24CAD09118}" presName="sibTrans" presStyleLbl="sibTrans2D1" presStyleIdx="0" presStyleCnt="6"/>
+      <dgm:spPr/>
+    </dgm:pt>
+    <dgm:pt modelId="{738F8679-AEBC-B44C-BE4C-74B234BBEDEB}" type="pres">
+      <dgm:prSet presAssocID="{C4AA3431-9F21-BC43-81F5-DE24CAD09118}" presName="connectorText" presStyleLbl="sibTrans2D1" presStyleIdx="0" presStyleCnt="6"/>
+      <dgm:spPr/>
+    </dgm:pt>
+    <dgm:pt modelId="{6CCBA6B0-4EBA-DE4E-88BB-5EE832E2927C}" type="pres">
+      <dgm:prSet presAssocID="{4BBBEC2D-0534-8649-9842-F26D4001C8BE}" presName="node" presStyleLbl="node1" presStyleIdx="1" presStyleCnt="6">
+        <dgm:presLayoutVars>
+          <dgm:bulletEnabled val="1"/>
+        </dgm:presLayoutVars>
+      </dgm:prSet>
+      <dgm:spPr/>
+      <dgm:t>
+        <a:bodyPr/>
+        <a:lstStyle/>
+        <a:p>
+          <a:endParaRPr lang="en-US"/>
+        </a:p>
+      </dgm:t>
+    </dgm:pt>
+    <dgm:pt modelId="{C2A5B6E4-EA6A-0748-A210-1BFC88B559F8}" type="pres">
+      <dgm:prSet presAssocID="{1E6D5263-32CF-404F-B495-23A8F4FB6543}" presName="sibTrans" presStyleLbl="sibTrans2D1" presStyleIdx="1" presStyleCnt="6"/>
+      <dgm:spPr/>
+    </dgm:pt>
+    <dgm:pt modelId="{19EF3542-F72B-E348-99B6-F6C90D112C87}" type="pres">
+      <dgm:prSet presAssocID="{1E6D5263-32CF-404F-B495-23A8F4FB6543}" presName="connectorText" presStyleLbl="sibTrans2D1" presStyleIdx="1" presStyleCnt="6"/>
+      <dgm:spPr/>
+    </dgm:pt>
+    <dgm:pt modelId="{7BB4B94F-5F42-0046-B0D6-D96B4B37C7C9}" type="pres">
+      <dgm:prSet presAssocID="{304F1EB4-7687-B242-8E07-6868482A130C}" presName="node" presStyleLbl="node1" presStyleIdx="2" presStyleCnt="6">
+        <dgm:presLayoutVars>
+          <dgm:bulletEnabled val="1"/>
+        </dgm:presLayoutVars>
+      </dgm:prSet>
+      <dgm:spPr/>
+      <dgm:t>
+        <a:bodyPr/>
+        <a:lstStyle/>
+        <a:p>
+          <a:endParaRPr lang="en-US"/>
+        </a:p>
+      </dgm:t>
+    </dgm:pt>
+    <dgm:pt modelId="{BAF268AB-F04C-994A-97C9-EEBA1F2684A0}" type="pres">
+      <dgm:prSet presAssocID="{67E9EFEF-C6F5-CE4D-97DD-C5D3500F12C6}" presName="sibTrans" presStyleLbl="sibTrans2D1" presStyleIdx="2" presStyleCnt="6"/>
+      <dgm:spPr/>
+    </dgm:pt>
+    <dgm:pt modelId="{2F4A9B39-2585-C847-92C4-8F0C247657ED}" type="pres">
+      <dgm:prSet presAssocID="{67E9EFEF-C6F5-CE4D-97DD-C5D3500F12C6}" presName="connectorText" presStyleLbl="sibTrans2D1" presStyleIdx="2" presStyleCnt="6"/>
+      <dgm:spPr/>
+    </dgm:pt>
+    <dgm:pt modelId="{C7B83BD6-8681-D040-A663-649DC1F3946D}" type="pres">
+      <dgm:prSet presAssocID="{190AECDB-F7E7-8A47-8E38-E0EEC2232C4B}" presName="node" presStyleLbl="node1" presStyleIdx="3" presStyleCnt="6">
+        <dgm:presLayoutVars>
+          <dgm:bulletEnabled val="1"/>
+        </dgm:presLayoutVars>
+      </dgm:prSet>
+      <dgm:spPr/>
+      <dgm:t>
+        <a:bodyPr/>
+        <a:lstStyle/>
+        <a:p>
+          <a:endParaRPr lang="en-US"/>
+        </a:p>
+      </dgm:t>
+    </dgm:pt>
+    <dgm:pt modelId="{D23F66AE-376C-4344-BE3D-B20241D8396B}" type="pres">
+      <dgm:prSet presAssocID="{9478AABA-454C-9C4C-9BDB-CB664F12E9FA}" presName="sibTrans" presStyleLbl="sibTrans2D1" presStyleIdx="3" presStyleCnt="6"/>
+      <dgm:spPr/>
+    </dgm:pt>
+    <dgm:pt modelId="{C4FE57C2-BE65-D948-87AE-D2D7B7AEC1CF}" type="pres">
+      <dgm:prSet presAssocID="{9478AABA-454C-9C4C-9BDB-CB664F12E9FA}" presName="connectorText" presStyleLbl="sibTrans2D1" presStyleIdx="3" presStyleCnt="6"/>
+      <dgm:spPr/>
+    </dgm:pt>
+    <dgm:pt modelId="{69DF594E-901D-0D4B-ACF7-4C57701DA79A}" type="pres">
+      <dgm:prSet presAssocID="{CBBF8690-89AB-164E-AE8B-A6FDF5AABFAB}" presName="node" presStyleLbl="node1" presStyleIdx="4" presStyleCnt="6">
+        <dgm:presLayoutVars>
+          <dgm:bulletEnabled val="1"/>
+        </dgm:presLayoutVars>
+      </dgm:prSet>
+      <dgm:spPr/>
+      <dgm:t>
+        <a:bodyPr/>
+        <a:lstStyle/>
+        <a:p>
+          <a:endParaRPr lang="en-US"/>
+        </a:p>
+      </dgm:t>
+    </dgm:pt>
+    <dgm:pt modelId="{69181F57-0269-D641-B9B5-D96F00F06FB8}" type="pres">
+      <dgm:prSet presAssocID="{EBC96FD7-90C7-C546-8C94-842DAA4D1DB7}" presName="sibTrans" presStyleLbl="sibTrans2D1" presStyleIdx="4" presStyleCnt="6"/>
+      <dgm:spPr/>
+    </dgm:pt>
+    <dgm:pt modelId="{E5016BE4-81B9-7E43-A9FC-235D0C70FB43}" type="pres">
+      <dgm:prSet presAssocID="{EBC96FD7-90C7-C546-8C94-842DAA4D1DB7}" presName="connectorText" presStyleLbl="sibTrans2D1" presStyleIdx="4" presStyleCnt="6"/>
+      <dgm:spPr/>
+    </dgm:pt>
+    <dgm:pt modelId="{3E51EB1E-7295-3349-A5C8-9F2261D8400E}" type="pres">
+      <dgm:prSet presAssocID="{63069A7D-0098-8048-9F53-2615F277A1DB}" presName="node" presStyleLbl="node1" presStyleIdx="5" presStyleCnt="6">
+        <dgm:presLayoutVars>
+          <dgm:bulletEnabled val="1"/>
+        </dgm:presLayoutVars>
+      </dgm:prSet>
+      <dgm:spPr/>
+    </dgm:pt>
+    <dgm:pt modelId="{2DE5BBCD-FD0E-5D46-9B9E-F61E666062FE}" type="pres">
+      <dgm:prSet presAssocID="{782FD5DE-9273-C046-A74E-29BCB5CE2BF3}" presName="sibTrans" presStyleLbl="sibTrans2D1" presStyleIdx="5" presStyleCnt="6"/>
+      <dgm:spPr/>
+    </dgm:pt>
+    <dgm:pt modelId="{3A79C44E-8D89-6E4F-A9E3-13E386677FE9}" type="pres">
+      <dgm:prSet presAssocID="{782FD5DE-9273-C046-A74E-29BCB5CE2BF3}" presName="connectorText" presStyleLbl="sibTrans2D1" presStyleIdx="5" presStyleCnt="6"/>
+      <dgm:spPr/>
+    </dgm:pt>
+  </dgm:ptLst>
+  <dgm:cxnLst>
+    <dgm:cxn modelId="{4DD85335-B555-8E4D-89E1-579E7B1E1757}" type="presOf" srcId="{782FD5DE-9273-C046-A74E-29BCB5CE2BF3}" destId="{2DE5BBCD-FD0E-5D46-9B9E-F61E666062FE}" srcOrd="0" destOrd="0" presId="urn:microsoft.com/office/officeart/2005/8/layout/cycle2"/>
+    <dgm:cxn modelId="{1787EF3B-243C-4F48-B5FE-5404B3DCB00D}" type="presOf" srcId="{EBC96FD7-90C7-C546-8C94-842DAA4D1DB7}" destId="{E5016BE4-81B9-7E43-A9FC-235D0C70FB43}" srcOrd="1" destOrd="0" presId="urn:microsoft.com/office/officeart/2005/8/layout/cycle2"/>
+    <dgm:cxn modelId="{44A749C0-D430-8F43-976B-EFDD81BF783F}" type="presOf" srcId="{63197AB7-12F3-804D-AE7D-D6B85B32CE50}" destId="{1002C5F2-77A0-DE43-80C0-DCB5C7E16643}" srcOrd="0" destOrd="0" presId="urn:microsoft.com/office/officeart/2005/8/layout/cycle2"/>
+    <dgm:cxn modelId="{C57972D0-2887-D54B-B14C-2E50D6FEEE88}" type="presOf" srcId="{304F1EB4-7687-B242-8E07-6868482A130C}" destId="{7BB4B94F-5F42-0046-B0D6-D96B4B37C7C9}" srcOrd="0" destOrd="0" presId="urn:microsoft.com/office/officeart/2005/8/layout/cycle2"/>
+    <dgm:cxn modelId="{979B3D4E-CA62-514E-BD46-DEA86BBDE29C}" type="presOf" srcId="{63069A7D-0098-8048-9F53-2615F277A1DB}" destId="{3E51EB1E-7295-3349-A5C8-9F2261D8400E}" srcOrd="0" destOrd="0" presId="urn:microsoft.com/office/officeart/2005/8/layout/cycle2"/>
+    <dgm:cxn modelId="{DC62637C-AF9F-0F43-AA2F-8759FAE978D0}" srcId="{63197AB7-12F3-804D-AE7D-D6B85B32CE50}" destId="{CD0FB108-420F-BD4A-9300-F034C4C50DAF}" srcOrd="0" destOrd="0" parTransId="{3CCAEFA4-56F7-CC46-8573-1593D6432094}" sibTransId="{C4AA3431-9F21-BC43-81F5-DE24CAD09118}"/>
+    <dgm:cxn modelId="{C6229294-8236-FE41-B70D-CE40E2AD5B94}" type="presOf" srcId="{9478AABA-454C-9C4C-9BDB-CB664F12E9FA}" destId="{D23F66AE-376C-4344-BE3D-B20241D8396B}" srcOrd="0" destOrd="0" presId="urn:microsoft.com/office/officeart/2005/8/layout/cycle2"/>
+    <dgm:cxn modelId="{261B3286-52DD-224C-8070-1CC6243F7582}" srcId="{63197AB7-12F3-804D-AE7D-D6B85B32CE50}" destId="{CBBF8690-89AB-164E-AE8B-A6FDF5AABFAB}" srcOrd="4" destOrd="0" parTransId="{1AD1F862-E8E1-AC4C-818F-E862309D532F}" sibTransId="{EBC96FD7-90C7-C546-8C94-842DAA4D1DB7}"/>
+    <dgm:cxn modelId="{4194FF67-471D-6645-B56C-E9601E30E32A}" type="presOf" srcId="{782FD5DE-9273-C046-A74E-29BCB5CE2BF3}" destId="{3A79C44E-8D89-6E4F-A9E3-13E386677FE9}" srcOrd="1" destOrd="0" presId="urn:microsoft.com/office/officeart/2005/8/layout/cycle2"/>
+    <dgm:cxn modelId="{73A313BC-325A-9740-9E29-57388A7FB90D}" type="presOf" srcId="{1E6D5263-32CF-404F-B495-23A8F4FB6543}" destId="{19EF3542-F72B-E348-99B6-F6C90D112C87}" srcOrd="1" destOrd="0" presId="urn:microsoft.com/office/officeart/2005/8/layout/cycle2"/>
+    <dgm:cxn modelId="{28517EF3-1E59-2B41-81BD-84C4D08D2251}" type="presOf" srcId="{67E9EFEF-C6F5-CE4D-97DD-C5D3500F12C6}" destId="{BAF268AB-F04C-994A-97C9-EEBA1F2684A0}" srcOrd="0" destOrd="0" presId="urn:microsoft.com/office/officeart/2005/8/layout/cycle2"/>
+    <dgm:cxn modelId="{BC1B467C-F704-2F49-A504-2E9294E4142A}" srcId="{63197AB7-12F3-804D-AE7D-D6B85B32CE50}" destId="{63069A7D-0098-8048-9F53-2615F277A1DB}" srcOrd="5" destOrd="0" parTransId="{2DAD050F-24BE-A945-8230-AD7E0250B117}" sibTransId="{782FD5DE-9273-C046-A74E-29BCB5CE2BF3}"/>
+    <dgm:cxn modelId="{568C9E4C-8685-1943-912B-57A8264C94CD}" type="presOf" srcId="{67E9EFEF-C6F5-CE4D-97DD-C5D3500F12C6}" destId="{2F4A9B39-2585-C847-92C4-8F0C247657ED}" srcOrd="1" destOrd="0" presId="urn:microsoft.com/office/officeart/2005/8/layout/cycle2"/>
+    <dgm:cxn modelId="{FDCDC6E9-5553-9C42-B048-A29F47159D4F}" type="presOf" srcId="{CD0FB108-420F-BD4A-9300-F034C4C50DAF}" destId="{43192D4D-AD5E-6A41-96EC-C36565597CFF}" srcOrd="0" destOrd="0" presId="urn:microsoft.com/office/officeart/2005/8/layout/cycle2"/>
+    <dgm:cxn modelId="{26E1D4F7-A72D-B949-9DD4-E5018BDC6D0B}" type="presOf" srcId="{190AECDB-F7E7-8A47-8E38-E0EEC2232C4B}" destId="{C7B83BD6-8681-D040-A663-649DC1F3946D}" srcOrd="0" destOrd="0" presId="urn:microsoft.com/office/officeart/2005/8/layout/cycle2"/>
+    <dgm:cxn modelId="{9D1EDE9C-56A5-904D-A65B-B6F0D5FF2703}" srcId="{63197AB7-12F3-804D-AE7D-D6B85B32CE50}" destId="{190AECDB-F7E7-8A47-8E38-E0EEC2232C4B}" srcOrd="3" destOrd="0" parTransId="{B535A3A4-E523-9346-B01C-994C33126033}" sibTransId="{9478AABA-454C-9C4C-9BDB-CB664F12E9FA}"/>
+    <dgm:cxn modelId="{1C9D03C7-DA03-2B44-A55A-B9874070DC4B}" srcId="{63197AB7-12F3-804D-AE7D-D6B85B32CE50}" destId="{4BBBEC2D-0534-8649-9842-F26D4001C8BE}" srcOrd="1" destOrd="0" parTransId="{CBD4DD76-67F0-DF43-AC55-3F6A4E19A04C}" sibTransId="{1E6D5263-32CF-404F-B495-23A8F4FB6543}"/>
+    <dgm:cxn modelId="{BA96A217-70B0-3B4C-9824-36EF2D8B6A2A}" type="presOf" srcId="{EBC96FD7-90C7-C546-8C94-842DAA4D1DB7}" destId="{69181F57-0269-D641-B9B5-D96F00F06FB8}" srcOrd="0" destOrd="0" presId="urn:microsoft.com/office/officeart/2005/8/layout/cycle2"/>
+    <dgm:cxn modelId="{31168AD6-F121-6646-A1CC-3FCF22B167B2}" type="presOf" srcId="{1E6D5263-32CF-404F-B495-23A8F4FB6543}" destId="{C2A5B6E4-EA6A-0748-A210-1BFC88B559F8}" srcOrd="0" destOrd="0" presId="urn:microsoft.com/office/officeart/2005/8/layout/cycle2"/>
+    <dgm:cxn modelId="{80706C86-2DB0-ED44-ADA8-EE162ECE5052}" type="presOf" srcId="{C4AA3431-9F21-BC43-81F5-DE24CAD09118}" destId="{738F8679-AEBC-B44C-BE4C-74B234BBEDEB}" srcOrd="1" destOrd="0" presId="urn:microsoft.com/office/officeart/2005/8/layout/cycle2"/>
+    <dgm:cxn modelId="{6D3D7EF6-C42D-C447-BA82-C4684F5ABB5B}" type="presOf" srcId="{CBBF8690-89AB-164E-AE8B-A6FDF5AABFAB}" destId="{69DF594E-901D-0D4B-ACF7-4C57701DA79A}" srcOrd="0" destOrd="0" presId="urn:microsoft.com/office/officeart/2005/8/layout/cycle2"/>
+    <dgm:cxn modelId="{1CFC6727-77BD-E743-B582-AD540FF8D02A}" srcId="{63197AB7-12F3-804D-AE7D-D6B85B32CE50}" destId="{304F1EB4-7687-B242-8E07-6868482A130C}" srcOrd="2" destOrd="0" parTransId="{8E82A390-73AA-EE46-85E0-3B90114D9DF4}" sibTransId="{67E9EFEF-C6F5-CE4D-97DD-C5D3500F12C6}"/>
+    <dgm:cxn modelId="{7CBDF917-8318-4E49-B27F-9BF2CA9A62AC}" type="presOf" srcId="{C4AA3431-9F21-BC43-81F5-DE24CAD09118}" destId="{8DFC2DFB-C5CF-4B4D-858C-98A91CEEB855}" srcOrd="0" destOrd="0" presId="urn:microsoft.com/office/officeart/2005/8/layout/cycle2"/>
+    <dgm:cxn modelId="{FC0FF5F6-969A-804C-A642-F685A969E2D9}" type="presOf" srcId="{4BBBEC2D-0534-8649-9842-F26D4001C8BE}" destId="{6CCBA6B0-4EBA-DE4E-88BB-5EE832E2927C}" srcOrd="0" destOrd="0" presId="urn:microsoft.com/office/officeart/2005/8/layout/cycle2"/>
+    <dgm:cxn modelId="{0E29BDCE-9520-C445-9944-E24D2CE721EF}" type="presOf" srcId="{9478AABA-454C-9C4C-9BDB-CB664F12E9FA}" destId="{C4FE57C2-BE65-D948-87AE-D2D7B7AEC1CF}" srcOrd="1" destOrd="0" presId="urn:microsoft.com/office/officeart/2005/8/layout/cycle2"/>
+    <dgm:cxn modelId="{4E69A57C-5EBB-C344-A99C-0213A158FE3B}" type="presParOf" srcId="{1002C5F2-77A0-DE43-80C0-DCB5C7E16643}" destId="{43192D4D-AD5E-6A41-96EC-C36565597CFF}" srcOrd="0" destOrd="0" presId="urn:microsoft.com/office/officeart/2005/8/layout/cycle2"/>
+    <dgm:cxn modelId="{91A386A1-ED74-0344-BC2C-A5C79B059C5C}" type="presParOf" srcId="{1002C5F2-77A0-DE43-80C0-DCB5C7E16643}" destId="{8DFC2DFB-C5CF-4B4D-858C-98A91CEEB855}" srcOrd="1" destOrd="0" presId="urn:microsoft.com/office/officeart/2005/8/layout/cycle2"/>
+    <dgm:cxn modelId="{B2405350-B321-B841-9FF9-E10C353BEDDD}" type="presParOf" srcId="{8DFC2DFB-C5CF-4B4D-858C-98A91CEEB855}" destId="{738F8679-AEBC-B44C-BE4C-74B234BBEDEB}" srcOrd="0" destOrd="0" presId="urn:microsoft.com/office/officeart/2005/8/layout/cycle2"/>
+    <dgm:cxn modelId="{2D9BD807-5663-8C48-8FF2-FF8BF5ECA3E9}" type="presParOf" srcId="{1002C5F2-77A0-DE43-80C0-DCB5C7E16643}" destId="{6CCBA6B0-4EBA-DE4E-88BB-5EE832E2927C}" srcOrd="2" destOrd="0" presId="urn:microsoft.com/office/officeart/2005/8/layout/cycle2"/>
+    <dgm:cxn modelId="{B609BAA3-C0F1-9746-975E-50F86D809704}" type="presParOf" srcId="{1002C5F2-77A0-DE43-80C0-DCB5C7E16643}" destId="{C2A5B6E4-EA6A-0748-A210-1BFC88B559F8}" srcOrd="3" destOrd="0" presId="urn:microsoft.com/office/officeart/2005/8/layout/cycle2"/>
+    <dgm:cxn modelId="{088F5EF4-DEA5-084D-86FE-FD768FD6CA56}" type="presParOf" srcId="{C2A5B6E4-EA6A-0748-A210-1BFC88B559F8}" destId="{19EF3542-F72B-E348-99B6-F6C90D112C87}" srcOrd="0" destOrd="0" presId="urn:microsoft.com/office/officeart/2005/8/layout/cycle2"/>
+    <dgm:cxn modelId="{3598FC69-CB32-C14A-9A7C-939CC97F255E}" type="presParOf" srcId="{1002C5F2-77A0-DE43-80C0-DCB5C7E16643}" destId="{7BB4B94F-5F42-0046-B0D6-D96B4B37C7C9}" srcOrd="4" destOrd="0" presId="urn:microsoft.com/office/officeart/2005/8/layout/cycle2"/>
+    <dgm:cxn modelId="{FA7EDB60-E221-7746-8843-4B3BB2498F28}" type="presParOf" srcId="{1002C5F2-77A0-DE43-80C0-DCB5C7E16643}" destId="{BAF268AB-F04C-994A-97C9-EEBA1F2684A0}" srcOrd="5" destOrd="0" presId="urn:microsoft.com/office/officeart/2005/8/layout/cycle2"/>
+    <dgm:cxn modelId="{B27393C2-4872-9B48-B810-B712EFFA270F}" type="presParOf" srcId="{BAF268AB-F04C-994A-97C9-EEBA1F2684A0}" destId="{2F4A9B39-2585-C847-92C4-8F0C247657ED}" srcOrd="0" destOrd="0" presId="urn:microsoft.com/office/officeart/2005/8/layout/cycle2"/>
+    <dgm:cxn modelId="{9A38ABD4-444F-A848-9B51-EDFC98293FCD}" type="presParOf" srcId="{1002C5F2-77A0-DE43-80C0-DCB5C7E16643}" destId="{C7B83BD6-8681-D040-A663-649DC1F3946D}" srcOrd="6" destOrd="0" presId="urn:microsoft.com/office/officeart/2005/8/layout/cycle2"/>
+    <dgm:cxn modelId="{6FAEE273-B1C6-4B4F-98FB-9E63864D6E99}" type="presParOf" srcId="{1002C5F2-77A0-DE43-80C0-DCB5C7E16643}" destId="{D23F66AE-376C-4344-BE3D-B20241D8396B}" srcOrd="7" destOrd="0" presId="urn:microsoft.com/office/officeart/2005/8/layout/cycle2"/>
+    <dgm:cxn modelId="{FE5651F0-E23E-F643-BFE2-6BBC86D2851C}" type="presParOf" srcId="{D23F66AE-376C-4344-BE3D-B20241D8396B}" destId="{C4FE57C2-BE65-D948-87AE-D2D7B7AEC1CF}" srcOrd="0" destOrd="0" presId="urn:microsoft.com/office/officeart/2005/8/layout/cycle2"/>
+    <dgm:cxn modelId="{3BB7456D-97E5-2B42-BDCC-C350C36F22D8}" type="presParOf" srcId="{1002C5F2-77A0-DE43-80C0-DCB5C7E16643}" destId="{69DF594E-901D-0D4B-ACF7-4C57701DA79A}" srcOrd="8" destOrd="0" presId="urn:microsoft.com/office/officeart/2005/8/layout/cycle2"/>
+    <dgm:cxn modelId="{79523310-39F1-AC4D-8C50-B085F4E74261}" type="presParOf" srcId="{1002C5F2-77A0-DE43-80C0-DCB5C7E16643}" destId="{69181F57-0269-D641-B9B5-D96F00F06FB8}" srcOrd="9" destOrd="0" presId="urn:microsoft.com/office/officeart/2005/8/layout/cycle2"/>
+    <dgm:cxn modelId="{2023DFF9-38E8-5B45-B7A1-64F0DDA55C71}" type="presParOf" srcId="{69181F57-0269-D641-B9B5-D96F00F06FB8}" destId="{E5016BE4-81B9-7E43-A9FC-235D0C70FB43}" srcOrd="0" destOrd="0" presId="urn:microsoft.com/office/officeart/2005/8/layout/cycle2"/>
+    <dgm:cxn modelId="{E5D2DE46-A860-C543-8EB9-FBC62E571D57}" type="presParOf" srcId="{1002C5F2-77A0-DE43-80C0-DCB5C7E16643}" destId="{3E51EB1E-7295-3349-A5C8-9F2261D8400E}" srcOrd="10" destOrd="0" presId="urn:microsoft.com/office/officeart/2005/8/layout/cycle2"/>
+    <dgm:cxn modelId="{6A4A176E-40DE-3641-9B96-997016EF48CE}" type="presParOf" srcId="{1002C5F2-77A0-DE43-80C0-DCB5C7E16643}" destId="{2DE5BBCD-FD0E-5D46-9B9E-F61E666062FE}" srcOrd="11" destOrd="0" presId="urn:microsoft.com/office/officeart/2005/8/layout/cycle2"/>
+    <dgm:cxn modelId="{0E55AF4B-23D0-144E-9C8D-9AD9818928C5}" type="presParOf" srcId="{2DE5BBCD-FD0E-5D46-9B9E-F61E666062FE}" destId="{3A79C44E-8D89-6E4F-A9E3-13E386677FE9}" srcOrd="0" destOrd="0" presId="urn:microsoft.com/office/officeart/2005/8/layout/cycle2"/>
+  </dgm:cxnLst>
+  <dgm:bg/>
+  <dgm:whole/>
+  <dgm:extLst>
+    <a:ext uri="http://schemas.microsoft.com/office/drawing/2008/diagram">
+      <dsp:dataModelExt xmlns:dsp="http://schemas.microsoft.com/office/drawing/2008/diagram" relId="rId6" minVer="http://schemas.openxmlformats.org/drawingml/2006/diagram"/>
+    </a:ext>
+  </dgm:extLst>
+</dgm:dataModel>
+</file>
+
+<file path=ppt/diagrams/data3.xml><?xml version="1.0" encoding="utf-8"?>
+<dgm:dataModel xmlns:dgm="http://schemas.openxmlformats.org/drawingml/2006/diagram" xmlns:a="http://schemas.openxmlformats.org/drawingml/2006/main">
+  <dgm:ptLst>
+    <dgm:pt modelId="{748C716D-634B-6B4D-A20A-D3E4F8BFBD8E}" type="doc">
+      <dgm:prSet loTypeId="urn:microsoft.com/office/officeart/2005/8/layout/pyramid2" loCatId="" qsTypeId="urn:microsoft.com/office/officeart/2005/8/quickstyle/simple4" qsCatId="simple" csTypeId="urn:microsoft.com/office/officeart/2005/8/colors/accent1_2" csCatId="accent1" phldr="1"/>
+      <dgm:spPr/>
+    </dgm:pt>
+    <dgm:pt modelId="{10EDE5A2-43AE-824C-8C61-BAEE9DF575C9}">
+      <dgm:prSet phldrT="[Text]"/>
+      <dgm:spPr/>
+      <dgm:t>
+        <a:bodyPr/>
+        <a:lstStyle/>
+        <a:p>
+          <a:r>
+            <a:rPr lang="en-US" dirty="0" smtClean="0"/>
+            <a:t>Application</a:t>
+          </a:r>
+          <a:endParaRPr lang="en-US" dirty="0"/>
+        </a:p>
+      </dgm:t>
+    </dgm:pt>
+    <dgm:pt modelId="{0E2B6E33-C3FF-2D46-9B15-BBCA3DFCF5BB}" type="parTrans" cxnId="{76AF47B2-9962-FE46-B33E-F10D4AC1D84C}">
+      <dgm:prSet/>
+      <dgm:spPr/>
+      <dgm:t>
+        <a:bodyPr/>
+        <a:lstStyle/>
+        <a:p>
+          <a:endParaRPr lang="en-US"/>
+        </a:p>
+      </dgm:t>
+    </dgm:pt>
+    <dgm:pt modelId="{6606DC21-3A8C-0449-A69A-8595B3596197}" type="sibTrans" cxnId="{76AF47B2-9962-FE46-B33E-F10D4AC1D84C}">
+      <dgm:prSet/>
+      <dgm:spPr/>
+      <dgm:t>
+        <a:bodyPr/>
+        <a:lstStyle/>
+        <a:p>
+          <a:endParaRPr lang="en-US"/>
+        </a:p>
+      </dgm:t>
+    </dgm:pt>
+    <dgm:pt modelId="{09403A66-5DB6-DB43-9851-C07207D8D2BA}">
+      <dgm:prSet phldrT="[Text]"/>
+      <dgm:spPr/>
+      <dgm:t>
+        <a:bodyPr/>
+        <a:lstStyle/>
+        <a:p>
+          <a:r>
+            <a:rPr lang="en-US" dirty="0" smtClean="0"/>
+            <a:t>Platform</a:t>
+          </a:r>
+          <a:endParaRPr lang="en-US" dirty="0"/>
+        </a:p>
+      </dgm:t>
+    </dgm:pt>
+    <dgm:pt modelId="{8AD3887C-F8A8-0A4F-B07B-8A62CB87CE75}" type="parTrans" cxnId="{7DC1EA86-18CC-6E48-9B84-ADD7958B30B0}">
+      <dgm:prSet/>
+      <dgm:spPr/>
+      <dgm:t>
+        <a:bodyPr/>
+        <a:lstStyle/>
+        <a:p>
+          <a:endParaRPr lang="en-US"/>
+        </a:p>
+      </dgm:t>
+    </dgm:pt>
+    <dgm:pt modelId="{226394D4-A757-BE48-8ABC-3CB68C3B2C4B}" type="sibTrans" cxnId="{7DC1EA86-18CC-6E48-9B84-ADD7958B30B0}">
+      <dgm:prSet/>
+      <dgm:spPr/>
+      <dgm:t>
+        <a:bodyPr/>
+        <a:lstStyle/>
+        <a:p>
+          <a:endParaRPr lang="en-US"/>
+        </a:p>
+      </dgm:t>
+    </dgm:pt>
+    <dgm:pt modelId="{6FC78AD7-A0B5-3741-9215-245C4802809E}">
+      <dgm:prSet phldrT="[Text]"/>
+      <dgm:spPr/>
+      <dgm:t>
+        <a:bodyPr/>
+        <a:lstStyle/>
+        <a:p>
+          <a:r>
+            <a:rPr lang="en-US" dirty="0" smtClean="0"/>
+            <a:t>Infrastructure</a:t>
+          </a:r>
+          <a:endParaRPr lang="en-US" dirty="0"/>
+        </a:p>
+      </dgm:t>
+    </dgm:pt>
+    <dgm:pt modelId="{2ACCC5F8-BBE9-6E44-9AEA-9D934BD14074}" type="parTrans" cxnId="{B5213227-EB67-D649-B9C5-E1FE69B59AC2}">
+      <dgm:prSet/>
+      <dgm:spPr/>
+      <dgm:t>
+        <a:bodyPr/>
+        <a:lstStyle/>
+        <a:p>
+          <a:endParaRPr lang="en-US"/>
+        </a:p>
+      </dgm:t>
+    </dgm:pt>
+    <dgm:pt modelId="{88F976AE-687E-B748-AE6E-70341E489FDD}" type="sibTrans" cxnId="{B5213227-EB67-D649-B9C5-E1FE69B59AC2}">
+      <dgm:prSet/>
+      <dgm:spPr/>
+      <dgm:t>
+        <a:bodyPr/>
+        <a:lstStyle/>
+        <a:p>
+          <a:endParaRPr lang="en-US"/>
+        </a:p>
+      </dgm:t>
+    </dgm:pt>
+    <dgm:pt modelId="{8432EF88-0BE0-CD4F-A937-6E01957535B0}">
+      <dgm:prSet phldrT="[Text]"/>
+      <dgm:spPr/>
+      <dgm:t>
+        <a:bodyPr/>
+        <a:lstStyle/>
+        <a:p>
+          <a:r>
+            <a:rPr lang="en-US" dirty="0" smtClean="0"/>
+            <a:t>Service</a:t>
+          </a:r>
+          <a:endParaRPr lang="en-US" dirty="0"/>
+        </a:p>
+      </dgm:t>
+    </dgm:pt>
+    <dgm:pt modelId="{F171494A-7A08-7F49-83AE-A29750B537BD}" type="parTrans" cxnId="{FF086350-C68C-9641-86EE-BF4E5824C083}">
+      <dgm:prSet/>
+      <dgm:spPr/>
+      <dgm:t>
+        <a:bodyPr/>
+        <a:lstStyle/>
+        <a:p>
+          <a:endParaRPr lang="en-US"/>
+        </a:p>
+      </dgm:t>
+    </dgm:pt>
+    <dgm:pt modelId="{7FBF9F69-B140-4B4D-8223-263F2BF67790}" type="sibTrans" cxnId="{FF086350-C68C-9641-86EE-BF4E5824C083}">
+      <dgm:prSet/>
+      <dgm:spPr/>
+      <dgm:t>
+        <a:bodyPr/>
+        <a:lstStyle/>
+        <a:p>
+          <a:endParaRPr lang="en-US"/>
+        </a:p>
+      </dgm:t>
+    </dgm:pt>
+    <dgm:pt modelId="{7E0F8031-EE93-A847-A4D8-2F8582B83321}" type="pres">
+      <dgm:prSet presAssocID="{748C716D-634B-6B4D-A20A-D3E4F8BFBD8E}" presName="compositeShape" presStyleCnt="0">
+        <dgm:presLayoutVars>
+          <dgm:dir/>
+          <dgm:resizeHandles/>
+        </dgm:presLayoutVars>
+      </dgm:prSet>
+      <dgm:spPr/>
+    </dgm:pt>
+    <dgm:pt modelId="{A9E79660-7D61-E147-80BF-7625C536667A}" type="pres">
+      <dgm:prSet presAssocID="{748C716D-634B-6B4D-A20A-D3E4F8BFBD8E}" presName="pyramid" presStyleLbl="node1" presStyleIdx="0" presStyleCnt="1"/>
+      <dgm:spPr/>
+    </dgm:pt>
+    <dgm:pt modelId="{9FC7C357-58F1-454E-AA5A-3F481DD44BA1}" type="pres">
+      <dgm:prSet presAssocID="{748C716D-634B-6B4D-A20A-D3E4F8BFBD8E}" presName="theList" presStyleCnt="0"/>
+      <dgm:spPr/>
+    </dgm:pt>
+    <dgm:pt modelId="{26CFC12B-7BA4-194A-BA17-21E55E0C875E}" type="pres">
+      <dgm:prSet presAssocID="{10EDE5A2-43AE-824C-8C61-BAEE9DF575C9}" presName="aNode" presStyleLbl="fgAcc1" presStyleIdx="0" presStyleCnt="4">
+        <dgm:presLayoutVars>
+          <dgm:bulletEnabled val="1"/>
+        </dgm:presLayoutVars>
+      </dgm:prSet>
+      <dgm:spPr/>
+      <dgm:t>
+        <a:bodyPr/>
+        <a:lstStyle/>
+        <a:p>
+          <a:endParaRPr lang="en-US"/>
+        </a:p>
+      </dgm:t>
+    </dgm:pt>
+    <dgm:pt modelId="{5BBD6D4C-25D6-3A48-830C-1E07656CCBE3}" type="pres">
+      <dgm:prSet presAssocID="{10EDE5A2-43AE-824C-8C61-BAEE9DF575C9}" presName="aSpace" presStyleCnt="0"/>
+      <dgm:spPr/>
+    </dgm:pt>
+    <dgm:pt modelId="{A66850BA-9683-6040-BEB3-7F13F02328D8}" type="pres">
+      <dgm:prSet presAssocID="{8432EF88-0BE0-CD4F-A937-6E01957535B0}" presName="aNode" presStyleLbl="fgAcc1" presStyleIdx="1" presStyleCnt="4">
+        <dgm:presLayoutVars>
+          <dgm:bulletEnabled val="1"/>
+        </dgm:presLayoutVars>
+      </dgm:prSet>
+      <dgm:spPr/>
+    </dgm:pt>
+    <dgm:pt modelId="{A4E338EF-3320-6D49-901A-D3D30EBC3190}" type="pres">
+      <dgm:prSet presAssocID="{8432EF88-0BE0-CD4F-A937-6E01957535B0}" presName="aSpace" presStyleCnt="0"/>
+      <dgm:spPr/>
+    </dgm:pt>
+    <dgm:pt modelId="{9038C629-471F-3649-A58B-4BB7E4B2CF8E}" type="pres">
+      <dgm:prSet presAssocID="{09403A66-5DB6-DB43-9851-C07207D8D2BA}" presName="aNode" presStyleLbl="fgAcc1" presStyleIdx="2" presStyleCnt="4">
+        <dgm:presLayoutVars>
+          <dgm:bulletEnabled val="1"/>
+        </dgm:presLayoutVars>
+      </dgm:prSet>
+      <dgm:spPr/>
+    </dgm:pt>
+    <dgm:pt modelId="{F3C3AFA3-D443-FA4B-89A3-A5C88C98B539}" type="pres">
+      <dgm:prSet presAssocID="{09403A66-5DB6-DB43-9851-C07207D8D2BA}" presName="aSpace" presStyleCnt="0"/>
+      <dgm:spPr/>
+    </dgm:pt>
+    <dgm:pt modelId="{59C5D161-E2CD-174F-9092-A3986F6D2076}" type="pres">
+      <dgm:prSet presAssocID="{6FC78AD7-A0B5-3741-9215-245C4802809E}" presName="aNode" presStyleLbl="fgAcc1" presStyleIdx="3" presStyleCnt="4">
+        <dgm:presLayoutVars>
+          <dgm:bulletEnabled val="1"/>
+        </dgm:presLayoutVars>
+      </dgm:prSet>
+      <dgm:spPr/>
+      <dgm:t>
+        <a:bodyPr/>
+        <a:lstStyle/>
+        <a:p>
+          <a:endParaRPr lang="en-US"/>
+        </a:p>
+      </dgm:t>
+    </dgm:pt>
+    <dgm:pt modelId="{65C8D662-8A51-084E-A956-C4D25BDDE680}" type="pres">
+      <dgm:prSet presAssocID="{6FC78AD7-A0B5-3741-9215-245C4802809E}" presName="aSpace" presStyleCnt="0"/>
+      <dgm:spPr/>
+    </dgm:pt>
+  </dgm:ptLst>
+  <dgm:cxnLst>
+    <dgm:cxn modelId="{76AF47B2-9962-FE46-B33E-F10D4AC1D84C}" srcId="{748C716D-634B-6B4D-A20A-D3E4F8BFBD8E}" destId="{10EDE5A2-43AE-824C-8C61-BAEE9DF575C9}" srcOrd="0" destOrd="0" parTransId="{0E2B6E33-C3FF-2D46-9B15-BBCA3DFCF5BB}" sibTransId="{6606DC21-3A8C-0449-A69A-8595B3596197}"/>
+    <dgm:cxn modelId="{683A36A6-C8D4-3E49-817F-1712E95BE05F}" type="presOf" srcId="{8432EF88-0BE0-CD4F-A937-6E01957535B0}" destId="{A66850BA-9683-6040-BEB3-7F13F02328D8}" srcOrd="0" destOrd="0" presId="urn:microsoft.com/office/officeart/2005/8/layout/pyramid2"/>
+    <dgm:cxn modelId="{352DDD81-C0EC-324B-B864-24D1B8B37F21}" type="presOf" srcId="{6FC78AD7-A0B5-3741-9215-245C4802809E}" destId="{59C5D161-E2CD-174F-9092-A3986F6D2076}" srcOrd="0" destOrd="0" presId="urn:microsoft.com/office/officeart/2005/8/layout/pyramid2"/>
+    <dgm:cxn modelId="{B4066428-D28B-964C-876D-578247F15972}" type="presOf" srcId="{10EDE5A2-43AE-824C-8C61-BAEE9DF575C9}" destId="{26CFC12B-7BA4-194A-BA17-21E55E0C875E}" srcOrd="0" destOrd="0" presId="urn:microsoft.com/office/officeart/2005/8/layout/pyramid2"/>
+    <dgm:cxn modelId="{821B0B2C-8BF8-134C-8496-EF464FD7ABB1}" type="presOf" srcId="{748C716D-634B-6B4D-A20A-D3E4F8BFBD8E}" destId="{7E0F8031-EE93-A847-A4D8-2F8582B83321}" srcOrd="0" destOrd="0" presId="urn:microsoft.com/office/officeart/2005/8/layout/pyramid2"/>
+    <dgm:cxn modelId="{7DC1EA86-18CC-6E48-9B84-ADD7958B30B0}" srcId="{748C716D-634B-6B4D-A20A-D3E4F8BFBD8E}" destId="{09403A66-5DB6-DB43-9851-C07207D8D2BA}" srcOrd="2" destOrd="0" parTransId="{8AD3887C-F8A8-0A4F-B07B-8A62CB87CE75}" sibTransId="{226394D4-A757-BE48-8ABC-3CB68C3B2C4B}"/>
+    <dgm:cxn modelId="{B5213227-EB67-D649-B9C5-E1FE69B59AC2}" srcId="{748C716D-634B-6B4D-A20A-D3E4F8BFBD8E}" destId="{6FC78AD7-A0B5-3741-9215-245C4802809E}" srcOrd="3" destOrd="0" parTransId="{2ACCC5F8-BBE9-6E44-9AEA-9D934BD14074}" sibTransId="{88F976AE-687E-B748-AE6E-70341E489FDD}"/>
+    <dgm:cxn modelId="{E9B5A121-AECC-314D-855A-A88977698F87}" type="presOf" srcId="{09403A66-5DB6-DB43-9851-C07207D8D2BA}" destId="{9038C629-471F-3649-A58B-4BB7E4B2CF8E}" srcOrd="0" destOrd="0" presId="urn:microsoft.com/office/officeart/2005/8/layout/pyramid2"/>
+    <dgm:cxn modelId="{FF086350-C68C-9641-86EE-BF4E5824C083}" srcId="{748C716D-634B-6B4D-A20A-D3E4F8BFBD8E}" destId="{8432EF88-0BE0-CD4F-A937-6E01957535B0}" srcOrd="1" destOrd="0" parTransId="{F171494A-7A08-7F49-83AE-A29750B537BD}" sibTransId="{7FBF9F69-B140-4B4D-8223-263F2BF67790}"/>
+    <dgm:cxn modelId="{7ECB570A-6240-1F4C-92A8-60AE11F5F01B}" type="presParOf" srcId="{7E0F8031-EE93-A847-A4D8-2F8582B83321}" destId="{A9E79660-7D61-E147-80BF-7625C536667A}" srcOrd="0" destOrd="0" presId="urn:microsoft.com/office/officeart/2005/8/layout/pyramid2"/>
+    <dgm:cxn modelId="{BB7A08F4-3517-0E4C-AD76-364C36C8523C}" type="presParOf" srcId="{7E0F8031-EE93-A847-A4D8-2F8582B83321}" destId="{9FC7C357-58F1-454E-AA5A-3F481DD44BA1}" srcOrd="1" destOrd="0" presId="urn:microsoft.com/office/officeart/2005/8/layout/pyramid2"/>
+    <dgm:cxn modelId="{21CB932B-D917-D548-BF50-3ECABCB3686E}" type="presParOf" srcId="{9FC7C357-58F1-454E-AA5A-3F481DD44BA1}" destId="{26CFC12B-7BA4-194A-BA17-21E55E0C875E}" srcOrd="0" destOrd="0" presId="urn:microsoft.com/office/officeart/2005/8/layout/pyramid2"/>
+    <dgm:cxn modelId="{636DF812-6447-5A47-BF9D-565E673DFEBC}" type="presParOf" srcId="{9FC7C357-58F1-454E-AA5A-3F481DD44BA1}" destId="{5BBD6D4C-25D6-3A48-830C-1E07656CCBE3}" srcOrd="1" destOrd="0" presId="urn:microsoft.com/office/officeart/2005/8/layout/pyramid2"/>
+    <dgm:cxn modelId="{171483C1-ED64-5147-8397-9F95950E42DB}" type="presParOf" srcId="{9FC7C357-58F1-454E-AA5A-3F481DD44BA1}" destId="{A66850BA-9683-6040-BEB3-7F13F02328D8}" srcOrd="2" destOrd="0" presId="urn:microsoft.com/office/officeart/2005/8/layout/pyramid2"/>
+    <dgm:cxn modelId="{AB69C0B8-00CE-2A42-A57E-8EFE71FA7833}" type="presParOf" srcId="{9FC7C357-58F1-454E-AA5A-3F481DD44BA1}" destId="{A4E338EF-3320-6D49-901A-D3D30EBC3190}" srcOrd="3" destOrd="0" presId="urn:microsoft.com/office/officeart/2005/8/layout/pyramid2"/>
+    <dgm:cxn modelId="{4120A141-8240-5C4E-8C39-C5A2621D7F7D}" type="presParOf" srcId="{9FC7C357-58F1-454E-AA5A-3F481DD44BA1}" destId="{9038C629-471F-3649-A58B-4BB7E4B2CF8E}" srcOrd="4" destOrd="0" presId="urn:microsoft.com/office/officeart/2005/8/layout/pyramid2"/>
+    <dgm:cxn modelId="{5FDF8876-43B1-8D49-AA81-41FC1237E112}" type="presParOf" srcId="{9FC7C357-58F1-454E-AA5A-3F481DD44BA1}" destId="{F3C3AFA3-D443-FA4B-89A3-A5C88C98B539}" srcOrd="5" destOrd="0" presId="urn:microsoft.com/office/officeart/2005/8/layout/pyramid2"/>
+    <dgm:cxn modelId="{A13985EF-D72A-EB47-9397-664147E2AD02}" type="presParOf" srcId="{9FC7C357-58F1-454E-AA5A-3F481DD44BA1}" destId="{59C5D161-E2CD-174F-9092-A3986F6D2076}" srcOrd="6" destOrd="0" presId="urn:microsoft.com/office/officeart/2005/8/layout/pyramid2"/>
+    <dgm:cxn modelId="{984291E2-4DD0-3E4F-91D9-024302C22C8C}" type="presParOf" srcId="{9FC7C357-58F1-454E-AA5A-3F481DD44BA1}" destId="{65C8D662-8A51-084E-A956-C4D25BDDE680}" srcOrd="7" destOrd="0" presId="urn:microsoft.com/office/officeart/2005/8/layout/pyramid2"/>
+  </dgm:cxnLst>
+  <dgm:bg/>
+  <dgm:whole/>
+  <dgm:extLst>
+    <a:ext uri="http://schemas.microsoft.com/office/drawing/2008/diagram">
+      <dsp:dataModelExt xmlns:dsp="http://schemas.microsoft.com/office/drawing/2008/diagram" relId="rId6" minVer="http://schemas.openxmlformats.org/drawingml/2006/diagram"/>
+    </a:ext>
+  </dgm:extLst>
+</dgm:dataModel>
+</file>
+
 <file path=ppt/diagrams/drawing1.xml><?xml version="1.0" encoding="utf-8"?>
 <dsp:drawing xmlns:dgm="http://schemas.openxmlformats.org/drawingml/2006/diagram" xmlns:dsp="http://schemas.microsoft.com/office/drawing/2008/diagram" xmlns:a="http://schemas.openxmlformats.org/drawingml/2006/main">
   <dsp:spTree>
@@ -1692,14 +4007,14 @@
       </dsp:nvSpPr>
       <dsp:spPr>
         <a:xfrm>
-          <a:off x="1721581" y="648431"/>
-          <a:ext cx="4443536" cy="4443536"/>
+          <a:off x="1919072" y="776071"/>
+          <a:ext cx="5305855" cy="5305855"/>
         </a:xfrm>
         <a:prstGeom prst="blockArc">
           <a:avLst>
             <a:gd name="adj1" fmla="val 12600000"/>
             <a:gd name="adj2" fmla="val 16200000"/>
-            <a:gd name="adj3" fmla="val 4525"/>
+            <a:gd name="adj3" fmla="val 4530"/>
           </a:avLst>
         </a:prstGeom>
         <a:gradFill rotWithShape="0">
@@ -1770,14 +4085,14 @@
       </dsp:nvSpPr>
       <dsp:spPr>
         <a:xfrm>
-          <a:off x="1721581" y="648431"/>
-          <a:ext cx="4443536" cy="4443536"/>
+          <a:off x="1919072" y="776071"/>
+          <a:ext cx="5305855" cy="5305855"/>
         </a:xfrm>
         <a:prstGeom prst="blockArc">
           <a:avLst>
             <a:gd name="adj1" fmla="val 9000000"/>
             <a:gd name="adj2" fmla="val 12600000"/>
-            <a:gd name="adj3" fmla="val 4525"/>
+            <a:gd name="adj3" fmla="val 4530"/>
           </a:avLst>
         </a:prstGeom>
         <a:gradFill rotWithShape="0">
@@ -1848,14 +4163,14 @@
       </dsp:nvSpPr>
       <dsp:spPr>
         <a:xfrm>
-          <a:off x="1721581" y="648431"/>
-          <a:ext cx="4443536" cy="4443536"/>
+          <a:off x="1919072" y="776071"/>
+          <a:ext cx="5305855" cy="5305855"/>
         </a:xfrm>
         <a:prstGeom prst="blockArc">
           <a:avLst>
             <a:gd name="adj1" fmla="val 5400000"/>
             <a:gd name="adj2" fmla="val 9000000"/>
-            <a:gd name="adj3" fmla="val 4525"/>
+            <a:gd name="adj3" fmla="val 4530"/>
           </a:avLst>
         </a:prstGeom>
         <a:gradFill rotWithShape="0">
@@ -1926,14 +4241,14 @@
       </dsp:nvSpPr>
       <dsp:spPr>
         <a:xfrm>
-          <a:off x="1721581" y="648431"/>
-          <a:ext cx="4443536" cy="4443536"/>
+          <a:off x="1919072" y="776071"/>
+          <a:ext cx="5305855" cy="5305855"/>
         </a:xfrm>
         <a:prstGeom prst="blockArc">
           <a:avLst>
             <a:gd name="adj1" fmla="val 1800000"/>
             <a:gd name="adj2" fmla="val 5400000"/>
-            <a:gd name="adj3" fmla="val 4525"/>
+            <a:gd name="adj3" fmla="val 4530"/>
           </a:avLst>
         </a:prstGeom>
         <a:gradFill rotWithShape="0">
@@ -2004,14 +4319,14 @@
       </dsp:nvSpPr>
       <dsp:spPr>
         <a:xfrm>
-          <a:off x="1721581" y="648431"/>
-          <a:ext cx="4443536" cy="4443536"/>
+          <a:off x="1919072" y="776071"/>
+          <a:ext cx="5305855" cy="5305855"/>
         </a:xfrm>
         <a:prstGeom prst="blockArc">
           <a:avLst>
             <a:gd name="adj1" fmla="val 19800000"/>
             <a:gd name="adj2" fmla="val 1800000"/>
-            <a:gd name="adj3" fmla="val 4525"/>
+            <a:gd name="adj3" fmla="val 4530"/>
           </a:avLst>
         </a:prstGeom>
         <a:gradFill rotWithShape="0">
@@ -2082,14 +4397,14 @@
       </dsp:nvSpPr>
       <dsp:spPr>
         <a:xfrm>
-          <a:off x="1721581" y="648431"/>
-          <a:ext cx="4443536" cy="4443536"/>
+          <a:off x="1919072" y="776071"/>
+          <a:ext cx="5305855" cy="5305855"/>
         </a:xfrm>
         <a:prstGeom prst="blockArc">
           <a:avLst>
             <a:gd name="adj1" fmla="val 16200000"/>
             <a:gd name="adj2" fmla="val 19800000"/>
-            <a:gd name="adj3" fmla="val 4525"/>
+            <a:gd name="adj3" fmla="val 4530"/>
           </a:avLst>
         </a:prstGeom>
         <a:gradFill rotWithShape="0">
@@ -2160,8 +4475,8 @@
       </dsp:nvSpPr>
       <dsp:spPr>
         <a:xfrm>
-          <a:off x="2945959" y="1872809"/>
-          <a:ext cx="1994780" cy="1994780"/>
+          <a:off x="3379886" y="2236886"/>
+          <a:ext cx="2384226" cy="2384226"/>
         </a:xfrm>
         <a:prstGeom prst="ellipse">
           <a:avLst/>
@@ -2209,12 +4524,12 @@
         </a:fontRef>
       </dsp:style>
       <dsp:txBody>
-        <a:bodyPr spcFirstLastPara="0" vert="horz" wrap="square" lIns="29210" tIns="29210" rIns="29210" bIns="29210" numCol="1" spcCol="1270" anchor="ctr" anchorCtr="0">
+        <a:bodyPr spcFirstLastPara="0" vert="horz" wrap="square" lIns="35560" tIns="35560" rIns="35560" bIns="35560" numCol="1" spcCol="1270" anchor="ctr" anchorCtr="0">
           <a:noAutofit/>
         </a:bodyPr>
         <a:lstStyle/>
         <a:p>
-          <a:pPr lvl="0" algn="ctr" defTabSz="1022350">
+          <a:pPr lvl="0" algn="ctr" defTabSz="1244600">
             <a:lnSpc>
               <a:spcPct val="90000"/>
             </a:lnSpc>
@@ -2226,14 +4541,14 @@
             </a:spcAft>
           </a:pPr>
           <a:r>
-            <a:rPr lang="en-US" sz="2300" kern="1200" dirty="0" smtClean="0">
+            <a:rPr lang="en-US" sz="2800" kern="1200" dirty="0" smtClean="0">
               <a:solidFill>
                 <a:schemeClr val="tx1"/>
               </a:solidFill>
             </a:rPr>
             <a:t>continuous integration</a:t>
           </a:r>
-          <a:endParaRPr lang="en-US" sz="2300" kern="1200" dirty="0">
+          <a:endParaRPr lang="en-US" sz="2800" kern="1200" dirty="0">
             <a:solidFill>
               <a:schemeClr val="tx1"/>
             </a:solidFill>
@@ -2241,8 +4556,8 @@
         </a:p>
       </dsp:txBody>
       <dsp:txXfrm>
-        <a:off x="3238088" y="2164938"/>
-        <a:ext cx="1410522" cy="1410522"/>
+        <a:off x="3729048" y="2586048"/>
+        <a:ext cx="1685902" cy="1685902"/>
       </dsp:txXfrm>
     </dsp:sp>
     <dsp:sp modelId="{BB3734E8-2368-3E47-A9EE-0596637508B1}">
@@ -2252,8 +4567,8 @@
       </dsp:nvSpPr>
       <dsp:spPr>
         <a:xfrm>
-          <a:off x="3245176" y="526"/>
-          <a:ext cx="1396346" cy="1396346"/>
+          <a:off x="3737520" y="1675"/>
+          <a:ext cx="1668958" cy="1668958"/>
         </a:xfrm>
         <a:prstGeom prst="ellipse">
           <a:avLst/>
@@ -2301,12 +4616,12 @@
         </a:fontRef>
       </dsp:style>
       <dsp:txBody>
-        <a:bodyPr spcFirstLastPara="0" vert="horz" wrap="square" lIns="17780" tIns="17780" rIns="17780" bIns="17780" numCol="1" spcCol="1270" anchor="ctr" anchorCtr="0">
+        <a:bodyPr spcFirstLastPara="0" vert="horz" wrap="square" lIns="21590" tIns="21590" rIns="21590" bIns="21590" numCol="1" spcCol="1270" anchor="ctr" anchorCtr="0">
           <a:noAutofit/>
         </a:bodyPr>
         <a:lstStyle/>
         <a:p>
-          <a:pPr lvl="0" algn="ctr" defTabSz="622300">
+          <a:pPr lvl="0" algn="ctr" defTabSz="755650">
             <a:lnSpc>
               <a:spcPct val="90000"/>
             </a:lnSpc>
@@ -2318,14 +4633,14 @@
             </a:spcAft>
           </a:pPr>
           <a:r>
-            <a:rPr lang="en-US" sz="1400" kern="1200" dirty="0" smtClean="0">
+            <a:rPr lang="en-US" sz="1700" kern="1200" dirty="0" smtClean="0">
               <a:solidFill>
                 <a:schemeClr val="tx1"/>
               </a:solidFill>
             </a:rPr>
             <a:t>cloudmesh script</a:t>
           </a:r>
-          <a:endParaRPr lang="en-US" sz="1400" kern="1200" dirty="0">
+          <a:endParaRPr lang="en-US" sz="1700" kern="1200" dirty="0">
             <a:solidFill>
               <a:schemeClr val="tx1"/>
             </a:solidFill>
@@ -2333,8 +4648,8 @@
         </a:p>
       </dsp:txBody>
       <dsp:txXfrm>
-        <a:off x="3449666" y="205016"/>
-        <a:ext cx="987366" cy="987366"/>
+        <a:off x="3981933" y="246088"/>
+        <a:ext cx="1180132" cy="1180132"/>
       </dsp:txXfrm>
     </dsp:sp>
     <dsp:sp modelId="{F6627B9C-2457-454C-BB33-28E2FD33740F}">
@@ -2344,8 +4659,8 @@
       </dsp:nvSpPr>
       <dsp:spPr>
         <a:xfrm>
-          <a:off x="5125750" y="1086276"/>
-          <a:ext cx="1396346" cy="1396346"/>
+          <a:off x="5982990" y="1298097"/>
+          <a:ext cx="1668958" cy="1668958"/>
         </a:xfrm>
         <a:prstGeom prst="ellipse">
           <a:avLst/>
@@ -2393,12 +4708,12 @@
         </a:fontRef>
       </dsp:style>
       <dsp:txBody>
-        <a:bodyPr spcFirstLastPara="0" vert="horz" wrap="square" lIns="17780" tIns="17780" rIns="17780" bIns="17780" numCol="1" spcCol="1270" anchor="ctr" anchorCtr="0">
+        <a:bodyPr spcFirstLastPara="0" vert="horz" wrap="square" lIns="21590" tIns="21590" rIns="21590" bIns="21590" numCol="1" spcCol="1270" anchor="ctr" anchorCtr="0">
           <a:noAutofit/>
         </a:bodyPr>
         <a:lstStyle/>
         <a:p>
-          <a:pPr lvl="0" algn="ctr" defTabSz="622300">
+          <a:pPr lvl="0" algn="ctr" defTabSz="755650">
             <a:lnSpc>
               <a:spcPct val="90000"/>
             </a:lnSpc>
@@ -2410,14 +4725,14 @@
             </a:spcAft>
           </a:pPr>
           <a:r>
-            <a:rPr lang="en-US" sz="1400" kern="1200" dirty="0" smtClean="0">
+            <a:rPr lang="en-US" sz="1700" kern="1200" dirty="0" smtClean="0">
               <a:solidFill>
                 <a:schemeClr val="tx1"/>
               </a:solidFill>
             </a:rPr>
             <a:t>playbook</a:t>
           </a:r>
-          <a:endParaRPr lang="en-US" sz="1400" kern="1200" dirty="0">
+          <a:endParaRPr lang="en-US" sz="1700" kern="1200" dirty="0">
             <a:solidFill>
               <a:schemeClr val="tx1"/>
             </a:solidFill>
@@ -2425,8 +4740,8 @@
         </a:p>
       </dsp:txBody>
       <dsp:txXfrm>
-        <a:off x="5330240" y="1290766"/>
-        <a:ext cx="987366" cy="987366"/>
+        <a:off x="6227403" y="1542510"/>
+        <a:ext cx="1180132" cy="1180132"/>
       </dsp:txXfrm>
     </dsp:sp>
     <dsp:sp modelId="{F61FDF8B-807B-1B4C-9092-31E506A368CD}">
@@ -2436,8 +4751,8 @@
       </dsp:nvSpPr>
       <dsp:spPr>
         <a:xfrm>
-          <a:off x="5125750" y="3257776"/>
-          <a:ext cx="1396346" cy="1396346"/>
+          <a:off x="5982990" y="3890942"/>
+          <a:ext cx="1668958" cy="1668958"/>
         </a:xfrm>
         <a:prstGeom prst="ellipse">
           <a:avLst/>
@@ -2485,12 +4800,12 @@
         </a:fontRef>
       </dsp:style>
       <dsp:txBody>
-        <a:bodyPr spcFirstLastPara="0" vert="horz" wrap="square" lIns="17780" tIns="17780" rIns="17780" bIns="17780" numCol="1" spcCol="1270" anchor="ctr" anchorCtr="0">
+        <a:bodyPr spcFirstLastPara="0" vert="horz" wrap="square" lIns="21590" tIns="21590" rIns="21590" bIns="21590" numCol="1" spcCol="1270" anchor="ctr" anchorCtr="0">
           <a:noAutofit/>
         </a:bodyPr>
         <a:lstStyle/>
         <a:p>
-          <a:pPr lvl="0" algn="ctr" defTabSz="622300">
+          <a:pPr lvl="0" algn="ctr" defTabSz="755650">
             <a:lnSpc>
               <a:spcPct val="90000"/>
             </a:lnSpc>
@@ -2502,14 +4817,14 @@
             </a:spcAft>
           </a:pPr>
           <a:r>
-            <a:rPr lang="en-US" sz="1400" kern="1200" dirty="0" smtClean="0">
+            <a:rPr lang="en-US" sz="1700" kern="1200" dirty="0" smtClean="0">
               <a:solidFill>
                 <a:schemeClr val="tx1"/>
               </a:solidFill>
             </a:rPr>
             <a:t>data</a:t>
           </a:r>
-          <a:endParaRPr lang="en-US" sz="1400" kern="1200" dirty="0">
+          <a:endParaRPr lang="en-US" sz="1700" kern="1200" dirty="0">
             <a:solidFill>
               <a:schemeClr val="tx1"/>
             </a:solidFill>
@@ -2517,8 +4832,8 @@
         </a:p>
       </dsp:txBody>
       <dsp:txXfrm>
-        <a:off x="5330240" y="3462266"/>
-        <a:ext cx="987366" cy="987366"/>
+        <a:off x="6227403" y="4135355"/>
+        <a:ext cx="1180132" cy="1180132"/>
       </dsp:txXfrm>
     </dsp:sp>
     <dsp:sp modelId="{74B1314F-A0AA-244F-AB01-045A5BB3A8F8}">
@@ -2528,8 +4843,8 @@
       </dsp:nvSpPr>
       <dsp:spPr>
         <a:xfrm>
-          <a:off x="3245176" y="4343526"/>
-          <a:ext cx="1396346" cy="1396346"/>
+          <a:off x="3737520" y="5187365"/>
+          <a:ext cx="1668958" cy="1668958"/>
         </a:xfrm>
         <a:prstGeom prst="ellipse">
           <a:avLst/>
@@ -2577,12 +4892,12 @@
         </a:fontRef>
       </dsp:style>
       <dsp:txBody>
-        <a:bodyPr spcFirstLastPara="0" vert="horz" wrap="square" lIns="17780" tIns="17780" rIns="17780" bIns="17780" numCol="1" spcCol="1270" anchor="ctr" anchorCtr="0">
+        <a:bodyPr spcFirstLastPara="0" vert="horz" wrap="square" lIns="21590" tIns="21590" rIns="21590" bIns="21590" numCol="1" spcCol="1270" anchor="ctr" anchorCtr="0">
           <a:noAutofit/>
         </a:bodyPr>
         <a:lstStyle/>
         <a:p>
-          <a:pPr lvl="0" algn="ctr" defTabSz="622300">
+          <a:pPr lvl="0" algn="ctr" defTabSz="755650">
             <a:lnSpc>
               <a:spcPct val="90000"/>
             </a:lnSpc>
@@ -2594,14 +4909,14 @@
             </a:spcAft>
           </a:pPr>
           <a:r>
-            <a:rPr lang="en-US" sz="1400" kern="1200" dirty="0" smtClean="0">
+            <a:rPr lang="en-US" sz="1700" kern="1200" dirty="0" smtClean="0">
               <a:solidFill>
                 <a:schemeClr val="tx1"/>
               </a:solidFill>
             </a:rPr>
             <a:t>execution</a:t>
           </a:r>
-          <a:endParaRPr lang="en-US" sz="1400" kern="1200" dirty="0">
+          <a:endParaRPr lang="en-US" sz="1700" kern="1200" dirty="0">
             <a:solidFill>
               <a:schemeClr val="tx1"/>
             </a:solidFill>
@@ -2609,8 +4924,8 @@
         </a:p>
       </dsp:txBody>
       <dsp:txXfrm>
-        <a:off x="3449666" y="4548016"/>
-        <a:ext cx="987366" cy="987366"/>
+        <a:off x="3981933" y="5431778"/>
+        <a:ext cx="1180132" cy="1180132"/>
       </dsp:txXfrm>
     </dsp:sp>
     <dsp:sp modelId="{1E7663D0-F060-C64D-A402-CE7633232607}">
@@ -2620,8 +4935,8 @@
       </dsp:nvSpPr>
       <dsp:spPr>
         <a:xfrm>
-          <a:off x="1364602" y="3257776"/>
-          <a:ext cx="1396346" cy="1396346"/>
+          <a:off x="1492050" y="3890942"/>
+          <a:ext cx="1668958" cy="1668958"/>
         </a:xfrm>
         <a:prstGeom prst="ellipse">
           <a:avLst/>
@@ -2669,12 +4984,12 @@
         </a:fontRef>
       </dsp:style>
       <dsp:txBody>
-        <a:bodyPr spcFirstLastPara="0" vert="horz" wrap="square" lIns="17780" tIns="17780" rIns="17780" bIns="17780" numCol="1" spcCol="1270" anchor="ctr" anchorCtr="0">
+        <a:bodyPr spcFirstLastPara="0" vert="horz" wrap="square" lIns="21590" tIns="21590" rIns="21590" bIns="21590" numCol="1" spcCol="1270" anchor="ctr" anchorCtr="0">
           <a:noAutofit/>
         </a:bodyPr>
         <a:lstStyle/>
         <a:p>
-          <a:pPr lvl="0" algn="ctr" defTabSz="622300">
+          <a:pPr lvl="0" algn="ctr" defTabSz="755650">
             <a:lnSpc>
               <a:spcPct val="90000"/>
             </a:lnSpc>
@@ -2686,14 +5001,14 @@
             </a:spcAft>
           </a:pPr>
           <a:r>
-            <a:rPr lang="en-US" sz="1400" kern="1200" dirty="0" smtClean="0">
+            <a:rPr lang="en-US" sz="1700" kern="1200" dirty="0" smtClean="0">
               <a:solidFill>
                 <a:schemeClr val="tx1"/>
               </a:solidFill>
             </a:rPr>
             <a:t>verification</a:t>
           </a:r>
-          <a:endParaRPr lang="en-US" sz="1400" kern="1200" dirty="0">
+          <a:endParaRPr lang="en-US" sz="1700" kern="1200" dirty="0">
             <a:solidFill>
               <a:schemeClr val="tx1"/>
             </a:solidFill>
@@ -2701,8 +5016,8 @@
         </a:p>
       </dsp:txBody>
       <dsp:txXfrm>
-        <a:off x="1569092" y="3462266"/>
-        <a:ext cx="987366" cy="987366"/>
+        <a:off x="1736463" y="4135355"/>
+        <a:ext cx="1180132" cy="1180132"/>
       </dsp:txXfrm>
     </dsp:sp>
     <dsp:sp modelId="{A78654AE-6AFE-C84D-9358-0B7111C64098}">
@@ -2712,8 +5027,8 @@
       </dsp:nvSpPr>
       <dsp:spPr>
         <a:xfrm>
-          <a:off x="1364602" y="1086276"/>
-          <a:ext cx="1396346" cy="1396346"/>
+          <a:off x="1492050" y="1298097"/>
+          <a:ext cx="1668958" cy="1668958"/>
         </a:xfrm>
         <a:prstGeom prst="ellipse">
           <a:avLst/>
@@ -2763,12 +5078,12 @@
         </a:fontRef>
       </dsp:style>
       <dsp:txBody>
-        <a:bodyPr spcFirstLastPara="0" vert="horz" wrap="square" lIns="17780" tIns="17780" rIns="17780" bIns="17780" numCol="1" spcCol="1270" anchor="ctr" anchorCtr="0">
+        <a:bodyPr spcFirstLastPara="0" vert="horz" wrap="square" lIns="21590" tIns="21590" rIns="21590" bIns="21590" numCol="1" spcCol="1270" anchor="ctr" anchorCtr="0">
           <a:noAutofit/>
         </a:bodyPr>
         <a:lstStyle/>
         <a:p>
-          <a:pPr lvl="0" algn="ctr" defTabSz="622300">
+          <a:pPr lvl="0" algn="ctr" defTabSz="755650">
             <a:lnSpc>
               <a:spcPct val="90000"/>
             </a:lnSpc>
@@ -2780,14 +5095,14 @@
             </a:spcAft>
           </a:pPr>
           <a:r>
-            <a:rPr lang="en-US" sz="1400" kern="1200" dirty="0" smtClean="0">
+            <a:rPr lang="en-US" sz="1700" kern="1200" dirty="0" smtClean="0">
               <a:solidFill>
                 <a:schemeClr val="tx1"/>
               </a:solidFill>
             </a:rPr>
             <a:t>modification</a:t>
           </a:r>
-          <a:endParaRPr lang="en-US" sz="1400" kern="1200" dirty="0">
+          <a:endParaRPr lang="en-US" sz="1700" kern="1200" dirty="0">
             <a:solidFill>
               <a:schemeClr val="tx1"/>
             </a:solidFill>
@@ -2795,8 +5110,1629 @@
         </a:p>
       </dsp:txBody>
       <dsp:txXfrm>
-        <a:off x="1569092" y="1290766"/>
-        <a:ext cx="987366" cy="987366"/>
+        <a:off x="1736463" y="1542510"/>
+        <a:ext cx="1180132" cy="1180132"/>
+      </dsp:txXfrm>
+    </dsp:sp>
+  </dsp:spTree>
+</dsp:drawing>
+</file>
+
+<file path=ppt/diagrams/drawing2.xml><?xml version="1.0" encoding="utf-8"?>
+<dsp:drawing xmlns:dgm="http://schemas.openxmlformats.org/drawingml/2006/diagram" xmlns:dsp="http://schemas.microsoft.com/office/drawing/2008/diagram" xmlns:a="http://schemas.openxmlformats.org/drawingml/2006/main">
+  <dsp:spTree>
+    <dsp:nvGrpSpPr>
+      <dsp:cNvPr id="0" name=""/>
+      <dsp:cNvGrpSpPr/>
+    </dsp:nvGrpSpPr>
+    <dsp:grpSpPr/>
+    <dsp:sp modelId="{43192D4D-AD5E-6A41-96EC-C36565597CFF}">
+      <dsp:nvSpPr>
+        <dsp:cNvPr id="0" name=""/>
+        <dsp:cNvSpPr/>
+      </dsp:nvSpPr>
+      <dsp:spPr>
+        <a:xfrm>
+          <a:off x="3400369" y="489"/>
+          <a:ext cx="1085961" cy="1085961"/>
+        </a:xfrm>
+        <a:prstGeom prst="ellipse">
+          <a:avLst/>
+        </a:prstGeom>
+        <a:gradFill rotWithShape="0">
+          <a:gsLst>
+            <a:gs pos="0">
+              <a:schemeClr val="accent2">
+                <a:shade val="80000"/>
+                <a:hueOff val="0"/>
+                <a:satOff val="0"/>
+                <a:lumOff val="0"/>
+                <a:alphaOff val="0"/>
+                <a:satMod val="103000"/>
+                <a:lumMod val="102000"/>
+                <a:tint val="94000"/>
+              </a:schemeClr>
+            </a:gs>
+            <a:gs pos="50000">
+              <a:schemeClr val="accent2">
+                <a:shade val="80000"/>
+                <a:hueOff val="0"/>
+                <a:satOff val="0"/>
+                <a:lumOff val="0"/>
+                <a:alphaOff val="0"/>
+                <a:satMod val="110000"/>
+                <a:lumMod val="100000"/>
+                <a:shade val="100000"/>
+              </a:schemeClr>
+            </a:gs>
+            <a:gs pos="100000">
+              <a:schemeClr val="accent2">
+                <a:shade val="80000"/>
+                <a:hueOff val="0"/>
+                <a:satOff val="0"/>
+                <a:lumOff val="0"/>
+                <a:alphaOff val="0"/>
+                <a:lumMod val="99000"/>
+                <a:satMod val="120000"/>
+                <a:shade val="78000"/>
+              </a:schemeClr>
+            </a:gs>
+          </a:gsLst>
+          <a:lin ang="5400000" scaled="0"/>
+        </a:gradFill>
+        <a:ln>
+          <a:noFill/>
+        </a:ln>
+        <a:effectLst/>
+      </dsp:spPr>
+      <dsp:style>
+        <a:lnRef idx="0">
+          <a:scrgbClr r="0" g="0" b="0"/>
+        </a:lnRef>
+        <a:fillRef idx="3">
+          <a:scrgbClr r="0" g="0" b="0"/>
+        </a:fillRef>
+        <a:effectRef idx="2">
+          <a:scrgbClr r="0" g="0" b="0"/>
+        </a:effectRef>
+        <a:fontRef idx="minor">
+          <a:schemeClr val="lt1"/>
+        </a:fontRef>
+      </dsp:style>
+      <dsp:txBody>
+        <a:bodyPr spcFirstLastPara="0" vert="horz" wrap="square" lIns="13970" tIns="13970" rIns="13970" bIns="13970" numCol="1" spcCol="1270" anchor="ctr" anchorCtr="0">
+          <a:noAutofit/>
+        </a:bodyPr>
+        <a:lstStyle/>
+        <a:p>
+          <a:pPr lvl="0" algn="ctr" defTabSz="488950">
+            <a:lnSpc>
+              <a:spcPct val="90000"/>
+            </a:lnSpc>
+            <a:spcBef>
+              <a:spcPct val="0"/>
+            </a:spcBef>
+            <a:spcAft>
+              <a:spcPct val="35000"/>
+            </a:spcAft>
+          </a:pPr>
+          <a:r>
+            <a:rPr lang="en-US" sz="1100" kern="1200" dirty="0" smtClean="0"/>
+            <a:t>cloudmesh script</a:t>
+          </a:r>
+          <a:endParaRPr lang="en-US" sz="1100" kern="1200" dirty="0"/>
+        </a:p>
+      </dsp:txBody>
+      <dsp:txXfrm>
+        <a:off x="3559404" y="159524"/>
+        <a:ext cx="767891" cy="767891"/>
+      </dsp:txXfrm>
+    </dsp:sp>
+    <dsp:sp modelId="{8DFC2DFB-C5CF-4B4D-858C-98A91CEEB855}">
+      <dsp:nvSpPr>
+        <dsp:cNvPr id="0" name=""/>
+        <dsp:cNvSpPr/>
+      </dsp:nvSpPr>
+      <dsp:spPr>
+        <a:xfrm rot="1800000">
+          <a:off x="4498264" y="764166"/>
+          <a:ext cx="289505" cy="366512"/>
+        </a:xfrm>
+        <a:prstGeom prst="rightArrow">
+          <a:avLst>
+            <a:gd name="adj1" fmla="val 60000"/>
+            <a:gd name="adj2" fmla="val 50000"/>
+          </a:avLst>
+        </a:prstGeom>
+        <a:gradFill rotWithShape="0">
+          <a:gsLst>
+            <a:gs pos="0">
+              <a:schemeClr val="accent2">
+                <a:shade val="90000"/>
+                <a:hueOff val="0"/>
+                <a:satOff val="0"/>
+                <a:lumOff val="0"/>
+                <a:alphaOff val="0"/>
+                <a:satMod val="103000"/>
+                <a:lumMod val="102000"/>
+                <a:tint val="94000"/>
+              </a:schemeClr>
+            </a:gs>
+            <a:gs pos="50000">
+              <a:schemeClr val="accent2">
+                <a:shade val="90000"/>
+                <a:hueOff val="0"/>
+                <a:satOff val="0"/>
+                <a:lumOff val="0"/>
+                <a:alphaOff val="0"/>
+                <a:satMod val="110000"/>
+                <a:lumMod val="100000"/>
+                <a:shade val="100000"/>
+              </a:schemeClr>
+            </a:gs>
+            <a:gs pos="100000">
+              <a:schemeClr val="accent2">
+                <a:shade val="90000"/>
+                <a:hueOff val="0"/>
+                <a:satOff val="0"/>
+                <a:lumOff val="0"/>
+                <a:alphaOff val="0"/>
+                <a:lumMod val="99000"/>
+                <a:satMod val="120000"/>
+                <a:shade val="78000"/>
+              </a:schemeClr>
+            </a:gs>
+          </a:gsLst>
+          <a:lin ang="5400000" scaled="0"/>
+        </a:gradFill>
+        <a:ln>
+          <a:noFill/>
+        </a:ln>
+        <a:effectLst/>
+      </dsp:spPr>
+      <dsp:style>
+        <a:lnRef idx="0">
+          <a:scrgbClr r="0" g="0" b="0"/>
+        </a:lnRef>
+        <a:fillRef idx="3">
+          <a:scrgbClr r="0" g="0" b="0"/>
+        </a:fillRef>
+        <a:effectRef idx="2">
+          <a:scrgbClr r="0" g="0" b="0"/>
+        </a:effectRef>
+        <a:fontRef idx="minor">
+          <a:schemeClr val="lt1"/>
+        </a:fontRef>
+      </dsp:style>
+      <dsp:txBody>
+        <a:bodyPr spcFirstLastPara="0" vert="horz" wrap="square" lIns="0" tIns="0" rIns="0" bIns="0" numCol="1" spcCol="1270" anchor="ctr" anchorCtr="0">
+          <a:noAutofit/>
+        </a:bodyPr>
+        <a:lstStyle/>
+        <a:p>
+          <a:pPr lvl="0" algn="ctr" defTabSz="400050">
+            <a:lnSpc>
+              <a:spcPct val="90000"/>
+            </a:lnSpc>
+            <a:spcBef>
+              <a:spcPct val="0"/>
+            </a:spcBef>
+            <a:spcAft>
+              <a:spcPct val="35000"/>
+            </a:spcAft>
+          </a:pPr>
+          <a:endParaRPr lang="en-US" sz="900" kern="1200"/>
+        </a:p>
+      </dsp:txBody>
+      <dsp:txXfrm>
+        <a:off x="4504082" y="815755"/>
+        <a:ext cx="202654" cy="219908"/>
+      </dsp:txXfrm>
+    </dsp:sp>
+    <dsp:sp modelId="{6CCBA6B0-4EBA-DE4E-88BB-5EE832E2927C}">
+      <dsp:nvSpPr>
+        <dsp:cNvPr id="0" name=""/>
+        <dsp:cNvSpPr/>
+      </dsp:nvSpPr>
+      <dsp:spPr>
+        <a:xfrm>
+          <a:off x="4813894" y="816588"/>
+          <a:ext cx="1085961" cy="1085961"/>
+        </a:xfrm>
+        <a:prstGeom prst="ellipse">
+          <a:avLst/>
+        </a:prstGeom>
+        <a:gradFill rotWithShape="0">
+          <a:gsLst>
+            <a:gs pos="0">
+              <a:schemeClr val="accent2">
+                <a:shade val="80000"/>
+                <a:hueOff val="-96283"/>
+                <a:satOff val="2033"/>
+                <a:lumOff val="5416"/>
+                <a:alphaOff val="0"/>
+                <a:satMod val="103000"/>
+                <a:lumMod val="102000"/>
+                <a:tint val="94000"/>
+              </a:schemeClr>
+            </a:gs>
+            <a:gs pos="50000">
+              <a:schemeClr val="accent2">
+                <a:shade val="80000"/>
+                <a:hueOff val="-96283"/>
+                <a:satOff val="2033"/>
+                <a:lumOff val="5416"/>
+                <a:alphaOff val="0"/>
+                <a:satMod val="110000"/>
+                <a:lumMod val="100000"/>
+                <a:shade val="100000"/>
+              </a:schemeClr>
+            </a:gs>
+            <a:gs pos="100000">
+              <a:schemeClr val="accent2">
+                <a:shade val="80000"/>
+                <a:hueOff val="-96283"/>
+                <a:satOff val="2033"/>
+                <a:lumOff val="5416"/>
+                <a:alphaOff val="0"/>
+                <a:lumMod val="99000"/>
+                <a:satMod val="120000"/>
+                <a:shade val="78000"/>
+              </a:schemeClr>
+            </a:gs>
+          </a:gsLst>
+          <a:lin ang="5400000" scaled="0"/>
+        </a:gradFill>
+        <a:ln>
+          <a:noFill/>
+        </a:ln>
+        <a:effectLst/>
+      </dsp:spPr>
+      <dsp:style>
+        <a:lnRef idx="0">
+          <a:scrgbClr r="0" g="0" b="0"/>
+        </a:lnRef>
+        <a:fillRef idx="3">
+          <a:scrgbClr r="0" g="0" b="0"/>
+        </a:fillRef>
+        <a:effectRef idx="2">
+          <a:scrgbClr r="0" g="0" b="0"/>
+        </a:effectRef>
+        <a:fontRef idx="minor">
+          <a:schemeClr val="lt1"/>
+        </a:fontRef>
+      </dsp:style>
+      <dsp:txBody>
+        <a:bodyPr spcFirstLastPara="0" vert="horz" wrap="square" lIns="13970" tIns="13970" rIns="13970" bIns="13970" numCol="1" spcCol="1270" anchor="ctr" anchorCtr="0">
+          <a:noAutofit/>
+        </a:bodyPr>
+        <a:lstStyle/>
+        <a:p>
+          <a:pPr lvl="0" algn="ctr" defTabSz="488950">
+            <a:lnSpc>
+              <a:spcPct val="90000"/>
+            </a:lnSpc>
+            <a:spcBef>
+              <a:spcPct val="0"/>
+            </a:spcBef>
+            <a:spcAft>
+              <a:spcPct val="35000"/>
+            </a:spcAft>
+          </a:pPr>
+          <a:r>
+            <a:rPr lang="en-US" sz="1100" kern="1200" dirty="0" smtClean="0"/>
+            <a:t>deployment script</a:t>
+          </a:r>
+          <a:endParaRPr lang="en-US" sz="1100" kern="1200" dirty="0"/>
+        </a:p>
+      </dsp:txBody>
+      <dsp:txXfrm>
+        <a:off x="4972929" y="975623"/>
+        <a:ext cx="767891" cy="767891"/>
+      </dsp:txXfrm>
+    </dsp:sp>
+    <dsp:sp modelId="{C2A5B6E4-EA6A-0748-A210-1BFC88B559F8}">
+      <dsp:nvSpPr>
+        <dsp:cNvPr id="0" name=""/>
+        <dsp:cNvSpPr/>
+      </dsp:nvSpPr>
+      <dsp:spPr>
+        <a:xfrm rot="5400000">
+          <a:off x="5212122" y="1984219"/>
+          <a:ext cx="289505" cy="366512"/>
+        </a:xfrm>
+        <a:prstGeom prst="rightArrow">
+          <a:avLst>
+            <a:gd name="adj1" fmla="val 60000"/>
+            <a:gd name="adj2" fmla="val 50000"/>
+          </a:avLst>
+        </a:prstGeom>
+        <a:gradFill rotWithShape="0">
+          <a:gsLst>
+            <a:gs pos="0">
+              <a:schemeClr val="accent2">
+                <a:shade val="90000"/>
+                <a:hueOff val="-96290"/>
+                <a:satOff val="483"/>
+                <a:lumOff val="4852"/>
+                <a:alphaOff val="0"/>
+                <a:satMod val="103000"/>
+                <a:lumMod val="102000"/>
+                <a:tint val="94000"/>
+              </a:schemeClr>
+            </a:gs>
+            <a:gs pos="50000">
+              <a:schemeClr val="accent2">
+                <a:shade val="90000"/>
+                <a:hueOff val="-96290"/>
+                <a:satOff val="483"/>
+                <a:lumOff val="4852"/>
+                <a:alphaOff val="0"/>
+                <a:satMod val="110000"/>
+                <a:lumMod val="100000"/>
+                <a:shade val="100000"/>
+              </a:schemeClr>
+            </a:gs>
+            <a:gs pos="100000">
+              <a:schemeClr val="accent2">
+                <a:shade val="90000"/>
+                <a:hueOff val="-96290"/>
+                <a:satOff val="483"/>
+                <a:lumOff val="4852"/>
+                <a:alphaOff val="0"/>
+                <a:lumMod val="99000"/>
+                <a:satMod val="120000"/>
+                <a:shade val="78000"/>
+              </a:schemeClr>
+            </a:gs>
+          </a:gsLst>
+          <a:lin ang="5400000" scaled="0"/>
+        </a:gradFill>
+        <a:ln>
+          <a:noFill/>
+        </a:ln>
+        <a:effectLst/>
+      </dsp:spPr>
+      <dsp:style>
+        <a:lnRef idx="0">
+          <a:scrgbClr r="0" g="0" b="0"/>
+        </a:lnRef>
+        <a:fillRef idx="3">
+          <a:scrgbClr r="0" g="0" b="0"/>
+        </a:fillRef>
+        <a:effectRef idx="2">
+          <a:scrgbClr r="0" g="0" b="0"/>
+        </a:effectRef>
+        <a:fontRef idx="minor">
+          <a:schemeClr val="lt1"/>
+        </a:fontRef>
+      </dsp:style>
+      <dsp:txBody>
+        <a:bodyPr spcFirstLastPara="0" vert="horz" wrap="square" lIns="0" tIns="0" rIns="0" bIns="0" numCol="1" spcCol="1270" anchor="ctr" anchorCtr="0">
+          <a:noAutofit/>
+        </a:bodyPr>
+        <a:lstStyle/>
+        <a:p>
+          <a:pPr lvl="0" algn="ctr" defTabSz="400050">
+            <a:lnSpc>
+              <a:spcPct val="90000"/>
+            </a:lnSpc>
+            <a:spcBef>
+              <a:spcPct val="0"/>
+            </a:spcBef>
+            <a:spcAft>
+              <a:spcPct val="35000"/>
+            </a:spcAft>
+          </a:pPr>
+          <a:endParaRPr lang="en-US" sz="900" kern="1200"/>
+        </a:p>
+      </dsp:txBody>
+      <dsp:txXfrm>
+        <a:off x="5255548" y="2014096"/>
+        <a:ext cx="202654" cy="219908"/>
+      </dsp:txXfrm>
+    </dsp:sp>
+    <dsp:sp modelId="{7BB4B94F-5F42-0046-B0D6-D96B4B37C7C9}">
+      <dsp:nvSpPr>
+        <dsp:cNvPr id="0" name=""/>
+        <dsp:cNvSpPr/>
+      </dsp:nvSpPr>
+      <dsp:spPr>
+        <a:xfrm>
+          <a:off x="4813894" y="2448787"/>
+          <a:ext cx="1085961" cy="1085961"/>
+        </a:xfrm>
+        <a:prstGeom prst="ellipse">
+          <a:avLst/>
+        </a:prstGeom>
+        <a:gradFill rotWithShape="0">
+          <a:gsLst>
+            <a:gs pos="0">
+              <a:schemeClr val="accent2">
+                <a:shade val="80000"/>
+                <a:hueOff val="-192566"/>
+                <a:satOff val="4066"/>
+                <a:lumOff val="10832"/>
+                <a:alphaOff val="0"/>
+                <a:satMod val="103000"/>
+                <a:lumMod val="102000"/>
+                <a:tint val="94000"/>
+              </a:schemeClr>
+            </a:gs>
+            <a:gs pos="50000">
+              <a:schemeClr val="accent2">
+                <a:shade val="80000"/>
+                <a:hueOff val="-192566"/>
+                <a:satOff val="4066"/>
+                <a:lumOff val="10832"/>
+                <a:alphaOff val="0"/>
+                <a:satMod val="110000"/>
+                <a:lumMod val="100000"/>
+                <a:shade val="100000"/>
+              </a:schemeClr>
+            </a:gs>
+            <a:gs pos="100000">
+              <a:schemeClr val="accent2">
+                <a:shade val="80000"/>
+                <a:hueOff val="-192566"/>
+                <a:satOff val="4066"/>
+                <a:lumOff val="10832"/>
+                <a:alphaOff val="0"/>
+                <a:lumMod val="99000"/>
+                <a:satMod val="120000"/>
+                <a:shade val="78000"/>
+              </a:schemeClr>
+            </a:gs>
+          </a:gsLst>
+          <a:lin ang="5400000" scaled="0"/>
+        </a:gradFill>
+        <a:ln>
+          <a:noFill/>
+        </a:ln>
+        <a:effectLst/>
+      </dsp:spPr>
+      <dsp:style>
+        <a:lnRef idx="0">
+          <a:scrgbClr r="0" g="0" b="0"/>
+        </a:lnRef>
+        <a:fillRef idx="3">
+          <a:scrgbClr r="0" g="0" b="0"/>
+        </a:fillRef>
+        <a:effectRef idx="2">
+          <a:scrgbClr r="0" g="0" b="0"/>
+        </a:effectRef>
+        <a:fontRef idx="minor">
+          <a:schemeClr val="lt1"/>
+        </a:fontRef>
+      </dsp:style>
+      <dsp:txBody>
+        <a:bodyPr spcFirstLastPara="0" vert="horz" wrap="square" lIns="13970" tIns="13970" rIns="13970" bIns="13970" numCol="1" spcCol="1270" anchor="ctr" anchorCtr="0">
+          <a:noAutofit/>
+        </a:bodyPr>
+        <a:lstStyle/>
+        <a:p>
+          <a:pPr lvl="0" algn="ctr" defTabSz="488950">
+            <a:lnSpc>
+              <a:spcPct val="90000"/>
+            </a:lnSpc>
+            <a:spcBef>
+              <a:spcPct val="0"/>
+            </a:spcBef>
+            <a:spcAft>
+              <a:spcPct val="35000"/>
+            </a:spcAft>
+          </a:pPr>
+          <a:r>
+            <a:rPr lang="en-US" sz="1100" kern="1200" dirty="0" smtClean="0"/>
+            <a:t>obtain data</a:t>
+          </a:r>
+          <a:endParaRPr lang="en-US" sz="1100" kern="1200" dirty="0"/>
+        </a:p>
+      </dsp:txBody>
+      <dsp:txXfrm>
+        <a:off x="4972929" y="2607822"/>
+        <a:ext cx="767891" cy="767891"/>
+      </dsp:txXfrm>
+    </dsp:sp>
+    <dsp:sp modelId="{BAF268AB-F04C-994A-97C9-EEBA1F2684A0}">
+      <dsp:nvSpPr>
+        <dsp:cNvPr id="0" name=""/>
+        <dsp:cNvSpPr/>
+      </dsp:nvSpPr>
+      <dsp:spPr>
+        <a:xfrm rot="9000000">
+          <a:off x="4512455" y="3212465"/>
+          <a:ext cx="289505" cy="366512"/>
+        </a:xfrm>
+        <a:prstGeom prst="rightArrow">
+          <a:avLst>
+            <a:gd name="adj1" fmla="val 60000"/>
+            <a:gd name="adj2" fmla="val 50000"/>
+          </a:avLst>
+        </a:prstGeom>
+        <a:gradFill rotWithShape="0">
+          <a:gsLst>
+            <a:gs pos="0">
+              <a:schemeClr val="accent2">
+                <a:shade val="90000"/>
+                <a:hueOff val="-192580"/>
+                <a:satOff val="966"/>
+                <a:lumOff val="9704"/>
+                <a:alphaOff val="0"/>
+                <a:satMod val="103000"/>
+                <a:lumMod val="102000"/>
+                <a:tint val="94000"/>
+              </a:schemeClr>
+            </a:gs>
+            <a:gs pos="50000">
+              <a:schemeClr val="accent2">
+                <a:shade val="90000"/>
+                <a:hueOff val="-192580"/>
+                <a:satOff val="966"/>
+                <a:lumOff val="9704"/>
+                <a:alphaOff val="0"/>
+                <a:satMod val="110000"/>
+                <a:lumMod val="100000"/>
+                <a:shade val="100000"/>
+              </a:schemeClr>
+            </a:gs>
+            <a:gs pos="100000">
+              <a:schemeClr val="accent2">
+                <a:shade val="90000"/>
+                <a:hueOff val="-192580"/>
+                <a:satOff val="966"/>
+                <a:lumOff val="9704"/>
+                <a:alphaOff val="0"/>
+                <a:lumMod val="99000"/>
+                <a:satMod val="120000"/>
+                <a:shade val="78000"/>
+              </a:schemeClr>
+            </a:gs>
+          </a:gsLst>
+          <a:lin ang="5400000" scaled="0"/>
+        </a:gradFill>
+        <a:ln>
+          <a:noFill/>
+        </a:ln>
+        <a:effectLst/>
+      </dsp:spPr>
+      <dsp:style>
+        <a:lnRef idx="0">
+          <a:scrgbClr r="0" g="0" b="0"/>
+        </a:lnRef>
+        <a:fillRef idx="3">
+          <a:scrgbClr r="0" g="0" b="0"/>
+        </a:fillRef>
+        <a:effectRef idx="2">
+          <a:scrgbClr r="0" g="0" b="0"/>
+        </a:effectRef>
+        <a:fontRef idx="minor">
+          <a:schemeClr val="lt1"/>
+        </a:fontRef>
+      </dsp:style>
+      <dsp:txBody>
+        <a:bodyPr spcFirstLastPara="0" vert="horz" wrap="square" lIns="0" tIns="0" rIns="0" bIns="0" numCol="1" spcCol="1270" anchor="ctr" anchorCtr="0">
+          <a:noAutofit/>
+        </a:bodyPr>
+        <a:lstStyle/>
+        <a:p>
+          <a:pPr lvl="0" algn="ctr" defTabSz="400050">
+            <a:lnSpc>
+              <a:spcPct val="90000"/>
+            </a:lnSpc>
+            <a:spcBef>
+              <a:spcPct val="0"/>
+            </a:spcBef>
+            <a:spcAft>
+              <a:spcPct val="35000"/>
+            </a:spcAft>
+          </a:pPr>
+          <a:endParaRPr lang="en-US" sz="900" kern="1200"/>
+        </a:p>
+      </dsp:txBody>
+      <dsp:txXfrm rot="10800000">
+        <a:off x="4593488" y="3264054"/>
+        <a:ext cx="202654" cy="219908"/>
+      </dsp:txXfrm>
+    </dsp:sp>
+    <dsp:sp modelId="{C7B83BD6-8681-D040-A663-649DC1F3946D}">
+      <dsp:nvSpPr>
+        <dsp:cNvPr id="0" name=""/>
+        <dsp:cNvSpPr/>
+      </dsp:nvSpPr>
+      <dsp:spPr>
+        <a:xfrm>
+          <a:off x="3400369" y="3264887"/>
+          <a:ext cx="1085961" cy="1085961"/>
+        </a:xfrm>
+        <a:prstGeom prst="ellipse">
+          <a:avLst/>
+        </a:prstGeom>
+        <a:gradFill rotWithShape="0">
+          <a:gsLst>
+            <a:gs pos="0">
+              <a:schemeClr val="accent2">
+                <a:shade val="80000"/>
+                <a:hueOff val="-288848"/>
+                <a:satOff val="6100"/>
+                <a:lumOff val="16249"/>
+                <a:alphaOff val="0"/>
+                <a:satMod val="103000"/>
+                <a:lumMod val="102000"/>
+                <a:tint val="94000"/>
+              </a:schemeClr>
+            </a:gs>
+            <a:gs pos="50000">
+              <a:schemeClr val="accent2">
+                <a:shade val="80000"/>
+                <a:hueOff val="-288848"/>
+                <a:satOff val="6100"/>
+                <a:lumOff val="16249"/>
+                <a:alphaOff val="0"/>
+                <a:satMod val="110000"/>
+                <a:lumMod val="100000"/>
+                <a:shade val="100000"/>
+              </a:schemeClr>
+            </a:gs>
+            <a:gs pos="100000">
+              <a:schemeClr val="accent2">
+                <a:shade val="80000"/>
+                <a:hueOff val="-288848"/>
+                <a:satOff val="6100"/>
+                <a:lumOff val="16249"/>
+                <a:alphaOff val="0"/>
+                <a:lumMod val="99000"/>
+                <a:satMod val="120000"/>
+                <a:shade val="78000"/>
+              </a:schemeClr>
+            </a:gs>
+          </a:gsLst>
+          <a:lin ang="5400000" scaled="0"/>
+        </a:gradFill>
+        <a:ln>
+          <a:noFill/>
+        </a:ln>
+        <a:effectLst/>
+      </dsp:spPr>
+      <dsp:style>
+        <a:lnRef idx="0">
+          <a:scrgbClr r="0" g="0" b="0"/>
+        </a:lnRef>
+        <a:fillRef idx="3">
+          <a:scrgbClr r="0" g="0" b="0"/>
+        </a:fillRef>
+        <a:effectRef idx="2">
+          <a:scrgbClr r="0" g="0" b="0"/>
+        </a:effectRef>
+        <a:fontRef idx="minor">
+          <a:schemeClr val="lt1"/>
+        </a:fontRef>
+      </dsp:style>
+      <dsp:txBody>
+        <a:bodyPr spcFirstLastPara="0" vert="horz" wrap="square" lIns="13970" tIns="13970" rIns="13970" bIns="13970" numCol="1" spcCol="1270" anchor="ctr" anchorCtr="0">
+          <a:noAutofit/>
+        </a:bodyPr>
+        <a:lstStyle/>
+        <a:p>
+          <a:pPr lvl="0" algn="ctr" defTabSz="488950">
+            <a:lnSpc>
+              <a:spcPct val="90000"/>
+            </a:lnSpc>
+            <a:spcBef>
+              <a:spcPct val="0"/>
+            </a:spcBef>
+            <a:spcAft>
+              <a:spcPct val="35000"/>
+            </a:spcAft>
+          </a:pPr>
+          <a:r>
+            <a:rPr lang="en-US" sz="1100" kern="1200" dirty="0" smtClean="0"/>
+            <a:t>application execution</a:t>
+          </a:r>
+          <a:endParaRPr lang="en-US" sz="1100" kern="1200" dirty="0"/>
+        </a:p>
+      </dsp:txBody>
+      <dsp:txXfrm>
+        <a:off x="3559404" y="3423922"/>
+        <a:ext cx="767891" cy="767891"/>
+      </dsp:txXfrm>
+    </dsp:sp>
+    <dsp:sp modelId="{D23F66AE-376C-4344-BE3D-B20241D8396B}">
+      <dsp:nvSpPr>
+        <dsp:cNvPr id="0" name=""/>
+        <dsp:cNvSpPr/>
+      </dsp:nvSpPr>
+      <dsp:spPr>
+        <a:xfrm rot="12600000">
+          <a:off x="3098930" y="3220658"/>
+          <a:ext cx="289505" cy="366512"/>
+        </a:xfrm>
+        <a:prstGeom prst="rightArrow">
+          <a:avLst>
+            <a:gd name="adj1" fmla="val 60000"/>
+            <a:gd name="adj2" fmla="val 50000"/>
+          </a:avLst>
+        </a:prstGeom>
+        <a:gradFill rotWithShape="0">
+          <a:gsLst>
+            <a:gs pos="0">
+              <a:schemeClr val="accent2">
+                <a:shade val="90000"/>
+                <a:hueOff val="-288871"/>
+                <a:satOff val="1450"/>
+                <a:lumOff val="14555"/>
+                <a:alphaOff val="0"/>
+                <a:satMod val="103000"/>
+                <a:lumMod val="102000"/>
+                <a:tint val="94000"/>
+              </a:schemeClr>
+            </a:gs>
+            <a:gs pos="50000">
+              <a:schemeClr val="accent2">
+                <a:shade val="90000"/>
+                <a:hueOff val="-288871"/>
+                <a:satOff val="1450"/>
+                <a:lumOff val="14555"/>
+                <a:alphaOff val="0"/>
+                <a:satMod val="110000"/>
+                <a:lumMod val="100000"/>
+                <a:shade val="100000"/>
+              </a:schemeClr>
+            </a:gs>
+            <a:gs pos="100000">
+              <a:schemeClr val="accent2">
+                <a:shade val="90000"/>
+                <a:hueOff val="-288871"/>
+                <a:satOff val="1450"/>
+                <a:lumOff val="14555"/>
+                <a:alphaOff val="0"/>
+                <a:lumMod val="99000"/>
+                <a:satMod val="120000"/>
+                <a:shade val="78000"/>
+              </a:schemeClr>
+            </a:gs>
+          </a:gsLst>
+          <a:lin ang="5400000" scaled="0"/>
+        </a:gradFill>
+        <a:ln>
+          <a:noFill/>
+        </a:ln>
+        <a:effectLst/>
+      </dsp:spPr>
+      <dsp:style>
+        <a:lnRef idx="0">
+          <a:scrgbClr r="0" g="0" b="0"/>
+        </a:lnRef>
+        <a:fillRef idx="3">
+          <a:scrgbClr r="0" g="0" b="0"/>
+        </a:fillRef>
+        <a:effectRef idx="2">
+          <a:scrgbClr r="0" g="0" b="0"/>
+        </a:effectRef>
+        <a:fontRef idx="minor">
+          <a:schemeClr val="lt1"/>
+        </a:fontRef>
+      </dsp:style>
+      <dsp:txBody>
+        <a:bodyPr spcFirstLastPara="0" vert="horz" wrap="square" lIns="0" tIns="0" rIns="0" bIns="0" numCol="1" spcCol="1270" anchor="ctr" anchorCtr="0">
+          <a:noAutofit/>
+        </a:bodyPr>
+        <a:lstStyle/>
+        <a:p>
+          <a:pPr lvl="0" algn="ctr" defTabSz="400050">
+            <a:lnSpc>
+              <a:spcPct val="90000"/>
+            </a:lnSpc>
+            <a:spcBef>
+              <a:spcPct val="0"/>
+            </a:spcBef>
+            <a:spcAft>
+              <a:spcPct val="35000"/>
+            </a:spcAft>
+          </a:pPr>
+          <a:endParaRPr lang="en-US" sz="900" kern="1200"/>
+        </a:p>
+      </dsp:txBody>
+      <dsp:txXfrm rot="10800000">
+        <a:off x="3179963" y="3315673"/>
+        <a:ext cx="202654" cy="219908"/>
+      </dsp:txXfrm>
+    </dsp:sp>
+    <dsp:sp modelId="{69DF594E-901D-0D4B-ACF7-4C57701DA79A}">
+      <dsp:nvSpPr>
+        <dsp:cNvPr id="0" name=""/>
+        <dsp:cNvSpPr/>
+      </dsp:nvSpPr>
+      <dsp:spPr>
+        <a:xfrm>
+          <a:off x="1986843" y="2448787"/>
+          <a:ext cx="1085961" cy="1085961"/>
+        </a:xfrm>
+        <a:prstGeom prst="ellipse">
+          <a:avLst/>
+        </a:prstGeom>
+        <a:gradFill rotWithShape="0">
+          <a:gsLst>
+            <a:gs pos="0">
+              <a:schemeClr val="accent2">
+                <a:shade val="80000"/>
+                <a:hueOff val="-385131"/>
+                <a:satOff val="8133"/>
+                <a:lumOff val="21665"/>
+                <a:alphaOff val="0"/>
+                <a:satMod val="103000"/>
+                <a:lumMod val="102000"/>
+                <a:tint val="94000"/>
+              </a:schemeClr>
+            </a:gs>
+            <a:gs pos="50000">
+              <a:schemeClr val="accent2">
+                <a:shade val="80000"/>
+                <a:hueOff val="-385131"/>
+                <a:satOff val="8133"/>
+                <a:lumOff val="21665"/>
+                <a:alphaOff val="0"/>
+                <a:satMod val="110000"/>
+                <a:lumMod val="100000"/>
+                <a:shade val="100000"/>
+              </a:schemeClr>
+            </a:gs>
+            <a:gs pos="100000">
+              <a:schemeClr val="accent2">
+                <a:shade val="80000"/>
+                <a:hueOff val="-385131"/>
+                <a:satOff val="8133"/>
+                <a:lumOff val="21665"/>
+                <a:alphaOff val="0"/>
+                <a:lumMod val="99000"/>
+                <a:satMod val="120000"/>
+                <a:shade val="78000"/>
+              </a:schemeClr>
+            </a:gs>
+          </a:gsLst>
+          <a:lin ang="5400000" scaled="0"/>
+        </a:gradFill>
+        <a:ln>
+          <a:noFill/>
+        </a:ln>
+        <a:effectLst/>
+      </dsp:spPr>
+      <dsp:style>
+        <a:lnRef idx="0">
+          <a:scrgbClr r="0" g="0" b="0"/>
+        </a:lnRef>
+        <a:fillRef idx="3">
+          <a:scrgbClr r="0" g="0" b="0"/>
+        </a:fillRef>
+        <a:effectRef idx="2">
+          <a:scrgbClr r="0" g="0" b="0"/>
+        </a:effectRef>
+        <a:fontRef idx="minor">
+          <a:schemeClr val="lt1"/>
+        </a:fontRef>
+      </dsp:style>
+      <dsp:txBody>
+        <a:bodyPr spcFirstLastPara="0" vert="horz" wrap="square" lIns="13970" tIns="13970" rIns="13970" bIns="13970" numCol="1" spcCol="1270" anchor="ctr" anchorCtr="0">
+          <a:noAutofit/>
+        </a:bodyPr>
+        <a:lstStyle/>
+        <a:p>
+          <a:pPr lvl="0" algn="ctr" defTabSz="488950">
+            <a:lnSpc>
+              <a:spcPct val="90000"/>
+            </a:lnSpc>
+            <a:spcBef>
+              <a:spcPct val="0"/>
+            </a:spcBef>
+            <a:spcAft>
+              <a:spcPct val="35000"/>
+            </a:spcAft>
+          </a:pPr>
+          <a:r>
+            <a:rPr lang="en-US" sz="1100" kern="1200" dirty="0" smtClean="0"/>
+            <a:t>result verification</a:t>
+          </a:r>
+          <a:endParaRPr lang="en-US" sz="1100" kern="1200" dirty="0"/>
+        </a:p>
+      </dsp:txBody>
+      <dsp:txXfrm>
+        <a:off x="2145878" y="2607822"/>
+        <a:ext cx="767891" cy="767891"/>
+      </dsp:txXfrm>
+    </dsp:sp>
+    <dsp:sp modelId="{69181F57-0269-D641-B9B5-D96F00F06FB8}">
+      <dsp:nvSpPr>
+        <dsp:cNvPr id="0" name=""/>
+        <dsp:cNvSpPr/>
+      </dsp:nvSpPr>
+      <dsp:spPr>
+        <a:xfrm rot="16200000">
+          <a:off x="2385071" y="2000606"/>
+          <a:ext cx="289505" cy="366512"/>
+        </a:xfrm>
+        <a:prstGeom prst="rightArrow">
+          <a:avLst>
+            <a:gd name="adj1" fmla="val 60000"/>
+            <a:gd name="adj2" fmla="val 50000"/>
+          </a:avLst>
+        </a:prstGeom>
+        <a:gradFill rotWithShape="0">
+          <a:gsLst>
+            <a:gs pos="0">
+              <a:schemeClr val="accent2">
+                <a:shade val="90000"/>
+                <a:hueOff val="-385161"/>
+                <a:satOff val="1933"/>
+                <a:lumOff val="19407"/>
+                <a:alphaOff val="0"/>
+                <a:satMod val="103000"/>
+                <a:lumMod val="102000"/>
+                <a:tint val="94000"/>
+              </a:schemeClr>
+            </a:gs>
+            <a:gs pos="50000">
+              <a:schemeClr val="accent2">
+                <a:shade val="90000"/>
+                <a:hueOff val="-385161"/>
+                <a:satOff val="1933"/>
+                <a:lumOff val="19407"/>
+                <a:alphaOff val="0"/>
+                <a:satMod val="110000"/>
+                <a:lumMod val="100000"/>
+                <a:shade val="100000"/>
+              </a:schemeClr>
+            </a:gs>
+            <a:gs pos="100000">
+              <a:schemeClr val="accent2">
+                <a:shade val="90000"/>
+                <a:hueOff val="-385161"/>
+                <a:satOff val="1933"/>
+                <a:lumOff val="19407"/>
+                <a:alphaOff val="0"/>
+                <a:lumMod val="99000"/>
+                <a:satMod val="120000"/>
+                <a:shade val="78000"/>
+              </a:schemeClr>
+            </a:gs>
+          </a:gsLst>
+          <a:lin ang="5400000" scaled="0"/>
+        </a:gradFill>
+        <a:ln>
+          <a:noFill/>
+        </a:ln>
+        <a:effectLst/>
+      </dsp:spPr>
+      <dsp:style>
+        <a:lnRef idx="0">
+          <a:scrgbClr r="0" g="0" b="0"/>
+        </a:lnRef>
+        <a:fillRef idx="3">
+          <a:scrgbClr r="0" g="0" b="0"/>
+        </a:fillRef>
+        <a:effectRef idx="2">
+          <a:scrgbClr r="0" g="0" b="0"/>
+        </a:effectRef>
+        <a:fontRef idx="minor">
+          <a:schemeClr val="lt1"/>
+        </a:fontRef>
+      </dsp:style>
+      <dsp:txBody>
+        <a:bodyPr spcFirstLastPara="0" vert="horz" wrap="square" lIns="0" tIns="0" rIns="0" bIns="0" numCol="1" spcCol="1270" anchor="ctr" anchorCtr="0">
+          <a:noAutofit/>
+        </a:bodyPr>
+        <a:lstStyle/>
+        <a:p>
+          <a:pPr lvl="0" algn="ctr" defTabSz="400050">
+            <a:lnSpc>
+              <a:spcPct val="90000"/>
+            </a:lnSpc>
+            <a:spcBef>
+              <a:spcPct val="0"/>
+            </a:spcBef>
+            <a:spcAft>
+              <a:spcPct val="35000"/>
+            </a:spcAft>
+          </a:pPr>
+          <a:endParaRPr lang="en-US" sz="900" kern="1200"/>
+        </a:p>
+      </dsp:txBody>
+      <dsp:txXfrm>
+        <a:off x="2428497" y="2117334"/>
+        <a:ext cx="202654" cy="219908"/>
+      </dsp:txXfrm>
+    </dsp:sp>
+    <dsp:sp modelId="{3E51EB1E-7295-3349-A5C8-9F2261D8400E}">
+      <dsp:nvSpPr>
+        <dsp:cNvPr id="0" name=""/>
+        <dsp:cNvSpPr/>
+      </dsp:nvSpPr>
+      <dsp:spPr>
+        <a:xfrm>
+          <a:off x="1986843" y="816588"/>
+          <a:ext cx="1085961" cy="1085961"/>
+        </a:xfrm>
+        <a:prstGeom prst="ellipse">
+          <a:avLst/>
+        </a:prstGeom>
+        <a:gradFill rotWithShape="0">
+          <a:gsLst>
+            <a:gs pos="0">
+              <a:schemeClr val="accent2">
+                <a:shade val="80000"/>
+                <a:hueOff val="-481414"/>
+                <a:satOff val="10166"/>
+                <a:lumOff val="27081"/>
+                <a:alphaOff val="0"/>
+                <a:satMod val="103000"/>
+                <a:lumMod val="102000"/>
+                <a:tint val="94000"/>
+              </a:schemeClr>
+            </a:gs>
+            <a:gs pos="50000">
+              <a:schemeClr val="accent2">
+                <a:shade val="80000"/>
+                <a:hueOff val="-481414"/>
+                <a:satOff val="10166"/>
+                <a:lumOff val="27081"/>
+                <a:alphaOff val="0"/>
+                <a:satMod val="110000"/>
+                <a:lumMod val="100000"/>
+                <a:shade val="100000"/>
+              </a:schemeClr>
+            </a:gs>
+            <a:gs pos="100000">
+              <a:schemeClr val="accent2">
+                <a:shade val="80000"/>
+                <a:hueOff val="-481414"/>
+                <a:satOff val="10166"/>
+                <a:lumOff val="27081"/>
+                <a:alphaOff val="0"/>
+                <a:lumMod val="99000"/>
+                <a:satMod val="120000"/>
+                <a:shade val="78000"/>
+              </a:schemeClr>
+            </a:gs>
+          </a:gsLst>
+          <a:lin ang="5400000" scaled="0"/>
+        </a:gradFill>
+        <a:ln>
+          <a:noFill/>
+        </a:ln>
+        <a:effectLst/>
+      </dsp:spPr>
+      <dsp:style>
+        <a:lnRef idx="0">
+          <a:scrgbClr r="0" g="0" b="0"/>
+        </a:lnRef>
+        <a:fillRef idx="3">
+          <a:scrgbClr r="0" g="0" b="0"/>
+        </a:fillRef>
+        <a:effectRef idx="2">
+          <a:scrgbClr r="0" g="0" b="0"/>
+        </a:effectRef>
+        <a:fontRef idx="minor">
+          <a:schemeClr val="lt1"/>
+        </a:fontRef>
+      </dsp:style>
+      <dsp:txBody>
+        <a:bodyPr spcFirstLastPara="0" vert="horz" wrap="square" lIns="13970" tIns="13970" rIns="13970" bIns="13970" numCol="1" spcCol="1270" anchor="ctr" anchorCtr="0">
+          <a:noAutofit/>
+        </a:bodyPr>
+        <a:lstStyle/>
+        <a:p>
+          <a:pPr lvl="0" algn="ctr" defTabSz="488950">
+            <a:lnSpc>
+              <a:spcPct val="90000"/>
+            </a:lnSpc>
+            <a:spcBef>
+              <a:spcPct val="0"/>
+            </a:spcBef>
+            <a:spcAft>
+              <a:spcPct val="35000"/>
+            </a:spcAft>
+          </a:pPr>
+          <a:r>
+            <a:rPr lang="en-US" sz="1100" kern="1200" dirty="0" smtClean="0"/>
+            <a:t>modification</a:t>
+          </a:r>
+          <a:endParaRPr lang="en-US" sz="1100" kern="1200" dirty="0"/>
+        </a:p>
+      </dsp:txBody>
+      <dsp:txXfrm>
+        <a:off x="2145878" y="975623"/>
+        <a:ext cx="767891" cy="767891"/>
+      </dsp:txXfrm>
+    </dsp:sp>
+    <dsp:sp modelId="{2DE5BBCD-FD0E-5D46-9B9E-F61E666062FE}">
+      <dsp:nvSpPr>
+        <dsp:cNvPr id="0" name=""/>
+        <dsp:cNvSpPr/>
+      </dsp:nvSpPr>
+      <dsp:spPr>
+        <a:xfrm rot="19800000">
+          <a:off x="3084738" y="772360"/>
+          <a:ext cx="289505" cy="366512"/>
+        </a:xfrm>
+        <a:prstGeom prst="rightArrow">
+          <a:avLst>
+            <a:gd name="adj1" fmla="val 60000"/>
+            <a:gd name="adj2" fmla="val 50000"/>
+          </a:avLst>
+        </a:prstGeom>
+        <a:gradFill rotWithShape="0">
+          <a:gsLst>
+            <a:gs pos="0">
+              <a:schemeClr val="accent2">
+                <a:shade val="90000"/>
+                <a:hueOff val="-481451"/>
+                <a:satOff val="2416"/>
+                <a:lumOff val="24259"/>
+                <a:alphaOff val="0"/>
+                <a:satMod val="103000"/>
+                <a:lumMod val="102000"/>
+                <a:tint val="94000"/>
+              </a:schemeClr>
+            </a:gs>
+            <a:gs pos="50000">
+              <a:schemeClr val="accent2">
+                <a:shade val="90000"/>
+                <a:hueOff val="-481451"/>
+                <a:satOff val="2416"/>
+                <a:lumOff val="24259"/>
+                <a:alphaOff val="0"/>
+                <a:satMod val="110000"/>
+                <a:lumMod val="100000"/>
+                <a:shade val="100000"/>
+              </a:schemeClr>
+            </a:gs>
+            <a:gs pos="100000">
+              <a:schemeClr val="accent2">
+                <a:shade val="90000"/>
+                <a:hueOff val="-481451"/>
+                <a:satOff val="2416"/>
+                <a:lumOff val="24259"/>
+                <a:alphaOff val="0"/>
+                <a:lumMod val="99000"/>
+                <a:satMod val="120000"/>
+                <a:shade val="78000"/>
+              </a:schemeClr>
+            </a:gs>
+          </a:gsLst>
+          <a:lin ang="5400000" scaled="0"/>
+        </a:gradFill>
+        <a:ln>
+          <a:noFill/>
+        </a:ln>
+        <a:effectLst/>
+      </dsp:spPr>
+      <dsp:style>
+        <a:lnRef idx="0">
+          <a:scrgbClr r="0" g="0" b="0"/>
+        </a:lnRef>
+        <a:fillRef idx="3">
+          <a:scrgbClr r="0" g="0" b="0"/>
+        </a:fillRef>
+        <a:effectRef idx="2">
+          <a:scrgbClr r="0" g="0" b="0"/>
+        </a:effectRef>
+        <a:fontRef idx="minor">
+          <a:schemeClr val="lt1"/>
+        </a:fontRef>
+      </dsp:style>
+      <dsp:txBody>
+        <a:bodyPr spcFirstLastPara="0" vert="horz" wrap="square" lIns="0" tIns="0" rIns="0" bIns="0" numCol="1" spcCol="1270" anchor="ctr" anchorCtr="0">
+          <a:noAutofit/>
+        </a:bodyPr>
+        <a:lstStyle/>
+        <a:p>
+          <a:pPr lvl="0" algn="ctr" defTabSz="400050">
+            <a:lnSpc>
+              <a:spcPct val="90000"/>
+            </a:lnSpc>
+            <a:spcBef>
+              <a:spcPct val="0"/>
+            </a:spcBef>
+            <a:spcAft>
+              <a:spcPct val="35000"/>
+            </a:spcAft>
+          </a:pPr>
+          <a:endParaRPr lang="en-US" sz="900" kern="1200"/>
+        </a:p>
+      </dsp:txBody>
+      <dsp:txXfrm>
+        <a:off x="3090556" y="867375"/>
+        <a:ext cx="202654" cy="219908"/>
+      </dsp:txXfrm>
+    </dsp:sp>
+  </dsp:spTree>
+</dsp:drawing>
+</file>
+
+<file path=ppt/diagrams/drawing3.xml><?xml version="1.0" encoding="utf-8"?>
+<dsp:drawing xmlns:dgm="http://schemas.openxmlformats.org/drawingml/2006/diagram" xmlns:dsp="http://schemas.microsoft.com/office/drawing/2008/diagram" xmlns:a="http://schemas.openxmlformats.org/drawingml/2006/main">
+  <dsp:spTree>
+    <dsp:nvGrpSpPr>
+      <dsp:cNvPr id="0" name=""/>
+      <dsp:cNvGrpSpPr/>
+    </dsp:nvGrpSpPr>
+    <dsp:grpSpPr/>
+    <dsp:sp modelId="{A9E79660-7D61-E147-80BF-7625C536667A}">
+      <dsp:nvSpPr>
+        <dsp:cNvPr id="0" name=""/>
+        <dsp:cNvSpPr/>
+      </dsp:nvSpPr>
+      <dsp:spPr>
+        <a:xfrm>
+          <a:off x="599901" y="0"/>
+          <a:ext cx="6594763" cy="6594763"/>
+        </a:xfrm>
+        <a:prstGeom prst="triangle">
+          <a:avLst/>
+        </a:prstGeom>
+        <a:gradFill rotWithShape="0">
+          <a:gsLst>
+            <a:gs pos="0">
+              <a:schemeClr val="accent1">
+                <a:hueOff val="0"/>
+                <a:satOff val="0"/>
+                <a:lumOff val="0"/>
+                <a:alphaOff val="0"/>
+                <a:satMod val="103000"/>
+                <a:lumMod val="102000"/>
+                <a:tint val="94000"/>
+              </a:schemeClr>
+            </a:gs>
+            <a:gs pos="50000">
+              <a:schemeClr val="accent1">
+                <a:hueOff val="0"/>
+                <a:satOff val="0"/>
+                <a:lumOff val="0"/>
+                <a:alphaOff val="0"/>
+                <a:satMod val="110000"/>
+                <a:lumMod val="100000"/>
+                <a:shade val="100000"/>
+              </a:schemeClr>
+            </a:gs>
+            <a:gs pos="100000">
+              <a:schemeClr val="accent1">
+                <a:hueOff val="0"/>
+                <a:satOff val="0"/>
+                <a:lumOff val="0"/>
+                <a:alphaOff val="0"/>
+                <a:lumMod val="99000"/>
+                <a:satMod val="120000"/>
+                <a:shade val="78000"/>
+              </a:schemeClr>
+            </a:gs>
+          </a:gsLst>
+          <a:lin ang="5400000" scaled="0"/>
+        </a:gradFill>
+        <a:ln>
+          <a:noFill/>
+        </a:ln>
+        <a:effectLst/>
+      </dsp:spPr>
+      <dsp:style>
+        <a:lnRef idx="0">
+          <a:scrgbClr r="0" g="0" b="0"/>
+        </a:lnRef>
+        <a:fillRef idx="3">
+          <a:scrgbClr r="0" g="0" b="0"/>
+        </a:fillRef>
+        <a:effectRef idx="2">
+          <a:scrgbClr r="0" g="0" b="0"/>
+        </a:effectRef>
+        <a:fontRef idx="minor">
+          <a:schemeClr val="lt1"/>
+        </a:fontRef>
+      </dsp:style>
+    </dsp:sp>
+    <dsp:sp modelId="{26CFC12B-7BA4-194A-BA17-21E55E0C875E}">
+      <dsp:nvSpPr>
+        <dsp:cNvPr id="0" name=""/>
+        <dsp:cNvSpPr/>
+      </dsp:nvSpPr>
+      <dsp:spPr>
+        <a:xfrm>
+          <a:off x="3897283" y="660120"/>
+          <a:ext cx="4286595" cy="1172116"/>
+        </a:xfrm>
+        <a:prstGeom prst="roundRect">
+          <a:avLst/>
+        </a:prstGeom>
+        <a:solidFill>
+          <a:schemeClr val="lt1">
+            <a:alpha val="90000"/>
+            <a:hueOff val="0"/>
+            <a:satOff val="0"/>
+            <a:lumOff val="0"/>
+            <a:alphaOff val="0"/>
+          </a:schemeClr>
+        </a:solidFill>
+        <a:ln w="6350" cap="flat" cmpd="sng" algn="ctr">
+          <a:solidFill>
+            <a:schemeClr val="accent1">
+              <a:hueOff val="0"/>
+              <a:satOff val="0"/>
+              <a:lumOff val="0"/>
+              <a:alphaOff val="0"/>
+            </a:schemeClr>
+          </a:solidFill>
+          <a:prstDash val="solid"/>
+          <a:miter lim="800000"/>
+        </a:ln>
+        <a:effectLst/>
+      </dsp:spPr>
+      <dsp:style>
+        <a:lnRef idx="1">
+          <a:scrgbClr r="0" g="0" b="0"/>
+        </a:lnRef>
+        <a:fillRef idx="1">
+          <a:scrgbClr r="0" g="0" b="0"/>
+        </a:fillRef>
+        <a:effectRef idx="0">
+          <a:scrgbClr r="0" g="0" b="0"/>
+        </a:effectRef>
+        <a:fontRef idx="minor"/>
+      </dsp:style>
+      <dsp:txBody>
+        <a:bodyPr spcFirstLastPara="0" vert="horz" wrap="square" lIns="186690" tIns="186690" rIns="186690" bIns="186690" numCol="1" spcCol="1270" anchor="ctr" anchorCtr="0">
+          <a:noAutofit/>
+        </a:bodyPr>
+        <a:lstStyle/>
+        <a:p>
+          <a:pPr lvl="0" algn="ctr" defTabSz="2178050">
+            <a:lnSpc>
+              <a:spcPct val="90000"/>
+            </a:lnSpc>
+            <a:spcBef>
+              <a:spcPct val="0"/>
+            </a:spcBef>
+            <a:spcAft>
+              <a:spcPct val="35000"/>
+            </a:spcAft>
+          </a:pPr>
+          <a:r>
+            <a:rPr lang="en-US" sz="4900" kern="1200" dirty="0" smtClean="0"/>
+            <a:t>Application</a:t>
+          </a:r>
+          <a:endParaRPr lang="en-US" sz="4900" kern="1200" dirty="0"/>
+        </a:p>
+      </dsp:txBody>
+      <dsp:txXfrm>
+        <a:off x="3954501" y="717338"/>
+        <a:ext cx="4172159" cy="1057680"/>
+      </dsp:txXfrm>
+    </dsp:sp>
+    <dsp:sp modelId="{A66850BA-9683-6040-BEB3-7F13F02328D8}">
+      <dsp:nvSpPr>
+        <dsp:cNvPr id="0" name=""/>
+        <dsp:cNvSpPr/>
+      </dsp:nvSpPr>
+      <dsp:spPr>
+        <a:xfrm>
+          <a:off x="3897283" y="1978750"/>
+          <a:ext cx="4286595" cy="1172116"/>
+        </a:xfrm>
+        <a:prstGeom prst="roundRect">
+          <a:avLst/>
+        </a:prstGeom>
+        <a:solidFill>
+          <a:schemeClr val="lt1">
+            <a:alpha val="90000"/>
+            <a:hueOff val="0"/>
+            <a:satOff val="0"/>
+            <a:lumOff val="0"/>
+            <a:alphaOff val="0"/>
+          </a:schemeClr>
+        </a:solidFill>
+        <a:ln w="6350" cap="flat" cmpd="sng" algn="ctr">
+          <a:solidFill>
+            <a:schemeClr val="accent1">
+              <a:hueOff val="0"/>
+              <a:satOff val="0"/>
+              <a:lumOff val="0"/>
+              <a:alphaOff val="0"/>
+            </a:schemeClr>
+          </a:solidFill>
+          <a:prstDash val="solid"/>
+          <a:miter lim="800000"/>
+        </a:ln>
+        <a:effectLst/>
+      </dsp:spPr>
+      <dsp:style>
+        <a:lnRef idx="1">
+          <a:scrgbClr r="0" g="0" b="0"/>
+        </a:lnRef>
+        <a:fillRef idx="1">
+          <a:scrgbClr r="0" g="0" b="0"/>
+        </a:fillRef>
+        <a:effectRef idx="0">
+          <a:scrgbClr r="0" g="0" b="0"/>
+        </a:effectRef>
+        <a:fontRef idx="minor"/>
+      </dsp:style>
+      <dsp:txBody>
+        <a:bodyPr spcFirstLastPara="0" vert="horz" wrap="square" lIns="186690" tIns="186690" rIns="186690" bIns="186690" numCol="1" spcCol="1270" anchor="ctr" anchorCtr="0">
+          <a:noAutofit/>
+        </a:bodyPr>
+        <a:lstStyle/>
+        <a:p>
+          <a:pPr lvl="0" algn="ctr" defTabSz="2178050">
+            <a:lnSpc>
+              <a:spcPct val="90000"/>
+            </a:lnSpc>
+            <a:spcBef>
+              <a:spcPct val="0"/>
+            </a:spcBef>
+            <a:spcAft>
+              <a:spcPct val="35000"/>
+            </a:spcAft>
+          </a:pPr>
+          <a:r>
+            <a:rPr lang="en-US" sz="4900" kern="1200" dirty="0" smtClean="0"/>
+            <a:t>Service</a:t>
+          </a:r>
+          <a:endParaRPr lang="en-US" sz="4900" kern="1200" dirty="0"/>
+        </a:p>
+      </dsp:txBody>
+      <dsp:txXfrm>
+        <a:off x="3954501" y="2035968"/>
+        <a:ext cx="4172159" cy="1057680"/>
+      </dsp:txXfrm>
+    </dsp:sp>
+    <dsp:sp modelId="{9038C629-471F-3649-A58B-4BB7E4B2CF8E}">
+      <dsp:nvSpPr>
+        <dsp:cNvPr id="0" name=""/>
+        <dsp:cNvSpPr/>
+      </dsp:nvSpPr>
+      <dsp:spPr>
+        <a:xfrm>
+          <a:off x="3897283" y="3297381"/>
+          <a:ext cx="4286595" cy="1172116"/>
+        </a:xfrm>
+        <a:prstGeom prst="roundRect">
+          <a:avLst/>
+        </a:prstGeom>
+        <a:solidFill>
+          <a:schemeClr val="lt1">
+            <a:alpha val="90000"/>
+            <a:hueOff val="0"/>
+            <a:satOff val="0"/>
+            <a:lumOff val="0"/>
+            <a:alphaOff val="0"/>
+          </a:schemeClr>
+        </a:solidFill>
+        <a:ln w="6350" cap="flat" cmpd="sng" algn="ctr">
+          <a:solidFill>
+            <a:schemeClr val="accent1">
+              <a:hueOff val="0"/>
+              <a:satOff val="0"/>
+              <a:lumOff val="0"/>
+              <a:alphaOff val="0"/>
+            </a:schemeClr>
+          </a:solidFill>
+          <a:prstDash val="solid"/>
+          <a:miter lim="800000"/>
+        </a:ln>
+        <a:effectLst/>
+      </dsp:spPr>
+      <dsp:style>
+        <a:lnRef idx="1">
+          <a:scrgbClr r="0" g="0" b="0"/>
+        </a:lnRef>
+        <a:fillRef idx="1">
+          <a:scrgbClr r="0" g="0" b="0"/>
+        </a:fillRef>
+        <a:effectRef idx="0">
+          <a:scrgbClr r="0" g="0" b="0"/>
+        </a:effectRef>
+        <a:fontRef idx="minor"/>
+      </dsp:style>
+      <dsp:txBody>
+        <a:bodyPr spcFirstLastPara="0" vert="horz" wrap="square" lIns="186690" tIns="186690" rIns="186690" bIns="186690" numCol="1" spcCol="1270" anchor="ctr" anchorCtr="0">
+          <a:noAutofit/>
+        </a:bodyPr>
+        <a:lstStyle/>
+        <a:p>
+          <a:pPr lvl="0" algn="ctr" defTabSz="2178050">
+            <a:lnSpc>
+              <a:spcPct val="90000"/>
+            </a:lnSpc>
+            <a:spcBef>
+              <a:spcPct val="0"/>
+            </a:spcBef>
+            <a:spcAft>
+              <a:spcPct val="35000"/>
+            </a:spcAft>
+          </a:pPr>
+          <a:r>
+            <a:rPr lang="en-US" sz="4900" kern="1200" dirty="0" smtClean="0"/>
+            <a:t>Platform</a:t>
+          </a:r>
+          <a:endParaRPr lang="en-US" sz="4900" kern="1200" dirty="0"/>
+        </a:p>
+      </dsp:txBody>
+      <dsp:txXfrm>
+        <a:off x="3954501" y="3354599"/>
+        <a:ext cx="4172159" cy="1057680"/>
+      </dsp:txXfrm>
+    </dsp:sp>
+    <dsp:sp modelId="{59C5D161-E2CD-174F-9092-A3986F6D2076}">
+      <dsp:nvSpPr>
+        <dsp:cNvPr id="0" name=""/>
+        <dsp:cNvSpPr/>
+      </dsp:nvSpPr>
+      <dsp:spPr>
+        <a:xfrm>
+          <a:off x="3897283" y="4616012"/>
+          <a:ext cx="4286595" cy="1172116"/>
+        </a:xfrm>
+        <a:prstGeom prst="roundRect">
+          <a:avLst/>
+        </a:prstGeom>
+        <a:solidFill>
+          <a:schemeClr val="lt1">
+            <a:alpha val="90000"/>
+            <a:hueOff val="0"/>
+            <a:satOff val="0"/>
+            <a:lumOff val="0"/>
+            <a:alphaOff val="0"/>
+          </a:schemeClr>
+        </a:solidFill>
+        <a:ln w="6350" cap="flat" cmpd="sng" algn="ctr">
+          <a:solidFill>
+            <a:schemeClr val="accent1">
+              <a:hueOff val="0"/>
+              <a:satOff val="0"/>
+              <a:lumOff val="0"/>
+              <a:alphaOff val="0"/>
+            </a:schemeClr>
+          </a:solidFill>
+          <a:prstDash val="solid"/>
+          <a:miter lim="800000"/>
+        </a:ln>
+        <a:effectLst/>
+      </dsp:spPr>
+      <dsp:style>
+        <a:lnRef idx="1">
+          <a:scrgbClr r="0" g="0" b="0"/>
+        </a:lnRef>
+        <a:fillRef idx="1">
+          <a:scrgbClr r="0" g="0" b="0"/>
+        </a:fillRef>
+        <a:effectRef idx="0">
+          <a:scrgbClr r="0" g="0" b="0"/>
+        </a:effectRef>
+        <a:fontRef idx="minor"/>
+      </dsp:style>
+      <dsp:txBody>
+        <a:bodyPr spcFirstLastPara="0" vert="horz" wrap="square" lIns="186690" tIns="186690" rIns="186690" bIns="186690" numCol="1" spcCol="1270" anchor="ctr" anchorCtr="0">
+          <a:noAutofit/>
+        </a:bodyPr>
+        <a:lstStyle/>
+        <a:p>
+          <a:pPr lvl="0" algn="ctr" defTabSz="2178050">
+            <a:lnSpc>
+              <a:spcPct val="90000"/>
+            </a:lnSpc>
+            <a:spcBef>
+              <a:spcPct val="0"/>
+            </a:spcBef>
+            <a:spcAft>
+              <a:spcPct val="35000"/>
+            </a:spcAft>
+          </a:pPr>
+          <a:r>
+            <a:rPr lang="en-US" sz="4900" kern="1200" dirty="0" smtClean="0"/>
+            <a:t>Infrastructure</a:t>
+          </a:r>
+          <a:endParaRPr lang="en-US" sz="4900" kern="1200" dirty="0"/>
+        </a:p>
+      </dsp:txBody>
+      <dsp:txXfrm>
+        <a:off x="3954501" y="4673230"/>
+        <a:ext cx="4172159" cy="1057680"/>
       </dsp:txXfrm>
     </dsp:sp>
   </dsp:spTree>
@@ -3210,7 +7146,2415 @@
 </dgm:layoutDef>
 </file>
 
+<file path=ppt/diagrams/layout2.xml><?xml version="1.0" encoding="utf-8"?>
+<dgm:layoutDef xmlns:dgm="http://schemas.openxmlformats.org/drawingml/2006/diagram" xmlns:a="http://schemas.openxmlformats.org/drawingml/2006/main" uniqueId="urn:microsoft.com/office/officeart/2005/8/layout/cycle2">
+  <dgm:title val=""/>
+  <dgm:desc val=""/>
+  <dgm:catLst>
+    <dgm:cat type="cycle" pri="1000"/>
+    <dgm:cat type="convert" pri="10000"/>
+  </dgm:catLst>
+  <dgm:sampData>
+    <dgm:dataModel>
+      <dgm:ptLst>
+        <dgm:pt modelId="0" type="doc"/>
+        <dgm:pt modelId="1">
+          <dgm:prSet phldr="1"/>
+        </dgm:pt>
+        <dgm:pt modelId="2">
+          <dgm:prSet phldr="1"/>
+        </dgm:pt>
+        <dgm:pt modelId="3">
+          <dgm:prSet phldr="1"/>
+        </dgm:pt>
+        <dgm:pt modelId="4">
+          <dgm:prSet phldr="1"/>
+        </dgm:pt>
+        <dgm:pt modelId="5">
+          <dgm:prSet phldr="1"/>
+        </dgm:pt>
+      </dgm:ptLst>
+      <dgm:cxnLst>
+        <dgm:cxn modelId="6" srcId="0" destId="1" srcOrd="0" destOrd="0"/>
+        <dgm:cxn modelId="7" srcId="0" destId="2" srcOrd="1" destOrd="0"/>
+        <dgm:cxn modelId="8" srcId="0" destId="3" srcOrd="2" destOrd="0"/>
+        <dgm:cxn modelId="9" srcId="0" destId="4" srcOrd="3" destOrd="0"/>
+        <dgm:cxn modelId="10" srcId="0" destId="5" srcOrd="4" destOrd="0"/>
+      </dgm:cxnLst>
+      <dgm:bg/>
+      <dgm:whole/>
+    </dgm:dataModel>
+  </dgm:sampData>
+  <dgm:styleData>
+    <dgm:dataModel>
+      <dgm:ptLst>
+        <dgm:pt modelId="0" type="doc"/>
+        <dgm:pt modelId="1"/>
+        <dgm:pt modelId="2"/>
+        <dgm:pt modelId="3"/>
+      </dgm:ptLst>
+      <dgm:cxnLst>
+        <dgm:cxn modelId="4" srcId="0" destId="1" srcOrd="0" destOrd="0"/>
+        <dgm:cxn modelId="5" srcId="0" destId="2" srcOrd="1" destOrd="0"/>
+        <dgm:cxn modelId="6" srcId="0" destId="3" srcOrd="2" destOrd="0"/>
+      </dgm:cxnLst>
+      <dgm:bg/>
+      <dgm:whole/>
+    </dgm:dataModel>
+  </dgm:styleData>
+  <dgm:clrData>
+    <dgm:dataModel>
+      <dgm:ptLst>
+        <dgm:pt modelId="0" type="doc"/>
+        <dgm:pt modelId="1"/>
+        <dgm:pt modelId="2"/>
+        <dgm:pt modelId="3"/>
+        <dgm:pt modelId="4"/>
+        <dgm:pt modelId="5"/>
+        <dgm:pt modelId="6"/>
+      </dgm:ptLst>
+      <dgm:cxnLst>
+        <dgm:cxn modelId="7" srcId="0" destId="1" srcOrd="0" destOrd="0"/>
+        <dgm:cxn modelId="8" srcId="0" destId="2" srcOrd="1" destOrd="0"/>
+        <dgm:cxn modelId="9" srcId="0" destId="3" srcOrd="2" destOrd="0"/>
+        <dgm:cxn modelId="10" srcId="0" destId="4" srcOrd="3" destOrd="0"/>
+        <dgm:cxn modelId="11" srcId="0" destId="5" srcOrd="4" destOrd="0"/>
+        <dgm:cxn modelId="12" srcId="0" destId="6" srcOrd="5" destOrd="0"/>
+      </dgm:cxnLst>
+      <dgm:bg/>
+      <dgm:whole/>
+    </dgm:dataModel>
+  </dgm:clrData>
+  <dgm:layoutNode name="cycle">
+    <dgm:varLst>
+      <dgm:dir/>
+      <dgm:resizeHandles val="exact"/>
+    </dgm:varLst>
+    <dgm:choose name="Name0">
+      <dgm:if name="Name1" func="var" arg="dir" op="equ" val="norm">
+        <dgm:choose name="Name2">
+          <dgm:if name="Name3" axis="ch" ptType="node" func="cnt" op="gt" val="2">
+            <dgm:alg type="cycle">
+              <dgm:param type="stAng" val="0"/>
+              <dgm:param type="spanAng" val="360"/>
+            </dgm:alg>
+          </dgm:if>
+          <dgm:else name="Name4">
+            <dgm:alg type="cycle">
+              <dgm:param type="stAng" val="-90"/>
+              <dgm:param type="spanAng" val="360"/>
+            </dgm:alg>
+          </dgm:else>
+        </dgm:choose>
+      </dgm:if>
+      <dgm:else name="Name5">
+        <dgm:choose name="Name6">
+          <dgm:if name="Name7" axis="ch" ptType="node" func="cnt" op="gt" val="2">
+            <dgm:alg type="cycle">
+              <dgm:param type="stAng" val="0"/>
+              <dgm:param type="spanAng" val="-360"/>
+            </dgm:alg>
+          </dgm:if>
+          <dgm:else name="Name8">
+            <dgm:alg type="cycle">
+              <dgm:param type="stAng" val="90"/>
+              <dgm:param type="spanAng" val="-360"/>
+            </dgm:alg>
+          </dgm:else>
+        </dgm:choose>
+      </dgm:else>
+    </dgm:choose>
+    <dgm:shape xmlns:r="http://schemas.openxmlformats.org/officeDocument/2006/relationships" r:blip="">
+      <dgm:adjLst/>
+    </dgm:shape>
+    <dgm:presOf/>
+    <dgm:constrLst>
+      <dgm:constr type="w" for="ch" ptType="node" refType="w"/>
+      <dgm:constr type="w" for="ch" ptType="sibTrans" refType="w" refFor="ch" refPtType="node" op="equ" fact="0.25"/>
+      <dgm:constr type="sibSp" refType="w" refFor="ch" refPtType="node" fact="0.5"/>
+      <dgm:constr type="primFontSz" for="ch" ptType="node" op="equ" val="65"/>
+      <dgm:constr type="primFontSz" for="des" forName="connectorText" op="equ" val="55"/>
+      <dgm:constr type="primFontSz" for="des" forName="connectorText" refType="primFontSz" refFor="ch" refPtType="node" op="lte" fact="0.8"/>
+    </dgm:constrLst>
+    <dgm:ruleLst/>
+    <dgm:forEach name="nodesForEach" axis="ch" ptType="node">
+      <dgm:layoutNode name="node">
+        <dgm:varLst>
+          <dgm:bulletEnabled val="1"/>
+        </dgm:varLst>
+        <dgm:alg type="tx">
+          <dgm:param type="txAnchorVertCh" val="mid"/>
+        </dgm:alg>
+        <dgm:shape xmlns:r="http://schemas.openxmlformats.org/officeDocument/2006/relationships" type="ellipse" r:blip="">
+          <dgm:adjLst/>
+        </dgm:shape>
+        <dgm:presOf axis="desOrSelf" ptType="node"/>
+        <dgm:constrLst>
+          <dgm:constr type="h" refType="w"/>
+          <dgm:constr type="lMarg" refType="primFontSz" fact="0.1"/>
+          <dgm:constr type="rMarg" refType="primFontSz" fact="0.1"/>
+          <dgm:constr type="tMarg" refType="primFontSz" fact="0.1"/>
+          <dgm:constr type="bMarg" refType="primFontSz" fact="0.1"/>
+        </dgm:constrLst>
+        <dgm:ruleLst>
+          <dgm:rule type="primFontSz" val="5" fact="NaN" max="NaN"/>
+        </dgm:ruleLst>
+      </dgm:layoutNode>
+      <dgm:choose name="Name9">
+        <dgm:if name="Name10" axis="par ch" ptType="doc node" func="cnt" op="gt" val="1">
+          <dgm:forEach name="sibTransForEach" axis="followSib" ptType="sibTrans" hideLastTrans="0" cnt="1">
+            <dgm:layoutNode name="sibTrans">
+              <dgm:choose name="Name11">
+                <dgm:if name="Name12" axis="par ch" ptType="doc node" func="cnt" op="lt" val="3">
+                  <dgm:alg type="conn">
+                    <dgm:param type="begPts" val="radial"/>
+                    <dgm:param type="endPts" val="radial"/>
+                  </dgm:alg>
+                </dgm:if>
+                <dgm:else name="Name13">
+                  <dgm:alg type="conn">
+                    <dgm:param type="begPts" val="auto"/>
+                    <dgm:param type="endPts" val="auto"/>
+                  </dgm:alg>
+                </dgm:else>
+              </dgm:choose>
+              <dgm:shape xmlns:r="http://schemas.openxmlformats.org/officeDocument/2006/relationships" type="conn" r:blip="">
+                <dgm:adjLst/>
+              </dgm:shape>
+              <dgm:presOf axis="self"/>
+              <dgm:constrLst>
+                <dgm:constr type="h" refType="w" fact="1.35"/>
+                <dgm:constr type="connDist"/>
+                <dgm:constr type="w" for="ch" refType="connDist" fact="0.45"/>
+                <dgm:constr type="h" for="ch" refType="h"/>
+              </dgm:constrLst>
+              <dgm:ruleLst/>
+              <dgm:layoutNode name="connectorText">
+                <dgm:alg type="tx">
+                  <dgm:param type="autoTxRot" val="grav"/>
+                </dgm:alg>
+                <dgm:shape xmlns:r="http://schemas.openxmlformats.org/officeDocument/2006/relationships" type="conn" r:blip="" hideGeom="1">
+                  <dgm:adjLst/>
+                </dgm:shape>
+                <dgm:presOf axis="self"/>
+                <dgm:constrLst>
+                  <dgm:constr type="lMarg"/>
+                  <dgm:constr type="rMarg"/>
+                  <dgm:constr type="tMarg"/>
+                  <dgm:constr type="bMarg"/>
+                </dgm:constrLst>
+                <dgm:ruleLst>
+                  <dgm:rule type="primFontSz" val="5" fact="NaN" max="NaN"/>
+                </dgm:ruleLst>
+              </dgm:layoutNode>
+            </dgm:layoutNode>
+          </dgm:forEach>
+        </dgm:if>
+        <dgm:else name="Name14"/>
+      </dgm:choose>
+    </dgm:forEach>
+  </dgm:layoutNode>
+</dgm:layoutDef>
+</file>
+
+<file path=ppt/diagrams/layout3.xml><?xml version="1.0" encoding="utf-8"?>
+<dgm:layoutDef xmlns:dgm="http://schemas.openxmlformats.org/drawingml/2006/diagram" xmlns:a="http://schemas.openxmlformats.org/drawingml/2006/main" uniqueId="urn:microsoft.com/office/officeart/2005/8/layout/pyramid2">
+  <dgm:title val=""/>
+  <dgm:desc val=""/>
+  <dgm:catLst>
+    <dgm:cat type="pyramid" pri="3000"/>
+    <dgm:cat type="list" pri="21000"/>
+    <dgm:cat type="convert" pri="17000"/>
+  </dgm:catLst>
+  <dgm:sampData useDef="1">
+    <dgm:dataModel>
+      <dgm:ptLst/>
+      <dgm:bg/>
+      <dgm:whole/>
+    </dgm:dataModel>
+  </dgm:sampData>
+  <dgm:styleData useDef="1">
+    <dgm:dataModel>
+      <dgm:ptLst/>
+      <dgm:bg/>
+      <dgm:whole/>
+    </dgm:dataModel>
+  </dgm:styleData>
+  <dgm:clrData useDef="1">
+    <dgm:dataModel>
+      <dgm:ptLst/>
+      <dgm:bg/>
+      <dgm:whole/>
+    </dgm:dataModel>
+  </dgm:clrData>
+  <dgm:layoutNode name="compositeShape">
+    <dgm:alg type="composite"/>
+    <dgm:shape xmlns:r="http://schemas.openxmlformats.org/officeDocument/2006/relationships" r:blip="">
+      <dgm:adjLst/>
+    </dgm:shape>
+    <dgm:presOf/>
+    <dgm:varLst>
+      <dgm:dir/>
+      <dgm:resizeHandles/>
+    </dgm:varLst>
+    <dgm:choose name="Name0">
+      <dgm:if name="Name1" func="var" arg="dir" op="equ" val="norm">
+        <dgm:constrLst>
+          <dgm:constr type="w" for="ch" forName="pyramid" refType="h"/>
+          <dgm:constr type="h" for="ch" forName="pyramid" refType="h"/>
+          <dgm:constr type="h" for="ch" forName="theList" refType="h" fact="0.8"/>
+          <dgm:constr type="w" for="ch" forName="theList" refType="h" fact="0.65"/>
+          <dgm:constr type="ctrY" for="ch" forName="theList" refType="h" refFor="ch" refForName="pyramid" fact="0.5"/>
+          <dgm:constr type="l" for="ch" forName="theList" refType="w" refFor="ch" refForName="pyramid" fact="0.5"/>
+          <dgm:constr type="h" for="des" forName="aSpace" refType="h" fact="0.1"/>
+        </dgm:constrLst>
+      </dgm:if>
+      <dgm:else name="Name2">
+        <dgm:constrLst>
+          <dgm:constr type="w" for="ch" forName="pyramid" refType="h"/>
+          <dgm:constr type="h" for="ch" forName="pyramid" refType="h"/>
+          <dgm:constr type="h" for="ch" forName="theList" refType="h" fact="0.8"/>
+          <dgm:constr type="w" for="ch" forName="theList" refType="h" fact="0.65"/>
+          <dgm:constr type="ctrY" for="ch" forName="theList" refType="h" refFor="ch" refForName="pyramid" fact="0.5"/>
+          <dgm:constr type="r" for="ch" forName="theList" refType="w" refFor="ch" refForName="pyramid" fact="0.5"/>
+          <dgm:constr type="h" for="des" forName="aSpace" refType="h" fact="0.1"/>
+        </dgm:constrLst>
+      </dgm:else>
+    </dgm:choose>
+    <dgm:ruleLst/>
+    <dgm:choose name="Name3">
+      <dgm:if name="Name4" axis="ch" ptType="node" func="cnt" op="gte" val="1">
+        <dgm:layoutNode name="pyramid" styleLbl="node1">
+          <dgm:alg type="sp"/>
+          <dgm:shape xmlns:r="http://schemas.openxmlformats.org/officeDocument/2006/relationships" type="triangle" r:blip="">
+            <dgm:adjLst/>
+          </dgm:shape>
+          <dgm:presOf/>
+          <dgm:constrLst/>
+          <dgm:ruleLst/>
+        </dgm:layoutNode>
+        <dgm:layoutNode name="theList">
+          <dgm:alg type="lin">
+            <dgm:param type="linDir" val="fromT"/>
+          </dgm:alg>
+          <dgm:shape xmlns:r="http://schemas.openxmlformats.org/officeDocument/2006/relationships" r:blip="">
+            <dgm:adjLst/>
+          </dgm:shape>
+          <dgm:presOf/>
+          <dgm:constrLst>
+            <dgm:constr type="w" for="ch" forName="aNode" refType="w"/>
+            <dgm:constr type="h" for="ch" forName="aNode" refType="h"/>
+            <dgm:constr type="primFontSz" for="ch" ptType="node" op="equ"/>
+          </dgm:constrLst>
+          <dgm:ruleLst/>
+          <dgm:forEach name="aNodeForEach" axis="ch" ptType="node">
+            <dgm:layoutNode name="aNode" styleLbl="fgAcc1">
+              <dgm:varLst>
+                <dgm:bulletEnabled val="1"/>
+              </dgm:varLst>
+              <dgm:alg type="tx"/>
+              <dgm:shape xmlns:r="http://schemas.openxmlformats.org/officeDocument/2006/relationships" type="roundRect" r:blip="">
+                <dgm:adjLst/>
+              </dgm:shape>
+              <dgm:presOf axis="desOrSelf" ptType="node"/>
+              <dgm:constrLst>
+                <dgm:constr type="primFontSz" val="65"/>
+                <dgm:constr type="tMarg" refType="primFontSz" fact="0.3"/>
+                <dgm:constr type="bMarg" refType="primFontSz" fact="0.3"/>
+                <dgm:constr type="lMarg" refType="primFontSz" fact="0.3"/>
+                <dgm:constr type="rMarg" refType="primFontSz" fact="0.3"/>
+              </dgm:constrLst>
+              <dgm:ruleLst>
+                <dgm:rule type="primFontSz" val="5" fact="NaN" max="NaN"/>
+              </dgm:ruleLst>
+            </dgm:layoutNode>
+            <dgm:layoutNode name="aSpace">
+              <dgm:alg type="sp"/>
+              <dgm:shape xmlns:r="http://schemas.openxmlformats.org/officeDocument/2006/relationships" r:blip="">
+                <dgm:adjLst/>
+              </dgm:shape>
+              <dgm:presOf/>
+              <dgm:constrLst/>
+              <dgm:ruleLst/>
+            </dgm:layoutNode>
+          </dgm:forEach>
+        </dgm:layoutNode>
+      </dgm:if>
+      <dgm:else name="Name5"/>
+    </dgm:choose>
+  </dgm:layoutNode>
+</dgm:layoutDef>
+</file>
+
 <file path=ppt/diagrams/quickStyle1.xml><?xml version="1.0" encoding="utf-8"?>
+<dgm:styleDef xmlns:dgm="http://schemas.openxmlformats.org/drawingml/2006/diagram" xmlns:a="http://schemas.openxmlformats.org/drawingml/2006/main" uniqueId="urn:microsoft.com/office/officeart/2005/8/quickstyle/simple4">
+  <dgm:title val=""/>
+  <dgm:desc val=""/>
+  <dgm:catLst>
+    <dgm:cat type="simple" pri="10400"/>
+  </dgm:catLst>
+  <dgm:scene3d>
+    <a:camera prst="orthographicFront"/>
+    <a:lightRig rig="threePt" dir="t"/>
+  </dgm:scene3d>
+  <dgm:styleLbl name="node0">
+    <dgm:scene3d>
+      <a:camera prst="orthographicFront"/>
+      <a:lightRig rig="threePt" dir="t"/>
+    </dgm:scene3d>
+    <dgm:sp3d/>
+    <dgm:txPr/>
+    <dgm:style>
+      <a:lnRef idx="0">
+        <a:scrgbClr r="0" g="0" b="0"/>
+      </a:lnRef>
+      <a:fillRef idx="3">
+        <a:scrgbClr r="0" g="0" b="0"/>
+      </a:fillRef>
+      <a:effectRef idx="2">
+        <a:scrgbClr r="0" g="0" b="0"/>
+      </a:effectRef>
+      <a:fontRef idx="minor">
+        <a:schemeClr val="lt1"/>
+      </a:fontRef>
+    </dgm:style>
+  </dgm:styleLbl>
+  <dgm:styleLbl name="lnNode1">
+    <dgm:scene3d>
+      <a:camera prst="orthographicFront"/>
+      <a:lightRig rig="threePt" dir="t"/>
+    </dgm:scene3d>
+    <dgm:sp3d/>
+    <dgm:txPr/>
+    <dgm:style>
+      <a:lnRef idx="1">
+        <a:scrgbClr r="0" g="0" b="0"/>
+      </a:lnRef>
+      <a:fillRef idx="3">
+        <a:scrgbClr r="0" g="0" b="0"/>
+      </a:fillRef>
+      <a:effectRef idx="2">
+        <a:scrgbClr r="0" g="0" b="0"/>
+      </a:effectRef>
+      <a:fontRef idx="minor">
+        <a:schemeClr val="lt1"/>
+      </a:fontRef>
+    </dgm:style>
+  </dgm:styleLbl>
+  <dgm:styleLbl name="vennNode1">
+    <dgm:scene3d>
+      <a:camera prst="orthographicFront"/>
+      <a:lightRig rig="threePt" dir="t"/>
+    </dgm:scene3d>
+    <dgm:sp3d/>
+    <dgm:txPr/>
+    <dgm:style>
+      <a:lnRef idx="0">
+        <a:scrgbClr r="0" g="0" b="0"/>
+      </a:lnRef>
+      <a:fillRef idx="3">
+        <a:scrgbClr r="0" g="0" b="0"/>
+      </a:fillRef>
+      <a:effectRef idx="0">
+        <a:scrgbClr r="0" g="0" b="0"/>
+      </a:effectRef>
+      <a:fontRef idx="minor">
+        <a:schemeClr val="tx1"/>
+      </a:fontRef>
+    </dgm:style>
+  </dgm:styleLbl>
+  <dgm:styleLbl name="alignNode1">
+    <dgm:scene3d>
+      <a:camera prst="orthographicFront"/>
+      <a:lightRig rig="threePt" dir="t"/>
+    </dgm:scene3d>
+    <dgm:sp3d/>
+    <dgm:txPr/>
+    <dgm:style>
+      <a:lnRef idx="1">
+        <a:scrgbClr r="0" g="0" b="0"/>
+      </a:lnRef>
+      <a:fillRef idx="3">
+        <a:scrgbClr r="0" g="0" b="0"/>
+      </a:fillRef>
+      <a:effectRef idx="2">
+        <a:scrgbClr r="0" g="0" b="0"/>
+      </a:effectRef>
+      <a:fontRef idx="minor">
+        <a:schemeClr val="lt1"/>
+      </a:fontRef>
+    </dgm:style>
+  </dgm:styleLbl>
+  <dgm:styleLbl name="node1">
+    <dgm:scene3d>
+      <a:camera prst="orthographicFront"/>
+      <a:lightRig rig="threePt" dir="t"/>
+    </dgm:scene3d>
+    <dgm:sp3d/>
+    <dgm:txPr/>
+    <dgm:style>
+      <a:lnRef idx="0">
+        <a:scrgbClr r="0" g="0" b="0"/>
+      </a:lnRef>
+      <a:fillRef idx="3">
+        <a:scrgbClr r="0" g="0" b="0"/>
+      </a:fillRef>
+      <a:effectRef idx="2">
+        <a:scrgbClr r="0" g="0" b="0"/>
+      </a:effectRef>
+      <a:fontRef idx="minor">
+        <a:schemeClr val="lt1"/>
+      </a:fontRef>
+    </dgm:style>
+  </dgm:styleLbl>
+  <dgm:styleLbl name="node2">
+    <dgm:scene3d>
+      <a:camera prst="orthographicFront"/>
+      <a:lightRig rig="threePt" dir="t"/>
+    </dgm:scene3d>
+    <dgm:sp3d/>
+    <dgm:txPr/>
+    <dgm:style>
+      <a:lnRef idx="0">
+        <a:scrgbClr r="0" g="0" b="0"/>
+      </a:lnRef>
+      <a:fillRef idx="3">
+        <a:scrgbClr r="0" g="0" b="0"/>
+      </a:fillRef>
+      <a:effectRef idx="2">
+        <a:scrgbClr r="0" g="0" b="0"/>
+      </a:effectRef>
+      <a:fontRef idx="minor">
+        <a:schemeClr val="lt1"/>
+      </a:fontRef>
+    </dgm:style>
+  </dgm:styleLbl>
+  <dgm:styleLbl name="node3">
+    <dgm:scene3d>
+      <a:camera prst="orthographicFront"/>
+      <a:lightRig rig="threePt" dir="t"/>
+    </dgm:scene3d>
+    <dgm:sp3d/>
+    <dgm:txPr/>
+    <dgm:style>
+      <a:lnRef idx="0">
+        <a:scrgbClr r="0" g="0" b="0"/>
+      </a:lnRef>
+      <a:fillRef idx="3">
+        <a:scrgbClr r="0" g="0" b="0"/>
+      </a:fillRef>
+      <a:effectRef idx="2">
+        <a:scrgbClr r="0" g="0" b="0"/>
+      </a:effectRef>
+      <a:fontRef idx="minor">
+        <a:schemeClr val="lt1"/>
+      </a:fontRef>
+    </dgm:style>
+  </dgm:styleLbl>
+  <dgm:styleLbl name="node4">
+    <dgm:scene3d>
+      <a:camera prst="orthographicFront"/>
+      <a:lightRig rig="threePt" dir="t"/>
+    </dgm:scene3d>
+    <dgm:sp3d/>
+    <dgm:txPr/>
+    <dgm:style>
+      <a:lnRef idx="0">
+        <a:scrgbClr r="0" g="0" b="0"/>
+      </a:lnRef>
+      <a:fillRef idx="3">
+        <a:scrgbClr r="0" g="0" b="0"/>
+      </a:fillRef>
+      <a:effectRef idx="2">
+        <a:scrgbClr r="0" g="0" b="0"/>
+      </a:effectRef>
+      <a:fontRef idx="minor">
+        <a:schemeClr val="lt1"/>
+      </a:fontRef>
+    </dgm:style>
+  </dgm:styleLbl>
+  <dgm:styleLbl name="fgImgPlace1">
+    <dgm:scene3d>
+      <a:camera prst="orthographicFront"/>
+      <a:lightRig rig="threePt" dir="t"/>
+    </dgm:scene3d>
+    <dgm:sp3d/>
+    <dgm:txPr/>
+    <dgm:style>
+      <a:lnRef idx="0">
+        <a:scrgbClr r="0" g="0" b="0"/>
+      </a:lnRef>
+      <a:fillRef idx="1">
+        <a:scrgbClr r="0" g="0" b="0"/>
+      </a:fillRef>
+      <a:effectRef idx="2">
+        <a:scrgbClr r="0" g="0" b="0"/>
+      </a:effectRef>
+      <a:fontRef idx="minor"/>
+    </dgm:style>
+  </dgm:styleLbl>
+  <dgm:styleLbl name="alignImgPlace1">
+    <dgm:scene3d>
+      <a:camera prst="orthographicFront"/>
+      <a:lightRig rig="threePt" dir="t"/>
+    </dgm:scene3d>
+    <dgm:sp3d/>
+    <dgm:txPr/>
+    <dgm:style>
+      <a:lnRef idx="0">
+        <a:scrgbClr r="0" g="0" b="0"/>
+      </a:lnRef>
+      <a:fillRef idx="1">
+        <a:scrgbClr r="0" g="0" b="0"/>
+      </a:fillRef>
+      <a:effectRef idx="2">
+        <a:scrgbClr r="0" g="0" b="0"/>
+      </a:effectRef>
+      <a:fontRef idx="minor"/>
+    </dgm:style>
+  </dgm:styleLbl>
+  <dgm:styleLbl name="bgImgPlace1">
+    <dgm:scene3d>
+      <a:camera prst="orthographicFront"/>
+      <a:lightRig rig="threePt" dir="t"/>
+    </dgm:scene3d>
+    <dgm:sp3d/>
+    <dgm:txPr/>
+    <dgm:style>
+      <a:lnRef idx="0">
+        <a:scrgbClr r="0" g="0" b="0"/>
+      </a:lnRef>
+      <a:fillRef idx="1">
+        <a:scrgbClr r="0" g="0" b="0"/>
+      </a:fillRef>
+      <a:effectRef idx="2">
+        <a:scrgbClr r="0" g="0" b="0"/>
+      </a:effectRef>
+      <a:fontRef idx="minor"/>
+    </dgm:style>
+  </dgm:styleLbl>
+  <dgm:styleLbl name="sibTrans2D1">
+    <dgm:scene3d>
+      <a:camera prst="orthographicFront"/>
+      <a:lightRig rig="threePt" dir="t"/>
+    </dgm:scene3d>
+    <dgm:sp3d/>
+    <dgm:txPr/>
+    <dgm:style>
+      <a:lnRef idx="0">
+        <a:scrgbClr r="0" g="0" b="0"/>
+      </a:lnRef>
+      <a:fillRef idx="3">
+        <a:scrgbClr r="0" g="0" b="0"/>
+      </a:fillRef>
+      <a:effectRef idx="2">
+        <a:scrgbClr r="0" g="0" b="0"/>
+      </a:effectRef>
+      <a:fontRef idx="minor">
+        <a:schemeClr val="lt1"/>
+      </a:fontRef>
+    </dgm:style>
+  </dgm:styleLbl>
+  <dgm:styleLbl name="fgSibTrans2D1">
+    <dgm:scene3d>
+      <a:camera prst="orthographicFront"/>
+      <a:lightRig rig="threePt" dir="t"/>
+    </dgm:scene3d>
+    <dgm:sp3d/>
+    <dgm:txPr/>
+    <dgm:style>
+      <a:lnRef idx="0">
+        <a:scrgbClr r="0" g="0" b="0"/>
+      </a:lnRef>
+      <a:fillRef idx="3">
+        <a:scrgbClr r="0" g="0" b="0"/>
+      </a:fillRef>
+      <a:effectRef idx="2">
+        <a:scrgbClr r="0" g="0" b="0"/>
+      </a:effectRef>
+      <a:fontRef idx="minor">
+        <a:schemeClr val="lt1"/>
+      </a:fontRef>
+    </dgm:style>
+  </dgm:styleLbl>
+  <dgm:styleLbl name="bgSibTrans2D1">
+    <dgm:scene3d>
+      <a:camera prst="orthographicFront"/>
+      <a:lightRig rig="threePt" dir="t"/>
+    </dgm:scene3d>
+    <dgm:sp3d/>
+    <dgm:txPr/>
+    <dgm:style>
+      <a:lnRef idx="0">
+        <a:scrgbClr r="0" g="0" b="0"/>
+      </a:lnRef>
+      <a:fillRef idx="3">
+        <a:scrgbClr r="0" g="0" b="0"/>
+      </a:fillRef>
+      <a:effectRef idx="2">
+        <a:scrgbClr r="0" g="0" b="0"/>
+      </a:effectRef>
+      <a:fontRef idx="minor">
+        <a:schemeClr val="lt1"/>
+      </a:fontRef>
+    </dgm:style>
+  </dgm:styleLbl>
+  <dgm:styleLbl name="sibTrans1D1">
+    <dgm:scene3d>
+      <a:camera prst="orthographicFront"/>
+      <a:lightRig rig="threePt" dir="t"/>
+    </dgm:scene3d>
+    <dgm:sp3d/>
+    <dgm:txPr/>
+    <dgm:style>
+      <a:lnRef idx="1">
+        <a:scrgbClr r="0" g="0" b="0"/>
+      </a:lnRef>
+      <a:fillRef idx="0">
+        <a:scrgbClr r="0" g="0" b="0"/>
+      </a:fillRef>
+      <a:effectRef idx="0">
+        <a:scrgbClr r="0" g="0" b="0"/>
+      </a:effectRef>
+      <a:fontRef idx="minor"/>
+    </dgm:style>
+  </dgm:styleLbl>
+  <dgm:styleLbl name="callout">
+    <dgm:scene3d>
+      <a:camera prst="orthographicFront"/>
+      <a:lightRig rig="threePt" dir="t"/>
+    </dgm:scene3d>
+    <dgm:sp3d/>
+    <dgm:txPr/>
+    <dgm:style>
+      <a:lnRef idx="2">
+        <a:scrgbClr r="0" g="0" b="0"/>
+      </a:lnRef>
+      <a:fillRef idx="1">
+        <a:scrgbClr r="0" g="0" b="0"/>
+      </a:fillRef>
+      <a:effectRef idx="1">
+        <a:scrgbClr r="0" g="0" b="0"/>
+      </a:effectRef>
+      <a:fontRef idx="minor"/>
+    </dgm:style>
+  </dgm:styleLbl>
+  <dgm:styleLbl name="asst0">
+    <dgm:scene3d>
+      <a:camera prst="orthographicFront"/>
+      <a:lightRig rig="threePt" dir="t"/>
+    </dgm:scene3d>
+    <dgm:sp3d/>
+    <dgm:txPr/>
+    <dgm:style>
+      <a:lnRef idx="0">
+        <a:scrgbClr r="0" g="0" b="0"/>
+      </a:lnRef>
+      <a:fillRef idx="3">
+        <a:scrgbClr r="0" g="0" b="0"/>
+      </a:fillRef>
+      <a:effectRef idx="2">
+        <a:scrgbClr r="0" g="0" b="0"/>
+      </a:effectRef>
+      <a:fontRef idx="minor">
+        <a:schemeClr val="lt1"/>
+      </a:fontRef>
+    </dgm:style>
+  </dgm:styleLbl>
+  <dgm:styleLbl name="asst1">
+    <dgm:scene3d>
+      <a:camera prst="orthographicFront"/>
+      <a:lightRig rig="threePt" dir="t"/>
+    </dgm:scene3d>
+    <dgm:sp3d/>
+    <dgm:txPr/>
+    <dgm:style>
+      <a:lnRef idx="0">
+        <a:scrgbClr r="0" g="0" b="0"/>
+      </a:lnRef>
+      <a:fillRef idx="3">
+        <a:scrgbClr r="0" g="0" b="0"/>
+      </a:fillRef>
+      <a:effectRef idx="2">
+        <a:scrgbClr r="0" g="0" b="0"/>
+      </a:effectRef>
+      <a:fontRef idx="minor">
+        <a:schemeClr val="lt1"/>
+      </a:fontRef>
+    </dgm:style>
+  </dgm:styleLbl>
+  <dgm:styleLbl name="asst2">
+    <dgm:scene3d>
+      <a:camera prst="orthographicFront"/>
+      <a:lightRig rig="threePt" dir="t"/>
+    </dgm:scene3d>
+    <dgm:sp3d/>
+    <dgm:txPr/>
+    <dgm:style>
+      <a:lnRef idx="0">
+        <a:scrgbClr r="0" g="0" b="0"/>
+      </a:lnRef>
+      <a:fillRef idx="3">
+        <a:scrgbClr r="0" g="0" b="0"/>
+      </a:fillRef>
+      <a:effectRef idx="2">
+        <a:scrgbClr r="0" g="0" b="0"/>
+      </a:effectRef>
+      <a:fontRef idx="minor">
+        <a:schemeClr val="lt1"/>
+      </a:fontRef>
+    </dgm:style>
+  </dgm:styleLbl>
+  <dgm:styleLbl name="asst3">
+    <dgm:scene3d>
+      <a:camera prst="orthographicFront"/>
+      <a:lightRig rig="threePt" dir="t"/>
+    </dgm:scene3d>
+    <dgm:sp3d/>
+    <dgm:txPr/>
+    <dgm:style>
+      <a:lnRef idx="0">
+        <a:scrgbClr r="0" g="0" b="0"/>
+      </a:lnRef>
+      <a:fillRef idx="3">
+        <a:scrgbClr r="0" g="0" b="0"/>
+      </a:fillRef>
+      <a:effectRef idx="2">
+        <a:scrgbClr r="0" g="0" b="0"/>
+      </a:effectRef>
+      <a:fontRef idx="minor">
+        <a:schemeClr val="lt1"/>
+      </a:fontRef>
+    </dgm:style>
+  </dgm:styleLbl>
+  <dgm:styleLbl name="asst4">
+    <dgm:scene3d>
+      <a:camera prst="orthographicFront"/>
+      <a:lightRig rig="threePt" dir="t"/>
+    </dgm:scene3d>
+    <dgm:sp3d/>
+    <dgm:txPr/>
+    <dgm:style>
+      <a:lnRef idx="0">
+        <a:scrgbClr r="0" g="0" b="0"/>
+      </a:lnRef>
+      <a:fillRef idx="3">
+        <a:scrgbClr r="0" g="0" b="0"/>
+      </a:fillRef>
+      <a:effectRef idx="2">
+        <a:scrgbClr r="0" g="0" b="0"/>
+      </a:effectRef>
+      <a:fontRef idx="minor">
+        <a:schemeClr val="lt1"/>
+      </a:fontRef>
+    </dgm:style>
+  </dgm:styleLbl>
+  <dgm:styleLbl name="parChTrans2D1">
+    <dgm:scene3d>
+      <a:camera prst="orthographicFront"/>
+      <a:lightRig rig="threePt" dir="t"/>
+    </dgm:scene3d>
+    <dgm:sp3d/>
+    <dgm:txPr/>
+    <dgm:style>
+      <a:lnRef idx="0">
+        <a:scrgbClr r="0" g="0" b="0"/>
+      </a:lnRef>
+      <a:fillRef idx="3">
+        <a:scrgbClr r="0" g="0" b="0"/>
+      </a:fillRef>
+      <a:effectRef idx="2">
+        <a:scrgbClr r="0" g="0" b="0"/>
+      </a:effectRef>
+      <a:fontRef idx="minor">
+        <a:schemeClr val="lt1"/>
+      </a:fontRef>
+    </dgm:style>
+  </dgm:styleLbl>
+  <dgm:styleLbl name="parChTrans2D2">
+    <dgm:scene3d>
+      <a:camera prst="orthographicFront"/>
+      <a:lightRig rig="threePt" dir="t"/>
+    </dgm:scene3d>
+    <dgm:sp3d/>
+    <dgm:txPr/>
+    <dgm:style>
+      <a:lnRef idx="0">
+        <a:scrgbClr r="0" g="0" b="0"/>
+      </a:lnRef>
+      <a:fillRef idx="3">
+        <a:scrgbClr r="0" g="0" b="0"/>
+      </a:fillRef>
+      <a:effectRef idx="2">
+        <a:scrgbClr r="0" g="0" b="0"/>
+      </a:effectRef>
+      <a:fontRef idx="minor">
+        <a:schemeClr val="lt1"/>
+      </a:fontRef>
+    </dgm:style>
+  </dgm:styleLbl>
+  <dgm:styleLbl name="parChTrans2D3">
+    <dgm:scene3d>
+      <a:camera prst="orthographicFront"/>
+      <a:lightRig rig="threePt" dir="t"/>
+    </dgm:scene3d>
+    <dgm:sp3d/>
+    <dgm:txPr/>
+    <dgm:style>
+      <a:lnRef idx="1">
+        <a:scrgbClr r="0" g="0" b="0"/>
+      </a:lnRef>
+      <a:fillRef idx="3">
+        <a:scrgbClr r="0" g="0" b="0"/>
+      </a:fillRef>
+      <a:effectRef idx="2">
+        <a:scrgbClr r="0" g="0" b="0"/>
+      </a:effectRef>
+      <a:fontRef idx="minor">
+        <a:schemeClr val="lt1"/>
+      </a:fontRef>
+    </dgm:style>
+  </dgm:styleLbl>
+  <dgm:styleLbl name="parChTrans2D4">
+    <dgm:scene3d>
+      <a:camera prst="orthographicFront"/>
+      <a:lightRig rig="threePt" dir="t"/>
+    </dgm:scene3d>
+    <dgm:sp3d/>
+    <dgm:txPr/>
+    <dgm:style>
+      <a:lnRef idx="1">
+        <a:scrgbClr r="0" g="0" b="0"/>
+      </a:lnRef>
+      <a:fillRef idx="3">
+        <a:scrgbClr r="0" g="0" b="0"/>
+      </a:fillRef>
+      <a:effectRef idx="2">
+        <a:scrgbClr r="0" g="0" b="0"/>
+      </a:effectRef>
+      <a:fontRef idx="minor">
+        <a:schemeClr val="lt1"/>
+      </a:fontRef>
+    </dgm:style>
+  </dgm:styleLbl>
+  <dgm:styleLbl name="parChTrans1D1">
+    <dgm:scene3d>
+      <a:camera prst="orthographicFront"/>
+      <a:lightRig rig="threePt" dir="t"/>
+    </dgm:scene3d>
+    <dgm:sp3d/>
+    <dgm:txPr/>
+    <dgm:style>
+      <a:lnRef idx="1">
+        <a:scrgbClr r="0" g="0" b="0"/>
+      </a:lnRef>
+      <a:fillRef idx="0">
+        <a:scrgbClr r="0" g="0" b="0"/>
+      </a:fillRef>
+      <a:effectRef idx="0">
+        <a:scrgbClr r="0" g="0" b="0"/>
+      </a:effectRef>
+      <a:fontRef idx="minor"/>
+    </dgm:style>
+  </dgm:styleLbl>
+  <dgm:styleLbl name="parChTrans1D2">
+    <dgm:scene3d>
+      <a:camera prst="orthographicFront"/>
+      <a:lightRig rig="threePt" dir="t"/>
+    </dgm:scene3d>
+    <dgm:sp3d/>
+    <dgm:txPr/>
+    <dgm:style>
+      <a:lnRef idx="1">
+        <a:scrgbClr r="0" g="0" b="0"/>
+      </a:lnRef>
+      <a:fillRef idx="0">
+        <a:scrgbClr r="0" g="0" b="0"/>
+      </a:fillRef>
+      <a:effectRef idx="0">
+        <a:scrgbClr r="0" g="0" b="0"/>
+      </a:effectRef>
+      <a:fontRef idx="minor"/>
+    </dgm:style>
+  </dgm:styleLbl>
+  <dgm:styleLbl name="parChTrans1D3">
+    <dgm:scene3d>
+      <a:camera prst="orthographicFront"/>
+      <a:lightRig rig="threePt" dir="t"/>
+    </dgm:scene3d>
+    <dgm:sp3d/>
+    <dgm:txPr/>
+    <dgm:style>
+      <a:lnRef idx="1">
+        <a:scrgbClr r="0" g="0" b="0"/>
+      </a:lnRef>
+      <a:fillRef idx="0">
+        <a:scrgbClr r="0" g="0" b="0"/>
+      </a:fillRef>
+      <a:effectRef idx="0">
+        <a:scrgbClr r="0" g="0" b="0"/>
+      </a:effectRef>
+      <a:fontRef idx="minor"/>
+    </dgm:style>
+  </dgm:styleLbl>
+  <dgm:styleLbl name="parChTrans1D4">
+    <dgm:scene3d>
+      <a:camera prst="orthographicFront"/>
+      <a:lightRig rig="threePt" dir="t"/>
+    </dgm:scene3d>
+    <dgm:sp3d/>
+    <dgm:txPr/>
+    <dgm:style>
+      <a:lnRef idx="1">
+        <a:scrgbClr r="0" g="0" b="0"/>
+      </a:lnRef>
+      <a:fillRef idx="0">
+        <a:scrgbClr r="0" g="0" b="0"/>
+      </a:fillRef>
+      <a:effectRef idx="0">
+        <a:scrgbClr r="0" g="0" b="0"/>
+      </a:effectRef>
+      <a:fontRef idx="minor"/>
+    </dgm:style>
+  </dgm:styleLbl>
+  <dgm:styleLbl name="fgAcc1">
+    <dgm:scene3d>
+      <a:camera prst="orthographicFront"/>
+      <a:lightRig rig="threePt" dir="t"/>
+    </dgm:scene3d>
+    <dgm:sp3d/>
+    <dgm:txPr/>
+    <dgm:style>
+      <a:lnRef idx="1">
+        <a:scrgbClr r="0" g="0" b="0"/>
+      </a:lnRef>
+      <a:fillRef idx="1">
+        <a:scrgbClr r="0" g="0" b="0"/>
+      </a:fillRef>
+      <a:effectRef idx="0">
+        <a:scrgbClr r="0" g="0" b="0"/>
+      </a:effectRef>
+      <a:fontRef idx="minor"/>
+    </dgm:style>
+  </dgm:styleLbl>
+  <dgm:styleLbl name="conFgAcc1">
+    <dgm:scene3d>
+      <a:camera prst="orthographicFront"/>
+      <a:lightRig rig="threePt" dir="t"/>
+    </dgm:scene3d>
+    <dgm:sp3d/>
+    <dgm:txPr/>
+    <dgm:style>
+      <a:lnRef idx="1">
+        <a:scrgbClr r="0" g="0" b="0"/>
+      </a:lnRef>
+      <a:fillRef idx="1">
+        <a:scrgbClr r="0" g="0" b="0"/>
+      </a:fillRef>
+      <a:effectRef idx="0">
+        <a:scrgbClr r="0" g="0" b="0"/>
+      </a:effectRef>
+      <a:fontRef idx="minor"/>
+    </dgm:style>
+  </dgm:styleLbl>
+  <dgm:styleLbl name="alignAcc1">
+    <dgm:scene3d>
+      <a:camera prst="orthographicFront"/>
+      <a:lightRig rig="threePt" dir="t"/>
+    </dgm:scene3d>
+    <dgm:sp3d/>
+    <dgm:txPr/>
+    <dgm:style>
+      <a:lnRef idx="1">
+        <a:scrgbClr r="0" g="0" b="0"/>
+      </a:lnRef>
+      <a:fillRef idx="1">
+        <a:scrgbClr r="0" g="0" b="0"/>
+      </a:fillRef>
+      <a:effectRef idx="0">
+        <a:scrgbClr r="0" g="0" b="0"/>
+      </a:effectRef>
+      <a:fontRef idx="minor"/>
+    </dgm:style>
+  </dgm:styleLbl>
+  <dgm:styleLbl name="trAlignAcc1">
+    <dgm:scene3d>
+      <a:camera prst="orthographicFront"/>
+      <a:lightRig rig="threePt" dir="t"/>
+    </dgm:scene3d>
+    <dgm:sp3d/>
+    <dgm:txPr/>
+    <dgm:style>
+      <a:lnRef idx="1">
+        <a:scrgbClr r="0" g="0" b="0"/>
+      </a:lnRef>
+      <a:fillRef idx="1">
+        <a:scrgbClr r="0" g="0" b="0"/>
+      </a:fillRef>
+      <a:effectRef idx="0">
+        <a:scrgbClr r="0" g="0" b="0"/>
+      </a:effectRef>
+      <a:fontRef idx="minor"/>
+    </dgm:style>
+  </dgm:styleLbl>
+  <dgm:styleLbl name="bgAcc1">
+    <dgm:scene3d>
+      <a:camera prst="orthographicFront"/>
+      <a:lightRig rig="threePt" dir="t"/>
+    </dgm:scene3d>
+    <dgm:sp3d/>
+    <dgm:txPr/>
+    <dgm:style>
+      <a:lnRef idx="1">
+        <a:scrgbClr r="0" g="0" b="0"/>
+      </a:lnRef>
+      <a:fillRef idx="1">
+        <a:scrgbClr r="0" g="0" b="0"/>
+      </a:fillRef>
+      <a:effectRef idx="0">
+        <a:scrgbClr r="0" g="0" b="0"/>
+      </a:effectRef>
+      <a:fontRef idx="minor"/>
+    </dgm:style>
+  </dgm:styleLbl>
+  <dgm:styleLbl name="solidFgAcc1">
+    <dgm:scene3d>
+      <a:camera prst="orthographicFront"/>
+      <a:lightRig rig="threePt" dir="t"/>
+    </dgm:scene3d>
+    <dgm:sp3d/>
+    <dgm:txPr/>
+    <dgm:style>
+      <a:lnRef idx="1">
+        <a:scrgbClr r="0" g="0" b="0"/>
+      </a:lnRef>
+      <a:fillRef idx="1">
+        <a:scrgbClr r="0" g="0" b="0"/>
+      </a:fillRef>
+      <a:effectRef idx="0">
+        <a:scrgbClr r="0" g="0" b="0"/>
+      </a:effectRef>
+      <a:fontRef idx="minor"/>
+    </dgm:style>
+  </dgm:styleLbl>
+  <dgm:styleLbl name="solidAlignAcc1">
+    <dgm:scene3d>
+      <a:camera prst="orthographicFront"/>
+      <a:lightRig rig="threePt" dir="t"/>
+    </dgm:scene3d>
+    <dgm:sp3d/>
+    <dgm:txPr/>
+    <dgm:style>
+      <a:lnRef idx="1">
+        <a:scrgbClr r="0" g="0" b="0"/>
+      </a:lnRef>
+      <a:fillRef idx="1">
+        <a:scrgbClr r="0" g="0" b="0"/>
+      </a:fillRef>
+      <a:effectRef idx="0">
+        <a:scrgbClr r="0" g="0" b="0"/>
+      </a:effectRef>
+      <a:fontRef idx="minor"/>
+    </dgm:style>
+  </dgm:styleLbl>
+  <dgm:styleLbl name="solidBgAcc1">
+    <dgm:scene3d>
+      <a:camera prst="orthographicFront"/>
+      <a:lightRig rig="threePt" dir="t"/>
+    </dgm:scene3d>
+    <dgm:sp3d/>
+    <dgm:txPr/>
+    <dgm:style>
+      <a:lnRef idx="1">
+        <a:scrgbClr r="0" g="0" b="0"/>
+      </a:lnRef>
+      <a:fillRef idx="1">
+        <a:scrgbClr r="0" g="0" b="0"/>
+      </a:fillRef>
+      <a:effectRef idx="0">
+        <a:scrgbClr r="0" g="0" b="0"/>
+      </a:effectRef>
+      <a:fontRef idx="minor"/>
+    </dgm:style>
+  </dgm:styleLbl>
+  <dgm:styleLbl name="fgAccFollowNode1">
+    <dgm:scene3d>
+      <a:camera prst="orthographicFront"/>
+      <a:lightRig rig="threePt" dir="t"/>
+    </dgm:scene3d>
+    <dgm:sp3d/>
+    <dgm:txPr/>
+    <dgm:style>
+      <a:lnRef idx="1">
+        <a:scrgbClr r="0" g="0" b="0"/>
+      </a:lnRef>
+      <a:fillRef idx="1">
+        <a:scrgbClr r="0" g="0" b="0"/>
+      </a:fillRef>
+      <a:effectRef idx="0">
+        <a:scrgbClr r="0" g="0" b="0"/>
+      </a:effectRef>
+      <a:fontRef idx="minor"/>
+    </dgm:style>
+  </dgm:styleLbl>
+  <dgm:styleLbl name="alignAccFollowNode1">
+    <dgm:scene3d>
+      <a:camera prst="orthographicFront"/>
+      <a:lightRig rig="threePt" dir="t"/>
+    </dgm:scene3d>
+    <dgm:sp3d/>
+    <dgm:txPr/>
+    <dgm:style>
+      <a:lnRef idx="1">
+        <a:scrgbClr r="0" g="0" b="0"/>
+      </a:lnRef>
+      <a:fillRef idx="1">
+        <a:scrgbClr r="0" g="0" b="0"/>
+      </a:fillRef>
+      <a:effectRef idx="0">
+        <a:scrgbClr r="0" g="0" b="0"/>
+      </a:effectRef>
+      <a:fontRef idx="minor"/>
+    </dgm:style>
+  </dgm:styleLbl>
+  <dgm:styleLbl name="bgAccFollowNode1">
+    <dgm:scene3d>
+      <a:camera prst="orthographicFront"/>
+      <a:lightRig rig="threePt" dir="t"/>
+    </dgm:scene3d>
+    <dgm:sp3d/>
+    <dgm:txPr/>
+    <dgm:style>
+      <a:lnRef idx="1">
+        <a:scrgbClr r="0" g="0" b="0"/>
+      </a:lnRef>
+      <a:fillRef idx="1">
+        <a:scrgbClr r="0" g="0" b="0"/>
+      </a:fillRef>
+      <a:effectRef idx="0">
+        <a:scrgbClr r="0" g="0" b="0"/>
+      </a:effectRef>
+      <a:fontRef idx="minor"/>
+    </dgm:style>
+  </dgm:styleLbl>
+  <dgm:styleLbl name="fgAcc0">
+    <dgm:scene3d>
+      <a:camera prst="orthographicFront"/>
+      <a:lightRig rig="threePt" dir="t"/>
+    </dgm:scene3d>
+    <dgm:sp3d/>
+    <dgm:txPr/>
+    <dgm:style>
+      <a:lnRef idx="1">
+        <a:scrgbClr r="0" g="0" b="0"/>
+      </a:lnRef>
+      <a:fillRef idx="1">
+        <a:scrgbClr r="0" g="0" b="0"/>
+      </a:fillRef>
+      <a:effectRef idx="0">
+        <a:scrgbClr r="0" g="0" b="0"/>
+      </a:effectRef>
+      <a:fontRef idx="minor"/>
+    </dgm:style>
+  </dgm:styleLbl>
+  <dgm:styleLbl name="fgAcc2">
+    <dgm:scene3d>
+      <a:camera prst="orthographicFront"/>
+      <a:lightRig rig="threePt" dir="t"/>
+    </dgm:scene3d>
+    <dgm:sp3d/>
+    <dgm:txPr/>
+    <dgm:style>
+      <a:lnRef idx="1">
+        <a:scrgbClr r="0" g="0" b="0"/>
+      </a:lnRef>
+      <a:fillRef idx="1">
+        <a:scrgbClr r="0" g="0" b="0"/>
+      </a:fillRef>
+      <a:effectRef idx="0">
+        <a:scrgbClr r="0" g="0" b="0"/>
+      </a:effectRef>
+      <a:fontRef idx="minor"/>
+    </dgm:style>
+  </dgm:styleLbl>
+  <dgm:styleLbl name="fgAcc3">
+    <dgm:scene3d>
+      <a:camera prst="orthographicFront"/>
+      <a:lightRig rig="threePt" dir="t"/>
+    </dgm:scene3d>
+    <dgm:sp3d/>
+    <dgm:txPr/>
+    <dgm:style>
+      <a:lnRef idx="1">
+        <a:scrgbClr r="0" g="0" b="0"/>
+      </a:lnRef>
+      <a:fillRef idx="1">
+        <a:scrgbClr r="0" g="0" b="0"/>
+      </a:fillRef>
+      <a:effectRef idx="0">
+        <a:scrgbClr r="0" g="0" b="0"/>
+      </a:effectRef>
+      <a:fontRef idx="minor"/>
+    </dgm:style>
+  </dgm:styleLbl>
+  <dgm:styleLbl name="fgAcc4">
+    <dgm:scene3d>
+      <a:camera prst="orthographicFront"/>
+      <a:lightRig rig="threePt" dir="t"/>
+    </dgm:scene3d>
+    <dgm:sp3d/>
+    <dgm:txPr/>
+    <dgm:style>
+      <a:lnRef idx="1">
+        <a:scrgbClr r="0" g="0" b="0"/>
+      </a:lnRef>
+      <a:fillRef idx="1">
+        <a:scrgbClr r="0" g="0" b="0"/>
+      </a:fillRef>
+      <a:effectRef idx="0">
+        <a:scrgbClr r="0" g="0" b="0"/>
+      </a:effectRef>
+      <a:fontRef idx="minor"/>
+    </dgm:style>
+  </dgm:styleLbl>
+  <dgm:styleLbl name="bgShp">
+    <dgm:scene3d>
+      <a:camera prst="orthographicFront"/>
+      <a:lightRig rig="threePt" dir="t"/>
+    </dgm:scene3d>
+    <dgm:sp3d/>
+    <dgm:txPr/>
+    <dgm:style>
+      <a:lnRef idx="0">
+        <a:scrgbClr r="0" g="0" b="0"/>
+      </a:lnRef>
+      <a:fillRef idx="1">
+        <a:scrgbClr r="0" g="0" b="0"/>
+      </a:fillRef>
+      <a:effectRef idx="2">
+        <a:scrgbClr r="0" g="0" b="0"/>
+      </a:effectRef>
+      <a:fontRef idx="minor"/>
+    </dgm:style>
+  </dgm:styleLbl>
+  <dgm:styleLbl name="dkBgShp">
+    <dgm:scene3d>
+      <a:camera prst="orthographicFront"/>
+      <a:lightRig rig="threePt" dir="t"/>
+    </dgm:scene3d>
+    <dgm:sp3d/>
+    <dgm:txPr/>
+    <dgm:style>
+      <a:lnRef idx="0">
+        <a:scrgbClr r="0" g="0" b="0"/>
+      </a:lnRef>
+      <a:fillRef idx="1">
+        <a:scrgbClr r="0" g="0" b="0"/>
+      </a:fillRef>
+      <a:effectRef idx="2">
+        <a:scrgbClr r="0" g="0" b="0"/>
+      </a:effectRef>
+      <a:fontRef idx="minor"/>
+    </dgm:style>
+  </dgm:styleLbl>
+  <dgm:styleLbl name="trBgShp">
+    <dgm:scene3d>
+      <a:camera prst="orthographicFront"/>
+      <a:lightRig rig="threePt" dir="t"/>
+    </dgm:scene3d>
+    <dgm:sp3d/>
+    <dgm:txPr/>
+    <dgm:style>
+      <a:lnRef idx="0">
+        <a:scrgbClr r="0" g="0" b="0"/>
+      </a:lnRef>
+      <a:fillRef idx="1">
+        <a:scrgbClr r="0" g="0" b="0"/>
+      </a:fillRef>
+      <a:effectRef idx="0">
+        <a:scrgbClr r="0" g="0" b="0"/>
+      </a:effectRef>
+      <a:fontRef idx="minor"/>
+    </dgm:style>
+  </dgm:styleLbl>
+  <dgm:styleLbl name="fgShp">
+    <dgm:scene3d>
+      <a:camera prst="orthographicFront"/>
+      <a:lightRig rig="threePt" dir="t"/>
+    </dgm:scene3d>
+    <dgm:sp3d/>
+    <dgm:txPr/>
+    <dgm:style>
+      <a:lnRef idx="0">
+        <a:scrgbClr r="0" g="0" b="0"/>
+      </a:lnRef>
+      <a:fillRef idx="3">
+        <a:scrgbClr r="0" g="0" b="0"/>
+      </a:fillRef>
+      <a:effectRef idx="2">
+        <a:scrgbClr r="0" g="0" b="0"/>
+      </a:effectRef>
+      <a:fontRef idx="minor"/>
+    </dgm:style>
+  </dgm:styleLbl>
+  <dgm:styleLbl name="revTx">
+    <dgm:scene3d>
+      <a:camera prst="orthographicFront"/>
+      <a:lightRig rig="threePt" dir="t"/>
+    </dgm:scene3d>
+    <dgm:sp3d/>
+    <dgm:txPr/>
+    <dgm:style>
+      <a:lnRef idx="0">
+        <a:scrgbClr r="0" g="0" b="0"/>
+      </a:lnRef>
+      <a:fillRef idx="0">
+        <a:scrgbClr r="0" g="0" b="0"/>
+      </a:fillRef>
+      <a:effectRef idx="0">
+        <a:scrgbClr r="0" g="0" b="0"/>
+      </a:effectRef>
+      <a:fontRef idx="minor"/>
+    </dgm:style>
+  </dgm:styleLbl>
+</dgm:styleDef>
+</file>
+
+<file path=ppt/diagrams/quickStyle2.xml><?xml version="1.0" encoding="utf-8"?>
+<dgm:styleDef xmlns:dgm="http://schemas.openxmlformats.org/drawingml/2006/diagram" xmlns:a="http://schemas.openxmlformats.org/drawingml/2006/main" uniqueId="urn:microsoft.com/office/officeart/2005/8/quickstyle/simple4">
+  <dgm:title val=""/>
+  <dgm:desc val=""/>
+  <dgm:catLst>
+    <dgm:cat type="simple" pri="10400"/>
+  </dgm:catLst>
+  <dgm:scene3d>
+    <a:camera prst="orthographicFront"/>
+    <a:lightRig rig="threePt" dir="t"/>
+  </dgm:scene3d>
+  <dgm:styleLbl name="node0">
+    <dgm:scene3d>
+      <a:camera prst="orthographicFront"/>
+      <a:lightRig rig="threePt" dir="t"/>
+    </dgm:scene3d>
+    <dgm:sp3d/>
+    <dgm:txPr/>
+    <dgm:style>
+      <a:lnRef idx="0">
+        <a:scrgbClr r="0" g="0" b="0"/>
+      </a:lnRef>
+      <a:fillRef idx="3">
+        <a:scrgbClr r="0" g="0" b="0"/>
+      </a:fillRef>
+      <a:effectRef idx="2">
+        <a:scrgbClr r="0" g="0" b="0"/>
+      </a:effectRef>
+      <a:fontRef idx="minor">
+        <a:schemeClr val="lt1"/>
+      </a:fontRef>
+    </dgm:style>
+  </dgm:styleLbl>
+  <dgm:styleLbl name="lnNode1">
+    <dgm:scene3d>
+      <a:camera prst="orthographicFront"/>
+      <a:lightRig rig="threePt" dir="t"/>
+    </dgm:scene3d>
+    <dgm:sp3d/>
+    <dgm:txPr/>
+    <dgm:style>
+      <a:lnRef idx="1">
+        <a:scrgbClr r="0" g="0" b="0"/>
+      </a:lnRef>
+      <a:fillRef idx="3">
+        <a:scrgbClr r="0" g="0" b="0"/>
+      </a:fillRef>
+      <a:effectRef idx="2">
+        <a:scrgbClr r="0" g="0" b="0"/>
+      </a:effectRef>
+      <a:fontRef idx="minor">
+        <a:schemeClr val="lt1"/>
+      </a:fontRef>
+    </dgm:style>
+  </dgm:styleLbl>
+  <dgm:styleLbl name="vennNode1">
+    <dgm:scene3d>
+      <a:camera prst="orthographicFront"/>
+      <a:lightRig rig="threePt" dir="t"/>
+    </dgm:scene3d>
+    <dgm:sp3d/>
+    <dgm:txPr/>
+    <dgm:style>
+      <a:lnRef idx="0">
+        <a:scrgbClr r="0" g="0" b="0"/>
+      </a:lnRef>
+      <a:fillRef idx="3">
+        <a:scrgbClr r="0" g="0" b="0"/>
+      </a:fillRef>
+      <a:effectRef idx="0">
+        <a:scrgbClr r="0" g="0" b="0"/>
+      </a:effectRef>
+      <a:fontRef idx="minor">
+        <a:schemeClr val="tx1"/>
+      </a:fontRef>
+    </dgm:style>
+  </dgm:styleLbl>
+  <dgm:styleLbl name="alignNode1">
+    <dgm:scene3d>
+      <a:camera prst="orthographicFront"/>
+      <a:lightRig rig="threePt" dir="t"/>
+    </dgm:scene3d>
+    <dgm:sp3d/>
+    <dgm:txPr/>
+    <dgm:style>
+      <a:lnRef idx="1">
+        <a:scrgbClr r="0" g="0" b="0"/>
+      </a:lnRef>
+      <a:fillRef idx="3">
+        <a:scrgbClr r="0" g="0" b="0"/>
+      </a:fillRef>
+      <a:effectRef idx="2">
+        <a:scrgbClr r="0" g="0" b="0"/>
+      </a:effectRef>
+      <a:fontRef idx="minor">
+        <a:schemeClr val="lt1"/>
+      </a:fontRef>
+    </dgm:style>
+  </dgm:styleLbl>
+  <dgm:styleLbl name="node1">
+    <dgm:scene3d>
+      <a:camera prst="orthographicFront"/>
+      <a:lightRig rig="threePt" dir="t"/>
+    </dgm:scene3d>
+    <dgm:sp3d/>
+    <dgm:txPr/>
+    <dgm:style>
+      <a:lnRef idx="0">
+        <a:scrgbClr r="0" g="0" b="0"/>
+      </a:lnRef>
+      <a:fillRef idx="3">
+        <a:scrgbClr r="0" g="0" b="0"/>
+      </a:fillRef>
+      <a:effectRef idx="2">
+        <a:scrgbClr r="0" g="0" b="0"/>
+      </a:effectRef>
+      <a:fontRef idx="minor">
+        <a:schemeClr val="lt1"/>
+      </a:fontRef>
+    </dgm:style>
+  </dgm:styleLbl>
+  <dgm:styleLbl name="node2">
+    <dgm:scene3d>
+      <a:camera prst="orthographicFront"/>
+      <a:lightRig rig="threePt" dir="t"/>
+    </dgm:scene3d>
+    <dgm:sp3d/>
+    <dgm:txPr/>
+    <dgm:style>
+      <a:lnRef idx="0">
+        <a:scrgbClr r="0" g="0" b="0"/>
+      </a:lnRef>
+      <a:fillRef idx="3">
+        <a:scrgbClr r="0" g="0" b="0"/>
+      </a:fillRef>
+      <a:effectRef idx="2">
+        <a:scrgbClr r="0" g="0" b="0"/>
+      </a:effectRef>
+      <a:fontRef idx="minor">
+        <a:schemeClr val="lt1"/>
+      </a:fontRef>
+    </dgm:style>
+  </dgm:styleLbl>
+  <dgm:styleLbl name="node3">
+    <dgm:scene3d>
+      <a:camera prst="orthographicFront"/>
+      <a:lightRig rig="threePt" dir="t"/>
+    </dgm:scene3d>
+    <dgm:sp3d/>
+    <dgm:txPr/>
+    <dgm:style>
+      <a:lnRef idx="0">
+        <a:scrgbClr r="0" g="0" b="0"/>
+      </a:lnRef>
+      <a:fillRef idx="3">
+        <a:scrgbClr r="0" g="0" b="0"/>
+      </a:fillRef>
+      <a:effectRef idx="2">
+        <a:scrgbClr r="0" g="0" b="0"/>
+      </a:effectRef>
+      <a:fontRef idx="minor">
+        <a:schemeClr val="lt1"/>
+      </a:fontRef>
+    </dgm:style>
+  </dgm:styleLbl>
+  <dgm:styleLbl name="node4">
+    <dgm:scene3d>
+      <a:camera prst="orthographicFront"/>
+      <a:lightRig rig="threePt" dir="t"/>
+    </dgm:scene3d>
+    <dgm:sp3d/>
+    <dgm:txPr/>
+    <dgm:style>
+      <a:lnRef idx="0">
+        <a:scrgbClr r="0" g="0" b="0"/>
+      </a:lnRef>
+      <a:fillRef idx="3">
+        <a:scrgbClr r="0" g="0" b="0"/>
+      </a:fillRef>
+      <a:effectRef idx="2">
+        <a:scrgbClr r="0" g="0" b="0"/>
+      </a:effectRef>
+      <a:fontRef idx="minor">
+        <a:schemeClr val="lt1"/>
+      </a:fontRef>
+    </dgm:style>
+  </dgm:styleLbl>
+  <dgm:styleLbl name="fgImgPlace1">
+    <dgm:scene3d>
+      <a:camera prst="orthographicFront"/>
+      <a:lightRig rig="threePt" dir="t"/>
+    </dgm:scene3d>
+    <dgm:sp3d/>
+    <dgm:txPr/>
+    <dgm:style>
+      <a:lnRef idx="0">
+        <a:scrgbClr r="0" g="0" b="0"/>
+      </a:lnRef>
+      <a:fillRef idx="1">
+        <a:scrgbClr r="0" g="0" b="0"/>
+      </a:fillRef>
+      <a:effectRef idx="2">
+        <a:scrgbClr r="0" g="0" b="0"/>
+      </a:effectRef>
+      <a:fontRef idx="minor"/>
+    </dgm:style>
+  </dgm:styleLbl>
+  <dgm:styleLbl name="alignImgPlace1">
+    <dgm:scene3d>
+      <a:camera prst="orthographicFront"/>
+      <a:lightRig rig="threePt" dir="t"/>
+    </dgm:scene3d>
+    <dgm:sp3d/>
+    <dgm:txPr/>
+    <dgm:style>
+      <a:lnRef idx="0">
+        <a:scrgbClr r="0" g="0" b="0"/>
+      </a:lnRef>
+      <a:fillRef idx="1">
+        <a:scrgbClr r="0" g="0" b="0"/>
+      </a:fillRef>
+      <a:effectRef idx="2">
+        <a:scrgbClr r="0" g="0" b="0"/>
+      </a:effectRef>
+      <a:fontRef idx="minor"/>
+    </dgm:style>
+  </dgm:styleLbl>
+  <dgm:styleLbl name="bgImgPlace1">
+    <dgm:scene3d>
+      <a:camera prst="orthographicFront"/>
+      <a:lightRig rig="threePt" dir="t"/>
+    </dgm:scene3d>
+    <dgm:sp3d/>
+    <dgm:txPr/>
+    <dgm:style>
+      <a:lnRef idx="0">
+        <a:scrgbClr r="0" g="0" b="0"/>
+      </a:lnRef>
+      <a:fillRef idx="1">
+        <a:scrgbClr r="0" g="0" b="0"/>
+      </a:fillRef>
+      <a:effectRef idx="2">
+        <a:scrgbClr r="0" g="0" b="0"/>
+      </a:effectRef>
+      <a:fontRef idx="minor"/>
+    </dgm:style>
+  </dgm:styleLbl>
+  <dgm:styleLbl name="sibTrans2D1">
+    <dgm:scene3d>
+      <a:camera prst="orthographicFront"/>
+      <a:lightRig rig="threePt" dir="t"/>
+    </dgm:scene3d>
+    <dgm:sp3d/>
+    <dgm:txPr/>
+    <dgm:style>
+      <a:lnRef idx="0">
+        <a:scrgbClr r="0" g="0" b="0"/>
+      </a:lnRef>
+      <a:fillRef idx="3">
+        <a:scrgbClr r="0" g="0" b="0"/>
+      </a:fillRef>
+      <a:effectRef idx="2">
+        <a:scrgbClr r="0" g="0" b="0"/>
+      </a:effectRef>
+      <a:fontRef idx="minor">
+        <a:schemeClr val="lt1"/>
+      </a:fontRef>
+    </dgm:style>
+  </dgm:styleLbl>
+  <dgm:styleLbl name="fgSibTrans2D1">
+    <dgm:scene3d>
+      <a:camera prst="orthographicFront"/>
+      <a:lightRig rig="threePt" dir="t"/>
+    </dgm:scene3d>
+    <dgm:sp3d/>
+    <dgm:txPr/>
+    <dgm:style>
+      <a:lnRef idx="0">
+        <a:scrgbClr r="0" g="0" b="0"/>
+      </a:lnRef>
+      <a:fillRef idx="3">
+        <a:scrgbClr r="0" g="0" b="0"/>
+      </a:fillRef>
+      <a:effectRef idx="2">
+        <a:scrgbClr r="0" g="0" b="0"/>
+      </a:effectRef>
+      <a:fontRef idx="minor">
+        <a:schemeClr val="lt1"/>
+      </a:fontRef>
+    </dgm:style>
+  </dgm:styleLbl>
+  <dgm:styleLbl name="bgSibTrans2D1">
+    <dgm:scene3d>
+      <a:camera prst="orthographicFront"/>
+      <a:lightRig rig="threePt" dir="t"/>
+    </dgm:scene3d>
+    <dgm:sp3d/>
+    <dgm:txPr/>
+    <dgm:style>
+      <a:lnRef idx="0">
+        <a:scrgbClr r="0" g="0" b="0"/>
+      </a:lnRef>
+      <a:fillRef idx="3">
+        <a:scrgbClr r="0" g="0" b="0"/>
+      </a:fillRef>
+      <a:effectRef idx="2">
+        <a:scrgbClr r="0" g="0" b="0"/>
+      </a:effectRef>
+      <a:fontRef idx="minor">
+        <a:schemeClr val="lt1"/>
+      </a:fontRef>
+    </dgm:style>
+  </dgm:styleLbl>
+  <dgm:styleLbl name="sibTrans1D1">
+    <dgm:scene3d>
+      <a:camera prst="orthographicFront"/>
+      <a:lightRig rig="threePt" dir="t"/>
+    </dgm:scene3d>
+    <dgm:sp3d/>
+    <dgm:txPr/>
+    <dgm:style>
+      <a:lnRef idx="1">
+        <a:scrgbClr r="0" g="0" b="0"/>
+      </a:lnRef>
+      <a:fillRef idx="0">
+        <a:scrgbClr r="0" g="0" b="0"/>
+      </a:fillRef>
+      <a:effectRef idx="0">
+        <a:scrgbClr r="0" g="0" b="0"/>
+      </a:effectRef>
+      <a:fontRef idx="minor"/>
+    </dgm:style>
+  </dgm:styleLbl>
+  <dgm:styleLbl name="callout">
+    <dgm:scene3d>
+      <a:camera prst="orthographicFront"/>
+      <a:lightRig rig="threePt" dir="t"/>
+    </dgm:scene3d>
+    <dgm:sp3d/>
+    <dgm:txPr/>
+    <dgm:style>
+      <a:lnRef idx="2">
+        <a:scrgbClr r="0" g="0" b="0"/>
+      </a:lnRef>
+      <a:fillRef idx="1">
+        <a:scrgbClr r="0" g="0" b="0"/>
+      </a:fillRef>
+      <a:effectRef idx="1">
+        <a:scrgbClr r="0" g="0" b="0"/>
+      </a:effectRef>
+      <a:fontRef idx="minor"/>
+    </dgm:style>
+  </dgm:styleLbl>
+  <dgm:styleLbl name="asst0">
+    <dgm:scene3d>
+      <a:camera prst="orthographicFront"/>
+      <a:lightRig rig="threePt" dir="t"/>
+    </dgm:scene3d>
+    <dgm:sp3d/>
+    <dgm:txPr/>
+    <dgm:style>
+      <a:lnRef idx="0">
+        <a:scrgbClr r="0" g="0" b="0"/>
+      </a:lnRef>
+      <a:fillRef idx="3">
+        <a:scrgbClr r="0" g="0" b="0"/>
+      </a:fillRef>
+      <a:effectRef idx="2">
+        <a:scrgbClr r="0" g="0" b="0"/>
+      </a:effectRef>
+      <a:fontRef idx="minor">
+        <a:schemeClr val="lt1"/>
+      </a:fontRef>
+    </dgm:style>
+  </dgm:styleLbl>
+  <dgm:styleLbl name="asst1">
+    <dgm:scene3d>
+      <a:camera prst="orthographicFront"/>
+      <a:lightRig rig="threePt" dir="t"/>
+    </dgm:scene3d>
+    <dgm:sp3d/>
+    <dgm:txPr/>
+    <dgm:style>
+      <a:lnRef idx="0">
+        <a:scrgbClr r="0" g="0" b="0"/>
+      </a:lnRef>
+      <a:fillRef idx="3">
+        <a:scrgbClr r="0" g="0" b="0"/>
+      </a:fillRef>
+      <a:effectRef idx="2">
+        <a:scrgbClr r="0" g="0" b="0"/>
+      </a:effectRef>
+      <a:fontRef idx="minor">
+        <a:schemeClr val="lt1"/>
+      </a:fontRef>
+    </dgm:style>
+  </dgm:styleLbl>
+  <dgm:styleLbl name="asst2">
+    <dgm:scene3d>
+      <a:camera prst="orthographicFront"/>
+      <a:lightRig rig="threePt" dir="t"/>
+    </dgm:scene3d>
+    <dgm:sp3d/>
+    <dgm:txPr/>
+    <dgm:style>
+      <a:lnRef idx="0">
+        <a:scrgbClr r="0" g="0" b="0"/>
+      </a:lnRef>
+      <a:fillRef idx="3">
+        <a:scrgbClr r="0" g="0" b="0"/>
+      </a:fillRef>
+      <a:effectRef idx="2">
+        <a:scrgbClr r="0" g="0" b="0"/>
+      </a:effectRef>
+      <a:fontRef idx="minor">
+        <a:schemeClr val="lt1"/>
+      </a:fontRef>
+    </dgm:style>
+  </dgm:styleLbl>
+  <dgm:styleLbl name="asst3">
+    <dgm:scene3d>
+      <a:camera prst="orthographicFront"/>
+      <a:lightRig rig="threePt" dir="t"/>
+    </dgm:scene3d>
+    <dgm:sp3d/>
+    <dgm:txPr/>
+    <dgm:style>
+      <a:lnRef idx="0">
+        <a:scrgbClr r="0" g="0" b="0"/>
+      </a:lnRef>
+      <a:fillRef idx="3">
+        <a:scrgbClr r="0" g="0" b="0"/>
+      </a:fillRef>
+      <a:effectRef idx="2">
+        <a:scrgbClr r="0" g="0" b="0"/>
+      </a:effectRef>
+      <a:fontRef idx="minor">
+        <a:schemeClr val="lt1"/>
+      </a:fontRef>
+    </dgm:style>
+  </dgm:styleLbl>
+  <dgm:styleLbl name="asst4">
+    <dgm:scene3d>
+      <a:camera prst="orthographicFront"/>
+      <a:lightRig rig="threePt" dir="t"/>
+    </dgm:scene3d>
+    <dgm:sp3d/>
+    <dgm:txPr/>
+    <dgm:style>
+      <a:lnRef idx="0">
+        <a:scrgbClr r="0" g="0" b="0"/>
+      </a:lnRef>
+      <a:fillRef idx="3">
+        <a:scrgbClr r="0" g="0" b="0"/>
+      </a:fillRef>
+      <a:effectRef idx="2">
+        <a:scrgbClr r="0" g="0" b="0"/>
+      </a:effectRef>
+      <a:fontRef idx="minor">
+        <a:schemeClr val="lt1"/>
+      </a:fontRef>
+    </dgm:style>
+  </dgm:styleLbl>
+  <dgm:styleLbl name="parChTrans2D1">
+    <dgm:scene3d>
+      <a:camera prst="orthographicFront"/>
+      <a:lightRig rig="threePt" dir="t"/>
+    </dgm:scene3d>
+    <dgm:sp3d/>
+    <dgm:txPr/>
+    <dgm:style>
+      <a:lnRef idx="0">
+        <a:scrgbClr r="0" g="0" b="0"/>
+      </a:lnRef>
+      <a:fillRef idx="3">
+        <a:scrgbClr r="0" g="0" b="0"/>
+      </a:fillRef>
+      <a:effectRef idx="2">
+        <a:scrgbClr r="0" g="0" b="0"/>
+      </a:effectRef>
+      <a:fontRef idx="minor">
+        <a:schemeClr val="lt1"/>
+      </a:fontRef>
+    </dgm:style>
+  </dgm:styleLbl>
+  <dgm:styleLbl name="parChTrans2D2">
+    <dgm:scene3d>
+      <a:camera prst="orthographicFront"/>
+      <a:lightRig rig="threePt" dir="t"/>
+    </dgm:scene3d>
+    <dgm:sp3d/>
+    <dgm:txPr/>
+    <dgm:style>
+      <a:lnRef idx="0">
+        <a:scrgbClr r="0" g="0" b="0"/>
+      </a:lnRef>
+      <a:fillRef idx="3">
+        <a:scrgbClr r="0" g="0" b="0"/>
+      </a:fillRef>
+      <a:effectRef idx="2">
+        <a:scrgbClr r="0" g="0" b="0"/>
+      </a:effectRef>
+      <a:fontRef idx="minor">
+        <a:schemeClr val="lt1"/>
+      </a:fontRef>
+    </dgm:style>
+  </dgm:styleLbl>
+  <dgm:styleLbl name="parChTrans2D3">
+    <dgm:scene3d>
+      <a:camera prst="orthographicFront"/>
+      <a:lightRig rig="threePt" dir="t"/>
+    </dgm:scene3d>
+    <dgm:sp3d/>
+    <dgm:txPr/>
+    <dgm:style>
+      <a:lnRef idx="1">
+        <a:scrgbClr r="0" g="0" b="0"/>
+      </a:lnRef>
+      <a:fillRef idx="3">
+        <a:scrgbClr r="0" g="0" b="0"/>
+      </a:fillRef>
+      <a:effectRef idx="2">
+        <a:scrgbClr r="0" g="0" b="0"/>
+      </a:effectRef>
+      <a:fontRef idx="minor">
+        <a:schemeClr val="lt1"/>
+      </a:fontRef>
+    </dgm:style>
+  </dgm:styleLbl>
+  <dgm:styleLbl name="parChTrans2D4">
+    <dgm:scene3d>
+      <a:camera prst="orthographicFront"/>
+      <a:lightRig rig="threePt" dir="t"/>
+    </dgm:scene3d>
+    <dgm:sp3d/>
+    <dgm:txPr/>
+    <dgm:style>
+      <a:lnRef idx="1">
+        <a:scrgbClr r="0" g="0" b="0"/>
+      </a:lnRef>
+      <a:fillRef idx="3">
+        <a:scrgbClr r="0" g="0" b="0"/>
+      </a:fillRef>
+      <a:effectRef idx="2">
+        <a:scrgbClr r="0" g="0" b="0"/>
+      </a:effectRef>
+      <a:fontRef idx="minor">
+        <a:schemeClr val="lt1"/>
+      </a:fontRef>
+    </dgm:style>
+  </dgm:styleLbl>
+  <dgm:styleLbl name="parChTrans1D1">
+    <dgm:scene3d>
+      <a:camera prst="orthographicFront"/>
+      <a:lightRig rig="threePt" dir="t"/>
+    </dgm:scene3d>
+    <dgm:sp3d/>
+    <dgm:txPr/>
+    <dgm:style>
+      <a:lnRef idx="1">
+        <a:scrgbClr r="0" g="0" b="0"/>
+      </a:lnRef>
+      <a:fillRef idx="0">
+        <a:scrgbClr r="0" g="0" b="0"/>
+      </a:fillRef>
+      <a:effectRef idx="0">
+        <a:scrgbClr r="0" g="0" b="0"/>
+      </a:effectRef>
+      <a:fontRef idx="minor"/>
+    </dgm:style>
+  </dgm:styleLbl>
+  <dgm:styleLbl name="parChTrans1D2">
+    <dgm:scene3d>
+      <a:camera prst="orthographicFront"/>
+      <a:lightRig rig="threePt" dir="t"/>
+    </dgm:scene3d>
+    <dgm:sp3d/>
+    <dgm:txPr/>
+    <dgm:style>
+      <a:lnRef idx="1">
+        <a:scrgbClr r="0" g="0" b="0"/>
+      </a:lnRef>
+      <a:fillRef idx="0">
+        <a:scrgbClr r="0" g="0" b="0"/>
+      </a:fillRef>
+      <a:effectRef idx="0">
+        <a:scrgbClr r="0" g="0" b="0"/>
+      </a:effectRef>
+      <a:fontRef idx="minor"/>
+    </dgm:style>
+  </dgm:styleLbl>
+  <dgm:styleLbl name="parChTrans1D3">
+    <dgm:scene3d>
+      <a:camera prst="orthographicFront"/>
+      <a:lightRig rig="threePt" dir="t"/>
+    </dgm:scene3d>
+    <dgm:sp3d/>
+    <dgm:txPr/>
+    <dgm:style>
+      <a:lnRef idx="1">
+        <a:scrgbClr r="0" g="0" b="0"/>
+      </a:lnRef>
+      <a:fillRef idx="0">
+        <a:scrgbClr r="0" g="0" b="0"/>
+      </a:fillRef>
+      <a:effectRef idx="0">
+        <a:scrgbClr r="0" g="0" b="0"/>
+      </a:effectRef>
+      <a:fontRef idx="minor"/>
+    </dgm:style>
+  </dgm:styleLbl>
+  <dgm:styleLbl name="parChTrans1D4">
+    <dgm:scene3d>
+      <a:camera prst="orthographicFront"/>
+      <a:lightRig rig="threePt" dir="t"/>
+    </dgm:scene3d>
+    <dgm:sp3d/>
+    <dgm:txPr/>
+    <dgm:style>
+      <a:lnRef idx="1">
+        <a:scrgbClr r="0" g="0" b="0"/>
+      </a:lnRef>
+      <a:fillRef idx="0">
+        <a:scrgbClr r="0" g="0" b="0"/>
+      </a:fillRef>
+      <a:effectRef idx="0">
+        <a:scrgbClr r="0" g="0" b="0"/>
+      </a:effectRef>
+      <a:fontRef idx="minor"/>
+    </dgm:style>
+  </dgm:styleLbl>
+  <dgm:styleLbl name="fgAcc1">
+    <dgm:scene3d>
+      <a:camera prst="orthographicFront"/>
+      <a:lightRig rig="threePt" dir="t"/>
+    </dgm:scene3d>
+    <dgm:sp3d/>
+    <dgm:txPr/>
+    <dgm:style>
+      <a:lnRef idx="1">
+        <a:scrgbClr r="0" g="0" b="0"/>
+      </a:lnRef>
+      <a:fillRef idx="1">
+        <a:scrgbClr r="0" g="0" b="0"/>
+      </a:fillRef>
+      <a:effectRef idx="0">
+        <a:scrgbClr r="0" g="0" b="0"/>
+      </a:effectRef>
+      <a:fontRef idx="minor"/>
+    </dgm:style>
+  </dgm:styleLbl>
+  <dgm:styleLbl name="conFgAcc1">
+    <dgm:scene3d>
+      <a:camera prst="orthographicFront"/>
+      <a:lightRig rig="threePt" dir="t"/>
+    </dgm:scene3d>
+    <dgm:sp3d/>
+    <dgm:txPr/>
+    <dgm:style>
+      <a:lnRef idx="1">
+        <a:scrgbClr r="0" g="0" b="0"/>
+      </a:lnRef>
+      <a:fillRef idx="1">
+        <a:scrgbClr r="0" g="0" b="0"/>
+      </a:fillRef>
+      <a:effectRef idx="0">
+        <a:scrgbClr r="0" g="0" b="0"/>
+      </a:effectRef>
+      <a:fontRef idx="minor"/>
+    </dgm:style>
+  </dgm:styleLbl>
+  <dgm:styleLbl name="alignAcc1">
+    <dgm:scene3d>
+      <a:camera prst="orthographicFront"/>
+      <a:lightRig rig="threePt" dir="t"/>
+    </dgm:scene3d>
+    <dgm:sp3d/>
+    <dgm:txPr/>
+    <dgm:style>
+      <a:lnRef idx="1">
+        <a:scrgbClr r="0" g="0" b="0"/>
+      </a:lnRef>
+      <a:fillRef idx="1">
+        <a:scrgbClr r="0" g="0" b="0"/>
+      </a:fillRef>
+      <a:effectRef idx="0">
+        <a:scrgbClr r="0" g="0" b="0"/>
+      </a:effectRef>
+      <a:fontRef idx="minor"/>
+    </dgm:style>
+  </dgm:styleLbl>
+  <dgm:styleLbl name="trAlignAcc1">
+    <dgm:scene3d>
+      <a:camera prst="orthographicFront"/>
+      <a:lightRig rig="threePt" dir="t"/>
+    </dgm:scene3d>
+    <dgm:sp3d/>
+    <dgm:txPr/>
+    <dgm:style>
+      <a:lnRef idx="1">
+        <a:scrgbClr r="0" g="0" b="0"/>
+      </a:lnRef>
+      <a:fillRef idx="1">
+        <a:scrgbClr r="0" g="0" b="0"/>
+      </a:fillRef>
+      <a:effectRef idx="0">
+        <a:scrgbClr r="0" g="0" b="0"/>
+      </a:effectRef>
+      <a:fontRef idx="minor"/>
+    </dgm:style>
+  </dgm:styleLbl>
+  <dgm:styleLbl name="bgAcc1">
+    <dgm:scene3d>
+      <a:camera prst="orthographicFront"/>
+      <a:lightRig rig="threePt" dir="t"/>
+    </dgm:scene3d>
+    <dgm:sp3d/>
+    <dgm:txPr/>
+    <dgm:style>
+      <a:lnRef idx="1">
+        <a:scrgbClr r="0" g="0" b="0"/>
+      </a:lnRef>
+      <a:fillRef idx="1">
+        <a:scrgbClr r="0" g="0" b="0"/>
+      </a:fillRef>
+      <a:effectRef idx="0">
+        <a:scrgbClr r="0" g="0" b="0"/>
+      </a:effectRef>
+      <a:fontRef idx="minor"/>
+    </dgm:style>
+  </dgm:styleLbl>
+  <dgm:styleLbl name="solidFgAcc1">
+    <dgm:scene3d>
+      <a:camera prst="orthographicFront"/>
+      <a:lightRig rig="threePt" dir="t"/>
+    </dgm:scene3d>
+    <dgm:sp3d/>
+    <dgm:txPr/>
+    <dgm:style>
+      <a:lnRef idx="1">
+        <a:scrgbClr r="0" g="0" b="0"/>
+      </a:lnRef>
+      <a:fillRef idx="1">
+        <a:scrgbClr r="0" g="0" b="0"/>
+      </a:fillRef>
+      <a:effectRef idx="0">
+        <a:scrgbClr r="0" g="0" b="0"/>
+      </a:effectRef>
+      <a:fontRef idx="minor"/>
+    </dgm:style>
+  </dgm:styleLbl>
+  <dgm:styleLbl name="solidAlignAcc1">
+    <dgm:scene3d>
+      <a:camera prst="orthographicFront"/>
+      <a:lightRig rig="threePt" dir="t"/>
+    </dgm:scene3d>
+    <dgm:sp3d/>
+    <dgm:txPr/>
+    <dgm:style>
+      <a:lnRef idx="1">
+        <a:scrgbClr r="0" g="0" b="0"/>
+      </a:lnRef>
+      <a:fillRef idx="1">
+        <a:scrgbClr r="0" g="0" b="0"/>
+      </a:fillRef>
+      <a:effectRef idx="0">
+        <a:scrgbClr r="0" g="0" b="0"/>
+      </a:effectRef>
+      <a:fontRef idx="minor"/>
+    </dgm:style>
+  </dgm:styleLbl>
+  <dgm:styleLbl name="solidBgAcc1">
+    <dgm:scene3d>
+      <a:camera prst="orthographicFront"/>
+      <a:lightRig rig="threePt" dir="t"/>
+    </dgm:scene3d>
+    <dgm:sp3d/>
+    <dgm:txPr/>
+    <dgm:style>
+      <a:lnRef idx="1">
+        <a:scrgbClr r="0" g="0" b="0"/>
+      </a:lnRef>
+      <a:fillRef idx="1">
+        <a:scrgbClr r="0" g="0" b="0"/>
+      </a:fillRef>
+      <a:effectRef idx="0">
+        <a:scrgbClr r="0" g="0" b="0"/>
+      </a:effectRef>
+      <a:fontRef idx="minor"/>
+    </dgm:style>
+  </dgm:styleLbl>
+  <dgm:styleLbl name="fgAccFollowNode1">
+    <dgm:scene3d>
+      <a:camera prst="orthographicFront"/>
+      <a:lightRig rig="threePt" dir="t"/>
+    </dgm:scene3d>
+    <dgm:sp3d/>
+    <dgm:txPr/>
+    <dgm:style>
+      <a:lnRef idx="1">
+        <a:scrgbClr r="0" g="0" b="0"/>
+      </a:lnRef>
+      <a:fillRef idx="1">
+        <a:scrgbClr r="0" g="0" b="0"/>
+      </a:fillRef>
+      <a:effectRef idx="0">
+        <a:scrgbClr r="0" g="0" b="0"/>
+      </a:effectRef>
+      <a:fontRef idx="minor"/>
+    </dgm:style>
+  </dgm:styleLbl>
+  <dgm:styleLbl name="alignAccFollowNode1">
+    <dgm:scene3d>
+      <a:camera prst="orthographicFront"/>
+      <a:lightRig rig="threePt" dir="t"/>
+    </dgm:scene3d>
+    <dgm:sp3d/>
+    <dgm:txPr/>
+    <dgm:style>
+      <a:lnRef idx="1">
+        <a:scrgbClr r="0" g="0" b="0"/>
+      </a:lnRef>
+      <a:fillRef idx="1">
+        <a:scrgbClr r="0" g="0" b="0"/>
+      </a:fillRef>
+      <a:effectRef idx="0">
+        <a:scrgbClr r="0" g="0" b="0"/>
+      </a:effectRef>
+      <a:fontRef idx="minor"/>
+    </dgm:style>
+  </dgm:styleLbl>
+  <dgm:styleLbl name="bgAccFollowNode1">
+    <dgm:scene3d>
+      <a:camera prst="orthographicFront"/>
+      <a:lightRig rig="threePt" dir="t"/>
+    </dgm:scene3d>
+    <dgm:sp3d/>
+    <dgm:txPr/>
+    <dgm:style>
+      <a:lnRef idx="1">
+        <a:scrgbClr r="0" g="0" b="0"/>
+      </a:lnRef>
+      <a:fillRef idx="1">
+        <a:scrgbClr r="0" g="0" b="0"/>
+      </a:fillRef>
+      <a:effectRef idx="0">
+        <a:scrgbClr r="0" g="0" b="0"/>
+      </a:effectRef>
+      <a:fontRef idx="minor"/>
+    </dgm:style>
+  </dgm:styleLbl>
+  <dgm:styleLbl name="fgAcc0">
+    <dgm:scene3d>
+      <a:camera prst="orthographicFront"/>
+      <a:lightRig rig="threePt" dir="t"/>
+    </dgm:scene3d>
+    <dgm:sp3d/>
+    <dgm:txPr/>
+    <dgm:style>
+      <a:lnRef idx="1">
+        <a:scrgbClr r="0" g="0" b="0"/>
+      </a:lnRef>
+      <a:fillRef idx="1">
+        <a:scrgbClr r="0" g="0" b="0"/>
+      </a:fillRef>
+      <a:effectRef idx="0">
+        <a:scrgbClr r="0" g="0" b="0"/>
+      </a:effectRef>
+      <a:fontRef idx="minor"/>
+    </dgm:style>
+  </dgm:styleLbl>
+  <dgm:styleLbl name="fgAcc2">
+    <dgm:scene3d>
+      <a:camera prst="orthographicFront"/>
+      <a:lightRig rig="threePt" dir="t"/>
+    </dgm:scene3d>
+    <dgm:sp3d/>
+    <dgm:txPr/>
+    <dgm:style>
+      <a:lnRef idx="1">
+        <a:scrgbClr r="0" g="0" b="0"/>
+      </a:lnRef>
+      <a:fillRef idx="1">
+        <a:scrgbClr r="0" g="0" b="0"/>
+      </a:fillRef>
+      <a:effectRef idx="0">
+        <a:scrgbClr r="0" g="0" b="0"/>
+      </a:effectRef>
+      <a:fontRef idx="minor"/>
+    </dgm:style>
+  </dgm:styleLbl>
+  <dgm:styleLbl name="fgAcc3">
+    <dgm:scene3d>
+      <a:camera prst="orthographicFront"/>
+      <a:lightRig rig="threePt" dir="t"/>
+    </dgm:scene3d>
+    <dgm:sp3d/>
+    <dgm:txPr/>
+    <dgm:style>
+      <a:lnRef idx="1">
+        <a:scrgbClr r="0" g="0" b="0"/>
+      </a:lnRef>
+      <a:fillRef idx="1">
+        <a:scrgbClr r="0" g="0" b="0"/>
+      </a:fillRef>
+      <a:effectRef idx="0">
+        <a:scrgbClr r="0" g="0" b="0"/>
+      </a:effectRef>
+      <a:fontRef idx="minor"/>
+    </dgm:style>
+  </dgm:styleLbl>
+  <dgm:styleLbl name="fgAcc4">
+    <dgm:scene3d>
+      <a:camera prst="orthographicFront"/>
+      <a:lightRig rig="threePt" dir="t"/>
+    </dgm:scene3d>
+    <dgm:sp3d/>
+    <dgm:txPr/>
+    <dgm:style>
+      <a:lnRef idx="1">
+        <a:scrgbClr r="0" g="0" b="0"/>
+      </a:lnRef>
+      <a:fillRef idx="1">
+        <a:scrgbClr r="0" g="0" b="0"/>
+      </a:fillRef>
+      <a:effectRef idx="0">
+        <a:scrgbClr r="0" g="0" b="0"/>
+      </a:effectRef>
+      <a:fontRef idx="minor"/>
+    </dgm:style>
+  </dgm:styleLbl>
+  <dgm:styleLbl name="bgShp">
+    <dgm:scene3d>
+      <a:camera prst="orthographicFront"/>
+      <a:lightRig rig="threePt" dir="t"/>
+    </dgm:scene3d>
+    <dgm:sp3d/>
+    <dgm:txPr/>
+    <dgm:style>
+      <a:lnRef idx="0">
+        <a:scrgbClr r="0" g="0" b="0"/>
+      </a:lnRef>
+      <a:fillRef idx="1">
+        <a:scrgbClr r="0" g="0" b="0"/>
+      </a:fillRef>
+      <a:effectRef idx="2">
+        <a:scrgbClr r="0" g="0" b="0"/>
+      </a:effectRef>
+      <a:fontRef idx="minor"/>
+    </dgm:style>
+  </dgm:styleLbl>
+  <dgm:styleLbl name="dkBgShp">
+    <dgm:scene3d>
+      <a:camera prst="orthographicFront"/>
+      <a:lightRig rig="threePt" dir="t"/>
+    </dgm:scene3d>
+    <dgm:sp3d/>
+    <dgm:txPr/>
+    <dgm:style>
+      <a:lnRef idx="0">
+        <a:scrgbClr r="0" g="0" b="0"/>
+      </a:lnRef>
+      <a:fillRef idx="1">
+        <a:scrgbClr r="0" g="0" b="0"/>
+      </a:fillRef>
+      <a:effectRef idx="2">
+        <a:scrgbClr r="0" g="0" b="0"/>
+      </a:effectRef>
+      <a:fontRef idx="minor"/>
+    </dgm:style>
+  </dgm:styleLbl>
+  <dgm:styleLbl name="trBgShp">
+    <dgm:scene3d>
+      <a:camera prst="orthographicFront"/>
+      <a:lightRig rig="threePt" dir="t"/>
+    </dgm:scene3d>
+    <dgm:sp3d/>
+    <dgm:txPr/>
+    <dgm:style>
+      <a:lnRef idx="0">
+        <a:scrgbClr r="0" g="0" b="0"/>
+      </a:lnRef>
+      <a:fillRef idx="1">
+        <a:scrgbClr r="0" g="0" b="0"/>
+      </a:fillRef>
+      <a:effectRef idx="0">
+        <a:scrgbClr r="0" g="0" b="0"/>
+      </a:effectRef>
+      <a:fontRef idx="minor"/>
+    </dgm:style>
+  </dgm:styleLbl>
+  <dgm:styleLbl name="fgShp">
+    <dgm:scene3d>
+      <a:camera prst="orthographicFront"/>
+      <a:lightRig rig="threePt" dir="t"/>
+    </dgm:scene3d>
+    <dgm:sp3d/>
+    <dgm:txPr/>
+    <dgm:style>
+      <a:lnRef idx="0">
+        <a:scrgbClr r="0" g="0" b="0"/>
+      </a:lnRef>
+      <a:fillRef idx="3">
+        <a:scrgbClr r="0" g="0" b="0"/>
+      </a:fillRef>
+      <a:effectRef idx="2">
+        <a:scrgbClr r="0" g="0" b="0"/>
+      </a:effectRef>
+      <a:fontRef idx="minor"/>
+    </dgm:style>
+  </dgm:styleLbl>
+  <dgm:styleLbl name="revTx">
+    <dgm:scene3d>
+      <a:camera prst="orthographicFront"/>
+      <a:lightRig rig="threePt" dir="t"/>
+    </dgm:scene3d>
+    <dgm:sp3d/>
+    <dgm:txPr/>
+    <dgm:style>
+      <a:lnRef idx="0">
+        <a:scrgbClr r="0" g="0" b="0"/>
+      </a:lnRef>
+      <a:fillRef idx="0">
+        <a:scrgbClr r="0" g="0" b="0"/>
+      </a:fillRef>
+      <a:effectRef idx="0">
+        <a:scrgbClr r="0" g="0" b="0"/>
+      </a:effectRef>
+      <a:fontRef idx="minor"/>
+    </dgm:style>
+  </dgm:styleLbl>
+</dgm:styleDef>
+</file>
+
+<file path=ppt/diagrams/quickStyle3.xml><?xml version="1.0" encoding="utf-8"?>
 <dgm:styleDef xmlns:dgm="http://schemas.openxmlformats.org/drawingml/2006/diagram" xmlns:a="http://schemas.openxmlformats.org/drawingml/2006/main" uniqueId="urn:microsoft.com/office/officeart/2005/8/quickstyle/simple4">
   <dgm:title val=""/>
   <dgm:desc val=""/>
@@ -4375,7 +10719,7 @@
           <a:p>
             <a:fld id="{5192CB05-E4E3-6543-BB47-54865E41FD91}" type="datetimeFigureOut">
               <a:rPr lang="en-US" smtClean="0"/>
-              <a:t>6/27/16</a:t>
+              <a:t>10/19/16</a:t>
             </a:fld>
             <a:endParaRPr lang="en-US"/>
           </a:p>
@@ -4545,7 +10889,7 @@
           <a:p>
             <a:fld id="{5192CB05-E4E3-6543-BB47-54865E41FD91}" type="datetimeFigureOut">
               <a:rPr lang="en-US" smtClean="0"/>
-              <a:t>6/27/16</a:t>
+              <a:t>10/19/16</a:t>
             </a:fld>
             <a:endParaRPr lang="en-US"/>
           </a:p>
@@ -4725,7 +11069,7 @@
           <a:p>
             <a:fld id="{5192CB05-E4E3-6543-BB47-54865E41FD91}" type="datetimeFigureOut">
               <a:rPr lang="en-US" smtClean="0"/>
-              <a:t>6/27/16</a:t>
+              <a:t>10/19/16</a:t>
             </a:fld>
             <a:endParaRPr lang="en-US"/>
           </a:p>
@@ -4895,7 +11239,7 @@
           <a:p>
             <a:fld id="{5192CB05-E4E3-6543-BB47-54865E41FD91}" type="datetimeFigureOut">
               <a:rPr lang="en-US" smtClean="0"/>
-              <a:t>6/27/16</a:t>
+              <a:t>10/19/16</a:t>
             </a:fld>
             <a:endParaRPr lang="en-US"/>
           </a:p>
@@ -5139,7 +11483,7 @@
           <a:p>
             <a:fld id="{5192CB05-E4E3-6543-BB47-54865E41FD91}" type="datetimeFigureOut">
               <a:rPr lang="en-US" smtClean="0"/>
-              <a:t>6/27/16</a:t>
+              <a:t>10/19/16</a:t>
             </a:fld>
             <a:endParaRPr lang="en-US"/>
           </a:p>
@@ -5371,7 +11715,7 @@
           <a:p>
             <a:fld id="{5192CB05-E4E3-6543-BB47-54865E41FD91}" type="datetimeFigureOut">
               <a:rPr lang="en-US" smtClean="0"/>
-              <a:t>6/27/16</a:t>
+              <a:t>10/19/16</a:t>
             </a:fld>
             <a:endParaRPr lang="en-US"/>
           </a:p>
@@ -5738,7 +12082,7 @@
           <a:p>
             <a:fld id="{5192CB05-E4E3-6543-BB47-54865E41FD91}" type="datetimeFigureOut">
               <a:rPr lang="en-US" smtClean="0"/>
-              <a:t>6/27/16</a:t>
+              <a:t>10/19/16</a:t>
             </a:fld>
             <a:endParaRPr lang="en-US"/>
           </a:p>
@@ -5856,7 +12200,7 @@
           <a:p>
             <a:fld id="{5192CB05-E4E3-6543-BB47-54865E41FD91}" type="datetimeFigureOut">
               <a:rPr lang="en-US" smtClean="0"/>
-              <a:t>6/27/16</a:t>
+              <a:t>10/19/16</a:t>
             </a:fld>
             <a:endParaRPr lang="en-US"/>
           </a:p>
@@ -5951,7 +12295,7 @@
           <a:p>
             <a:fld id="{5192CB05-E4E3-6543-BB47-54865E41FD91}" type="datetimeFigureOut">
               <a:rPr lang="en-US" smtClean="0"/>
-              <a:t>6/27/16</a:t>
+              <a:t>10/19/16</a:t>
             </a:fld>
             <a:endParaRPr lang="en-US"/>
           </a:p>
@@ -6228,7 +12572,7 @@
           <a:p>
             <a:fld id="{5192CB05-E4E3-6543-BB47-54865E41FD91}" type="datetimeFigureOut">
               <a:rPr lang="en-US" smtClean="0"/>
-              <a:t>6/27/16</a:t>
+              <a:t>10/19/16</a:t>
             </a:fld>
             <a:endParaRPr lang="en-US"/>
           </a:p>
@@ -6485,7 +12829,7 @@
           <a:p>
             <a:fld id="{5192CB05-E4E3-6543-BB47-54865E41FD91}" type="datetimeFigureOut">
               <a:rPr lang="en-US" smtClean="0"/>
-              <a:t>6/27/16</a:t>
+              <a:t>10/19/16</a:t>
             </a:fld>
             <a:endParaRPr lang="en-US"/>
           </a:p>
@@ -6698,7 +13042,7 @@
           <a:p>
             <a:fld id="{5192CB05-E4E3-6543-BB47-54865E41FD91}" type="datetimeFigureOut">
               <a:rPr lang="en-US" smtClean="0"/>
-              <a:t>6/27/16</a:t>
+              <a:t>10/19/16</a:t>
             </a:fld>
             <a:endParaRPr lang="en-US"/>
           </a:p>
@@ -7113,14 +13457,14 @@
             <p:ph idx="1"/>
             <p:extLst>
               <p:ext uri="{D42A27DB-BD31-4B8C-83A1-F6EECF244321}">
-                <p14:modId xmlns:p14="http://schemas.microsoft.com/office/powerpoint/2010/main" val="1320943511"/>
+                <p14:modId xmlns:p14="http://schemas.microsoft.com/office/powerpoint/2010/main" val="958950815"/>
               </p:ext>
             </p:extLst>
           </p:nvPr>
         </p:nvGraphicFramePr>
         <p:xfrm>
-          <a:off x="628650" y="436563"/>
-          <a:ext cx="7886700" cy="5740400"/>
+          <a:off x="0" y="0"/>
+          <a:ext cx="9144000" cy="6857999"/>
         </p:xfrm>
         <a:graphic>
           <a:graphicData uri="http://schemas.openxmlformats.org/drawingml/2006/diagram">
@@ -7142,6 +13486,61 @@
 </file>
 
 <file path=ppt/slides/slide2.xml><?xml version="1.0" encoding="utf-8"?>
+<p:sld xmlns:a="http://schemas.openxmlformats.org/drawingml/2006/main" xmlns:r="http://schemas.openxmlformats.org/officeDocument/2006/relationships" xmlns:p="http://schemas.openxmlformats.org/presentationml/2006/main">
+  <p:cSld>
+    <p:spTree>
+      <p:nvGrpSpPr>
+        <p:cNvPr id="1" name=""/>
+        <p:cNvGrpSpPr/>
+        <p:nvPr/>
+      </p:nvGrpSpPr>
+      <p:grpSpPr>
+        <a:xfrm>
+          <a:off x="0" y="0"/>
+          <a:ext cx="0" cy="0"/>
+          <a:chOff x="0" y="0"/>
+          <a:chExt cx="0" cy="0"/>
+        </a:xfrm>
+      </p:grpSpPr>
+      <p:graphicFrame>
+        <p:nvGraphicFramePr>
+          <p:cNvPr id="4" name="Content Placeholder 3"/>
+          <p:cNvGraphicFramePr>
+            <a:graphicFrameLocks noGrp="1"/>
+          </p:cNvGraphicFramePr>
+          <p:nvPr>
+            <p:ph idx="1"/>
+            <p:extLst>
+              <p:ext uri="{D42A27DB-BD31-4B8C-83A1-F6EECF244321}">
+                <p14:modId xmlns:p14="http://schemas.microsoft.com/office/powerpoint/2010/main" val="1100613481"/>
+              </p:ext>
+            </p:extLst>
+          </p:nvPr>
+        </p:nvGraphicFramePr>
+        <p:xfrm>
+          <a:off x="628650" y="1825625"/>
+          <a:ext cx="7886700" cy="4351338"/>
+        </p:xfrm>
+        <a:graphic>
+          <a:graphicData uri="http://schemas.openxmlformats.org/drawingml/2006/diagram">
+            <dgm:relIds xmlns:dgm="http://schemas.openxmlformats.org/drawingml/2006/diagram" xmlns:r="http://schemas.openxmlformats.org/officeDocument/2006/relationships" r:dm="rId2" r:lo="rId3" r:qs="rId4" r:cs="rId5"/>
+          </a:graphicData>
+        </a:graphic>
+      </p:graphicFrame>
+    </p:spTree>
+    <p:extLst>
+      <p:ext uri="{BB962C8B-B14F-4D97-AF65-F5344CB8AC3E}">
+        <p14:creationId xmlns:p14="http://schemas.microsoft.com/office/powerpoint/2010/main" val="1107282739"/>
+      </p:ext>
+    </p:extLst>
+  </p:cSld>
+  <p:clrMapOvr>
+    <a:masterClrMapping/>
+  </p:clrMapOvr>
+</p:sld>
+</file>
+
+<file path=ppt/slides/slide3.xml><?xml version="1.0" encoding="utf-8"?>
 <p:sld xmlns:a="http://schemas.openxmlformats.org/drawingml/2006/main" xmlns:r="http://schemas.openxmlformats.org/officeDocument/2006/relationships" xmlns:p="http://schemas.openxmlformats.org/presentationml/2006/main">
   <p:cSld>
     <p:spTree>
@@ -8323,6 +14722,61 @@
 </p:sld>
 </file>
 
+<file path=ppt/slides/slide4.xml><?xml version="1.0" encoding="utf-8"?>
+<p:sld xmlns:a="http://schemas.openxmlformats.org/drawingml/2006/main" xmlns:r="http://schemas.openxmlformats.org/officeDocument/2006/relationships" xmlns:p="http://schemas.openxmlformats.org/presentationml/2006/main">
+  <p:cSld>
+    <p:spTree>
+      <p:nvGrpSpPr>
+        <p:cNvPr id="1" name=""/>
+        <p:cNvGrpSpPr/>
+        <p:nvPr/>
+      </p:nvGrpSpPr>
+      <p:grpSpPr>
+        <a:xfrm>
+          <a:off x="0" y="0"/>
+          <a:ext cx="0" cy="0"/>
+          <a:chOff x="0" y="0"/>
+          <a:chExt cx="0" cy="0"/>
+        </a:xfrm>
+      </p:grpSpPr>
+      <p:graphicFrame>
+        <p:nvGraphicFramePr>
+          <p:cNvPr id="4" name="Content Placeholder 3"/>
+          <p:cNvGraphicFramePr>
+            <a:graphicFrameLocks noGrp="1"/>
+          </p:cNvGraphicFramePr>
+          <p:nvPr>
+            <p:ph idx="1"/>
+            <p:extLst>
+              <p:ext uri="{D42A27DB-BD31-4B8C-83A1-F6EECF244321}">
+                <p14:modId xmlns:p14="http://schemas.microsoft.com/office/powerpoint/2010/main" val="155386676"/>
+              </p:ext>
+            </p:extLst>
+          </p:nvPr>
+        </p:nvGraphicFramePr>
+        <p:xfrm>
+          <a:off x="166255" y="166254"/>
+          <a:ext cx="8783781" cy="6594763"/>
+        </p:xfrm>
+        <a:graphic>
+          <a:graphicData uri="http://schemas.openxmlformats.org/drawingml/2006/diagram">
+            <dgm:relIds xmlns:dgm="http://schemas.openxmlformats.org/drawingml/2006/diagram" xmlns:r="http://schemas.openxmlformats.org/officeDocument/2006/relationships" r:dm="rId2" r:lo="rId3" r:qs="rId4" r:cs="rId5"/>
+          </a:graphicData>
+        </a:graphic>
+      </p:graphicFrame>
+    </p:spTree>
+    <p:extLst>
+      <p:ext uri="{BB962C8B-B14F-4D97-AF65-F5344CB8AC3E}">
+        <p14:creationId xmlns:p14="http://schemas.microsoft.com/office/powerpoint/2010/main" val="1936054627"/>
+      </p:ext>
+    </p:extLst>
+  </p:cSld>
+  <p:clrMapOvr>
+    <a:masterClrMapping/>
+  </p:clrMapOvr>
+</p:sld>
+</file>
+
 <file path=ppt/theme/theme1.xml><?xml version="1.0" encoding="utf-8"?>
 <a:theme xmlns:a="http://schemas.openxmlformats.org/drawingml/2006/main" name="Office Theme">
   <a:themeElements>

--- a/images/nist-devops.pptx
+++ b/images/nist-devops.pptx
@@ -4,11 +4,15 @@
   <p:sldMasterIdLst>
     <p:sldMasterId id="2147483660" r:id="rId1"/>
   </p:sldMasterIdLst>
+  <p:notesMasterIdLst>
+    <p:notesMasterId r:id="rId7"/>
+  </p:notesMasterIdLst>
   <p:sldIdLst>
     <p:sldId id="256" r:id="rId2"/>
-    <p:sldId id="259" r:id="rId3"/>
-    <p:sldId id="257" r:id="rId4"/>
-    <p:sldId id="258" r:id="rId5"/>
+    <p:sldId id="260" r:id="rId3"/>
+    <p:sldId id="259" r:id="rId4"/>
+    <p:sldId id="257" r:id="rId5"/>
+    <p:sldId id="258" r:id="rId6"/>
   </p:sldIdLst>
   <p:sldSz cx="9144000" cy="6858000" type="screen4x3"/>
   <p:notesSz cx="6858000" cy="9144000"/>
@@ -863,6 +867,753 @@
 </file>
 
 <file path=ppt/diagrams/colors2.xml><?xml version="1.0" encoding="utf-8"?>
+<dgm:colorsDef xmlns:dgm="http://schemas.openxmlformats.org/drawingml/2006/diagram" xmlns:a="http://schemas.openxmlformats.org/drawingml/2006/main" uniqueId="urn:microsoft.com/office/officeart/2005/8/colors/accent3_2">
+  <dgm:title val=""/>
+  <dgm:desc val=""/>
+  <dgm:catLst>
+    <dgm:cat type="accent3" pri="11200"/>
+  </dgm:catLst>
+  <dgm:styleLbl name="node0">
+    <dgm:fillClrLst meth="repeat">
+      <a:schemeClr val="accent3"/>
+    </dgm:fillClrLst>
+    <dgm:linClrLst meth="repeat">
+      <a:schemeClr val="lt1"/>
+    </dgm:linClrLst>
+    <dgm:effectClrLst/>
+    <dgm:txLinClrLst/>
+    <dgm:txFillClrLst/>
+    <dgm:txEffectClrLst/>
+  </dgm:styleLbl>
+  <dgm:styleLbl name="node1">
+    <dgm:fillClrLst meth="repeat">
+      <a:schemeClr val="accent3"/>
+    </dgm:fillClrLst>
+    <dgm:linClrLst meth="repeat">
+      <a:schemeClr val="lt1"/>
+    </dgm:linClrLst>
+    <dgm:effectClrLst/>
+    <dgm:txLinClrLst/>
+    <dgm:txFillClrLst/>
+    <dgm:txEffectClrLst/>
+  </dgm:styleLbl>
+  <dgm:styleLbl name="alignNode1">
+    <dgm:fillClrLst meth="repeat">
+      <a:schemeClr val="accent3"/>
+    </dgm:fillClrLst>
+    <dgm:linClrLst meth="repeat">
+      <a:schemeClr val="accent3"/>
+    </dgm:linClrLst>
+    <dgm:effectClrLst/>
+    <dgm:txLinClrLst/>
+    <dgm:txFillClrLst/>
+    <dgm:txEffectClrLst/>
+  </dgm:styleLbl>
+  <dgm:styleLbl name="lnNode1">
+    <dgm:fillClrLst meth="repeat">
+      <a:schemeClr val="accent3"/>
+    </dgm:fillClrLst>
+    <dgm:linClrLst meth="repeat">
+      <a:schemeClr val="lt1"/>
+    </dgm:linClrLst>
+    <dgm:effectClrLst/>
+    <dgm:txLinClrLst/>
+    <dgm:txFillClrLst/>
+    <dgm:txEffectClrLst/>
+  </dgm:styleLbl>
+  <dgm:styleLbl name="vennNode1">
+    <dgm:fillClrLst meth="repeat">
+      <a:schemeClr val="accent3">
+        <a:alpha val="50000"/>
+      </a:schemeClr>
+    </dgm:fillClrLst>
+    <dgm:linClrLst meth="repeat">
+      <a:schemeClr val="lt1"/>
+    </dgm:linClrLst>
+    <dgm:effectClrLst/>
+    <dgm:txLinClrLst/>
+    <dgm:txFillClrLst/>
+    <dgm:txEffectClrLst/>
+  </dgm:styleLbl>
+  <dgm:styleLbl name="node2">
+    <dgm:fillClrLst meth="repeat">
+      <a:schemeClr val="accent3"/>
+    </dgm:fillClrLst>
+    <dgm:linClrLst meth="repeat">
+      <a:schemeClr val="lt1"/>
+    </dgm:linClrLst>
+    <dgm:effectClrLst/>
+    <dgm:txLinClrLst/>
+    <dgm:txFillClrLst/>
+    <dgm:txEffectClrLst/>
+  </dgm:styleLbl>
+  <dgm:styleLbl name="node3">
+    <dgm:fillClrLst meth="repeat">
+      <a:schemeClr val="accent3"/>
+    </dgm:fillClrLst>
+    <dgm:linClrLst meth="repeat">
+      <a:schemeClr val="lt1"/>
+    </dgm:linClrLst>
+    <dgm:effectClrLst/>
+    <dgm:txLinClrLst/>
+    <dgm:txFillClrLst/>
+    <dgm:txEffectClrLst/>
+  </dgm:styleLbl>
+  <dgm:styleLbl name="node4">
+    <dgm:fillClrLst meth="repeat">
+      <a:schemeClr val="accent3"/>
+    </dgm:fillClrLst>
+    <dgm:linClrLst meth="repeat">
+      <a:schemeClr val="lt1"/>
+    </dgm:linClrLst>
+    <dgm:effectClrLst/>
+    <dgm:txLinClrLst/>
+    <dgm:txFillClrLst/>
+    <dgm:txEffectClrLst/>
+  </dgm:styleLbl>
+  <dgm:styleLbl name="fgImgPlace1">
+    <dgm:fillClrLst meth="repeat">
+      <a:schemeClr val="accent3">
+        <a:tint val="50000"/>
+      </a:schemeClr>
+    </dgm:fillClrLst>
+    <dgm:linClrLst meth="repeat">
+      <a:schemeClr val="lt1"/>
+    </dgm:linClrLst>
+    <dgm:effectClrLst/>
+    <dgm:txLinClrLst/>
+    <dgm:txFillClrLst meth="repeat">
+      <a:schemeClr val="lt1"/>
+    </dgm:txFillClrLst>
+    <dgm:txEffectClrLst/>
+  </dgm:styleLbl>
+  <dgm:styleLbl name="alignImgPlace1">
+    <dgm:fillClrLst meth="repeat">
+      <a:schemeClr val="accent3">
+        <a:tint val="50000"/>
+      </a:schemeClr>
+    </dgm:fillClrLst>
+    <dgm:linClrLst meth="repeat">
+      <a:schemeClr val="lt1"/>
+    </dgm:linClrLst>
+    <dgm:effectClrLst/>
+    <dgm:txLinClrLst/>
+    <dgm:txFillClrLst meth="repeat">
+      <a:schemeClr val="lt1"/>
+    </dgm:txFillClrLst>
+    <dgm:txEffectClrLst/>
+  </dgm:styleLbl>
+  <dgm:styleLbl name="bgImgPlace1">
+    <dgm:fillClrLst meth="repeat">
+      <a:schemeClr val="accent3">
+        <a:tint val="50000"/>
+      </a:schemeClr>
+    </dgm:fillClrLst>
+    <dgm:linClrLst meth="repeat">
+      <a:schemeClr val="lt1"/>
+    </dgm:linClrLst>
+    <dgm:effectClrLst/>
+    <dgm:txLinClrLst/>
+    <dgm:txFillClrLst meth="repeat">
+      <a:schemeClr val="lt1"/>
+    </dgm:txFillClrLst>
+    <dgm:txEffectClrLst/>
+  </dgm:styleLbl>
+  <dgm:styleLbl name="sibTrans2D1">
+    <dgm:fillClrLst meth="repeat">
+      <a:schemeClr val="accent3">
+        <a:tint val="60000"/>
+      </a:schemeClr>
+    </dgm:fillClrLst>
+    <dgm:linClrLst meth="repeat">
+      <a:schemeClr val="accent3">
+        <a:tint val="60000"/>
+      </a:schemeClr>
+    </dgm:linClrLst>
+    <dgm:effectClrLst/>
+    <dgm:txLinClrLst/>
+    <dgm:txFillClrLst/>
+    <dgm:txEffectClrLst/>
+  </dgm:styleLbl>
+  <dgm:styleLbl name="fgSibTrans2D1">
+    <dgm:fillClrLst meth="repeat">
+      <a:schemeClr val="accent3">
+        <a:tint val="60000"/>
+      </a:schemeClr>
+    </dgm:fillClrLst>
+    <dgm:linClrLst meth="repeat">
+      <a:schemeClr val="accent3">
+        <a:tint val="60000"/>
+      </a:schemeClr>
+    </dgm:linClrLst>
+    <dgm:effectClrLst/>
+    <dgm:txLinClrLst/>
+    <dgm:txFillClrLst/>
+    <dgm:txEffectClrLst/>
+  </dgm:styleLbl>
+  <dgm:styleLbl name="bgSibTrans2D1">
+    <dgm:fillClrLst meth="repeat">
+      <a:schemeClr val="accent3">
+        <a:tint val="60000"/>
+      </a:schemeClr>
+    </dgm:fillClrLst>
+    <dgm:linClrLst meth="repeat">
+      <a:schemeClr val="accent3">
+        <a:tint val="60000"/>
+      </a:schemeClr>
+    </dgm:linClrLst>
+    <dgm:effectClrLst/>
+    <dgm:txLinClrLst/>
+    <dgm:txFillClrLst/>
+    <dgm:txEffectClrLst/>
+  </dgm:styleLbl>
+  <dgm:styleLbl name="sibTrans1D1">
+    <dgm:fillClrLst meth="repeat">
+      <a:schemeClr val="accent3"/>
+    </dgm:fillClrLst>
+    <dgm:linClrLst meth="repeat">
+      <a:schemeClr val="accent3"/>
+    </dgm:linClrLst>
+    <dgm:effectClrLst/>
+    <dgm:txLinClrLst/>
+    <dgm:txFillClrLst meth="repeat">
+      <a:schemeClr val="tx1"/>
+    </dgm:txFillClrLst>
+    <dgm:txEffectClrLst/>
+  </dgm:styleLbl>
+  <dgm:styleLbl name="callout">
+    <dgm:fillClrLst meth="repeat">
+      <a:schemeClr val="accent3"/>
+    </dgm:fillClrLst>
+    <dgm:linClrLst meth="repeat">
+      <a:schemeClr val="accent3">
+        <a:tint val="50000"/>
+      </a:schemeClr>
+    </dgm:linClrLst>
+    <dgm:effectClrLst/>
+    <dgm:txLinClrLst/>
+    <dgm:txFillClrLst meth="repeat">
+      <a:schemeClr val="tx1"/>
+    </dgm:txFillClrLst>
+    <dgm:txEffectClrLst/>
+  </dgm:styleLbl>
+  <dgm:styleLbl name="asst0">
+    <dgm:fillClrLst meth="repeat">
+      <a:schemeClr val="accent3"/>
+    </dgm:fillClrLst>
+    <dgm:linClrLst meth="repeat">
+      <a:schemeClr val="lt1"/>
+    </dgm:linClrLst>
+    <dgm:effectClrLst/>
+    <dgm:txLinClrLst/>
+    <dgm:txFillClrLst/>
+    <dgm:txEffectClrLst/>
+  </dgm:styleLbl>
+  <dgm:styleLbl name="asst1">
+    <dgm:fillClrLst meth="repeat">
+      <a:schemeClr val="accent3"/>
+    </dgm:fillClrLst>
+    <dgm:linClrLst meth="repeat">
+      <a:schemeClr val="lt1"/>
+    </dgm:linClrLst>
+    <dgm:effectClrLst/>
+    <dgm:txLinClrLst/>
+    <dgm:txFillClrLst/>
+    <dgm:txEffectClrLst/>
+  </dgm:styleLbl>
+  <dgm:styleLbl name="asst2">
+    <dgm:fillClrLst meth="repeat">
+      <a:schemeClr val="accent3"/>
+    </dgm:fillClrLst>
+    <dgm:linClrLst meth="repeat">
+      <a:schemeClr val="lt1"/>
+    </dgm:linClrLst>
+    <dgm:effectClrLst/>
+    <dgm:txLinClrLst/>
+    <dgm:txFillClrLst/>
+    <dgm:txEffectClrLst/>
+  </dgm:styleLbl>
+  <dgm:styleLbl name="asst3">
+    <dgm:fillClrLst meth="repeat">
+      <a:schemeClr val="accent3"/>
+    </dgm:fillClrLst>
+    <dgm:linClrLst meth="repeat">
+      <a:schemeClr val="lt1"/>
+    </dgm:linClrLst>
+    <dgm:effectClrLst/>
+    <dgm:txLinClrLst/>
+    <dgm:txFillClrLst/>
+    <dgm:txEffectClrLst/>
+  </dgm:styleLbl>
+  <dgm:styleLbl name="asst4">
+    <dgm:fillClrLst meth="repeat">
+      <a:schemeClr val="accent3"/>
+    </dgm:fillClrLst>
+    <dgm:linClrLst meth="repeat">
+      <a:schemeClr val="lt1"/>
+    </dgm:linClrLst>
+    <dgm:effectClrLst/>
+    <dgm:txLinClrLst/>
+    <dgm:txFillClrLst/>
+    <dgm:txEffectClrLst/>
+  </dgm:styleLbl>
+  <dgm:styleLbl name="parChTrans2D1">
+    <dgm:fillClrLst meth="repeat">
+      <a:schemeClr val="accent3">
+        <a:tint val="60000"/>
+      </a:schemeClr>
+    </dgm:fillClrLst>
+    <dgm:linClrLst meth="repeat">
+      <a:schemeClr val="accent3">
+        <a:tint val="60000"/>
+      </a:schemeClr>
+    </dgm:linClrLst>
+    <dgm:effectClrLst/>
+    <dgm:txLinClrLst/>
+    <dgm:txFillClrLst meth="repeat">
+      <a:schemeClr val="lt1"/>
+    </dgm:txFillClrLst>
+    <dgm:txEffectClrLst/>
+  </dgm:styleLbl>
+  <dgm:styleLbl name="parChTrans2D2">
+    <dgm:fillClrLst meth="repeat">
+      <a:schemeClr val="accent3"/>
+    </dgm:fillClrLst>
+    <dgm:linClrLst meth="repeat">
+      <a:schemeClr val="accent3"/>
+    </dgm:linClrLst>
+    <dgm:effectClrLst/>
+    <dgm:txLinClrLst/>
+    <dgm:txFillClrLst meth="repeat">
+      <a:schemeClr val="lt1"/>
+    </dgm:txFillClrLst>
+    <dgm:txEffectClrLst/>
+  </dgm:styleLbl>
+  <dgm:styleLbl name="parChTrans2D3">
+    <dgm:fillClrLst meth="repeat">
+      <a:schemeClr val="accent3"/>
+    </dgm:fillClrLst>
+    <dgm:linClrLst meth="repeat">
+      <a:schemeClr val="accent3"/>
+    </dgm:linClrLst>
+    <dgm:effectClrLst/>
+    <dgm:txLinClrLst/>
+    <dgm:txFillClrLst meth="repeat">
+      <a:schemeClr val="lt1"/>
+    </dgm:txFillClrLst>
+    <dgm:txEffectClrLst/>
+  </dgm:styleLbl>
+  <dgm:styleLbl name="parChTrans2D4">
+    <dgm:fillClrLst meth="repeat">
+      <a:schemeClr val="accent3"/>
+    </dgm:fillClrLst>
+    <dgm:linClrLst meth="repeat">
+      <a:schemeClr val="accent3"/>
+    </dgm:linClrLst>
+    <dgm:effectClrLst/>
+    <dgm:txLinClrLst/>
+    <dgm:txFillClrLst meth="repeat">
+      <a:schemeClr val="lt1"/>
+    </dgm:txFillClrLst>
+    <dgm:txEffectClrLst/>
+  </dgm:styleLbl>
+  <dgm:styleLbl name="parChTrans1D1">
+    <dgm:fillClrLst meth="repeat">
+      <a:schemeClr val="accent3"/>
+    </dgm:fillClrLst>
+    <dgm:linClrLst meth="repeat">
+      <a:schemeClr val="accent3">
+        <a:shade val="60000"/>
+      </a:schemeClr>
+    </dgm:linClrLst>
+    <dgm:effectClrLst/>
+    <dgm:txLinClrLst/>
+    <dgm:txFillClrLst meth="repeat">
+      <a:schemeClr val="tx1"/>
+    </dgm:txFillClrLst>
+    <dgm:txEffectClrLst/>
+  </dgm:styleLbl>
+  <dgm:styleLbl name="parChTrans1D2">
+    <dgm:fillClrLst meth="repeat">
+      <a:schemeClr val="accent3"/>
+    </dgm:fillClrLst>
+    <dgm:linClrLst meth="repeat">
+      <a:schemeClr val="accent3">
+        <a:shade val="60000"/>
+      </a:schemeClr>
+    </dgm:linClrLst>
+    <dgm:effectClrLst/>
+    <dgm:txLinClrLst/>
+    <dgm:txFillClrLst meth="repeat">
+      <a:schemeClr val="tx1"/>
+    </dgm:txFillClrLst>
+    <dgm:txEffectClrLst/>
+  </dgm:styleLbl>
+  <dgm:styleLbl name="parChTrans1D3">
+    <dgm:fillClrLst meth="repeat">
+      <a:schemeClr val="accent3"/>
+    </dgm:fillClrLst>
+    <dgm:linClrLst meth="repeat">
+      <a:schemeClr val="accent3">
+        <a:shade val="80000"/>
+      </a:schemeClr>
+    </dgm:linClrLst>
+    <dgm:effectClrLst/>
+    <dgm:txLinClrLst/>
+    <dgm:txFillClrLst meth="repeat">
+      <a:schemeClr val="tx1"/>
+    </dgm:txFillClrLst>
+    <dgm:txEffectClrLst/>
+  </dgm:styleLbl>
+  <dgm:styleLbl name="parChTrans1D4">
+    <dgm:fillClrLst meth="repeat">
+      <a:schemeClr val="accent3"/>
+    </dgm:fillClrLst>
+    <dgm:linClrLst meth="repeat">
+      <a:schemeClr val="accent3">
+        <a:shade val="80000"/>
+      </a:schemeClr>
+    </dgm:linClrLst>
+    <dgm:effectClrLst/>
+    <dgm:txLinClrLst/>
+    <dgm:txFillClrLst meth="repeat">
+      <a:schemeClr val="tx1"/>
+    </dgm:txFillClrLst>
+    <dgm:txEffectClrLst/>
+  </dgm:styleLbl>
+  <dgm:styleLbl name="fgAcc1">
+    <dgm:fillClrLst meth="repeat">
+      <a:schemeClr val="lt1">
+        <a:alpha val="90000"/>
+      </a:schemeClr>
+    </dgm:fillClrLst>
+    <dgm:linClrLst meth="repeat">
+      <a:schemeClr val="accent3"/>
+    </dgm:linClrLst>
+    <dgm:effectClrLst/>
+    <dgm:txLinClrLst/>
+    <dgm:txFillClrLst meth="repeat">
+      <a:schemeClr val="dk1"/>
+    </dgm:txFillClrLst>
+    <dgm:txEffectClrLst/>
+  </dgm:styleLbl>
+  <dgm:styleLbl name="conFgAcc1">
+    <dgm:fillClrLst meth="repeat">
+      <a:schemeClr val="lt1">
+        <a:alpha val="90000"/>
+      </a:schemeClr>
+    </dgm:fillClrLst>
+    <dgm:linClrLst meth="repeat">
+      <a:schemeClr val="accent3"/>
+    </dgm:linClrLst>
+    <dgm:effectClrLst/>
+    <dgm:txLinClrLst/>
+    <dgm:txFillClrLst meth="repeat">
+      <a:schemeClr val="dk1"/>
+    </dgm:txFillClrLst>
+    <dgm:txEffectClrLst/>
+  </dgm:styleLbl>
+  <dgm:styleLbl name="alignAcc1">
+    <dgm:fillClrLst meth="repeat">
+      <a:schemeClr val="lt1">
+        <a:alpha val="90000"/>
+      </a:schemeClr>
+    </dgm:fillClrLst>
+    <dgm:linClrLst meth="repeat">
+      <a:schemeClr val="accent3"/>
+    </dgm:linClrLst>
+    <dgm:effectClrLst/>
+    <dgm:txLinClrLst/>
+    <dgm:txFillClrLst meth="repeat">
+      <a:schemeClr val="dk1"/>
+    </dgm:txFillClrLst>
+    <dgm:txEffectClrLst/>
+  </dgm:styleLbl>
+  <dgm:styleLbl name="trAlignAcc1">
+    <dgm:fillClrLst meth="repeat">
+      <a:schemeClr val="lt1">
+        <a:alpha val="40000"/>
+      </a:schemeClr>
+    </dgm:fillClrLst>
+    <dgm:linClrLst meth="repeat">
+      <a:schemeClr val="accent3"/>
+    </dgm:linClrLst>
+    <dgm:effectClrLst/>
+    <dgm:txLinClrLst/>
+    <dgm:txFillClrLst meth="repeat">
+      <a:schemeClr val="dk1"/>
+    </dgm:txFillClrLst>
+    <dgm:txEffectClrLst/>
+  </dgm:styleLbl>
+  <dgm:styleLbl name="bgAcc1">
+    <dgm:fillClrLst meth="repeat">
+      <a:schemeClr val="lt1">
+        <a:alpha val="90000"/>
+      </a:schemeClr>
+    </dgm:fillClrLst>
+    <dgm:linClrLst meth="repeat">
+      <a:schemeClr val="accent3"/>
+    </dgm:linClrLst>
+    <dgm:effectClrLst/>
+    <dgm:txLinClrLst/>
+    <dgm:txFillClrLst meth="repeat">
+      <a:schemeClr val="dk1"/>
+    </dgm:txFillClrLst>
+    <dgm:txEffectClrLst/>
+  </dgm:styleLbl>
+  <dgm:styleLbl name="solidFgAcc1">
+    <dgm:fillClrLst meth="repeat">
+      <a:schemeClr val="lt1"/>
+    </dgm:fillClrLst>
+    <dgm:linClrLst meth="repeat">
+      <a:schemeClr val="accent3"/>
+    </dgm:linClrLst>
+    <dgm:effectClrLst/>
+    <dgm:txLinClrLst/>
+    <dgm:txFillClrLst meth="repeat">
+      <a:schemeClr val="dk1"/>
+    </dgm:txFillClrLst>
+    <dgm:txEffectClrLst/>
+  </dgm:styleLbl>
+  <dgm:styleLbl name="solidAlignAcc1">
+    <dgm:fillClrLst meth="repeat">
+      <a:schemeClr val="lt1"/>
+    </dgm:fillClrLst>
+    <dgm:linClrLst meth="repeat">
+      <a:schemeClr val="accent3"/>
+    </dgm:linClrLst>
+    <dgm:effectClrLst/>
+    <dgm:txLinClrLst/>
+    <dgm:txFillClrLst meth="repeat">
+      <a:schemeClr val="dk1"/>
+    </dgm:txFillClrLst>
+    <dgm:txEffectClrLst/>
+  </dgm:styleLbl>
+  <dgm:styleLbl name="solidBgAcc1">
+    <dgm:fillClrLst meth="repeat">
+      <a:schemeClr val="lt1"/>
+    </dgm:fillClrLst>
+    <dgm:linClrLst meth="repeat">
+      <a:schemeClr val="accent3"/>
+    </dgm:linClrLst>
+    <dgm:effectClrLst/>
+    <dgm:txLinClrLst/>
+    <dgm:txFillClrLst meth="repeat">
+      <a:schemeClr val="dk1"/>
+    </dgm:txFillClrLst>
+    <dgm:txEffectClrLst/>
+  </dgm:styleLbl>
+  <dgm:styleLbl name="fgAccFollowNode1">
+    <dgm:fillClrLst meth="repeat">
+      <a:schemeClr val="accent3">
+        <a:alpha val="90000"/>
+        <a:tint val="40000"/>
+      </a:schemeClr>
+    </dgm:fillClrLst>
+    <dgm:linClrLst meth="repeat">
+      <a:schemeClr val="accent3">
+        <a:alpha val="90000"/>
+        <a:tint val="40000"/>
+      </a:schemeClr>
+    </dgm:linClrLst>
+    <dgm:effectClrLst/>
+    <dgm:txLinClrLst/>
+    <dgm:txFillClrLst meth="repeat">
+      <a:schemeClr val="dk1"/>
+    </dgm:txFillClrLst>
+    <dgm:txEffectClrLst/>
+  </dgm:styleLbl>
+  <dgm:styleLbl name="alignAccFollowNode1">
+    <dgm:fillClrLst meth="repeat">
+      <a:schemeClr val="accent3">
+        <a:alpha val="90000"/>
+        <a:tint val="40000"/>
+      </a:schemeClr>
+    </dgm:fillClrLst>
+    <dgm:linClrLst meth="repeat">
+      <a:schemeClr val="accent3">
+        <a:alpha val="90000"/>
+        <a:tint val="40000"/>
+      </a:schemeClr>
+    </dgm:linClrLst>
+    <dgm:effectClrLst/>
+    <dgm:txLinClrLst/>
+    <dgm:txFillClrLst meth="repeat">
+      <a:schemeClr val="dk1"/>
+    </dgm:txFillClrLst>
+    <dgm:txEffectClrLst/>
+  </dgm:styleLbl>
+  <dgm:styleLbl name="bgAccFollowNode1">
+    <dgm:fillClrLst meth="repeat">
+      <a:schemeClr val="accent3">
+        <a:alpha val="90000"/>
+        <a:tint val="40000"/>
+      </a:schemeClr>
+    </dgm:fillClrLst>
+    <dgm:linClrLst meth="repeat">
+      <a:schemeClr val="accent3">
+        <a:alpha val="90000"/>
+        <a:tint val="40000"/>
+      </a:schemeClr>
+    </dgm:linClrLst>
+    <dgm:effectClrLst/>
+    <dgm:txLinClrLst/>
+    <dgm:txFillClrLst meth="repeat">
+      <a:schemeClr val="dk1"/>
+    </dgm:txFillClrLst>
+    <dgm:txEffectClrLst/>
+  </dgm:styleLbl>
+  <dgm:styleLbl name="fgAcc0">
+    <dgm:fillClrLst meth="repeat">
+      <a:schemeClr val="lt1">
+        <a:alpha val="90000"/>
+      </a:schemeClr>
+    </dgm:fillClrLst>
+    <dgm:linClrLst meth="repeat">
+      <a:schemeClr val="accent3"/>
+    </dgm:linClrLst>
+    <dgm:effectClrLst/>
+    <dgm:txLinClrLst/>
+    <dgm:txFillClrLst meth="repeat">
+      <a:schemeClr val="dk1"/>
+    </dgm:txFillClrLst>
+    <dgm:txEffectClrLst/>
+  </dgm:styleLbl>
+  <dgm:styleLbl name="fgAcc2">
+    <dgm:fillClrLst meth="repeat">
+      <a:schemeClr val="lt1">
+        <a:alpha val="90000"/>
+      </a:schemeClr>
+    </dgm:fillClrLst>
+    <dgm:linClrLst meth="repeat">
+      <a:schemeClr val="accent3"/>
+    </dgm:linClrLst>
+    <dgm:effectClrLst/>
+    <dgm:txLinClrLst/>
+    <dgm:txFillClrLst meth="repeat">
+      <a:schemeClr val="dk1"/>
+    </dgm:txFillClrLst>
+    <dgm:txEffectClrLst/>
+  </dgm:styleLbl>
+  <dgm:styleLbl name="fgAcc3">
+    <dgm:fillClrLst meth="repeat">
+      <a:schemeClr val="lt1">
+        <a:alpha val="90000"/>
+      </a:schemeClr>
+    </dgm:fillClrLst>
+    <dgm:linClrLst meth="repeat">
+      <a:schemeClr val="accent3"/>
+    </dgm:linClrLst>
+    <dgm:effectClrLst/>
+    <dgm:txLinClrLst/>
+    <dgm:txFillClrLst meth="repeat">
+      <a:schemeClr val="dk1"/>
+    </dgm:txFillClrLst>
+    <dgm:txEffectClrLst/>
+  </dgm:styleLbl>
+  <dgm:styleLbl name="fgAcc4">
+    <dgm:fillClrLst meth="repeat">
+      <a:schemeClr val="lt1">
+        <a:alpha val="90000"/>
+      </a:schemeClr>
+    </dgm:fillClrLst>
+    <dgm:linClrLst meth="repeat">
+      <a:schemeClr val="accent3"/>
+    </dgm:linClrLst>
+    <dgm:effectClrLst/>
+    <dgm:txLinClrLst/>
+    <dgm:txFillClrLst meth="repeat">
+      <a:schemeClr val="dk1"/>
+    </dgm:txFillClrLst>
+    <dgm:txEffectClrLst/>
+  </dgm:styleLbl>
+  <dgm:styleLbl name="bgShp">
+    <dgm:fillClrLst meth="repeat">
+      <a:schemeClr val="accent3">
+        <a:tint val="40000"/>
+      </a:schemeClr>
+    </dgm:fillClrLst>
+    <dgm:linClrLst meth="repeat">
+      <a:schemeClr val="accent3"/>
+    </dgm:linClrLst>
+    <dgm:effectClrLst/>
+    <dgm:txLinClrLst/>
+    <dgm:txFillClrLst meth="repeat">
+      <a:schemeClr val="dk1"/>
+    </dgm:txFillClrLst>
+    <dgm:txEffectClrLst/>
+  </dgm:styleLbl>
+  <dgm:styleLbl name="dkBgShp">
+    <dgm:fillClrLst meth="repeat">
+      <a:schemeClr val="accent3">
+        <a:shade val="80000"/>
+      </a:schemeClr>
+    </dgm:fillClrLst>
+    <dgm:linClrLst meth="repeat">
+      <a:schemeClr val="accent3"/>
+    </dgm:linClrLst>
+    <dgm:effectClrLst/>
+    <dgm:txLinClrLst/>
+    <dgm:txFillClrLst meth="repeat">
+      <a:schemeClr val="lt1"/>
+    </dgm:txFillClrLst>
+    <dgm:txEffectClrLst/>
+  </dgm:styleLbl>
+  <dgm:styleLbl name="trBgShp">
+    <dgm:fillClrLst meth="repeat">
+      <a:schemeClr val="accent3">
+        <a:tint val="50000"/>
+        <a:alpha val="40000"/>
+      </a:schemeClr>
+    </dgm:fillClrLst>
+    <dgm:linClrLst meth="repeat">
+      <a:schemeClr val="accent3"/>
+    </dgm:linClrLst>
+    <dgm:effectClrLst/>
+    <dgm:txLinClrLst/>
+    <dgm:txFillClrLst meth="repeat">
+      <a:schemeClr val="lt1"/>
+    </dgm:txFillClrLst>
+    <dgm:txEffectClrLst/>
+  </dgm:styleLbl>
+  <dgm:styleLbl name="fgShp">
+    <dgm:fillClrLst meth="repeat">
+      <a:schemeClr val="accent3">
+        <a:tint val="60000"/>
+      </a:schemeClr>
+    </dgm:fillClrLst>
+    <dgm:linClrLst meth="repeat">
+      <a:schemeClr val="lt1"/>
+    </dgm:linClrLst>
+    <dgm:effectClrLst/>
+    <dgm:txLinClrLst/>
+    <dgm:txFillClrLst meth="repeat">
+      <a:schemeClr val="dk1"/>
+    </dgm:txFillClrLst>
+    <dgm:txEffectClrLst/>
+  </dgm:styleLbl>
+  <dgm:styleLbl name="revTx">
+    <dgm:fillClrLst meth="repeat">
+      <a:schemeClr val="lt1">
+        <a:alpha val="0"/>
+      </a:schemeClr>
+    </dgm:fillClrLst>
+    <dgm:linClrLst meth="repeat">
+      <a:schemeClr val="dk1">
+        <a:alpha val="0"/>
+      </a:schemeClr>
+    </dgm:linClrLst>
+    <dgm:effectClrLst/>
+    <dgm:txLinClrLst/>
+    <dgm:txFillClrLst meth="repeat">
+      <a:schemeClr val="tx1"/>
+    </dgm:txFillClrLst>
+    <dgm:txEffectClrLst/>
+  </dgm:styleLbl>
+</dgm:colorsDef>
+</file>
+
+<file path=ppt/diagrams/colors3.xml><?xml version="1.0" encoding="utf-8"?>
 <dgm:colorsDef xmlns:dgm="http://schemas.openxmlformats.org/drawingml/2006/diagram" xmlns:a="http://schemas.openxmlformats.org/drawingml/2006/main" uniqueId="urn:microsoft.com/office/officeart/2005/8/colors/accent2_3">
   <dgm:title val=""/>
   <dgm:desc val=""/>
@@ -1737,7 +2488,7 @@
 </dgm:colorsDef>
 </file>
 
-<file path=ppt/diagrams/colors3.xml><?xml version="1.0" encoding="utf-8"?>
+<file path=ppt/diagrams/colors4.xml><?xml version="1.0" encoding="utf-8"?>
 <dgm:colorsDef xmlns:dgm="http://schemas.openxmlformats.org/drawingml/2006/diagram" xmlns:a="http://schemas.openxmlformats.org/drawingml/2006/main" uniqueId="urn:microsoft.com/office/officeart/2005/8/colors/accent1_2">
   <dgm:title val=""/>
   <dgm:desc val=""/>
@@ -3304,6 +4055,822 @@
 <file path=ppt/diagrams/data2.xml><?xml version="1.0" encoding="utf-8"?>
 <dgm:dataModel xmlns:dgm="http://schemas.openxmlformats.org/drawingml/2006/diagram" xmlns:a="http://schemas.openxmlformats.org/drawingml/2006/main">
   <dgm:ptLst>
+    <dgm:pt modelId="{F2AA9E6C-32D4-E143-B4C1-8323F5885693}" type="doc">
+      <dgm:prSet loTypeId="urn:microsoft.com/office/officeart/2005/8/layout/cycle6" loCatId="" qsTypeId="urn:microsoft.com/office/officeart/2005/8/quickstyle/simple4" qsCatId="simple" csTypeId="urn:microsoft.com/office/officeart/2005/8/colors/accent3_2" csCatId="accent3" phldr="1"/>
+      <dgm:spPr/>
+      <dgm:t>
+        <a:bodyPr/>
+        <a:lstStyle/>
+        <a:p>
+          <a:endParaRPr lang="en-US"/>
+        </a:p>
+      </dgm:t>
+    </dgm:pt>
+    <dgm:pt modelId="{884FC63A-8684-A946-8A4D-9A97E9DECCD5}">
+      <dgm:prSet phldrT="[Text]"/>
+      <dgm:spPr>
+        <a:gradFill flip="none" rotWithShape="1">
+          <a:gsLst>
+            <a:gs pos="0">
+              <a:schemeClr val="accent2">
+                <a:lumMod val="67000"/>
+              </a:schemeClr>
+            </a:gs>
+            <a:gs pos="48000">
+              <a:schemeClr val="accent2">
+                <a:lumMod val="97000"/>
+                <a:lumOff val="3000"/>
+              </a:schemeClr>
+            </a:gs>
+            <a:gs pos="100000">
+              <a:schemeClr val="accent2">
+                <a:lumMod val="60000"/>
+                <a:lumOff val="40000"/>
+              </a:schemeClr>
+            </a:gs>
+          </a:gsLst>
+          <a:lin ang="16200000" scaled="1"/>
+          <a:tileRect/>
+        </a:gradFill>
+        <a:effectLst>
+          <a:outerShdw blurRad="50800" dist="38100" dir="2700000" algn="tl" rotWithShape="0">
+            <a:prstClr val="black">
+              <a:alpha val="40000"/>
+            </a:prstClr>
+          </a:outerShdw>
+        </a:effectLst>
+      </dgm:spPr>
+      <dgm:t>
+        <a:bodyPr/>
+        <a:lstStyle/>
+        <a:p>
+          <a:r>
+            <a:rPr lang="en-US" b="1" dirty="0" smtClean="0">
+              <a:solidFill>
+                <a:schemeClr val="tx1"/>
+              </a:solidFill>
+            </a:rPr>
+            <a:t>data</a:t>
+          </a:r>
+          <a:endParaRPr lang="en-US" b="1" dirty="0">
+            <a:solidFill>
+              <a:schemeClr val="tx1"/>
+            </a:solidFill>
+          </a:endParaRPr>
+        </a:p>
+      </dgm:t>
+    </dgm:pt>
+    <dgm:pt modelId="{45FE1951-9F2C-C944-A894-AE569D975842}" type="parTrans" cxnId="{02D29D97-913C-874C-ADCC-C40189F50A67}">
+      <dgm:prSet/>
+      <dgm:spPr/>
+      <dgm:t>
+        <a:bodyPr/>
+        <a:lstStyle/>
+        <a:p>
+          <a:endParaRPr lang="en-US">
+            <a:solidFill>
+              <a:schemeClr val="tx1"/>
+            </a:solidFill>
+          </a:endParaRPr>
+        </a:p>
+      </dgm:t>
+    </dgm:pt>
+    <dgm:pt modelId="{1B32649E-9152-F740-ABAE-F8D218EB563C}" type="sibTrans" cxnId="{02D29D97-913C-874C-ADCC-C40189F50A67}">
+      <dgm:prSet/>
+      <dgm:spPr>
+        <a:ln w="76200">
+          <a:solidFill>
+            <a:schemeClr val="accent3"/>
+          </a:solidFill>
+          <a:headEnd type="oval"/>
+          <a:tailEnd type="stealth"/>
+        </a:ln>
+      </dgm:spPr>
+      <dgm:t>
+        <a:bodyPr/>
+        <a:lstStyle/>
+        <a:p>
+          <a:endParaRPr lang="en-US" b="1">
+            <a:solidFill>
+              <a:schemeClr val="tx1"/>
+            </a:solidFill>
+          </a:endParaRPr>
+        </a:p>
+      </dgm:t>
+    </dgm:pt>
+    <dgm:pt modelId="{1C9AF31C-6701-294A-8523-64A8E647FBC5}">
+      <dgm:prSet phldrT="[Text]"/>
+      <dgm:spPr>
+        <a:gradFill flip="none" rotWithShape="1">
+          <a:gsLst>
+            <a:gs pos="0">
+              <a:schemeClr val="accent2">
+                <a:lumMod val="67000"/>
+              </a:schemeClr>
+            </a:gs>
+            <a:gs pos="48000">
+              <a:schemeClr val="accent2">
+                <a:lumMod val="97000"/>
+                <a:lumOff val="3000"/>
+              </a:schemeClr>
+            </a:gs>
+            <a:gs pos="100000">
+              <a:schemeClr val="accent2">
+                <a:lumMod val="60000"/>
+                <a:lumOff val="40000"/>
+              </a:schemeClr>
+            </a:gs>
+          </a:gsLst>
+          <a:lin ang="16200000" scaled="1"/>
+          <a:tileRect/>
+        </a:gradFill>
+        <a:effectLst>
+          <a:outerShdw blurRad="50800" dist="38100" dir="2700000" algn="tl" rotWithShape="0">
+            <a:prstClr val="black">
+              <a:alpha val="40000"/>
+            </a:prstClr>
+          </a:outerShdw>
+        </a:effectLst>
+      </dgm:spPr>
+      <dgm:t>
+        <a:bodyPr/>
+        <a:lstStyle/>
+        <a:p>
+          <a:r>
+            <a:rPr lang="en-US" b="1" dirty="0" smtClean="0">
+              <a:solidFill>
+                <a:schemeClr val="tx1"/>
+              </a:solidFill>
+            </a:rPr>
+            <a:t>execution</a:t>
+          </a:r>
+          <a:endParaRPr lang="en-US" b="1" dirty="0">
+            <a:solidFill>
+              <a:schemeClr val="tx1"/>
+            </a:solidFill>
+          </a:endParaRPr>
+        </a:p>
+      </dgm:t>
+    </dgm:pt>
+    <dgm:pt modelId="{6F6B9BF6-FAB3-F64A-B99C-E2674A2FB6F3}" type="parTrans" cxnId="{D8C89E1E-B693-CF46-B777-659EA7D008D5}">
+      <dgm:prSet/>
+      <dgm:spPr/>
+      <dgm:t>
+        <a:bodyPr/>
+        <a:lstStyle/>
+        <a:p>
+          <a:endParaRPr lang="en-US">
+            <a:solidFill>
+              <a:schemeClr val="tx1"/>
+            </a:solidFill>
+          </a:endParaRPr>
+        </a:p>
+      </dgm:t>
+    </dgm:pt>
+    <dgm:pt modelId="{5DF77001-9AAE-C74E-8FCC-76A47D898C55}" type="sibTrans" cxnId="{D8C89E1E-B693-CF46-B777-659EA7D008D5}">
+      <dgm:prSet/>
+      <dgm:spPr>
+        <a:ln w="76200">
+          <a:solidFill>
+            <a:schemeClr val="accent3"/>
+          </a:solidFill>
+          <a:headEnd type="oval"/>
+          <a:tailEnd type="stealth"/>
+        </a:ln>
+      </dgm:spPr>
+      <dgm:t>
+        <a:bodyPr/>
+        <a:lstStyle/>
+        <a:p>
+          <a:endParaRPr lang="en-US" b="1">
+            <a:solidFill>
+              <a:schemeClr val="tx1"/>
+            </a:solidFill>
+          </a:endParaRPr>
+        </a:p>
+      </dgm:t>
+    </dgm:pt>
+    <dgm:pt modelId="{21D29210-83AD-4144-90F7-E799EA922D66}">
+      <dgm:prSet phldrT="[Text]"/>
+      <dgm:spPr>
+        <a:gradFill flip="none" rotWithShape="1">
+          <a:gsLst>
+            <a:gs pos="0">
+              <a:schemeClr val="accent6">
+                <a:lumMod val="67000"/>
+              </a:schemeClr>
+            </a:gs>
+            <a:gs pos="48000">
+              <a:schemeClr val="accent6">
+                <a:lumMod val="97000"/>
+                <a:lumOff val="3000"/>
+              </a:schemeClr>
+            </a:gs>
+            <a:gs pos="100000">
+              <a:schemeClr val="accent6">
+                <a:lumMod val="60000"/>
+                <a:lumOff val="40000"/>
+              </a:schemeClr>
+            </a:gs>
+          </a:gsLst>
+          <a:lin ang="16200000" scaled="1"/>
+          <a:tileRect/>
+        </a:gradFill>
+        <a:effectLst>
+          <a:outerShdw blurRad="50800" dist="38100" dir="2700000" algn="tl" rotWithShape="0">
+            <a:prstClr val="black">
+              <a:alpha val="40000"/>
+            </a:prstClr>
+          </a:outerShdw>
+        </a:effectLst>
+      </dgm:spPr>
+      <dgm:t>
+        <a:bodyPr/>
+        <a:lstStyle/>
+        <a:p>
+          <a:r>
+            <a:rPr lang="en-US" b="1" dirty="0" smtClean="0">
+              <a:solidFill>
+                <a:schemeClr val="tx1"/>
+              </a:solidFill>
+            </a:rPr>
+            <a:t>verification</a:t>
+          </a:r>
+          <a:endParaRPr lang="en-US" b="1" dirty="0">
+            <a:solidFill>
+              <a:schemeClr val="tx1"/>
+            </a:solidFill>
+          </a:endParaRPr>
+        </a:p>
+      </dgm:t>
+    </dgm:pt>
+    <dgm:pt modelId="{7EB2BD94-4CD1-3049-9702-ACA060C2840E}" type="parTrans" cxnId="{901C4254-49CF-5C41-A3D3-41DBAEF09077}">
+      <dgm:prSet/>
+      <dgm:spPr/>
+      <dgm:t>
+        <a:bodyPr/>
+        <a:lstStyle/>
+        <a:p>
+          <a:endParaRPr lang="en-US">
+            <a:solidFill>
+              <a:schemeClr val="tx1"/>
+            </a:solidFill>
+          </a:endParaRPr>
+        </a:p>
+      </dgm:t>
+    </dgm:pt>
+    <dgm:pt modelId="{00C2C499-F023-9C4B-ABEE-1A521DB4A7DD}" type="sibTrans" cxnId="{901C4254-49CF-5C41-A3D3-41DBAEF09077}">
+      <dgm:prSet/>
+      <dgm:spPr>
+        <a:ln w="76200">
+          <a:solidFill>
+            <a:schemeClr val="accent3"/>
+          </a:solidFill>
+          <a:headEnd type="oval"/>
+          <a:tailEnd type="stealth"/>
+        </a:ln>
+      </dgm:spPr>
+      <dgm:t>
+        <a:bodyPr/>
+        <a:lstStyle/>
+        <a:p>
+          <a:endParaRPr lang="en-US" b="1">
+            <a:solidFill>
+              <a:schemeClr val="tx1"/>
+            </a:solidFill>
+          </a:endParaRPr>
+        </a:p>
+      </dgm:t>
+    </dgm:pt>
+    <dgm:pt modelId="{69112F31-8EA7-934A-94C2-F9C45529A03A}">
+      <dgm:prSet phldrT="[Text]"/>
+      <dgm:spPr>
+        <a:gradFill flip="none" rotWithShape="0">
+          <a:gsLst>
+            <a:gs pos="0">
+              <a:schemeClr val="accent2">
+                <a:lumMod val="67000"/>
+              </a:schemeClr>
+            </a:gs>
+            <a:gs pos="48000">
+              <a:schemeClr val="accent2">
+                <a:lumMod val="97000"/>
+                <a:lumOff val="3000"/>
+              </a:schemeClr>
+            </a:gs>
+            <a:gs pos="100000">
+              <a:schemeClr val="accent2">
+                <a:lumMod val="60000"/>
+                <a:lumOff val="40000"/>
+              </a:schemeClr>
+            </a:gs>
+          </a:gsLst>
+          <a:lin ang="16200000" scaled="1"/>
+          <a:tileRect/>
+        </a:gradFill>
+        <a:effectLst>
+          <a:outerShdw blurRad="50800" dist="38100" dir="2700000" algn="tl" rotWithShape="0">
+            <a:prstClr val="black">
+              <a:alpha val="40000"/>
+            </a:prstClr>
+          </a:outerShdw>
+        </a:effectLst>
+      </dgm:spPr>
+      <dgm:t>
+        <a:bodyPr/>
+        <a:lstStyle/>
+        <a:p>
+          <a:r>
+            <a:rPr lang="en-US" b="1" dirty="0" smtClean="0">
+              <a:solidFill>
+                <a:schemeClr val="tx1"/>
+              </a:solidFill>
+            </a:rPr>
+            <a:t>cloudmesh script</a:t>
+          </a:r>
+          <a:endParaRPr lang="en-US" b="1" dirty="0">
+            <a:solidFill>
+              <a:schemeClr val="tx1"/>
+            </a:solidFill>
+          </a:endParaRPr>
+        </a:p>
+      </dgm:t>
+    </dgm:pt>
+    <dgm:pt modelId="{8FA3605F-C7D0-2A41-A9FE-12F91A45D350}" type="parTrans" cxnId="{056A086C-D65C-8545-A4E2-6DAD7A176C07}">
+      <dgm:prSet/>
+      <dgm:spPr/>
+      <dgm:t>
+        <a:bodyPr/>
+        <a:lstStyle/>
+        <a:p>
+          <a:endParaRPr lang="en-US">
+            <a:solidFill>
+              <a:schemeClr val="tx1"/>
+            </a:solidFill>
+          </a:endParaRPr>
+        </a:p>
+      </dgm:t>
+    </dgm:pt>
+    <dgm:pt modelId="{34B8F909-BE72-3641-B716-D95BA06B7D24}" type="sibTrans" cxnId="{056A086C-D65C-8545-A4E2-6DAD7A176C07}">
+      <dgm:prSet/>
+      <dgm:spPr>
+        <a:ln w="76200">
+          <a:solidFill>
+            <a:schemeClr val="accent3"/>
+          </a:solidFill>
+          <a:headEnd type="oval"/>
+          <a:tailEnd type="stealth"/>
+        </a:ln>
+      </dgm:spPr>
+      <dgm:t>
+        <a:bodyPr/>
+        <a:lstStyle/>
+        <a:p>
+          <a:endParaRPr lang="en-US" b="1">
+            <a:solidFill>
+              <a:schemeClr val="tx1"/>
+            </a:solidFill>
+          </a:endParaRPr>
+        </a:p>
+      </dgm:t>
+    </dgm:pt>
+    <dgm:pt modelId="{CFD1D5B7-A236-4148-A257-4F15376180F1}">
+      <dgm:prSet phldrT="[Text]"/>
+      <dgm:spPr>
+        <a:gradFill flip="none" rotWithShape="1">
+          <a:gsLst>
+            <a:gs pos="0">
+              <a:schemeClr val="accent2">
+                <a:lumMod val="67000"/>
+              </a:schemeClr>
+            </a:gs>
+            <a:gs pos="48000">
+              <a:schemeClr val="accent2">
+                <a:lumMod val="97000"/>
+                <a:lumOff val="3000"/>
+              </a:schemeClr>
+            </a:gs>
+            <a:gs pos="100000">
+              <a:schemeClr val="accent2">
+                <a:lumMod val="60000"/>
+                <a:lumOff val="40000"/>
+              </a:schemeClr>
+            </a:gs>
+          </a:gsLst>
+          <a:lin ang="16200000" scaled="1"/>
+          <a:tileRect/>
+        </a:gradFill>
+        <a:effectLst>
+          <a:outerShdw blurRad="50800" dist="38100" dir="2700000" algn="tl" rotWithShape="0">
+            <a:prstClr val="black">
+              <a:alpha val="40000"/>
+            </a:prstClr>
+          </a:outerShdw>
+        </a:effectLst>
+      </dgm:spPr>
+      <dgm:t>
+        <a:bodyPr/>
+        <a:lstStyle/>
+        <a:p>
+          <a:r>
+            <a:rPr lang="en-US" b="1" dirty="0" smtClean="0">
+              <a:solidFill>
+                <a:schemeClr val="tx1"/>
+              </a:solidFill>
+            </a:rPr>
+            <a:t>playbook</a:t>
+          </a:r>
+          <a:endParaRPr lang="en-US" b="1" dirty="0">
+            <a:solidFill>
+              <a:schemeClr val="tx1"/>
+            </a:solidFill>
+          </a:endParaRPr>
+        </a:p>
+      </dgm:t>
+    </dgm:pt>
+    <dgm:pt modelId="{583F1E4E-A41E-244D-8F1A-CD23F3DA4963}" type="parTrans" cxnId="{9598BADE-3C95-B042-A6AE-D841CCC53126}">
+      <dgm:prSet/>
+      <dgm:spPr/>
+      <dgm:t>
+        <a:bodyPr/>
+        <a:lstStyle/>
+        <a:p>
+          <a:endParaRPr lang="en-US">
+            <a:solidFill>
+              <a:schemeClr val="tx1"/>
+            </a:solidFill>
+          </a:endParaRPr>
+        </a:p>
+      </dgm:t>
+    </dgm:pt>
+    <dgm:pt modelId="{8F6A9027-1016-0E48-8D2C-387C4E6425C1}" type="sibTrans" cxnId="{9598BADE-3C95-B042-A6AE-D841CCC53126}">
+      <dgm:prSet/>
+      <dgm:spPr>
+        <a:ln w="76200">
+          <a:solidFill>
+            <a:schemeClr val="accent3"/>
+          </a:solidFill>
+          <a:headEnd type="oval"/>
+          <a:tailEnd type="stealth"/>
+        </a:ln>
+      </dgm:spPr>
+      <dgm:t>
+        <a:bodyPr/>
+        <a:lstStyle/>
+        <a:p>
+          <a:endParaRPr lang="en-US" b="1">
+            <a:solidFill>
+              <a:schemeClr val="tx1"/>
+            </a:solidFill>
+          </a:endParaRPr>
+        </a:p>
+      </dgm:t>
+    </dgm:pt>
+    <dgm:pt modelId="{3E4B078D-2B88-F24A-983B-7E3B1DA39EA8}">
+      <dgm:prSet phldrT="[Text]"/>
+      <dgm:spPr>
+        <a:gradFill flip="none" rotWithShape="0">
+          <a:gsLst>
+            <a:gs pos="0">
+              <a:schemeClr val="accent1">
+                <a:lumMod val="75000"/>
+              </a:schemeClr>
+            </a:gs>
+            <a:gs pos="48000">
+              <a:schemeClr val="accent1">
+                <a:lumMod val="60000"/>
+                <a:lumOff val="40000"/>
+              </a:schemeClr>
+            </a:gs>
+            <a:gs pos="100000">
+              <a:schemeClr val="accent1">
+                <a:lumMod val="40000"/>
+                <a:lumOff val="60000"/>
+              </a:schemeClr>
+            </a:gs>
+          </a:gsLst>
+          <a:lin ang="16200000" scaled="1"/>
+          <a:tileRect/>
+        </a:gradFill>
+        <a:effectLst>
+          <a:outerShdw blurRad="50800" dist="38100" dir="2700000" algn="tl" rotWithShape="0">
+            <a:prstClr val="black">
+              <a:alpha val="40000"/>
+            </a:prstClr>
+          </a:outerShdw>
+        </a:effectLst>
+      </dgm:spPr>
+      <dgm:t>
+        <a:bodyPr/>
+        <a:lstStyle/>
+        <a:p>
+          <a:r>
+            <a:rPr lang="en-US" b="1" dirty="0" smtClean="0">
+              <a:solidFill>
+                <a:schemeClr val="tx1"/>
+              </a:solidFill>
+            </a:rPr>
+            <a:t>design &amp; modification</a:t>
+          </a:r>
+          <a:endParaRPr lang="en-US" b="1" dirty="0">
+            <a:solidFill>
+              <a:schemeClr val="tx1"/>
+            </a:solidFill>
+          </a:endParaRPr>
+        </a:p>
+      </dgm:t>
+    </dgm:pt>
+    <dgm:pt modelId="{A9130C4F-D749-AF41-917F-1D446BF19ACD}" type="parTrans" cxnId="{9F4CE09B-E031-3248-9DD0-8D31F2C4F098}">
+      <dgm:prSet/>
+      <dgm:spPr/>
+      <dgm:t>
+        <a:bodyPr/>
+        <a:lstStyle/>
+        <a:p>
+          <a:endParaRPr lang="en-US"/>
+        </a:p>
+      </dgm:t>
+    </dgm:pt>
+    <dgm:pt modelId="{F9B230ED-6196-744A-9501-511F0AF26565}" type="sibTrans" cxnId="{9F4CE09B-E031-3248-9DD0-8D31F2C4F098}">
+      <dgm:prSet/>
+      <dgm:spPr>
+        <a:ln w="76200">
+          <a:solidFill>
+            <a:schemeClr val="accent3"/>
+          </a:solidFill>
+          <a:headEnd type="diamond"/>
+          <a:tailEnd type="stealth"/>
+        </a:ln>
+      </dgm:spPr>
+      <dgm:t>
+        <a:bodyPr/>
+        <a:lstStyle/>
+        <a:p>
+          <a:endParaRPr lang="en-US"/>
+        </a:p>
+      </dgm:t>
+    </dgm:pt>
+    <dgm:pt modelId="{698B8BAB-0490-4D42-8916-57106E38A5E6}" type="pres">
+      <dgm:prSet presAssocID="{F2AA9E6C-32D4-E143-B4C1-8323F5885693}" presName="cycle" presStyleCnt="0">
+        <dgm:presLayoutVars>
+          <dgm:dir/>
+          <dgm:resizeHandles val="exact"/>
+        </dgm:presLayoutVars>
+      </dgm:prSet>
+      <dgm:spPr/>
+      <dgm:t>
+        <a:bodyPr/>
+        <a:lstStyle/>
+        <a:p>
+          <a:endParaRPr lang="en-US"/>
+        </a:p>
+      </dgm:t>
+    </dgm:pt>
+    <dgm:pt modelId="{3D9EF82D-0041-DC49-8628-3E721199BA89}" type="pres">
+      <dgm:prSet presAssocID="{3E4B078D-2B88-F24A-983B-7E3B1DA39EA8}" presName="node" presStyleLbl="node1" presStyleIdx="0" presStyleCnt="6">
+        <dgm:presLayoutVars>
+          <dgm:bulletEnabled val="1"/>
+        </dgm:presLayoutVars>
+      </dgm:prSet>
+      <dgm:spPr/>
+      <dgm:t>
+        <a:bodyPr/>
+        <a:lstStyle/>
+        <a:p>
+          <a:endParaRPr lang="en-US"/>
+        </a:p>
+      </dgm:t>
+    </dgm:pt>
+    <dgm:pt modelId="{DA52E55E-0807-4244-A0A5-E7EE3E4D8468}" type="pres">
+      <dgm:prSet presAssocID="{3E4B078D-2B88-F24A-983B-7E3B1DA39EA8}" presName="spNode" presStyleCnt="0"/>
+      <dgm:spPr/>
+    </dgm:pt>
+    <dgm:pt modelId="{22C0D86C-105D-8F40-8CF5-ABBDD706D463}" type="pres">
+      <dgm:prSet presAssocID="{F9B230ED-6196-744A-9501-511F0AF26565}" presName="sibTrans" presStyleLbl="sibTrans1D1" presStyleIdx="0" presStyleCnt="6"/>
+      <dgm:spPr/>
+      <dgm:t>
+        <a:bodyPr/>
+        <a:lstStyle/>
+        <a:p>
+          <a:endParaRPr lang="en-US"/>
+        </a:p>
+      </dgm:t>
+    </dgm:pt>
+    <dgm:pt modelId="{6A8ACD90-E6D4-4947-8A9F-9E401BBC524F}" type="pres">
+      <dgm:prSet presAssocID="{69112F31-8EA7-934A-94C2-F9C45529A03A}" presName="node" presStyleLbl="node1" presStyleIdx="1" presStyleCnt="6">
+        <dgm:presLayoutVars>
+          <dgm:bulletEnabled val="1"/>
+        </dgm:presLayoutVars>
+      </dgm:prSet>
+      <dgm:spPr>
+        <a:prstGeom prst="snip1Rect">
+          <a:avLst/>
+        </a:prstGeom>
+      </dgm:spPr>
+      <dgm:t>
+        <a:bodyPr/>
+        <a:lstStyle/>
+        <a:p>
+          <a:endParaRPr lang="en-US"/>
+        </a:p>
+      </dgm:t>
+    </dgm:pt>
+    <dgm:pt modelId="{CCB42C7B-6BD3-274F-8A29-D8EE337569A1}" type="pres">
+      <dgm:prSet presAssocID="{69112F31-8EA7-934A-94C2-F9C45529A03A}" presName="spNode" presStyleCnt="0"/>
+      <dgm:spPr/>
+    </dgm:pt>
+    <dgm:pt modelId="{5F76135B-3823-414A-B176-155A5F4EA279}" type="pres">
+      <dgm:prSet presAssocID="{34B8F909-BE72-3641-B716-D95BA06B7D24}" presName="sibTrans" presStyleLbl="sibTrans1D1" presStyleIdx="1" presStyleCnt="6"/>
+      <dgm:spPr/>
+      <dgm:t>
+        <a:bodyPr/>
+        <a:lstStyle/>
+        <a:p>
+          <a:endParaRPr lang="en-US"/>
+        </a:p>
+      </dgm:t>
+    </dgm:pt>
+    <dgm:pt modelId="{60876D31-8141-E546-B35B-C21A6BE94BFE}" type="pres">
+      <dgm:prSet presAssocID="{CFD1D5B7-A236-4148-A257-4F15376180F1}" presName="node" presStyleLbl="node1" presStyleIdx="2" presStyleCnt="6">
+        <dgm:presLayoutVars>
+          <dgm:bulletEnabled val="1"/>
+        </dgm:presLayoutVars>
+      </dgm:prSet>
+      <dgm:spPr>
+        <a:prstGeom prst="snip1Rect">
+          <a:avLst/>
+        </a:prstGeom>
+      </dgm:spPr>
+      <dgm:t>
+        <a:bodyPr/>
+        <a:lstStyle/>
+        <a:p>
+          <a:endParaRPr lang="en-US"/>
+        </a:p>
+      </dgm:t>
+    </dgm:pt>
+    <dgm:pt modelId="{A0C8A9A1-BEF5-3244-9912-FE3DB322DCA0}" type="pres">
+      <dgm:prSet presAssocID="{CFD1D5B7-A236-4148-A257-4F15376180F1}" presName="spNode" presStyleCnt="0"/>
+      <dgm:spPr/>
+    </dgm:pt>
+    <dgm:pt modelId="{52E2D454-DEB3-0045-8C98-100D8D0B390A}" type="pres">
+      <dgm:prSet presAssocID="{8F6A9027-1016-0E48-8D2C-387C4E6425C1}" presName="sibTrans" presStyleLbl="sibTrans1D1" presStyleIdx="2" presStyleCnt="6"/>
+      <dgm:spPr/>
+      <dgm:t>
+        <a:bodyPr/>
+        <a:lstStyle/>
+        <a:p>
+          <a:endParaRPr lang="en-US"/>
+        </a:p>
+      </dgm:t>
+    </dgm:pt>
+    <dgm:pt modelId="{2795BB30-447C-9B46-9F86-B12019B65932}" type="pres">
+      <dgm:prSet presAssocID="{884FC63A-8684-A946-8A4D-9A97E9DECCD5}" presName="node" presStyleLbl="node1" presStyleIdx="3" presStyleCnt="6">
+        <dgm:presLayoutVars>
+          <dgm:bulletEnabled val="1"/>
+        </dgm:presLayoutVars>
+      </dgm:prSet>
+      <dgm:spPr>
+        <a:prstGeom prst="can">
+          <a:avLst/>
+        </a:prstGeom>
+      </dgm:spPr>
+      <dgm:t>
+        <a:bodyPr/>
+        <a:lstStyle/>
+        <a:p>
+          <a:endParaRPr lang="en-US"/>
+        </a:p>
+      </dgm:t>
+    </dgm:pt>
+    <dgm:pt modelId="{6922714A-06E0-B24F-B757-9A2E58A8BDDB}" type="pres">
+      <dgm:prSet presAssocID="{884FC63A-8684-A946-8A4D-9A97E9DECCD5}" presName="spNode" presStyleCnt="0"/>
+      <dgm:spPr/>
+    </dgm:pt>
+    <dgm:pt modelId="{348744F8-58A7-1947-8982-1C5A6326D2D3}" type="pres">
+      <dgm:prSet presAssocID="{1B32649E-9152-F740-ABAE-F8D218EB563C}" presName="sibTrans" presStyleLbl="sibTrans1D1" presStyleIdx="3" presStyleCnt="6"/>
+      <dgm:spPr/>
+      <dgm:t>
+        <a:bodyPr/>
+        <a:lstStyle/>
+        <a:p>
+          <a:endParaRPr lang="en-US"/>
+        </a:p>
+      </dgm:t>
+    </dgm:pt>
+    <dgm:pt modelId="{6A6FF06C-7BCC-B743-B2ED-8BA2C5240519}" type="pres">
+      <dgm:prSet presAssocID="{1C9AF31C-6701-294A-8523-64A8E647FBC5}" presName="node" presStyleLbl="node1" presStyleIdx="4" presStyleCnt="6">
+        <dgm:presLayoutVars>
+          <dgm:bulletEnabled val="1"/>
+        </dgm:presLayoutVars>
+      </dgm:prSet>
+      <dgm:spPr/>
+      <dgm:t>
+        <a:bodyPr/>
+        <a:lstStyle/>
+        <a:p>
+          <a:endParaRPr lang="en-US"/>
+        </a:p>
+      </dgm:t>
+    </dgm:pt>
+    <dgm:pt modelId="{3A150C76-25BB-9F4B-AE64-9E40021D1F08}" type="pres">
+      <dgm:prSet presAssocID="{1C9AF31C-6701-294A-8523-64A8E647FBC5}" presName="spNode" presStyleCnt="0"/>
+      <dgm:spPr/>
+    </dgm:pt>
+    <dgm:pt modelId="{505E05D5-587F-B94E-9FD4-9C57DFC470A2}" type="pres">
+      <dgm:prSet presAssocID="{5DF77001-9AAE-C74E-8FCC-76A47D898C55}" presName="sibTrans" presStyleLbl="sibTrans1D1" presStyleIdx="4" presStyleCnt="6"/>
+      <dgm:spPr/>
+      <dgm:t>
+        <a:bodyPr/>
+        <a:lstStyle/>
+        <a:p>
+          <a:endParaRPr lang="en-US"/>
+        </a:p>
+      </dgm:t>
+    </dgm:pt>
+    <dgm:pt modelId="{33B66A95-5460-5149-96FC-9F90C0DE0FB7}" type="pres">
+      <dgm:prSet presAssocID="{21D29210-83AD-4144-90F7-E799EA922D66}" presName="node" presStyleLbl="node1" presStyleIdx="5" presStyleCnt="6">
+        <dgm:presLayoutVars>
+          <dgm:bulletEnabled val="1"/>
+        </dgm:presLayoutVars>
+      </dgm:prSet>
+      <dgm:spPr/>
+      <dgm:t>
+        <a:bodyPr/>
+        <a:lstStyle/>
+        <a:p>
+          <a:endParaRPr lang="en-US"/>
+        </a:p>
+      </dgm:t>
+    </dgm:pt>
+    <dgm:pt modelId="{17333C99-435A-3F41-A29C-CC18B9E9F187}" type="pres">
+      <dgm:prSet presAssocID="{21D29210-83AD-4144-90F7-E799EA922D66}" presName="spNode" presStyleCnt="0"/>
+      <dgm:spPr/>
+    </dgm:pt>
+    <dgm:pt modelId="{1F11EC56-0728-F04D-A48B-B5D87E7476EF}" type="pres">
+      <dgm:prSet presAssocID="{00C2C499-F023-9C4B-ABEE-1A521DB4A7DD}" presName="sibTrans" presStyleLbl="sibTrans1D1" presStyleIdx="5" presStyleCnt="6"/>
+      <dgm:spPr/>
+      <dgm:t>
+        <a:bodyPr/>
+        <a:lstStyle/>
+        <a:p>
+          <a:endParaRPr lang="en-US"/>
+        </a:p>
+      </dgm:t>
+    </dgm:pt>
+  </dgm:ptLst>
+  <dgm:cxnLst>
+    <dgm:cxn modelId="{E915C8B1-60E4-6445-A078-D967E313A794}" type="presOf" srcId="{F2AA9E6C-32D4-E143-B4C1-8323F5885693}" destId="{698B8BAB-0490-4D42-8916-57106E38A5E6}" srcOrd="0" destOrd="0" presId="urn:microsoft.com/office/officeart/2005/8/layout/cycle6"/>
+    <dgm:cxn modelId="{D8C89E1E-B693-CF46-B777-659EA7D008D5}" srcId="{F2AA9E6C-32D4-E143-B4C1-8323F5885693}" destId="{1C9AF31C-6701-294A-8523-64A8E647FBC5}" srcOrd="4" destOrd="0" parTransId="{6F6B9BF6-FAB3-F64A-B99C-E2674A2FB6F3}" sibTransId="{5DF77001-9AAE-C74E-8FCC-76A47D898C55}"/>
+    <dgm:cxn modelId="{F8CA60E5-7720-0343-8D64-5641EBAFD148}" type="presOf" srcId="{884FC63A-8684-A946-8A4D-9A97E9DECCD5}" destId="{2795BB30-447C-9B46-9F86-B12019B65932}" srcOrd="0" destOrd="0" presId="urn:microsoft.com/office/officeart/2005/8/layout/cycle6"/>
+    <dgm:cxn modelId="{08BC1C92-A07E-824A-8F16-5DCDB7D35E19}" type="presOf" srcId="{CFD1D5B7-A236-4148-A257-4F15376180F1}" destId="{60876D31-8141-E546-B35B-C21A6BE94BFE}" srcOrd="0" destOrd="0" presId="urn:microsoft.com/office/officeart/2005/8/layout/cycle6"/>
+    <dgm:cxn modelId="{379BB9B3-7645-7D47-9759-6DB624EA39E8}" type="presOf" srcId="{3E4B078D-2B88-F24A-983B-7E3B1DA39EA8}" destId="{3D9EF82D-0041-DC49-8628-3E721199BA89}" srcOrd="0" destOrd="0" presId="urn:microsoft.com/office/officeart/2005/8/layout/cycle6"/>
+    <dgm:cxn modelId="{901C4254-49CF-5C41-A3D3-41DBAEF09077}" srcId="{F2AA9E6C-32D4-E143-B4C1-8323F5885693}" destId="{21D29210-83AD-4144-90F7-E799EA922D66}" srcOrd="5" destOrd="0" parTransId="{7EB2BD94-4CD1-3049-9702-ACA060C2840E}" sibTransId="{00C2C499-F023-9C4B-ABEE-1A521DB4A7DD}"/>
+    <dgm:cxn modelId="{E0DC473E-12E2-8640-82E5-D779140A50FC}" type="presOf" srcId="{34B8F909-BE72-3641-B716-D95BA06B7D24}" destId="{5F76135B-3823-414A-B176-155A5F4EA279}" srcOrd="0" destOrd="0" presId="urn:microsoft.com/office/officeart/2005/8/layout/cycle6"/>
+    <dgm:cxn modelId="{84DD6098-914F-3640-8F07-79AF5C97FFA1}" type="presOf" srcId="{21D29210-83AD-4144-90F7-E799EA922D66}" destId="{33B66A95-5460-5149-96FC-9F90C0DE0FB7}" srcOrd="0" destOrd="0" presId="urn:microsoft.com/office/officeart/2005/8/layout/cycle6"/>
+    <dgm:cxn modelId="{FF646128-7C1A-B741-B224-FA3107D25185}" type="presOf" srcId="{00C2C499-F023-9C4B-ABEE-1A521DB4A7DD}" destId="{1F11EC56-0728-F04D-A48B-B5D87E7476EF}" srcOrd="0" destOrd="0" presId="urn:microsoft.com/office/officeart/2005/8/layout/cycle6"/>
+    <dgm:cxn modelId="{90FB996F-FC16-B249-9EB3-6F44443E32D5}" type="presOf" srcId="{1C9AF31C-6701-294A-8523-64A8E647FBC5}" destId="{6A6FF06C-7BCC-B743-B2ED-8BA2C5240519}" srcOrd="0" destOrd="0" presId="urn:microsoft.com/office/officeart/2005/8/layout/cycle6"/>
+    <dgm:cxn modelId="{DDCAA909-1A99-1842-9DFC-6DE3BAC9D28C}" type="presOf" srcId="{69112F31-8EA7-934A-94C2-F9C45529A03A}" destId="{6A8ACD90-E6D4-4947-8A9F-9E401BBC524F}" srcOrd="0" destOrd="0" presId="urn:microsoft.com/office/officeart/2005/8/layout/cycle6"/>
+    <dgm:cxn modelId="{9598BADE-3C95-B042-A6AE-D841CCC53126}" srcId="{F2AA9E6C-32D4-E143-B4C1-8323F5885693}" destId="{CFD1D5B7-A236-4148-A257-4F15376180F1}" srcOrd="2" destOrd="0" parTransId="{583F1E4E-A41E-244D-8F1A-CD23F3DA4963}" sibTransId="{8F6A9027-1016-0E48-8D2C-387C4E6425C1}"/>
+    <dgm:cxn modelId="{5BA835BF-70E1-2A48-9128-148874E04563}" type="presOf" srcId="{F9B230ED-6196-744A-9501-511F0AF26565}" destId="{22C0D86C-105D-8F40-8CF5-ABBDD706D463}" srcOrd="0" destOrd="0" presId="urn:microsoft.com/office/officeart/2005/8/layout/cycle6"/>
+    <dgm:cxn modelId="{056A086C-D65C-8545-A4E2-6DAD7A176C07}" srcId="{F2AA9E6C-32D4-E143-B4C1-8323F5885693}" destId="{69112F31-8EA7-934A-94C2-F9C45529A03A}" srcOrd="1" destOrd="0" parTransId="{8FA3605F-C7D0-2A41-A9FE-12F91A45D350}" sibTransId="{34B8F909-BE72-3641-B716-D95BA06B7D24}"/>
+    <dgm:cxn modelId="{44451C92-98C4-4246-97AE-BADFD30C1803}" type="presOf" srcId="{8F6A9027-1016-0E48-8D2C-387C4E6425C1}" destId="{52E2D454-DEB3-0045-8C98-100D8D0B390A}" srcOrd="0" destOrd="0" presId="urn:microsoft.com/office/officeart/2005/8/layout/cycle6"/>
+    <dgm:cxn modelId="{375428FB-61B8-3E4F-AF6C-90B1A16E075D}" type="presOf" srcId="{1B32649E-9152-F740-ABAE-F8D218EB563C}" destId="{348744F8-58A7-1947-8982-1C5A6326D2D3}" srcOrd="0" destOrd="0" presId="urn:microsoft.com/office/officeart/2005/8/layout/cycle6"/>
+    <dgm:cxn modelId="{90371554-F177-7B48-862A-D03AA6F02119}" type="presOf" srcId="{5DF77001-9AAE-C74E-8FCC-76A47D898C55}" destId="{505E05D5-587F-B94E-9FD4-9C57DFC470A2}" srcOrd="0" destOrd="0" presId="urn:microsoft.com/office/officeart/2005/8/layout/cycle6"/>
+    <dgm:cxn modelId="{02D29D97-913C-874C-ADCC-C40189F50A67}" srcId="{F2AA9E6C-32D4-E143-B4C1-8323F5885693}" destId="{884FC63A-8684-A946-8A4D-9A97E9DECCD5}" srcOrd="3" destOrd="0" parTransId="{45FE1951-9F2C-C944-A894-AE569D975842}" sibTransId="{1B32649E-9152-F740-ABAE-F8D218EB563C}"/>
+    <dgm:cxn modelId="{9F4CE09B-E031-3248-9DD0-8D31F2C4F098}" srcId="{F2AA9E6C-32D4-E143-B4C1-8323F5885693}" destId="{3E4B078D-2B88-F24A-983B-7E3B1DA39EA8}" srcOrd="0" destOrd="0" parTransId="{A9130C4F-D749-AF41-917F-1D446BF19ACD}" sibTransId="{F9B230ED-6196-744A-9501-511F0AF26565}"/>
+    <dgm:cxn modelId="{391512D4-EB38-2544-9A02-D402F1E11D0C}" type="presParOf" srcId="{698B8BAB-0490-4D42-8916-57106E38A5E6}" destId="{3D9EF82D-0041-DC49-8628-3E721199BA89}" srcOrd="0" destOrd="0" presId="urn:microsoft.com/office/officeart/2005/8/layout/cycle6"/>
+    <dgm:cxn modelId="{CA2C7460-387A-BE41-ABCF-0459ECB7268D}" type="presParOf" srcId="{698B8BAB-0490-4D42-8916-57106E38A5E6}" destId="{DA52E55E-0807-4244-A0A5-E7EE3E4D8468}" srcOrd="1" destOrd="0" presId="urn:microsoft.com/office/officeart/2005/8/layout/cycle6"/>
+    <dgm:cxn modelId="{3A1FB1DE-0ACD-2642-9A38-1FC9AA918A70}" type="presParOf" srcId="{698B8BAB-0490-4D42-8916-57106E38A5E6}" destId="{22C0D86C-105D-8F40-8CF5-ABBDD706D463}" srcOrd="2" destOrd="0" presId="urn:microsoft.com/office/officeart/2005/8/layout/cycle6"/>
+    <dgm:cxn modelId="{3D40091D-B9E5-1846-BDEB-F1E08D737E0E}" type="presParOf" srcId="{698B8BAB-0490-4D42-8916-57106E38A5E6}" destId="{6A8ACD90-E6D4-4947-8A9F-9E401BBC524F}" srcOrd="3" destOrd="0" presId="urn:microsoft.com/office/officeart/2005/8/layout/cycle6"/>
+    <dgm:cxn modelId="{DA671DF8-7C51-CF4A-821A-D8969EDF81C0}" type="presParOf" srcId="{698B8BAB-0490-4D42-8916-57106E38A5E6}" destId="{CCB42C7B-6BD3-274F-8A29-D8EE337569A1}" srcOrd="4" destOrd="0" presId="urn:microsoft.com/office/officeart/2005/8/layout/cycle6"/>
+    <dgm:cxn modelId="{EA33E948-2ED6-8246-8D65-062AF3E874FB}" type="presParOf" srcId="{698B8BAB-0490-4D42-8916-57106E38A5E6}" destId="{5F76135B-3823-414A-B176-155A5F4EA279}" srcOrd="5" destOrd="0" presId="urn:microsoft.com/office/officeart/2005/8/layout/cycle6"/>
+    <dgm:cxn modelId="{67504D70-428A-AC4F-A549-4C928D6E8599}" type="presParOf" srcId="{698B8BAB-0490-4D42-8916-57106E38A5E6}" destId="{60876D31-8141-E546-B35B-C21A6BE94BFE}" srcOrd="6" destOrd="0" presId="urn:microsoft.com/office/officeart/2005/8/layout/cycle6"/>
+    <dgm:cxn modelId="{D88AC482-88A4-444E-9D03-5A4DFEA426BF}" type="presParOf" srcId="{698B8BAB-0490-4D42-8916-57106E38A5E6}" destId="{A0C8A9A1-BEF5-3244-9912-FE3DB322DCA0}" srcOrd="7" destOrd="0" presId="urn:microsoft.com/office/officeart/2005/8/layout/cycle6"/>
+    <dgm:cxn modelId="{252A2F85-4F6B-FE46-9BCA-57AEC0577FE9}" type="presParOf" srcId="{698B8BAB-0490-4D42-8916-57106E38A5E6}" destId="{52E2D454-DEB3-0045-8C98-100D8D0B390A}" srcOrd="8" destOrd="0" presId="urn:microsoft.com/office/officeart/2005/8/layout/cycle6"/>
+    <dgm:cxn modelId="{2406EB26-5862-EF4A-9051-7B0FA84B255E}" type="presParOf" srcId="{698B8BAB-0490-4D42-8916-57106E38A5E6}" destId="{2795BB30-447C-9B46-9F86-B12019B65932}" srcOrd="9" destOrd="0" presId="urn:microsoft.com/office/officeart/2005/8/layout/cycle6"/>
+    <dgm:cxn modelId="{D9FB4868-22C9-C946-AFE9-6C108B744E0B}" type="presParOf" srcId="{698B8BAB-0490-4D42-8916-57106E38A5E6}" destId="{6922714A-06E0-B24F-B757-9A2E58A8BDDB}" srcOrd="10" destOrd="0" presId="urn:microsoft.com/office/officeart/2005/8/layout/cycle6"/>
+    <dgm:cxn modelId="{C0045FB5-C2F2-D645-9A3F-30059EEF8CED}" type="presParOf" srcId="{698B8BAB-0490-4D42-8916-57106E38A5E6}" destId="{348744F8-58A7-1947-8982-1C5A6326D2D3}" srcOrd="11" destOrd="0" presId="urn:microsoft.com/office/officeart/2005/8/layout/cycle6"/>
+    <dgm:cxn modelId="{6B5CCABD-687E-8D44-A8ED-726998450113}" type="presParOf" srcId="{698B8BAB-0490-4D42-8916-57106E38A5E6}" destId="{6A6FF06C-7BCC-B743-B2ED-8BA2C5240519}" srcOrd="12" destOrd="0" presId="urn:microsoft.com/office/officeart/2005/8/layout/cycle6"/>
+    <dgm:cxn modelId="{D61DC8D9-2626-C24D-9D12-E01246684197}" type="presParOf" srcId="{698B8BAB-0490-4D42-8916-57106E38A5E6}" destId="{3A150C76-25BB-9F4B-AE64-9E40021D1F08}" srcOrd="13" destOrd="0" presId="urn:microsoft.com/office/officeart/2005/8/layout/cycle6"/>
+    <dgm:cxn modelId="{04974558-A143-1742-AF6D-172867663F1B}" type="presParOf" srcId="{698B8BAB-0490-4D42-8916-57106E38A5E6}" destId="{505E05D5-587F-B94E-9FD4-9C57DFC470A2}" srcOrd="14" destOrd="0" presId="urn:microsoft.com/office/officeart/2005/8/layout/cycle6"/>
+    <dgm:cxn modelId="{DF0DA762-9975-714D-A1EF-546D77C632DB}" type="presParOf" srcId="{698B8BAB-0490-4D42-8916-57106E38A5E6}" destId="{33B66A95-5460-5149-96FC-9F90C0DE0FB7}" srcOrd="15" destOrd="0" presId="urn:microsoft.com/office/officeart/2005/8/layout/cycle6"/>
+    <dgm:cxn modelId="{117C7A60-A00B-A04F-B564-B91BC5178D20}" type="presParOf" srcId="{698B8BAB-0490-4D42-8916-57106E38A5E6}" destId="{17333C99-435A-3F41-A29C-CC18B9E9F187}" srcOrd="16" destOrd="0" presId="urn:microsoft.com/office/officeart/2005/8/layout/cycle6"/>
+    <dgm:cxn modelId="{D0E10DA5-7C43-064D-9B72-16AC74D8B4C3}" type="presParOf" srcId="{698B8BAB-0490-4D42-8916-57106E38A5E6}" destId="{1F11EC56-0728-F04D-A48B-B5D87E7476EF}" srcOrd="17" destOrd="0" presId="urn:microsoft.com/office/officeart/2005/8/layout/cycle6"/>
+  </dgm:cxnLst>
+  <dgm:bg/>
+  <dgm:whole/>
+  <dgm:extLst>
+    <a:ext uri="http://schemas.microsoft.com/office/drawing/2008/diagram">
+      <dsp:dataModelExt xmlns:dsp="http://schemas.microsoft.com/office/drawing/2008/diagram" relId="rId6" minVer="http://schemas.openxmlformats.org/drawingml/2006/diagram"/>
+    </a:ext>
+  </dgm:extLst>
+</dgm:dataModel>
+</file>
+
+<file path=ppt/diagrams/data3.xml><?xml version="1.0" encoding="utf-8"?>
+<dgm:dataModel xmlns:dgm="http://schemas.openxmlformats.org/drawingml/2006/diagram" xmlns:a="http://schemas.openxmlformats.org/drawingml/2006/main">
+  <dgm:ptLst>
     <dgm:pt modelId="{63197AB7-12F3-804D-AE7D-D6B85B32CE50}" type="doc">
       <dgm:prSet loTypeId="urn:microsoft.com/office/officeart/2005/8/layout/cycle2" loCatId="" qsTypeId="urn:microsoft.com/office/officeart/2005/8/quickstyle/simple4" qsCatId="simple" csTypeId="urn:microsoft.com/office/officeart/2005/8/colors/accent2_3" csCatId="accent2" phldr="1"/>
       <dgm:spPr/>
@@ -3545,6 +5112,13 @@
         </dgm:presLayoutVars>
       </dgm:prSet>
       <dgm:spPr/>
+      <dgm:t>
+        <a:bodyPr/>
+        <a:lstStyle/>
+        <a:p>
+          <a:endParaRPr lang="en-US"/>
+        </a:p>
+      </dgm:t>
     </dgm:pt>
     <dgm:pt modelId="{43192D4D-AD5E-6A41-96EC-C36565597CFF}" type="pres">
       <dgm:prSet presAssocID="{CD0FB108-420F-BD4A-9300-F034C4C50DAF}" presName="node" presStyleLbl="node1" presStyleIdx="0" presStyleCnt="6">
@@ -3553,14 +5127,35 @@
         </dgm:presLayoutVars>
       </dgm:prSet>
       <dgm:spPr/>
+      <dgm:t>
+        <a:bodyPr/>
+        <a:lstStyle/>
+        <a:p>
+          <a:endParaRPr lang="en-US"/>
+        </a:p>
+      </dgm:t>
     </dgm:pt>
     <dgm:pt modelId="{8DFC2DFB-C5CF-4B4D-858C-98A91CEEB855}" type="pres">
       <dgm:prSet presAssocID="{C4AA3431-9F21-BC43-81F5-DE24CAD09118}" presName="sibTrans" presStyleLbl="sibTrans2D1" presStyleIdx="0" presStyleCnt="6"/>
       <dgm:spPr/>
+      <dgm:t>
+        <a:bodyPr/>
+        <a:lstStyle/>
+        <a:p>
+          <a:endParaRPr lang="en-US"/>
+        </a:p>
+      </dgm:t>
     </dgm:pt>
     <dgm:pt modelId="{738F8679-AEBC-B44C-BE4C-74B234BBEDEB}" type="pres">
       <dgm:prSet presAssocID="{C4AA3431-9F21-BC43-81F5-DE24CAD09118}" presName="connectorText" presStyleLbl="sibTrans2D1" presStyleIdx="0" presStyleCnt="6"/>
       <dgm:spPr/>
+      <dgm:t>
+        <a:bodyPr/>
+        <a:lstStyle/>
+        <a:p>
+          <a:endParaRPr lang="en-US"/>
+        </a:p>
+      </dgm:t>
     </dgm:pt>
     <dgm:pt modelId="{6CCBA6B0-4EBA-DE4E-88BB-5EE832E2927C}" type="pres">
       <dgm:prSet presAssocID="{4BBBEC2D-0534-8649-9842-F26D4001C8BE}" presName="node" presStyleLbl="node1" presStyleIdx="1" presStyleCnt="6">
@@ -3580,10 +5175,24 @@
     <dgm:pt modelId="{C2A5B6E4-EA6A-0748-A210-1BFC88B559F8}" type="pres">
       <dgm:prSet presAssocID="{1E6D5263-32CF-404F-B495-23A8F4FB6543}" presName="sibTrans" presStyleLbl="sibTrans2D1" presStyleIdx="1" presStyleCnt="6"/>
       <dgm:spPr/>
+      <dgm:t>
+        <a:bodyPr/>
+        <a:lstStyle/>
+        <a:p>
+          <a:endParaRPr lang="en-US"/>
+        </a:p>
+      </dgm:t>
     </dgm:pt>
     <dgm:pt modelId="{19EF3542-F72B-E348-99B6-F6C90D112C87}" type="pres">
       <dgm:prSet presAssocID="{1E6D5263-32CF-404F-B495-23A8F4FB6543}" presName="connectorText" presStyleLbl="sibTrans2D1" presStyleIdx="1" presStyleCnt="6"/>
       <dgm:spPr/>
+      <dgm:t>
+        <a:bodyPr/>
+        <a:lstStyle/>
+        <a:p>
+          <a:endParaRPr lang="en-US"/>
+        </a:p>
+      </dgm:t>
     </dgm:pt>
     <dgm:pt modelId="{7BB4B94F-5F42-0046-B0D6-D96B4B37C7C9}" type="pres">
       <dgm:prSet presAssocID="{304F1EB4-7687-B242-8E07-6868482A130C}" presName="node" presStyleLbl="node1" presStyleIdx="2" presStyleCnt="6">
@@ -3603,10 +5212,24 @@
     <dgm:pt modelId="{BAF268AB-F04C-994A-97C9-EEBA1F2684A0}" type="pres">
       <dgm:prSet presAssocID="{67E9EFEF-C6F5-CE4D-97DD-C5D3500F12C6}" presName="sibTrans" presStyleLbl="sibTrans2D1" presStyleIdx="2" presStyleCnt="6"/>
       <dgm:spPr/>
+      <dgm:t>
+        <a:bodyPr/>
+        <a:lstStyle/>
+        <a:p>
+          <a:endParaRPr lang="en-US"/>
+        </a:p>
+      </dgm:t>
     </dgm:pt>
     <dgm:pt modelId="{2F4A9B39-2585-C847-92C4-8F0C247657ED}" type="pres">
       <dgm:prSet presAssocID="{67E9EFEF-C6F5-CE4D-97DD-C5D3500F12C6}" presName="connectorText" presStyleLbl="sibTrans2D1" presStyleIdx="2" presStyleCnt="6"/>
       <dgm:spPr/>
+      <dgm:t>
+        <a:bodyPr/>
+        <a:lstStyle/>
+        <a:p>
+          <a:endParaRPr lang="en-US"/>
+        </a:p>
+      </dgm:t>
     </dgm:pt>
     <dgm:pt modelId="{C7B83BD6-8681-D040-A663-649DC1F3946D}" type="pres">
       <dgm:prSet presAssocID="{190AECDB-F7E7-8A47-8E38-E0EEC2232C4B}" presName="node" presStyleLbl="node1" presStyleIdx="3" presStyleCnt="6">
@@ -3626,10 +5249,24 @@
     <dgm:pt modelId="{D23F66AE-376C-4344-BE3D-B20241D8396B}" type="pres">
       <dgm:prSet presAssocID="{9478AABA-454C-9C4C-9BDB-CB664F12E9FA}" presName="sibTrans" presStyleLbl="sibTrans2D1" presStyleIdx="3" presStyleCnt="6"/>
       <dgm:spPr/>
+      <dgm:t>
+        <a:bodyPr/>
+        <a:lstStyle/>
+        <a:p>
+          <a:endParaRPr lang="en-US"/>
+        </a:p>
+      </dgm:t>
     </dgm:pt>
     <dgm:pt modelId="{C4FE57C2-BE65-D948-87AE-D2D7B7AEC1CF}" type="pres">
       <dgm:prSet presAssocID="{9478AABA-454C-9C4C-9BDB-CB664F12E9FA}" presName="connectorText" presStyleLbl="sibTrans2D1" presStyleIdx="3" presStyleCnt="6"/>
       <dgm:spPr/>
+      <dgm:t>
+        <a:bodyPr/>
+        <a:lstStyle/>
+        <a:p>
+          <a:endParaRPr lang="en-US"/>
+        </a:p>
+      </dgm:t>
     </dgm:pt>
     <dgm:pt modelId="{69DF594E-901D-0D4B-ACF7-4C57701DA79A}" type="pres">
       <dgm:prSet presAssocID="{CBBF8690-89AB-164E-AE8B-A6FDF5AABFAB}" presName="node" presStyleLbl="node1" presStyleIdx="4" presStyleCnt="6">
@@ -3649,10 +5286,24 @@
     <dgm:pt modelId="{69181F57-0269-D641-B9B5-D96F00F06FB8}" type="pres">
       <dgm:prSet presAssocID="{EBC96FD7-90C7-C546-8C94-842DAA4D1DB7}" presName="sibTrans" presStyleLbl="sibTrans2D1" presStyleIdx="4" presStyleCnt="6"/>
       <dgm:spPr/>
+      <dgm:t>
+        <a:bodyPr/>
+        <a:lstStyle/>
+        <a:p>
+          <a:endParaRPr lang="en-US"/>
+        </a:p>
+      </dgm:t>
     </dgm:pt>
     <dgm:pt modelId="{E5016BE4-81B9-7E43-A9FC-235D0C70FB43}" type="pres">
       <dgm:prSet presAssocID="{EBC96FD7-90C7-C546-8C94-842DAA4D1DB7}" presName="connectorText" presStyleLbl="sibTrans2D1" presStyleIdx="4" presStyleCnt="6"/>
       <dgm:spPr/>
+      <dgm:t>
+        <a:bodyPr/>
+        <a:lstStyle/>
+        <a:p>
+          <a:endParaRPr lang="en-US"/>
+        </a:p>
+      </dgm:t>
     </dgm:pt>
     <dgm:pt modelId="{3E51EB1E-7295-3349-A5C8-9F2261D8400E}" type="pres">
       <dgm:prSet presAssocID="{63069A7D-0098-8048-9F53-2615F277A1DB}" presName="node" presStyleLbl="node1" presStyleIdx="5" presStyleCnt="6">
@@ -3661,42 +5312,63 @@
         </dgm:presLayoutVars>
       </dgm:prSet>
       <dgm:spPr/>
+      <dgm:t>
+        <a:bodyPr/>
+        <a:lstStyle/>
+        <a:p>
+          <a:endParaRPr lang="en-US"/>
+        </a:p>
+      </dgm:t>
     </dgm:pt>
     <dgm:pt modelId="{2DE5BBCD-FD0E-5D46-9B9E-F61E666062FE}" type="pres">
       <dgm:prSet presAssocID="{782FD5DE-9273-C046-A74E-29BCB5CE2BF3}" presName="sibTrans" presStyleLbl="sibTrans2D1" presStyleIdx="5" presStyleCnt="6"/>
       <dgm:spPr/>
+      <dgm:t>
+        <a:bodyPr/>
+        <a:lstStyle/>
+        <a:p>
+          <a:endParaRPr lang="en-US"/>
+        </a:p>
+      </dgm:t>
     </dgm:pt>
     <dgm:pt modelId="{3A79C44E-8D89-6E4F-A9E3-13E386677FE9}" type="pres">
       <dgm:prSet presAssocID="{782FD5DE-9273-C046-A74E-29BCB5CE2BF3}" presName="connectorText" presStyleLbl="sibTrans2D1" presStyleIdx="5" presStyleCnt="6"/>
       <dgm:spPr/>
+      <dgm:t>
+        <a:bodyPr/>
+        <a:lstStyle/>
+        <a:p>
+          <a:endParaRPr lang="en-US"/>
+        </a:p>
+      </dgm:t>
     </dgm:pt>
   </dgm:ptLst>
   <dgm:cxnLst>
+    <dgm:cxn modelId="{C57972D0-2887-D54B-B14C-2E50D6FEEE88}" type="presOf" srcId="{304F1EB4-7687-B242-8E07-6868482A130C}" destId="{7BB4B94F-5F42-0046-B0D6-D96B4B37C7C9}" srcOrd="0" destOrd="0" presId="urn:microsoft.com/office/officeart/2005/8/layout/cycle2"/>
     <dgm:cxn modelId="{4DD85335-B555-8E4D-89E1-579E7B1E1757}" type="presOf" srcId="{782FD5DE-9273-C046-A74E-29BCB5CE2BF3}" destId="{2DE5BBCD-FD0E-5D46-9B9E-F61E666062FE}" srcOrd="0" destOrd="0" presId="urn:microsoft.com/office/officeart/2005/8/layout/cycle2"/>
     <dgm:cxn modelId="{1787EF3B-243C-4F48-B5FE-5404B3DCB00D}" type="presOf" srcId="{EBC96FD7-90C7-C546-8C94-842DAA4D1DB7}" destId="{E5016BE4-81B9-7E43-A9FC-235D0C70FB43}" srcOrd="1" destOrd="0" presId="urn:microsoft.com/office/officeart/2005/8/layout/cycle2"/>
+    <dgm:cxn modelId="{1C9D03C7-DA03-2B44-A55A-B9874070DC4B}" srcId="{63197AB7-12F3-804D-AE7D-D6B85B32CE50}" destId="{4BBBEC2D-0534-8649-9842-F26D4001C8BE}" srcOrd="1" destOrd="0" parTransId="{CBD4DD76-67F0-DF43-AC55-3F6A4E19A04C}" sibTransId="{1E6D5263-32CF-404F-B495-23A8F4FB6543}"/>
+    <dgm:cxn modelId="{9D1EDE9C-56A5-904D-A65B-B6F0D5FF2703}" srcId="{63197AB7-12F3-804D-AE7D-D6B85B32CE50}" destId="{190AECDB-F7E7-8A47-8E38-E0EEC2232C4B}" srcOrd="3" destOrd="0" parTransId="{B535A3A4-E523-9346-B01C-994C33126033}" sibTransId="{9478AABA-454C-9C4C-9BDB-CB664F12E9FA}"/>
+    <dgm:cxn modelId="{4194FF67-471D-6645-B56C-E9601E30E32A}" type="presOf" srcId="{782FD5DE-9273-C046-A74E-29BCB5CE2BF3}" destId="{3A79C44E-8D89-6E4F-A9E3-13E386677FE9}" srcOrd="1" destOrd="0" presId="urn:microsoft.com/office/officeart/2005/8/layout/cycle2"/>
+    <dgm:cxn modelId="{FC0FF5F6-969A-804C-A642-F685A969E2D9}" type="presOf" srcId="{4BBBEC2D-0534-8649-9842-F26D4001C8BE}" destId="{6CCBA6B0-4EBA-DE4E-88BB-5EE832E2927C}" srcOrd="0" destOrd="0" presId="urn:microsoft.com/office/officeart/2005/8/layout/cycle2"/>
+    <dgm:cxn modelId="{261B3286-52DD-224C-8070-1CC6243F7582}" srcId="{63197AB7-12F3-804D-AE7D-D6B85B32CE50}" destId="{CBBF8690-89AB-164E-AE8B-A6FDF5AABFAB}" srcOrd="4" destOrd="0" parTransId="{1AD1F862-E8E1-AC4C-818F-E862309D532F}" sibTransId="{EBC96FD7-90C7-C546-8C94-842DAA4D1DB7}"/>
+    <dgm:cxn modelId="{6D3D7EF6-C42D-C447-BA82-C4684F5ABB5B}" type="presOf" srcId="{CBBF8690-89AB-164E-AE8B-A6FDF5AABFAB}" destId="{69DF594E-901D-0D4B-ACF7-4C57701DA79A}" srcOrd="0" destOrd="0" presId="urn:microsoft.com/office/officeart/2005/8/layout/cycle2"/>
+    <dgm:cxn modelId="{7CBDF917-8318-4E49-B27F-9BF2CA9A62AC}" type="presOf" srcId="{C4AA3431-9F21-BC43-81F5-DE24CAD09118}" destId="{8DFC2DFB-C5CF-4B4D-858C-98A91CEEB855}" srcOrd="0" destOrd="0" presId="urn:microsoft.com/office/officeart/2005/8/layout/cycle2"/>
+    <dgm:cxn modelId="{26E1D4F7-A72D-B949-9DD4-E5018BDC6D0B}" type="presOf" srcId="{190AECDB-F7E7-8A47-8E38-E0EEC2232C4B}" destId="{C7B83BD6-8681-D040-A663-649DC1F3946D}" srcOrd="0" destOrd="0" presId="urn:microsoft.com/office/officeart/2005/8/layout/cycle2"/>
+    <dgm:cxn modelId="{1CFC6727-77BD-E743-B582-AD540FF8D02A}" srcId="{63197AB7-12F3-804D-AE7D-D6B85B32CE50}" destId="{304F1EB4-7687-B242-8E07-6868482A130C}" srcOrd="2" destOrd="0" parTransId="{8E82A390-73AA-EE46-85E0-3B90114D9DF4}" sibTransId="{67E9EFEF-C6F5-CE4D-97DD-C5D3500F12C6}"/>
     <dgm:cxn modelId="{44A749C0-D430-8F43-976B-EFDD81BF783F}" type="presOf" srcId="{63197AB7-12F3-804D-AE7D-D6B85B32CE50}" destId="{1002C5F2-77A0-DE43-80C0-DCB5C7E16643}" srcOrd="0" destOrd="0" presId="urn:microsoft.com/office/officeart/2005/8/layout/cycle2"/>
-    <dgm:cxn modelId="{C57972D0-2887-D54B-B14C-2E50D6FEEE88}" type="presOf" srcId="{304F1EB4-7687-B242-8E07-6868482A130C}" destId="{7BB4B94F-5F42-0046-B0D6-D96B4B37C7C9}" srcOrd="0" destOrd="0" presId="urn:microsoft.com/office/officeart/2005/8/layout/cycle2"/>
-    <dgm:cxn modelId="{979B3D4E-CA62-514E-BD46-DEA86BBDE29C}" type="presOf" srcId="{63069A7D-0098-8048-9F53-2615F277A1DB}" destId="{3E51EB1E-7295-3349-A5C8-9F2261D8400E}" srcOrd="0" destOrd="0" presId="urn:microsoft.com/office/officeart/2005/8/layout/cycle2"/>
+    <dgm:cxn modelId="{0E29BDCE-9520-C445-9944-E24D2CE721EF}" type="presOf" srcId="{9478AABA-454C-9C4C-9BDB-CB664F12E9FA}" destId="{C4FE57C2-BE65-D948-87AE-D2D7B7AEC1CF}" srcOrd="1" destOrd="0" presId="urn:microsoft.com/office/officeart/2005/8/layout/cycle2"/>
+    <dgm:cxn modelId="{FDCDC6E9-5553-9C42-B048-A29F47159D4F}" type="presOf" srcId="{CD0FB108-420F-BD4A-9300-F034C4C50DAF}" destId="{43192D4D-AD5E-6A41-96EC-C36565597CFF}" srcOrd="0" destOrd="0" presId="urn:microsoft.com/office/officeart/2005/8/layout/cycle2"/>
+    <dgm:cxn modelId="{31168AD6-F121-6646-A1CC-3FCF22B167B2}" type="presOf" srcId="{1E6D5263-32CF-404F-B495-23A8F4FB6543}" destId="{C2A5B6E4-EA6A-0748-A210-1BFC88B559F8}" srcOrd="0" destOrd="0" presId="urn:microsoft.com/office/officeart/2005/8/layout/cycle2"/>
     <dgm:cxn modelId="{DC62637C-AF9F-0F43-AA2F-8759FAE978D0}" srcId="{63197AB7-12F3-804D-AE7D-D6B85B32CE50}" destId="{CD0FB108-420F-BD4A-9300-F034C4C50DAF}" srcOrd="0" destOrd="0" parTransId="{3CCAEFA4-56F7-CC46-8573-1593D6432094}" sibTransId="{C4AA3431-9F21-BC43-81F5-DE24CAD09118}"/>
+    <dgm:cxn modelId="{80706C86-2DB0-ED44-ADA8-EE162ECE5052}" type="presOf" srcId="{C4AA3431-9F21-BC43-81F5-DE24CAD09118}" destId="{738F8679-AEBC-B44C-BE4C-74B234BBEDEB}" srcOrd="1" destOrd="0" presId="urn:microsoft.com/office/officeart/2005/8/layout/cycle2"/>
     <dgm:cxn modelId="{C6229294-8236-FE41-B70D-CE40E2AD5B94}" type="presOf" srcId="{9478AABA-454C-9C4C-9BDB-CB664F12E9FA}" destId="{D23F66AE-376C-4344-BE3D-B20241D8396B}" srcOrd="0" destOrd="0" presId="urn:microsoft.com/office/officeart/2005/8/layout/cycle2"/>
-    <dgm:cxn modelId="{261B3286-52DD-224C-8070-1CC6243F7582}" srcId="{63197AB7-12F3-804D-AE7D-D6B85B32CE50}" destId="{CBBF8690-89AB-164E-AE8B-A6FDF5AABFAB}" srcOrd="4" destOrd="0" parTransId="{1AD1F862-E8E1-AC4C-818F-E862309D532F}" sibTransId="{EBC96FD7-90C7-C546-8C94-842DAA4D1DB7}"/>
-    <dgm:cxn modelId="{4194FF67-471D-6645-B56C-E9601E30E32A}" type="presOf" srcId="{782FD5DE-9273-C046-A74E-29BCB5CE2BF3}" destId="{3A79C44E-8D89-6E4F-A9E3-13E386677FE9}" srcOrd="1" destOrd="0" presId="urn:microsoft.com/office/officeart/2005/8/layout/cycle2"/>
-    <dgm:cxn modelId="{73A313BC-325A-9740-9E29-57388A7FB90D}" type="presOf" srcId="{1E6D5263-32CF-404F-B495-23A8F4FB6543}" destId="{19EF3542-F72B-E348-99B6-F6C90D112C87}" srcOrd="1" destOrd="0" presId="urn:microsoft.com/office/officeart/2005/8/layout/cycle2"/>
+    <dgm:cxn modelId="{BA96A217-70B0-3B4C-9824-36EF2D8B6A2A}" type="presOf" srcId="{EBC96FD7-90C7-C546-8C94-842DAA4D1DB7}" destId="{69181F57-0269-D641-B9B5-D96F00F06FB8}" srcOrd="0" destOrd="0" presId="urn:microsoft.com/office/officeart/2005/8/layout/cycle2"/>
     <dgm:cxn modelId="{28517EF3-1E59-2B41-81BD-84C4D08D2251}" type="presOf" srcId="{67E9EFEF-C6F5-CE4D-97DD-C5D3500F12C6}" destId="{BAF268AB-F04C-994A-97C9-EEBA1F2684A0}" srcOrd="0" destOrd="0" presId="urn:microsoft.com/office/officeart/2005/8/layout/cycle2"/>
     <dgm:cxn modelId="{BC1B467C-F704-2F49-A504-2E9294E4142A}" srcId="{63197AB7-12F3-804D-AE7D-D6B85B32CE50}" destId="{63069A7D-0098-8048-9F53-2615F277A1DB}" srcOrd="5" destOrd="0" parTransId="{2DAD050F-24BE-A945-8230-AD7E0250B117}" sibTransId="{782FD5DE-9273-C046-A74E-29BCB5CE2BF3}"/>
     <dgm:cxn modelId="{568C9E4C-8685-1943-912B-57A8264C94CD}" type="presOf" srcId="{67E9EFEF-C6F5-CE4D-97DD-C5D3500F12C6}" destId="{2F4A9B39-2585-C847-92C4-8F0C247657ED}" srcOrd="1" destOrd="0" presId="urn:microsoft.com/office/officeart/2005/8/layout/cycle2"/>
-    <dgm:cxn modelId="{FDCDC6E9-5553-9C42-B048-A29F47159D4F}" type="presOf" srcId="{CD0FB108-420F-BD4A-9300-F034C4C50DAF}" destId="{43192D4D-AD5E-6A41-96EC-C36565597CFF}" srcOrd="0" destOrd="0" presId="urn:microsoft.com/office/officeart/2005/8/layout/cycle2"/>
-    <dgm:cxn modelId="{26E1D4F7-A72D-B949-9DD4-E5018BDC6D0B}" type="presOf" srcId="{190AECDB-F7E7-8A47-8E38-E0EEC2232C4B}" destId="{C7B83BD6-8681-D040-A663-649DC1F3946D}" srcOrd="0" destOrd="0" presId="urn:microsoft.com/office/officeart/2005/8/layout/cycle2"/>
-    <dgm:cxn modelId="{9D1EDE9C-56A5-904D-A65B-B6F0D5FF2703}" srcId="{63197AB7-12F3-804D-AE7D-D6B85B32CE50}" destId="{190AECDB-F7E7-8A47-8E38-E0EEC2232C4B}" srcOrd="3" destOrd="0" parTransId="{B535A3A4-E523-9346-B01C-994C33126033}" sibTransId="{9478AABA-454C-9C4C-9BDB-CB664F12E9FA}"/>
-    <dgm:cxn modelId="{1C9D03C7-DA03-2B44-A55A-B9874070DC4B}" srcId="{63197AB7-12F3-804D-AE7D-D6B85B32CE50}" destId="{4BBBEC2D-0534-8649-9842-F26D4001C8BE}" srcOrd="1" destOrd="0" parTransId="{CBD4DD76-67F0-DF43-AC55-3F6A4E19A04C}" sibTransId="{1E6D5263-32CF-404F-B495-23A8F4FB6543}"/>
-    <dgm:cxn modelId="{BA96A217-70B0-3B4C-9824-36EF2D8B6A2A}" type="presOf" srcId="{EBC96FD7-90C7-C546-8C94-842DAA4D1DB7}" destId="{69181F57-0269-D641-B9B5-D96F00F06FB8}" srcOrd="0" destOrd="0" presId="urn:microsoft.com/office/officeart/2005/8/layout/cycle2"/>
-    <dgm:cxn modelId="{31168AD6-F121-6646-A1CC-3FCF22B167B2}" type="presOf" srcId="{1E6D5263-32CF-404F-B495-23A8F4FB6543}" destId="{C2A5B6E4-EA6A-0748-A210-1BFC88B559F8}" srcOrd="0" destOrd="0" presId="urn:microsoft.com/office/officeart/2005/8/layout/cycle2"/>
-    <dgm:cxn modelId="{80706C86-2DB0-ED44-ADA8-EE162ECE5052}" type="presOf" srcId="{C4AA3431-9F21-BC43-81F5-DE24CAD09118}" destId="{738F8679-AEBC-B44C-BE4C-74B234BBEDEB}" srcOrd="1" destOrd="0" presId="urn:microsoft.com/office/officeart/2005/8/layout/cycle2"/>
-    <dgm:cxn modelId="{6D3D7EF6-C42D-C447-BA82-C4684F5ABB5B}" type="presOf" srcId="{CBBF8690-89AB-164E-AE8B-A6FDF5AABFAB}" destId="{69DF594E-901D-0D4B-ACF7-4C57701DA79A}" srcOrd="0" destOrd="0" presId="urn:microsoft.com/office/officeart/2005/8/layout/cycle2"/>
-    <dgm:cxn modelId="{1CFC6727-77BD-E743-B582-AD540FF8D02A}" srcId="{63197AB7-12F3-804D-AE7D-D6B85B32CE50}" destId="{304F1EB4-7687-B242-8E07-6868482A130C}" srcOrd="2" destOrd="0" parTransId="{8E82A390-73AA-EE46-85E0-3B90114D9DF4}" sibTransId="{67E9EFEF-C6F5-CE4D-97DD-C5D3500F12C6}"/>
-    <dgm:cxn modelId="{7CBDF917-8318-4E49-B27F-9BF2CA9A62AC}" type="presOf" srcId="{C4AA3431-9F21-BC43-81F5-DE24CAD09118}" destId="{8DFC2DFB-C5CF-4B4D-858C-98A91CEEB855}" srcOrd="0" destOrd="0" presId="urn:microsoft.com/office/officeart/2005/8/layout/cycle2"/>
-    <dgm:cxn modelId="{FC0FF5F6-969A-804C-A642-F685A969E2D9}" type="presOf" srcId="{4BBBEC2D-0534-8649-9842-F26D4001C8BE}" destId="{6CCBA6B0-4EBA-DE4E-88BB-5EE832E2927C}" srcOrd="0" destOrd="0" presId="urn:microsoft.com/office/officeart/2005/8/layout/cycle2"/>
-    <dgm:cxn modelId="{0E29BDCE-9520-C445-9944-E24D2CE721EF}" type="presOf" srcId="{9478AABA-454C-9C4C-9BDB-CB664F12E9FA}" destId="{C4FE57C2-BE65-D948-87AE-D2D7B7AEC1CF}" srcOrd="1" destOrd="0" presId="urn:microsoft.com/office/officeart/2005/8/layout/cycle2"/>
+    <dgm:cxn modelId="{979B3D4E-CA62-514E-BD46-DEA86BBDE29C}" type="presOf" srcId="{63069A7D-0098-8048-9F53-2615F277A1DB}" destId="{3E51EB1E-7295-3349-A5C8-9F2261D8400E}" srcOrd="0" destOrd="0" presId="urn:microsoft.com/office/officeart/2005/8/layout/cycle2"/>
+    <dgm:cxn modelId="{73A313BC-325A-9740-9E29-57388A7FB90D}" type="presOf" srcId="{1E6D5263-32CF-404F-B495-23A8F4FB6543}" destId="{19EF3542-F72B-E348-99B6-F6C90D112C87}" srcOrd="1" destOrd="0" presId="urn:microsoft.com/office/officeart/2005/8/layout/cycle2"/>
     <dgm:cxn modelId="{4E69A57C-5EBB-C344-A99C-0213A158FE3B}" type="presParOf" srcId="{1002C5F2-77A0-DE43-80C0-DCB5C7E16643}" destId="{43192D4D-AD5E-6A41-96EC-C36565597CFF}" srcOrd="0" destOrd="0" presId="urn:microsoft.com/office/officeart/2005/8/layout/cycle2"/>
     <dgm:cxn modelId="{91A386A1-ED74-0344-BC2C-A5C79B059C5C}" type="presParOf" srcId="{1002C5F2-77A0-DE43-80C0-DCB5C7E16643}" destId="{8DFC2DFB-C5CF-4B4D-858C-98A91CEEB855}" srcOrd="1" destOrd="0" presId="urn:microsoft.com/office/officeart/2005/8/layout/cycle2"/>
     <dgm:cxn modelId="{B2405350-B321-B841-9FF9-E10C353BEDDD}" type="presParOf" srcId="{8DFC2DFB-C5CF-4B4D-858C-98A91CEEB855}" destId="{738F8679-AEBC-B44C-BE4C-74B234BBEDEB}" srcOrd="0" destOrd="0" presId="urn:microsoft.com/office/officeart/2005/8/layout/cycle2"/>
@@ -3726,7 +5398,7 @@
 </dgm:dataModel>
 </file>
 
-<file path=ppt/diagrams/data3.xml><?xml version="1.0" encoding="utf-8"?>
+<file path=ppt/diagrams/data4.xml><?xml version="1.0" encoding="utf-8"?>
 <dgm:dataModel xmlns:dgm="http://schemas.openxmlformats.org/drawingml/2006/diagram" xmlns:a="http://schemas.openxmlformats.org/drawingml/2006/main">
   <dgm:ptLst>
     <dgm:pt modelId="{748C716D-634B-6B4D-A20A-D3E4F8BFBD8E}" type="doc">
@@ -3924,6 +5596,13 @@
         </dgm:presLayoutVars>
       </dgm:prSet>
       <dgm:spPr/>
+      <dgm:t>
+        <a:bodyPr/>
+        <a:lstStyle/>
+        <a:p>
+          <a:endParaRPr lang="en-US"/>
+        </a:p>
+      </dgm:t>
     </dgm:pt>
     <dgm:pt modelId="{A4E338EF-3320-6D49-901A-D3D30EBC3190}" type="pres">
       <dgm:prSet presAssocID="{8432EF88-0BE0-CD4F-A937-6E01957535B0}" presName="aSpace" presStyleCnt="0"/>
@@ -3936,6 +5615,13 @@
         </dgm:presLayoutVars>
       </dgm:prSet>
       <dgm:spPr/>
+      <dgm:t>
+        <a:bodyPr/>
+        <a:lstStyle/>
+        <a:p>
+          <a:endParaRPr lang="en-US"/>
+        </a:p>
+      </dgm:t>
     </dgm:pt>
     <dgm:pt modelId="{F3C3AFA3-D443-FA4B-89A3-A5C88C98B539}" type="pres">
       <dgm:prSet presAssocID="{09403A66-5DB6-DB43-9851-C07207D8D2BA}" presName="aSpace" presStyleCnt="0"/>
@@ -3962,15 +5648,15 @@
     </dgm:pt>
   </dgm:ptLst>
   <dgm:cxnLst>
+    <dgm:cxn modelId="{352DDD81-C0EC-324B-B864-24D1B8B37F21}" type="presOf" srcId="{6FC78AD7-A0B5-3741-9215-245C4802809E}" destId="{59C5D161-E2CD-174F-9092-A3986F6D2076}" srcOrd="0" destOrd="0" presId="urn:microsoft.com/office/officeart/2005/8/layout/pyramid2"/>
     <dgm:cxn modelId="{76AF47B2-9962-FE46-B33E-F10D4AC1D84C}" srcId="{748C716D-634B-6B4D-A20A-D3E4F8BFBD8E}" destId="{10EDE5A2-43AE-824C-8C61-BAEE9DF575C9}" srcOrd="0" destOrd="0" parTransId="{0E2B6E33-C3FF-2D46-9B15-BBCA3DFCF5BB}" sibTransId="{6606DC21-3A8C-0449-A69A-8595B3596197}"/>
+    <dgm:cxn modelId="{B4066428-D28B-964C-876D-578247F15972}" type="presOf" srcId="{10EDE5A2-43AE-824C-8C61-BAEE9DF575C9}" destId="{26CFC12B-7BA4-194A-BA17-21E55E0C875E}" srcOrd="0" destOrd="0" presId="urn:microsoft.com/office/officeart/2005/8/layout/pyramid2"/>
     <dgm:cxn modelId="{683A36A6-C8D4-3E49-817F-1712E95BE05F}" type="presOf" srcId="{8432EF88-0BE0-CD4F-A937-6E01957535B0}" destId="{A66850BA-9683-6040-BEB3-7F13F02328D8}" srcOrd="0" destOrd="0" presId="urn:microsoft.com/office/officeart/2005/8/layout/pyramid2"/>
-    <dgm:cxn modelId="{352DDD81-C0EC-324B-B864-24D1B8B37F21}" type="presOf" srcId="{6FC78AD7-A0B5-3741-9215-245C4802809E}" destId="{59C5D161-E2CD-174F-9092-A3986F6D2076}" srcOrd="0" destOrd="0" presId="urn:microsoft.com/office/officeart/2005/8/layout/pyramid2"/>
-    <dgm:cxn modelId="{B4066428-D28B-964C-876D-578247F15972}" type="presOf" srcId="{10EDE5A2-43AE-824C-8C61-BAEE9DF575C9}" destId="{26CFC12B-7BA4-194A-BA17-21E55E0C875E}" srcOrd="0" destOrd="0" presId="urn:microsoft.com/office/officeart/2005/8/layout/pyramid2"/>
+    <dgm:cxn modelId="{FF086350-C68C-9641-86EE-BF4E5824C083}" srcId="{748C716D-634B-6B4D-A20A-D3E4F8BFBD8E}" destId="{8432EF88-0BE0-CD4F-A937-6E01957535B0}" srcOrd="1" destOrd="0" parTransId="{F171494A-7A08-7F49-83AE-A29750B537BD}" sibTransId="{7FBF9F69-B140-4B4D-8223-263F2BF67790}"/>
+    <dgm:cxn modelId="{E9B5A121-AECC-314D-855A-A88977698F87}" type="presOf" srcId="{09403A66-5DB6-DB43-9851-C07207D8D2BA}" destId="{9038C629-471F-3649-A58B-4BB7E4B2CF8E}" srcOrd="0" destOrd="0" presId="urn:microsoft.com/office/officeart/2005/8/layout/pyramid2"/>
     <dgm:cxn modelId="{821B0B2C-8BF8-134C-8496-EF464FD7ABB1}" type="presOf" srcId="{748C716D-634B-6B4D-A20A-D3E4F8BFBD8E}" destId="{7E0F8031-EE93-A847-A4D8-2F8582B83321}" srcOrd="0" destOrd="0" presId="urn:microsoft.com/office/officeart/2005/8/layout/pyramid2"/>
     <dgm:cxn modelId="{7DC1EA86-18CC-6E48-9B84-ADD7958B30B0}" srcId="{748C716D-634B-6B4D-A20A-D3E4F8BFBD8E}" destId="{09403A66-5DB6-DB43-9851-C07207D8D2BA}" srcOrd="2" destOrd="0" parTransId="{8AD3887C-F8A8-0A4F-B07B-8A62CB87CE75}" sibTransId="{226394D4-A757-BE48-8ABC-3CB68C3B2C4B}"/>
     <dgm:cxn modelId="{B5213227-EB67-D649-B9C5-E1FE69B59AC2}" srcId="{748C716D-634B-6B4D-A20A-D3E4F8BFBD8E}" destId="{6FC78AD7-A0B5-3741-9215-245C4802809E}" srcOrd="3" destOrd="0" parTransId="{2ACCC5F8-BBE9-6E44-9AEA-9D934BD14074}" sibTransId="{88F976AE-687E-B748-AE6E-70341E489FDD}"/>
-    <dgm:cxn modelId="{E9B5A121-AECC-314D-855A-A88977698F87}" type="presOf" srcId="{09403A66-5DB6-DB43-9851-C07207D8D2BA}" destId="{9038C629-471F-3649-A58B-4BB7E4B2CF8E}" srcOrd="0" destOrd="0" presId="urn:microsoft.com/office/officeart/2005/8/layout/pyramid2"/>
-    <dgm:cxn modelId="{FF086350-C68C-9641-86EE-BF4E5824C083}" srcId="{748C716D-634B-6B4D-A20A-D3E4F8BFBD8E}" destId="{8432EF88-0BE0-CD4F-A937-6E01957535B0}" srcOrd="1" destOrd="0" parTransId="{F171494A-7A08-7F49-83AE-A29750B537BD}" sibTransId="{7FBF9F69-B140-4B4D-8223-263F2BF67790}"/>
     <dgm:cxn modelId="{7ECB570A-6240-1F4C-92A8-60AE11F5F01B}" type="presParOf" srcId="{7E0F8031-EE93-A847-A4D8-2F8582B83321}" destId="{A9E79660-7D61-E147-80BF-7625C536667A}" srcOrd="0" destOrd="0" presId="urn:microsoft.com/office/officeart/2005/8/layout/pyramid2"/>
     <dgm:cxn modelId="{BB7A08F4-3517-0E4C-AD76-364C36C8523C}" type="presParOf" srcId="{7E0F8031-EE93-A847-A4D8-2F8582B83321}" destId="{9FC7C357-58F1-454E-AA5A-3F481DD44BA1}" srcOrd="1" destOrd="0" presId="urn:microsoft.com/office/officeart/2005/8/layout/pyramid2"/>
     <dgm:cxn modelId="{21CB932B-D917-D548-BF50-3ECABCB3686E}" type="presParOf" srcId="{9FC7C357-58F1-454E-AA5A-3F481DD44BA1}" destId="{26CFC12B-7BA4-194A-BA17-21E55E0C875E}" srcOrd="0" destOrd="0" presId="urn:microsoft.com/office/officeart/2005/8/layout/pyramid2"/>
@@ -5119,6 +6805,906 @@
 </file>
 
 <file path=ppt/diagrams/drawing2.xml><?xml version="1.0" encoding="utf-8"?>
+<dsp:drawing xmlns:dgm="http://schemas.openxmlformats.org/drawingml/2006/diagram" xmlns:dsp="http://schemas.microsoft.com/office/drawing/2008/diagram" xmlns:a="http://schemas.openxmlformats.org/drawingml/2006/main">
+  <dsp:spTree>
+    <dsp:nvGrpSpPr>
+      <dsp:cNvPr id="0" name=""/>
+      <dsp:cNvGrpSpPr/>
+    </dsp:nvGrpSpPr>
+    <dsp:grpSpPr/>
+    <dsp:sp modelId="{3D9EF82D-0041-DC49-8628-3E721199BA89}">
+      <dsp:nvSpPr>
+        <dsp:cNvPr id="0" name=""/>
+        <dsp:cNvSpPr/>
+      </dsp:nvSpPr>
+      <dsp:spPr>
+        <a:xfrm>
+          <a:off x="3648893" y="4373"/>
+          <a:ext cx="1846212" cy="1200038"/>
+        </a:xfrm>
+        <a:prstGeom prst="roundRect">
+          <a:avLst/>
+        </a:prstGeom>
+        <a:gradFill flip="none" rotWithShape="0">
+          <a:gsLst>
+            <a:gs pos="0">
+              <a:schemeClr val="accent1">
+                <a:lumMod val="75000"/>
+              </a:schemeClr>
+            </a:gs>
+            <a:gs pos="48000">
+              <a:schemeClr val="accent1">
+                <a:lumMod val="60000"/>
+                <a:lumOff val="40000"/>
+              </a:schemeClr>
+            </a:gs>
+            <a:gs pos="100000">
+              <a:schemeClr val="accent1">
+                <a:lumMod val="40000"/>
+                <a:lumOff val="60000"/>
+              </a:schemeClr>
+            </a:gs>
+          </a:gsLst>
+          <a:lin ang="16200000" scaled="1"/>
+          <a:tileRect/>
+        </a:gradFill>
+        <a:ln>
+          <a:noFill/>
+        </a:ln>
+        <a:effectLst>
+          <a:outerShdw blurRad="50800" dist="38100" dir="2700000" algn="tl" rotWithShape="0">
+            <a:prstClr val="black">
+              <a:alpha val="40000"/>
+            </a:prstClr>
+          </a:outerShdw>
+        </a:effectLst>
+      </dsp:spPr>
+      <dsp:style>
+        <a:lnRef idx="0">
+          <a:scrgbClr r="0" g="0" b="0"/>
+        </a:lnRef>
+        <a:fillRef idx="3">
+          <a:scrgbClr r="0" g="0" b="0"/>
+        </a:fillRef>
+        <a:effectRef idx="2">
+          <a:scrgbClr r="0" g="0" b="0"/>
+        </a:effectRef>
+        <a:fontRef idx="minor">
+          <a:schemeClr val="lt1"/>
+        </a:fontRef>
+      </dsp:style>
+      <dsp:txBody>
+        <a:bodyPr spcFirstLastPara="0" vert="horz" wrap="square" lIns="87630" tIns="87630" rIns="87630" bIns="87630" numCol="1" spcCol="1270" anchor="ctr" anchorCtr="0">
+          <a:noAutofit/>
+        </a:bodyPr>
+        <a:lstStyle/>
+        <a:p>
+          <a:pPr lvl="0" algn="ctr" defTabSz="1022350">
+            <a:lnSpc>
+              <a:spcPct val="90000"/>
+            </a:lnSpc>
+            <a:spcBef>
+              <a:spcPct val="0"/>
+            </a:spcBef>
+            <a:spcAft>
+              <a:spcPct val="35000"/>
+            </a:spcAft>
+          </a:pPr>
+          <a:r>
+            <a:rPr lang="en-US" sz="2300" b="1" kern="1200" dirty="0" smtClean="0">
+              <a:solidFill>
+                <a:schemeClr val="tx1"/>
+              </a:solidFill>
+            </a:rPr>
+            <a:t>design &amp; modification</a:t>
+          </a:r>
+          <a:endParaRPr lang="en-US" sz="2300" b="1" kern="1200" dirty="0">
+            <a:solidFill>
+              <a:schemeClr val="tx1"/>
+            </a:solidFill>
+          </a:endParaRPr>
+        </a:p>
+      </dsp:txBody>
+      <dsp:txXfrm>
+        <a:off x="3707474" y="62954"/>
+        <a:ext cx="1729050" cy="1082876"/>
+      </dsp:txXfrm>
+    </dsp:sp>
+    <dsp:sp modelId="{22C0D86C-105D-8F40-8CF5-ABBDD706D463}">
+      <dsp:nvSpPr>
+        <dsp:cNvPr id="0" name=""/>
+        <dsp:cNvSpPr/>
+      </dsp:nvSpPr>
+      <dsp:spPr>
+        <a:xfrm>
+          <a:off x="1747393" y="604393"/>
+          <a:ext cx="5649212" cy="5649212"/>
+        </a:xfrm>
+        <a:custGeom>
+          <a:avLst/>
+          <a:gdLst/>
+          <a:ahLst/>
+          <a:cxnLst/>
+          <a:rect l="0" t="0" r="0" b="0"/>
+          <a:pathLst>
+            <a:path>
+              <a:moveTo>
+                <a:pt x="3759483" y="159197"/>
+              </a:moveTo>
+              <a:arcTo wR="2824606" hR="2824606" stAng="17359682" swAng="1499191"/>
+            </a:path>
+          </a:pathLst>
+        </a:custGeom>
+        <a:noFill/>
+        <a:ln w="76200" cap="flat" cmpd="sng" algn="ctr">
+          <a:solidFill>
+            <a:schemeClr val="accent3"/>
+          </a:solidFill>
+          <a:prstDash val="solid"/>
+          <a:miter lim="800000"/>
+          <a:headEnd type="diamond"/>
+          <a:tailEnd type="stealth"/>
+        </a:ln>
+        <a:effectLst/>
+      </dsp:spPr>
+      <dsp:style>
+        <a:lnRef idx="1">
+          <a:scrgbClr r="0" g="0" b="0"/>
+        </a:lnRef>
+        <a:fillRef idx="0">
+          <a:scrgbClr r="0" g="0" b="0"/>
+        </a:fillRef>
+        <a:effectRef idx="0">
+          <a:scrgbClr r="0" g="0" b="0"/>
+        </a:effectRef>
+        <a:fontRef idx="minor"/>
+      </dsp:style>
+    </dsp:sp>
+    <dsp:sp modelId="{6A8ACD90-E6D4-4947-8A9F-9E401BBC524F}">
+      <dsp:nvSpPr>
+        <dsp:cNvPr id="0" name=""/>
+        <dsp:cNvSpPr/>
+      </dsp:nvSpPr>
+      <dsp:spPr>
+        <a:xfrm>
+          <a:off x="6095074" y="1416677"/>
+          <a:ext cx="1846212" cy="1200038"/>
+        </a:xfrm>
+        <a:prstGeom prst="snip1Rect">
+          <a:avLst/>
+        </a:prstGeom>
+        <a:gradFill flip="none" rotWithShape="0">
+          <a:gsLst>
+            <a:gs pos="0">
+              <a:schemeClr val="accent2">
+                <a:lumMod val="67000"/>
+              </a:schemeClr>
+            </a:gs>
+            <a:gs pos="48000">
+              <a:schemeClr val="accent2">
+                <a:lumMod val="97000"/>
+                <a:lumOff val="3000"/>
+              </a:schemeClr>
+            </a:gs>
+            <a:gs pos="100000">
+              <a:schemeClr val="accent2">
+                <a:lumMod val="60000"/>
+                <a:lumOff val="40000"/>
+              </a:schemeClr>
+            </a:gs>
+          </a:gsLst>
+          <a:lin ang="16200000" scaled="1"/>
+          <a:tileRect/>
+        </a:gradFill>
+        <a:ln>
+          <a:noFill/>
+        </a:ln>
+        <a:effectLst>
+          <a:outerShdw blurRad="50800" dist="38100" dir="2700000" algn="tl" rotWithShape="0">
+            <a:prstClr val="black">
+              <a:alpha val="40000"/>
+            </a:prstClr>
+          </a:outerShdw>
+        </a:effectLst>
+      </dsp:spPr>
+      <dsp:style>
+        <a:lnRef idx="0">
+          <a:scrgbClr r="0" g="0" b="0"/>
+        </a:lnRef>
+        <a:fillRef idx="3">
+          <a:scrgbClr r="0" g="0" b="0"/>
+        </a:fillRef>
+        <a:effectRef idx="2">
+          <a:scrgbClr r="0" g="0" b="0"/>
+        </a:effectRef>
+        <a:fontRef idx="minor">
+          <a:schemeClr val="lt1"/>
+        </a:fontRef>
+      </dsp:style>
+      <dsp:txBody>
+        <a:bodyPr spcFirstLastPara="0" vert="horz" wrap="square" lIns="87630" tIns="87630" rIns="87630" bIns="87630" numCol="1" spcCol="1270" anchor="ctr" anchorCtr="0">
+          <a:noAutofit/>
+        </a:bodyPr>
+        <a:lstStyle/>
+        <a:p>
+          <a:pPr lvl="0" algn="ctr" defTabSz="1022350">
+            <a:lnSpc>
+              <a:spcPct val="90000"/>
+            </a:lnSpc>
+            <a:spcBef>
+              <a:spcPct val="0"/>
+            </a:spcBef>
+            <a:spcAft>
+              <a:spcPct val="35000"/>
+            </a:spcAft>
+          </a:pPr>
+          <a:r>
+            <a:rPr lang="en-US" sz="2300" b="1" kern="1200" dirty="0" smtClean="0">
+              <a:solidFill>
+                <a:schemeClr val="tx1"/>
+              </a:solidFill>
+            </a:rPr>
+            <a:t>cloudmesh script</a:t>
+          </a:r>
+          <a:endParaRPr lang="en-US" sz="2300" b="1" kern="1200" dirty="0">
+            <a:solidFill>
+              <a:schemeClr val="tx1"/>
+            </a:solidFill>
+          </a:endParaRPr>
+        </a:p>
+      </dsp:txBody>
+      <dsp:txXfrm>
+        <a:off x="6095074" y="1516682"/>
+        <a:ext cx="1746207" cy="1100033"/>
+      </dsp:txXfrm>
+    </dsp:sp>
+    <dsp:sp modelId="{5F76135B-3823-414A-B176-155A5F4EA279}">
+      <dsp:nvSpPr>
+        <dsp:cNvPr id="0" name=""/>
+        <dsp:cNvSpPr/>
+      </dsp:nvSpPr>
+      <dsp:spPr>
+        <a:xfrm>
+          <a:off x="1747393" y="604393"/>
+          <a:ext cx="5649212" cy="5649212"/>
+        </a:xfrm>
+        <a:custGeom>
+          <a:avLst/>
+          <a:gdLst/>
+          <a:ahLst/>
+          <a:cxnLst/>
+          <a:rect l="0" t="0" r="0" b="0"/>
+          <a:pathLst>
+            <a:path>
+              <a:moveTo>
+                <a:pt x="5534523" y="2027895"/>
+              </a:moveTo>
+              <a:arcTo wR="2824606" hR="2824606" stAng="20617005" swAng="1965990"/>
+            </a:path>
+          </a:pathLst>
+        </a:custGeom>
+        <a:noFill/>
+        <a:ln w="76200" cap="flat" cmpd="sng" algn="ctr">
+          <a:solidFill>
+            <a:schemeClr val="accent3"/>
+          </a:solidFill>
+          <a:prstDash val="solid"/>
+          <a:miter lim="800000"/>
+          <a:headEnd type="oval"/>
+          <a:tailEnd type="stealth"/>
+        </a:ln>
+        <a:effectLst/>
+      </dsp:spPr>
+      <dsp:style>
+        <a:lnRef idx="1">
+          <a:scrgbClr r="0" g="0" b="0"/>
+        </a:lnRef>
+        <a:fillRef idx="0">
+          <a:scrgbClr r="0" g="0" b="0"/>
+        </a:fillRef>
+        <a:effectRef idx="0">
+          <a:scrgbClr r="0" g="0" b="0"/>
+        </a:effectRef>
+        <a:fontRef idx="minor"/>
+      </dsp:style>
+    </dsp:sp>
+    <dsp:sp modelId="{60876D31-8141-E546-B35B-C21A6BE94BFE}">
+      <dsp:nvSpPr>
+        <dsp:cNvPr id="0" name=""/>
+        <dsp:cNvSpPr/>
+      </dsp:nvSpPr>
+      <dsp:spPr>
+        <a:xfrm>
+          <a:off x="6095074" y="4241283"/>
+          <a:ext cx="1846212" cy="1200038"/>
+        </a:xfrm>
+        <a:prstGeom prst="snip1Rect">
+          <a:avLst/>
+        </a:prstGeom>
+        <a:gradFill flip="none" rotWithShape="1">
+          <a:gsLst>
+            <a:gs pos="0">
+              <a:schemeClr val="accent2">
+                <a:lumMod val="67000"/>
+              </a:schemeClr>
+            </a:gs>
+            <a:gs pos="48000">
+              <a:schemeClr val="accent2">
+                <a:lumMod val="97000"/>
+                <a:lumOff val="3000"/>
+              </a:schemeClr>
+            </a:gs>
+            <a:gs pos="100000">
+              <a:schemeClr val="accent2">
+                <a:lumMod val="60000"/>
+                <a:lumOff val="40000"/>
+              </a:schemeClr>
+            </a:gs>
+          </a:gsLst>
+          <a:lin ang="16200000" scaled="1"/>
+          <a:tileRect/>
+        </a:gradFill>
+        <a:ln>
+          <a:noFill/>
+        </a:ln>
+        <a:effectLst>
+          <a:outerShdw blurRad="50800" dist="38100" dir="2700000" algn="tl" rotWithShape="0">
+            <a:prstClr val="black">
+              <a:alpha val="40000"/>
+            </a:prstClr>
+          </a:outerShdw>
+        </a:effectLst>
+      </dsp:spPr>
+      <dsp:style>
+        <a:lnRef idx="0">
+          <a:scrgbClr r="0" g="0" b="0"/>
+        </a:lnRef>
+        <a:fillRef idx="3">
+          <a:scrgbClr r="0" g="0" b="0"/>
+        </a:fillRef>
+        <a:effectRef idx="2">
+          <a:scrgbClr r="0" g="0" b="0"/>
+        </a:effectRef>
+        <a:fontRef idx="minor">
+          <a:schemeClr val="lt1"/>
+        </a:fontRef>
+      </dsp:style>
+      <dsp:txBody>
+        <a:bodyPr spcFirstLastPara="0" vert="horz" wrap="square" lIns="87630" tIns="87630" rIns="87630" bIns="87630" numCol="1" spcCol="1270" anchor="ctr" anchorCtr="0">
+          <a:noAutofit/>
+        </a:bodyPr>
+        <a:lstStyle/>
+        <a:p>
+          <a:pPr lvl="0" algn="ctr" defTabSz="1022350">
+            <a:lnSpc>
+              <a:spcPct val="90000"/>
+            </a:lnSpc>
+            <a:spcBef>
+              <a:spcPct val="0"/>
+            </a:spcBef>
+            <a:spcAft>
+              <a:spcPct val="35000"/>
+            </a:spcAft>
+          </a:pPr>
+          <a:r>
+            <a:rPr lang="en-US" sz="2300" b="1" kern="1200" dirty="0" smtClean="0">
+              <a:solidFill>
+                <a:schemeClr val="tx1"/>
+              </a:solidFill>
+            </a:rPr>
+            <a:t>playbook</a:t>
+          </a:r>
+          <a:endParaRPr lang="en-US" sz="2300" b="1" kern="1200" dirty="0">
+            <a:solidFill>
+              <a:schemeClr val="tx1"/>
+            </a:solidFill>
+          </a:endParaRPr>
+        </a:p>
+      </dsp:txBody>
+      <dsp:txXfrm>
+        <a:off x="6095074" y="4341288"/>
+        <a:ext cx="1746207" cy="1100033"/>
+      </dsp:txXfrm>
+    </dsp:sp>
+    <dsp:sp modelId="{52E2D454-DEB3-0045-8C98-100D8D0B390A}">
+      <dsp:nvSpPr>
+        <dsp:cNvPr id="0" name=""/>
+        <dsp:cNvSpPr/>
+      </dsp:nvSpPr>
+      <dsp:spPr>
+        <a:xfrm>
+          <a:off x="1747393" y="604393"/>
+          <a:ext cx="5649212" cy="5649212"/>
+        </a:xfrm>
+        <a:custGeom>
+          <a:avLst/>
+          <a:gdLst/>
+          <a:ahLst/>
+          <a:cxnLst/>
+          <a:rect l="0" t="0" r="0" b="0"/>
+          <a:pathLst>
+            <a:path>
+              <a:moveTo>
+                <a:pt x="4797867" y="4845655"/>
+              </a:moveTo>
+              <a:arcTo wR="2824606" hR="2824606" stAng="2741127" swAng="1499191"/>
+            </a:path>
+          </a:pathLst>
+        </a:custGeom>
+        <a:noFill/>
+        <a:ln w="76200" cap="flat" cmpd="sng" algn="ctr">
+          <a:solidFill>
+            <a:schemeClr val="accent3"/>
+          </a:solidFill>
+          <a:prstDash val="solid"/>
+          <a:miter lim="800000"/>
+          <a:headEnd type="oval"/>
+          <a:tailEnd type="stealth"/>
+        </a:ln>
+        <a:effectLst/>
+      </dsp:spPr>
+      <dsp:style>
+        <a:lnRef idx="1">
+          <a:scrgbClr r="0" g="0" b="0"/>
+        </a:lnRef>
+        <a:fillRef idx="0">
+          <a:scrgbClr r="0" g="0" b="0"/>
+        </a:fillRef>
+        <a:effectRef idx="0">
+          <a:scrgbClr r="0" g="0" b="0"/>
+        </a:effectRef>
+        <a:fontRef idx="minor"/>
+      </dsp:style>
+    </dsp:sp>
+    <dsp:sp modelId="{2795BB30-447C-9B46-9F86-B12019B65932}">
+      <dsp:nvSpPr>
+        <dsp:cNvPr id="0" name=""/>
+        <dsp:cNvSpPr/>
+      </dsp:nvSpPr>
+      <dsp:spPr>
+        <a:xfrm>
+          <a:off x="3648893" y="5653586"/>
+          <a:ext cx="1846212" cy="1200038"/>
+        </a:xfrm>
+        <a:prstGeom prst="can">
+          <a:avLst/>
+        </a:prstGeom>
+        <a:gradFill flip="none" rotWithShape="1">
+          <a:gsLst>
+            <a:gs pos="0">
+              <a:schemeClr val="accent2">
+                <a:lumMod val="67000"/>
+              </a:schemeClr>
+            </a:gs>
+            <a:gs pos="48000">
+              <a:schemeClr val="accent2">
+                <a:lumMod val="97000"/>
+                <a:lumOff val="3000"/>
+              </a:schemeClr>
+            </a:gs>
+            <a:gs pos="100000">
+              <a:schemeClr val="accent2">
+                <a:lumMod val="60000"/>
+                <a:lumOff val="40000"/>
+              </a:schemeClr>
+            </a:gs>
+          </a:gsLst>
+          <a:lin ang="16200000" scaled="1"/>
+          <a:tileRect/>
+        </a:gradFill>
+        <a:ln>
+          <a:noFill/>
+        </a:ln>
+        <a:effectLst>
+          <a:outerShdw blurRad="50800" dist="38100" dir="2700000" algn="tl" rotWithShape="0">
+            <a:prstClr val="black">
+              <a:alpha val="40000"/>
+            </a:prstClr>
+          </a:outerShdw>
+        </a:effectLst>
+      </dsp:spPr>
+      <dsp:style>
+        <a:lnRef idx="0">
+          <a:scrgbClr r="0" g="0" b="0"/>
+        </a:lnRef>
+        <a:fillRef idx="3">
+          <a:scrgbClr r="0" g="0" b="0"/>
+        </a:fillRef>
+        <a:effectRef idx="2">
+          <a:scrgbClr r="0" g="0" b="0"/>
+        </a:effectRef>
+        <a:fontRef idx="minor">
+          <a:schemeClr val="lt1"/>
+        </a:fontRef>
+      </dsp:style>
+      <dsp:txBody>
+        <a:bodyPr spcFirstLastPara="0" vert="horz" wrap="square" lIns="87630" tIns="87630" rIns="87630" bIns="87630" numCol="1" spcCol="1270" anchor="ctr" anchorCtr="0">
+          <a:noAutofit/>
+        </a:bodyPr>
+        <a:lstStyle/>
+        <a:p>
+          <a:pPr lvl="0" algn="ctr" defTabSz="1022350">
+            <a:lnSpc>
+              <a:spcPct val="90000"/>
+            </a:lnSpc>
+            <a:spcBef>
+              <a:spcPct val="0"/>
+            </a:spcBef>
+            <a:spcAft>
+              <a:spcPct val="35000"/>
+            </a:spcAft>
+          </a:pPr>
+          <a:r>
+            <a:rPr lang="en-US" sz="2300" b="1" kern="1200" dirty="0" smtClean="0">
+              <a:solidFill>
+                <a:schemeClr val="tx1"/>
+              </a:solidFill>
+            </a:rPr>
+            <a:t>data</a:t>
+          </a:r>
+          <a:endParaRPr lang="en-US" sz="2300" b="1" kern="1200" dirty="0">
+            <a:solidFill>
+              <a:schemeClr val="tx1"/>
+            </a:solidFill>
+          </a:endParaRPr>
+        </a:p>
+      </dsp:txBody>
+      <dsp:txXfrm>
+        <a:off x="3648893" y="5953596"/>
+        <a:ext cx="1846212" cy="750023"/>
+      </dsp:txXfrm>
+    </dsp:sp>
+    <dsp:sp modelId="{348744F8-58A7-1947-8982-1C5A6326D2D3}">
+      <dsp:nvSpPr>
+        <dsp:cNvPr id="0" name=""/>
+        <dsp:cNvSpPr/>
+      </dsp:nvSpPr>
+      <dsp:spPr>
+        <a:xfrm>
+          <a:off x="1747393" y="604393"/>
+          <a:ext cx="5649212" cy="5649212"/>
+        </a:xfrm>
+        <a:custGeom>
+          <a:avLst/>
+          <a:gdLst/>
+          <a:ahLst/>
+          <a:cxnLst/>
+          <a:rect l="0" t="0" r="0" b="0"/>
+          <a:pathLst>
+            <a:path>
+              <a:moveTo>
+                <a:pt x="1889729" y="5490015"/>
+              </a:moveTo>
+              <a:arcTo wR="2824606" hR="2824606" stAng="6559682" swAng="1499191"/>
+            </a:path>
+          </a:pathLst>
+        </a:custGeom>
+        <a:noFill/>
+        <a:ln w="76200" cap="flat" cmpd="sng" algn="ctr">
+          <a:solidFill>
+            <a:schemeClr val="accent3"/>
+          </a:solidFill>
+          <a:prstDash val="solid"/>
+          <a:miter lim="800000"/>
+          <a:headEnd type="oval"/>
+          <a:tailEnd type="stealth"/>
+        </a:ln>
+        <a:effectLst/>
+      </dsp:spPr>
+      <dsp:style>
+        <a:lnRef idx="1">
+          <a:scrgbClr r="0" g="0" b="0"/>
+        </a:lnRef>
+        <a:fillRef idx="0">
+          <a:scrgbClr r="0" g="0" b="0"/>
+        </a:fillRef>
+        <a:effectRef idx="0">
+          <a:scrgbClr r="0" g="0" b="0"/>
+        </a:effectRef>
+        <a:fontRef idx="minor"/>
+      </dsp:style>
+    </dsp:sp>
+    <dsp:sp modelId="{6A6FF06C-7BCC-B743-B2ED-8BA2C5240519}">
+      <dsp:nvSpPr>
+        <dsp:cNvPr id="0" name=""/>
+        <dsp:cNvSpPr/>
+      </dsp:nvSpPr>
+      <dsp:spPr>
+        <a:xfrm>
+          <a:off x="1202712" y="4241283"/>
+          <a:ext cx="1846212" cy="1200038"/>
+        </a:xfrm>
+        <a:prstGeom prst="roundRect">
+          <a:avLst/>
+        </a:prstGeom>
+        <a:gradFill flip="none" rotWithShape="1">
+          <a:gsLst>
+            <a:gs pos="0">
+              <a:schemeClr val="accent2">
+                <a:lumMod val="67000"/>
+              </a:schemeClr>
+            </a:gs>
+            <a:gs pos="48000">
+              <a:schemeClr val="accent2">
+                <a:lumMod val="97000"/>
+                <a:lumOff val="3000"/>
+              </a:schemeClr>
+            </a:gs>
+            <a:gs pos="100000">
+              <a:schemeClr val="accent2">
+                <a:lumMod val="60000"/>
+                <a:lumOff val="40000"/>
+              </a:schemeClr>
+            </a:gs>
+          </a:gsLst>
+          <a:lin ang="16200000" scaled="1"/>
+          <a:tileRect/>
+        </a:gradFill>
+        <a:ln>
+          <a:noFill/>
+        </a:ln>
+        <a:effectLst>
+          <a:outerShdw blurRad="50800" dist="38100" dir="2700000" algn="tl" rotWithShape="0">
+            <a:prstClr val="black">
+              <a:alpha val="40000"/>
+            </a:prstClr>
+          </a:outerShdw>
+        </a:effectLst>
+      </dsp:spPr>
+      <dsp:style>
+        <a:lnRef idx="0">
+          <a:scrgbClr r="0" g="0" b="0"/>
+        </a:lnRef>
+        <a:fillRef idx="3">
+          <a:scrgbClr r="0" g="0" b="0"/>
+        </a:fillRef>
+        <a:effectRef idx="2">
+          <a:scrgbClr r="0" g="0" b="0"/>
+        </a:effectRef>
+        <a:fontRef idx="minor">
+          <a:schemeClr val="lt1"/>
+        </a:fontRef>
+      </dsp:style>
+      <dsp:txBody>
+        <a:bodyPr spcFirstLastPara="0" vert="horz" wrap="square" lIns="87630" tIns="87630" rIns="87630" bIns="87630" numCol="1" spcCol="1270" anchor="ctr" anchorCtr="0">
+          <a:noAutofit/>
+        </a:bodyPr>
+        <a:lstStyle/>
+        <a:p>
+          <a:pPr lvl="0" algn="ctr" defTabSz="1022350">
+            <a:lnSpc>
+              <a:spcPct val="90000"/>
+            </a:lnSpc>
+            <a:spcBef>
+              <a:spcPct val="0"/>
+            </a:spcBef>
+            <a:spcAft>
+              <a:spcPct val="35000"/>
+            </a:spcAft>
+          </a:pPr>
+          <a:r>
+            <a:rPr lang="en-US" sz="2300" b="1" kern="1200" dirty="0" smtClean="0">
+              <a:solidFill>
+                <a:schemeClr val="tx1"/>
+              </a:solidFill>
+            </a:rPr>
+            <a:t>execution</a:t>
+          </a:r>
+          <a:endParaRPr lang="en-US" sz="2300" b="1" kern="1200" dirty="0">
+            <a:solidFill>
+              <a:schemeClr val="tx1"/>
+            </a:solidFill>
+          </a:endParaRPr>
+        </a:p>
+      </dsp:txBody>
+      <dsp:txXfrm>
+        <a:off x="1261293" y="4299864"/>
+        <a:ext cx="1729050" cy="1082876"/>
+      </dsp:txXfrm>
+    </dsp:sp>
+    <dsp:sp modelId="{505E05D5-587F-B94E-9FD4-9C57DFC470A2}">
+      <dsp:nvSpPr>
+        <dsp:cNvPr id="0" name=""/>
+        <dsp:cNvSpPr/>
+      </dsp:nvSpPr>
+      <dsp:spPr>
+        <a:xfrm>
+          <a:off x="1747393" y="604393"/>
+          <a:ext cx="5649212" cy="5649212"/>
+        </a:xfrm>
+        <a:custGeom>
+          <a:avLst/>
+          <a:gdLst/>
+          <a:ahLst/>
+          <a:cxnLst/>
+          <a:rect l="0" t="0" r="0" b="0"/>
+          <a:pathLst>
+            <a:path>
+              <a:moveTo>
+                <a:pt x="114688" y="3621317"/>
+              </a:moveTo>
+              <a:arcTo wR="2824606" hR="2824606" stAng="9817005" swAng="1965990"/>
+            </a:path>
+          </a:pathLst>
+        </a:custGeom>
+        <a:noFill/>
+        <a:ln w="76200" cap="flat" cmpd="sng" algn="ctr">
+          <a:solidFill>
+            <a:schemeClr val="accent3"/>
+          </a:solidFill>
+          <a:prstDash val="solid"/>
+          <a:miter lim="800000"/>
+          <a:headEnd type="oval"/>
+          <a:tailEnd type="stealth"/>
+        </a:ln>
+        <a:effectLst/>
+      </dsp:spPr>
+      <dsp:style>
+        <a:lnRef idx="1">
+          <a:scrgbClr r="0" g="0" b="0"/>
+        </a:lnRef>
+        <a:fillRef idx="0">
+          <a:scrgbClr r="0" g="0" b="0"/>
+        </a:fillRef>
+        <a:effectRef idx="0">
+          <a:scrgbClr r="0" g="0" b="0"/>
+        </a:effectRef>
+        <a:fontRef idx="minor"/>
+      </dsp:style>
+    </dsp:sp>
+    <dsp:sp modelId="{33B66A95-5460-5149-96FC-9F90C0DE0FB7}">
+      <dsp:nvSpPr>
+        <dsp:cNvPr id="0" name=""/>
+        <dsp:cNvSpPr/>
+      </dsp:nvSpPr>
+      <dsp:spPr>
+        <a:xfrm>
+          <a:off x="1202712" y="1416677"/>
+          <a:ext cx="1846212" cy="1200038"/>
+        </a:xfrm>
+        <a:prstGeom prst="roundRect">
+          <a:avLst/>
+        </a:prstGeom>
+        <a:gradFill flip="none" rotWithShape="1">
+          <a:gsLst>
+            <a:gs pos="0">
+              <a:schemeClr val="accent6">
+                <a:lumMod val="67000"/>
+              </a:schemeClr>
+            </a:gs>
+            <a:gs pos="48000">
+              <a:schemeClr val="accent6">
+                <a:lumMod val="97000"/>
+                <a:lumOff val="3000"/>
+              </a:schemeClr>
+            </a:gs>
+            <a:gs pos="100000">
+              <a:schemeClr val="accent6">
+                <a:lumMod val="60000"/>
+                <a:lumOff val="40000"/>
+              </a:schemeClr>
+            </a:gs>
+          </a:gsLst>
+          <a:lin ang="16200000" scaled="1"/>
+          <a:tileRect/>
+        </a:gradFill>
+        <a:ln>
+          <a:noFill/>
+        </a:ln>
+        <a:effectLst>
+          <a:outerShdw blurRad="50800" dist="38100" dir="2700000" algn="tl" rotWithShape="0">
+            <a:prstClr val="black">
+              <a:alpha val="40000"/>
+            </a:prstClr>
+          </a:outerShdw>
+        </a:effectLst>
+      </dsp:spPr>
+      <dsp:style>
+        <a:lnRef idx="0">
+          <a:scrgbClr r="0" g="0" b="0"/>
+        </a:lnRef>
+        <a:fillRef idx="3">
+          <a:scrgbClr r="0" g="0" b="0"/>
+        </a:fillRef>
+        <a:effectRef idx="2">
+          <a:scrgbClr r="0" g="0" b="0"/>
+        </a:effectRef>
+        <a:fontRef idx="minor">
+          <a:schemeClr val="lt1"/>
+        </a:fontRef>
+      </dsp:style>
+      <dsp:txBody>
+        <a:bodyPr spcFirstLastPara="0" vert="horz" wrap="square" lIns="87630" tIns="87630" rIns="87630" bIns="87630" numCol="1" spcCol="1270" anchor="ctr" anchorCtr="0">
+          <a:noAutofit/>
+        </a:bodyPr>
+        <a:lstStyle/>
+        <a:p>
+          <a:pPr lvl="0" algn="ctr" defTabSz="1022350">
+            <a:lnSpc>
+              <a:spcPct val="90000"/>
+            </a:lnSpc>
+            <a:spcBef>
+              <a:spcPct val="0"/>
+            </a:spcBef>
+            <a:spcAft>
+              <a:spcPct val="35000"/>
+            </a:spcAft>
+          </a:pPr>
+          <a:r>
+            <a:rPr lang="en-US" sz="2300" b="1" kern="1200" dirty="0" smtClean="0">
+              <a:solidFill>
+                <a:schemeClr val="tx1"/>
+              </a:solidFill>
+            </a:rPr>
+            <a:t>verification</a:t>
+          </a:r>
+          <a:endParaRPr lang="en-US" sz="2300" b="1" kern="1200" dirty="0">
+            <a:solidFill>
+              <a:schemeClr val="tx1"/>
+            </a:solidFill>
+          </a:endParaRPr>
+        </a:p>
+      </dsp:txBody>
+      <dsp:txXfrm>
+        <a:off x="1261293" y="1475258"/>
+        <a:ext cx="1729050" cy="1082876"/>
+      </dsp:txXfrm>
+    </dsp:sp>
+    <dsp:sp modelId="{1F11EC56-0728-F04D-A48B-B5D87E7476EF}">
+      <dsp:nvSpPr>
+        <dsp:cNvPr id="0" name=""/>
+        <dsp:cNvSpPr/>
+      </dsp:nvSpPr>
+      <dsp:spPr>
+        <a:xfrm>
+          <a:off x="1747393" y="604393"/>
+          <a:ext cx="5649212" cy="5649212"/>
+        </a:xfrm>
+        <a:custGeom>
+          <a:avLst/>
+          <a:gdLst/>
+          <a:ahLst/>
+          <a:cxnLst/>
+          <a:rect l="0" t="0" r="0" b="0"/>
+          <a:pathLst>
+            <a:path>
+              <a:moveTo>
+                <a:pt x="851344" y="803557"/>
+              </a:moveTo>
+              <a:arcTo wR="2824606" hR="2824606" stAng="13541127" swAng="1499191"/>
+            </a:path>
+          </a:pathLst>
+        </a:custGeom>
+        <a:noFill/>
+        <a:ln w="76200" cap="flat" cmpd="sng" algn="ctr">
+          <a:solidFill>
+            <a:schemeClr val="accent3"/>
+          </a:solidFill>
+          <a:prstDash val="solid"/>
+          <a:miter lim="800000"/>
+          <a:headEnd type="oval"/>
+          <a:tailEnd type="stealth"/>
+        </a:ln>
+        <a:effectLst/>
+      </dsp:spPr>
+      <dsp:style>
+        <a:lnRef idx="1">
+          <a:scrgbClr r="0" g="0" b="0"/>
+        </a:lnRef>
+        <a:fillRef idx="0">
+          <a:scrgbClr r="0" g="0" b="0"/>
+        </a:fillRef>
+        <a:effectRef idx="0">
+          <a:scrgbClr r="0" g="0" b="0"/>
+        </a:effectRef>
+        <a:fontRef idx="minor"/>
+      </dsp:style>
+    </dsp:sp>
+  </dsp:spTree>
+</dsp:drawing>
+</file>
+
+<file path=ppt/diagrams/drawing3.xml><?xml version="1.0" encoding="utf-8"?>
 <dsp:drawing xmlns:dgm="http://schemas.openxmlformats.org/drawingml/2006/diagram" xmlns:dsp="http://schemas.microsoft.com/office/drawing/2008/diagram" xmlns:a="http://schemas.openxmlformats.org/drawingml/2006/main">
   <dsp:spTree>
     <dsp:nvGrpSpPr>
@@ -6348,7 +8934,7 @@
 </dsp:drawing>
 </file>
 
-<file path=ppt/diagrams/drawing3.xml><?xml version="1.0" encoding="utf-8"?>
+<file path=ppt/diagrams/drawing4.xml><?xml version="1.0" encoding="utf-8"?>
 <dsp:drawing xmlns:dgm="http://schemas.openxmlformats.org/drawingml/2006/diagram" xmlns:dsp="http://schemas.microsoft.com/office/drawing/2008/diagram" xmlns:a="http://schemas.openxmlformats.org/drawingml/2006/main">
   <dsp:spTree>
     <dsp:nvGrpSpPr>
@@ -7147,6 +9733,215 @@
 </file>
 
 <file path=ppt/diagrams/layout2.xml><?xml version="1.0" encoding="utf-8"?>
+<dgm:layoutDef xmlns:dgm="http://schemas.openxmlformats.org/drawingml/2006/diagram" xmlns:a="http://schemas.openxmlformats.org/drawingml/2006/main" uniqueId="urn:microsoft.com/office/officeart/2005/8/layout/cycle6">
+  <dgm:title val=""/>
+  <dgm:desc val=""/>
+  <dgm:catLst>
+    <dgm:cat type="cycle" pri="4000"/>
+    <dgm:cat type="relationship" pri="24000"/>
+  </dgm:catLst>
+  <dgm:sampData>
+    <dgm:dataModel>
+      <dgm:ptLst>
+        <dgm:pt modelId="0" type="doc"/>
+        <dgm:pt modelId="1">
+          <dgm:prSet phldr="1"/>
+        </dgm:pt>
+        <dgm:pt modelId="2">
+          <dgm:prSet phldr="1"/>
+        </dgm:pt>
+        <dgm:pt modelId="3">
+          <dgm:prSet phldr="1"/>
+        </dgm:pt>
+        <dgm:pt modelId="4">
+          <dgm:prSet phldr="1"/>
+        </dgm:pt>
+        <dgm:pt modelId="5">
+          <dgm:prSet phldr="1"/>
+        </dgm:pt>
+      </dgm:ptLst>
+      <dgm:cxnLst>
+        <dgm:cxn modelId="6" srcId="0" destId="1" srcOrd="0" destOrd="0"/>
+        <dgm:cxn modelId="7" srcId="0" destId="2" srcOrd="1" destOrd="0"/>
+        <dgm:cxn modelId="8" srcId="0" destId="3" srcOrd="2" destOrd="0"/>
+        <dgm:cxn modelId="9" srcId="0" destId="4" srcOrd="3" destOrd="0"/>
+        <dgm:cxn modelId="10" srcId="0" destId="5" srcOrd="4" destOrd="0"/>
+      </dgm:cxnLst>
+      <dgm:bg/>
+      <dgm:whole/>
+    </dgm:dataModel>
+  </dgm:sampData>
+  <dgm:styleData>
+    <dgm:dataModel>
+      <dgm:ptLst>
+        <dgm:pt modelId="0" type="doc"/>
+        <dgm:pt modelId="1"/>
+        <dgm:pt modelId="2"/>
+        <dgm:pt modelId="3"/>
+      </dgm:ptLst>
+      <dgm:cxnLst>
+        <dgm:cxn modelId="4" srcId="0" destId="1" srcOrd="0" destOrd="0"/>
+        <dgm:cxn modelId="5" srcId="0" destId="2" srcOrd="1" destOrd="0"/>
+        <dgm:cxn modelId="6" srcId="0" destId="3" srcOrd="2" destOrd="0"/>
+      </dgm:cxnLst>
+      <dgm:bg/>
+      <dgm:whole/>
+    </dgm:dataModel>
+  </dgm:styleData>
+  <dgm:clrData>
+    <dgm:dataModel>
+      <dgm:ptLst>
+        <dgm:pt modelId="0" type="doc"/>
+        <dgm:pt modelId="1"/>
+        <dgm:pt modelId="2"/>
+        <dgm:pt modelId="3"/>
+        <dgm:pt modelId="4"/>
+        <dgm:pt modelId="5"/>
+        <dgm:pt modelId="6"/>
+      </dgm:ptLst>
+      <dgm:cxnLst>
+        <dgm:cxn modelId="7" srcId="0" destId="1" srcOrd="0" destOrd="0"/>
+        <dgm:cxn modelId="8" srcId="0" destId="2" srcOrd="1" destOrd="0"/>
+        <dgm:cxn modelId="9" srcId="0" destId="3" srcOrd="2" destOrd="0"/>
+        <dgm:cxn modelId="10" srcId="0" destId="4" srcOrd="3" destOrd="0"/>
+        <dgm:cxn modelId="11" srcId="0" destId="5" srcOrd="4" destOrd="0"/>
+        <dgm:cxn modelId="12" srcId="0" destId="6" srcOrd="5" destOrd="0"/>
+      </dgm:cxnLst>
+      <dgm:bg/>
+      <dgm:whole/>
+    </dgm:dataModel>
+  </dgm:clrData>
+  <dgm:layoutNode name="cycle">
+    <dgm:varLst>
+      <dgm:dir/>
+      <dgm:resizeHandles val="exact"/>
+    </dgm:varLst>
+    <dgm:choose name="Name0">
+      <dgm:if name="Name1" func="var" arg="dir" op="equ" val="norm">
+        <dgm:choose name="Name2">
+          <dgm:if name="Name3" axis="ch" ptType="node" func="cnt" op="gt" val="2">
+            <dgm:alg type="cycle">
+              <dgm:param type="stAng" val="0"/>
+              <dgm:param type="spanAng" val="360"/>
+            </dgm:alg>
+          </dgm:if>
+          <dgm:else name="Name4">
+            <dgm:alg type="cycle">
+              <dgm:param type="stAng" val="-90"/>
+              <dgm:param type="spanAng" val="360"/>
+            </dgm:alg>
+          </dgm:else>
+        </dgm:choose>
+      </dgm:if>
+      <dgm:else name="Name5">
+        <dgm:choose name="Name6">
+          <dgm:if name="Name7" axis="ch" ptType="node" func="cnt" op="gt" val="2">
+            <dgm:alg type="cycle">
+              <dgm:param type="stAng" val="0"/>
+              <dgm:param type="spanAng" val="-360"/>
+            </dgm:alg>
+          </dgm:if>
+          <dgm:else name="Name8">
+            <dgm:alg type="cycle">
+              <dgm:param type="stAng" val="90"/>
+              <dgm:param type="spanAng" val="-360"/>
+            </dgm:alg>
+          </dgm:else>
+        </dgm:choose>
+      </dgm:else>
+    </dgm:choose>
+    <dgm:shape xmlns:r="http://schemas.openxmlformats.org/officeDocument/2006/relationships" r:blip="">
+      <dgm:adjLst/>
+    </dgm:shape>
+    <dgm:presOf/>
+    <dgm:choose name="Name9">
+      <dgm:if name="Name10" func="var" arg="dir" op="equ" val="norm">
+        <dgm:constrLst>
+          <dgm:constr type="w" for="ch" forName="node" refType="w"/>
+          <dgm:constr type="w" for="ch" ptType="sibTrans" refType="w" refFor="ch" refForName="node" op="equ" fact="0.3"/>
+          <dgm:constr type="diam" for="ch" ptType="sibTrans" refType="diam" op="equ"/>
+          <dgm:constr type="sibSp" refType="w" refFor="ch" refForName="node" op="equ" fact="0.15"/>
+          <dgm:constr type="w" for="ch" forName="spNode" refType="sibSp" fact="1.6"/>
+          <dgm:constr type="primFontSz" for="ch" forName="node" op="equ" val="65"/>
+        </dgm:constrLst>
+      </dgm:if>
+      <dgm:else name="Name11">
+        <dgm:constrLst>
+          <dgm:constr type="w" for="ch" forName="node" refType="w"/>
+          <dgm:constr type="w" for="ch" ptType="sibTrans" refType="w" refFor="ch" refForName="node" op="equ" fact="0.3"/>
+          <dgm:constr type="diam" for="ch" ptType="sibTrans" refType="diam" op="equ" fact="-1"/>
+          <dgm:constr type="sibSp" refType="w" refFor="ch" refForName="node" op="equ" fact="0.15"/>
+          <dgm:constr type="w" for="ch" forName="spNode" refType="sibSp" fact="1.6"/>
+          <dgm:constr type="primFontSz" for="ch" forName="node" op="equ" val="65"/>
+        </dgm:constrLst>
+      </dgm:else>
+    </dgm:choose>
+    <dgm:ruleLst/>
+    <dgm:forEach name="Name12" axis="ch" ptType="node">
+      <dgm:layoutNode name="node">
+        <dgm:varLst>
+          <dgm:bulletEnabled val="1"/>
+        </dgm:varLst>
+        <dgm:alg type="tx"/>
+        <dgm:shape xmlns:r="http://schemas.openxmlformats.org/officeDocument/2006/relationships" type="roundRect" r:blip="">
+          <dgm:adjLst/>
+        </dgm:shape>
+        <dgm:presOf axis="desOrSelf" ptType="node"/>
+        <dgm:constrLst>
+          <dgm:constr type="h" refType="w" fact="0.65"/>
+          <dgm:constr type="tMarg" refType="primFontSz" fact="0.3"/>
+          <dgm:constr type="bMarg" refType="primFontSz" fact="0.3"/>
+          <dgm:constr type="lMarg" refType="primFontSz" fact="0.3"/>
+          <dgm:constr type="rMarg" refType="primFontSz" fact="0.3"/>
+        </dgm:constrLst>
+        <dgm:ruleLst>
+          <dgm:rule type="primFontSz" val="5" fact="NaN" max="NaN"/>
+        </dgm:ruleLst>
+      </dgm:layoutNode>
+      <dgm:choose name="Name13">
+        <dgm:if name="Name14" axis="par ch" ptType="doc node" func="cnt" op="gt" val="1">
+          <dgm:layoutNode name="spNode">
+            <dgm:alg type="sp"/>
+            <dgm:shape xmlns:r="http://schemas.openxmlformats.org/officeDocument/2006/relationships" r:blip="">
+              <dgm:adjLst/>
+            </dgm:shape>
+            <dgm:presOf/>
+            <dgm:constrLst>
+              <dgm:constr type="h" refType="w"/>
+            </dgm:constrLst>
+            <dgm:ruleLst/>
+          </dgm:layoutNode>
+          <dgm:forEach name="Name15" axis="followSib" ptType="sibTrans" hideLastTrans="0" cnt="1">
+            <dgm:layoutNode name="sibTrans">
+              <dgm:alg type="conn">
+                <dgm:param type="dim" val="1D"/>
+                <dgm:param type="connRout" val="curve"/>
+                <dgm:param type="begPts" val="radial"/>
+                <dgm:param type="endPts" val="radial"/>
+                <dgm:param type="endSty" val="noArr"/>
+              </dgm:alg>
+              <dgm:shape xmlns:r="http://schemas.openxmlformats.org/officeDocument/2006/relationships" type="conn" r:blip="">
+                <dgm:adjLst/>
+              </dgm:shape>
+              <dgm:presOf axis="self"/>
+              <dgm:constrLst>
+                <dgm:constr type="h" refType="w" fact="0.65"/>
+                <dgm:constr type="connDist"/>
+                <dgm:constr type="begPad" refType="connDist" fact="0.01"/>
+                <dgm:constr type="endPad" refType="connDist" fact="0.01"/>
+              </dgm:constrLst>
+              <dgm:ruleLst/>
+            </dgm:layoutNode>
+          </dgm:forEach>
+        </dgm:if>
+        <dgm:else name="Name16"/>
+      </dgm:choose>
+    </dgm:forEach>
+  </dgm:layoutNode>
+</dgm:layoutDef>
+</file>
+
+<file path=ppt/diagrams/layout3.xml><?xml version="1.0" encoding="utf-8"?>
 <dgm:layoutDef xmlns:dgm="http://schemas.openxmlformats.org/drawingml/2006/diagram" xmlns:a="http://schemas.openxmlformats.org/drawingml/2006/main" uniqueId="urn:microsoft.com/office/officeart/2005/8/layout/cycle2">
   <dgm:title val=""/>
   <dgm:desc val=""/>
@@ -7357,7 +10152,7 @@
 </dgm:layoutDef>
 </file>
 
-<file path=ppt/diagrams/layout3.xml><?xml version="1.0" encoding="utf-8"?>
+<file path=ppt/diagrams/layout4.xml><?xml version="1.0" encoding="utf-8"?>
 <dgm:layoutDef xmlns:dgm="http://schemas.openxmlformats.org/drawingml/2006/diagram" xmlns:a="http://schemas.openxmlformats.org/drawingml/2006/main" uniqueId="urn:microsoft.com/office/officeart/2005/8/layout/pyramid2">
   <dgm:title val=""/>
   <dgm:desc val=""/>
@@ -10588,6 +13383,1390 @@
 </dgm:styleDef>
 </file>
 
+<file path=ppt/diagrams/quickStyle4.xml><?xml version="1.0" encoding="utf-8"?>
+<dgm:styleDef xmlns:dgm="http://schemas.openxmlformats.org/drawingml/2006/diagram" xmlns:a="http://schemas.openxmlformats.org/drawingml/2006/main" uniqueId="urn:microsoft.com/office/officeart/2005/8/quickstyle/simple4">
+  <dgm:title val=""/>
+  <dgm:desc val=""/>
+  <dgm:catLst>
+    <dgm:cat type="simple" pri="10400"/>
+  </dgm:catLst>
+  <dgm:scene3d>
+    <a:camera prst="orthographicFront"/>
+    <a:lightRig rig="threePt" dir="t"/>
+  </dgm:scene3d>
+  <dgm:styleLbl name="node0">
+    <dgm:scene3d>
+      <a:camera prst="orthographicFront"/>
+      <a:lightRig rig="threePt" dir="t"/>
+    </dgm:scene3d>
+    <dgm:sp3d/>
+    <dgm:txPr/>
+    <dgm:style>
+      <a:lnRef idx="0">
+        <a:scrgbClr r="0" g="0" b="0"/>
+      </a:lnRef>
+      <a:fillRef idx="3">
+        <a:scrgbClr r="0" g="0" b="0"/>
+      </a:fillRef>
+      <a:effectRef idx="2">
+        <a:scrgbClr r="0" g="0" b="0"/>
+      </a:effectRef>
+      <a:fontRef idx="minor">
+        <a:schemeClr val="lt1"/>
+      </a:fontRef>
+    </dgm:style>
+  </dgm:styleLbl>
+  <dgm:styleLbl name="lnNode1">
+    <dgm:scene3d>
+      <a:camera prst="orthographicFront"/>
+      <a:lightRig rig="threePt" dir="t"/>
+    </dgm:scene3d>
+    <dgm:sp3d/>
+    <dgm:txPr/>
+    <dgm:style>
+      <a:lnRef idx="1">
+        <a:scrgbClr r="0" g="0" b="0"/>
+      </a:lnRef>
+      <a:fillRef idx="3">
+        <a:scrgbClr r="0" g="0" b="0"/>
+      </a:fillRef>
+      <a:effectRef idx="2">
+        <a:scrgbClr r="0" g="0" b="0"/>
+      </a:effectRef>
+      <a:fontRef idx="minor">
+        <a:schemeClr val="lt1"/>
+      </a:fontRef>
+    </dgm:style>
+  </dgm:styleLbl>
+  <dgm:styleLbl name="vennNode1">
+    <dgm:scene3d>
+      <a:camera prst="orthographicFront"/>
+      <a:lightRig rig="threePt" dir="t"/>
+    </dgm:scene3d>
+    <dgm:sp3d/>
+    <dgm:txPr/>
+    <dgm:style>
+      <a:lnRef idx="0">
+        <a:scrgbClr r="0" g="0" b="0"/>
+      </a:lnRef>
+      <a:fillRef idx="3">
+        <a:scrgbClr r="0" g="0" b="0"/>
+      </a:fillRef>
+      <a:effectRef idx="0">
+        <a:scrgbClr r="0" g="0" b="0"/>
+      </a:effectRef>
+      <a:fontRef idx="minor">
+        <a:schemeClr val="tx1"/>
+      </a:fontRef>
+    </dgm:style>
+  </dgm:styleLbl>
+  <dgm:styleLbl name="alignNode1">
+    <dgm:scene3d>
+      <a:camera prst="orthographicFront"/>
+      <a:lightRig rig="threePt" dir="t"/>
+    </dgm:scene3d>
+    <dgm:sp3d/>
+    <dgm:txPr/>
+    <dgm:style>
+      <a:lnRef idx="1">
+        <a:scrgbClr r="0" g="0" b="0"/>
+      </a:lnRef>
+      <a:fillRef idx="3">
+        <a:scrgbClr r="0" g="0" b="0"/>
+      </a:fillRef>
+      <a:effectRef idx="2">
+        <a:scrgbClr r="0" g="0" b="0"/>
+      </a:effectRef>
+      <a:fontRef idx="minor">
+        <a:schemeClr val="lt1"/>
+      </a:fontRef>
+    </dgm:style>
+  </dgm:styleLbl>
+  <dgm:styleLbl name="node1">
+    <dgm:scene3d>
+      <a:camera prst="orthographicFront"/>
+      <a:lightRig rig="threePt" dir="t"/>
+    </dgm:scene3d>
+    <dgm:sp3d/>
+    <dgm:txPr/>
+    <dgm:style>
+      <a:lnRef idx="0">
+        <a:scrgbClr r="0" g="0" b="0"/>
+      </a:lnRef>
+      <a:fillRef idx="3">
+        <a:scrgbClr r="0" g="0" b="0"/>
+      </a:fillRef>
+      <a:effectRef idx="2">
+        <a:scrgbClr r="0" g="0" b="0"/>
+      </a:effectRef>
+      <a:fontRef idx="minor">
+        <a:schemeClr val="lt1"/>
+      </a:fontRef>
+    </dgm:style>
+  </dgm:styleLbl>
+  <dgm:styleLbl name="node2">
+    <dgm:scene3d>
+      <a:camera prst="orthographicFront"/>
+      <a:lightRig rig="threePt" dir="t"/>
+    </dgm:scene3d>
+    <dgm:sp3d/>
+    <dgm:txPr/>
+    <dgm:style>
+      <a:lnRef idx="0">
+        <a:scrgbClr r="0" g="0" b="0"/>
+      </a:lnRef>
+      <a:fillRef idx="3">
+        <a:scrgbClr r="0" g="0" b="0"/>
+      </a:fillRef>
+      <a:effectRef idx="2">
+        <a:scrgbClr r="0" g="0" b="0"/>
+      </a:effectRef>
+      <a:fontRef idx="minor">
+        <a:schemeClr val="lt1"/>
+      </a:fontRef>
+    </dgm:style>
+  </dgm:styleLbl>
+  <dgm:styleLbl name="node3">
+    <dgm:scene3d>
+      <a:camera prst="orthographicFront"/>
+      <a:lightRig rig="threePt" dir="t"/>
+    </dgm:scene3d>
+    <dgm:sp3d/>
+    <dgm:txPr/>
+    <dgm:style>
+      <a:lnRef idx="0">
+        <a:scrgbClr r="0" g="0" b="0"/>
+      </a:lnRef>
+      <a:fillRef idx="3">
+        <a:scrgbClr r="0" g="0" b="0"/>
+      </a:fillRef>
+      <a:effectRef idx="2">
+        <a:scrgbClr r="0" g="0" b="0"/>
+      </a:effectRef>
+      <a:fontRef idx="minor">
+        <a:schemeClr val="lt1"/>
+      </a:fontRef>
+    </dgm:style>
+  </dgm:styleLbl>
+  <dgm:styleLbl name="node4">
+    <dgm:scene3d>
+      <a:camera prst="orthographicFront"/>
+      <a:lightRig rig="threePt" dir="t"/>
+    </dgm:scene3d>
+    <dgm:sp3d/>
+    <dgm:txPr/>
+    <dgm:style>
+      <a:lnRef idx="0">
+        <a:scrgbClr r="0" g="0" b="0"/>
+      </a:lnRef>
+      <a:fillRef idx="3">
+        <a:scrgbClr r="0" g="0" b="0"/>
+      </a:fillRef>
+      <a:effectRef idx="2">
+        <a:scrgbClr r="0" g="0" b="0"/>
+      </a:effectRef>
+      <a:fontRef idx="minor">
+        <a:schemeClr val="lt1"/>
+      </a:fontRef>
+    </dgm:style>
+  </dgm:styleLbl>
+  <dgm:styleLbl name="fgImgPlace1">
+    <dgm:scene3d>
+      <a:camera prst="orthographicFront"/>
+      <a:lightRig rig="threePt" dir="t"/>
+    </dgm:scene3d>
+    <dgm:sp3d/>
+    <dgm:txPr/>
+    <dgm:style>
+      <a:lnRef idx="0">
+        <a:scrgbClr r="0" g="0" b="0"/>
+      </a:lnRef>
+      <a:fillRef idx="1">
+        <a:scrgbClr r="0" g="0" b="0"/>
+      </a:fillRef>
+      <a:effectRef idx="2">
+        <a:scrgbClr r="0" g="0" b="0"/>
+      </a:effectRef>
+      <a:fontRef idx="minor"/>
+    </dgm:style>
+  </dgm:styleLbl>
+  <dgm:styleLbl name="alignImgPlace1">
+    <dgm:scene3d>
+      <a:camera prst="orthographicFront"/>
+      <a:lightRig rig="threePt" dir="t"/>
+    </dgm:scene3d>
+    <dgm:sp3d/>
+    <dgm:txPr/>
+    <dgm:style>
+      <a:lnRef idx="0">
+        <a:scrgbClr r="0" g="0" b="0"/>
+      </a:lnRef>
+      <a:fillRef idx="1">
+        <a:scrgbClr r="0" g="0" b="0"/>
+      </a:fillRef>
+      <a:effectRef idx="2">
+        <a:scrgbClr r="0" g="0" b="0"/>
+      </a:effectRef>
+      <a:fontRef idx="minor"/>
+    </dgm:style>
+  </dgm:styleLbl>
+  <dgm:styleLbl name="bgImgPlace1">
+    <dgm:scene3d>
+      <a:camera prst="orthographicFront"/>
+      <a:lightRig rig="threePt" dir="t"/>
+    </dgm:scene3d>
+    <dgm:sp3d/>
+    <dgm:txPr/>
+    <dgm:style>
+      <a:lnRef idx="0">
+        <a:scrgbClr r="0" g="0" b="0"/>
+      </a:lnRef>
+      <a:fillRef idx="1">
+        <a:scrgbClr r="0" g="0" b="0"/>
+      </a:fillRef>
+      <a:effectRef idx="2">
+        <a:scrgbClr r="0" g="0" b="0"/>
+      </a:effectRef>
+      <a:fontRef idx="minor"/>
+    </dgm:style>
+  </dgm:styleLbl>
+  <dgm:styleLbl name="sibTrans2D1">
+    <dgm:scene3d>
+      <a:camera prst="orthographicFront"/>
+      <a:lightRig rig="threePt" dir="t"/>
+    </dgm:scene3d>
+    <dgm:sp3d/>
+    <dgm:txPr/>
+    <dgm:style>
+      <a:lnRef idx="0">
+        <a:scrgbClr r="0" g="0" b="0"/>
+      </a:lnRef>
+      <a:fillRef idx="3">
+        <a:scrgbClr r="0" g="0" b="0"/>
+      </a:fillRef>
+      <a:effectRef idx="2">
+        <a:scrgbClr r="0" g="0" b="0"/>
+      </a:effectRef>
+      <a:fontRef idx="minor">
+        <a:schemeClr val="lt1"/>
+      </a:fontRef>
+    </dgm:style>
+  </dgm:styleLbl>
+  <dgm:styleLbl name="fgSibTrans2D1">
+    <dgm:scene3d>
+      <a:camera prst="orthographicFront"/>
+      <a:lightRig rig="threePt" dir="t"/>
+    </dgm:scene3d>
+    <dgm:sp3d/>
+    <dgm:txPr/>
+    <dgm:style>
+      <a:lnRef idx="0">
+        <a:scrgbClr r="0" g="0" b="0"/>
+      </a:lnRef>
+      <a:fillRef idx="3">
+        <a:scrgbClr r="0" g="0" b="0"/>
+      </a:fillRef>
+      <a:effectRef idx="2">
+        <a:scrgbClr r="0" g="0" b="0"/>
+      </a:effectRef>
+      <a:fontRef idx="minor">
+        <a:schemeClr val="lt1"/>
+      </a:fontRef>
+    </dgm:style>
+  </dgm:styleLbl>
+  <dgm:styleLbl name="bgSibTrans2D1">
+    <dgm:scene3d>
+      <a:camera prst="orthographicFront"/>
+      <a:lightRig rig="threePt" dir="t"/>
+    </dgm:scene3d>
+    <dgm:sp3d/>
+    <dgm:txPr/>
+    <dgm:style>
+      <a:lnRef idx="0">
+        <a:scrgbClr r="0" g="0" b="0"/>
+      </a:lnRef>
+      <a:fillRef idx="3">
+        <a:scrgbClr r="0" g="0" b="0"/>
+      </a:fillRef>
+      <a:effectRef idx="2">
+        <a:scrgbClr r="0" g="0" b="0"/>
+      </a:effectRef>
+      <a:fontRef idx="minor">
+        <a:schemeClr val="lt1"/>
+      </a:fontRef>
+    </dgm:style>
+  </dgm:styleLbl>
+  <dgm:styleLbl name="sibTrans1D1">
+    <dgm:scene3d>
+      <a:camera prst="orthographicFront"/>
+      <a:lightRig rig="threePt" dir="t"/>
+    </dgm:scene3d>
+    <dgm:sp3d/>
+    <dgm:txPr/>
+    <dgm:style>
+      <a:lnRef idx="1">
+        <a:scrgbClr r="0" g="0" b="0"/>
+      </a:lnRef>
+      <a:fillRef idx="0">
+        <a:scrgbClr r="0" g="0" b="0"/>
+      </a:fillRef>
+      <a:effectRef idx="0">
+        <a:scrgbClr r="0" g="0" b="0"/>
+      </a:effectRef>
+      <a:fontRef idx="minor"/>
+    </dgm:style>
+  </dgm:styleLbl>
+  <dgm:styleLbl name="callout">
+    <dgm:scene3d>
+      <a:camera prst="orthographicFront"/>
+      <a:lightRig rig="threePt" dir="t"/>
+    </dgm:scene3d>
+    <dgm:sp3d/>
+    <dgm:txPr/>
+    <dgm:style>
+      <a:lnRef idx="2">
+        <a:scrgbClr r="0" g="0" b="0"/>
+      </a:lnRef>
+      <a:fillRef idx="1">
+        <a:scrgbClr r="0" g="0" b="0"/>
+      </a:fillRef>
+      <a:effectRef idx="1">
+        <a:scrgbClr r="0" g="0" b="0"/>
+      </a:effectRef>
+      <a:fontRef idx="minor"/>
+    </dgm:style>
+  </dgm:styleLbl>
+  <dgm:styleLbl name="asst0">
+    <dgm:scene3d>
+      <a:camera prst="orthographicFront"/>
+      <a:lightRig rig="threePt" dir="t"/>
+    </dgm:scene3d>
+    <dgm:sp3d/>
+    <dgm:txPr/>
+    <dgm:style>
+      <a:lnRef idx="0">
+        <a:scrgbClr r="0" g="0" b="0"/>
+      </a:lnRef>
+      <a:fillRef idx="3">
+        <a:scrgbClr r="0" g="0" b="0"/>
+      </a:fillRef>
+      <a:effectRef idx="2">
+        <a:scrgbClr r="0" g="0" b="0"/>
+      </a:effectRef>
+      <a:fontRef idx="minor">
+        <a:schemeClr val="lt1"/>
+      </a:fontRef>
+    </dgm:style>
+  </dgm:styleLbl>
+  <dgm:styleLbl name="asst1">
+    <dgm:scene3d>
+      <a:camera prst="orthographicFront"/>
+      <a:lightRig rig="threePt" dir="t"/>
+    </dgm:scene3d>
+    <dgm:sp3d/>
+    <dgm:txPr/>
+    <dgm:style>
+      <a:lnRef idx="0">
+        <a:scrgbClr r="0" g="0" b="0"/>
+      </a:lnRef>
+      <a:fillRef idx="3">
+        <a:scrgbClr r="0" g="0" b="0"/>
+      </a:fillRef>
+      <a:effectRef idx="2">
+        <a:scrgbClr r="0" g="0" b="0"/>
+      </a:effectRef>
+      <a:fontRef idx="minor">
+        <a:schemeClr val="lt1"/>
+      </a:fontRef>
+    </dgm:style>
+  </dgm:styleLbl>
+  <dgm:styleLbl name="asst2">
+    <dgm:scene3d>
+      <a:camera prst="orthographicFront"/>
+      <a:lightRig rig="threePt" dir="t"/>
+    </dgm:scene3d>
+    <dgm:sp3d/>
+    <dgm:txPr/>
+    <dgm:style>
+      <a:lnRef idx="0">
+        <a:scrgbClr r="0" g="0" b="0"/>
+      </a:lnRef>
+      <a:fillRef idx="3">
+        <a:scrgbClr r="0" g="0" b="0"/>
+      </a:fillRef>
+      <a:effectRef idx="2">
+        <a:scrgbClr r="0" g="0" b="0"/>
+      </a:effectRef>
+      <a:fontRef idx="minor">
+        <a:schemeClr val="lt1"/>
+      </a:fontRef>
+    </dgm:style>
+  </dgm:styleLbl>
+  <dgm:styleLbl name="asst3">
+    <dgm:scene3d>
+      <a:camera prst="orthographicFront"/>
+      <a:lightRig rig="threePt" dir="t"/>
+    </dgm:scene3d>
+    <dgm:sp3d/>
+    <dgm:txPr/>
+    <dgm:style>
+      <a:lnRef idx="0">
+        <a:scrgbClr r="0" g="0" b="0"/>
+      </a:lnRef>
+      <a:fillRef idx="3">
+        <a:scrgbClr r="0" g="0" b="0"/>
+      </a:fillRef>
+      <a:effectRef idx="2">
+        <a:scrgbClr r="0" g="0" b="0"/>
+      </a:effectRef>
+      <a:fontRef idx="minor">
+        <a:schemeClr val="lt1"/>
+      </a:fontRef>
+    </dgm:style>
+  </dgm:styleLbl>
+  <dgm:styleLbl name="asst4">
+    <dgm:scene3d>
+      <a:camera prst="orthographicFront"/>
+      <a:lightRig rig="threePt" dir="t"/>
+    </dgm:scene3d>
+    <dgm:sp3d/>
+    <dgm:txPr/>
+    <dgm:style>
+      <a:lnRef idx="0">
+        <a:scrgbClr r="0" g="0" b="0"/>
+      </a:lnRef>
+      <a:fillRef idx="3">
+        <a:scrgbClr r="0" g="0" b="0"/>
+      </a:fillRef>
+      <a:effectRef idx="2">
+        <a:scrgbClr r="0" g="0" b="0"/>
+      </a:effectRef>
+      <a:fontRef idx="minor">
+        <a:schemeClr val="lt1"/>
+      </a:fontRef>
+    </dgm:style>
+  </dgm:styleLbl>
+  <dgm:styleLbl name="parChTrans2D1">
+    <dgm:scene3d>
+      <a:camera prst="orthographicFront"/>
+      <a:lightRig rig="threePt" dir="t"/>
+    </dgm:scene3d>
+    <dgm:sp3d/>
+    <dgm:txPr/>
+    <dgm:style>
+      <a:lnRef idx="0">
+        <a:scrgbClr r="0" g="0" b="0"/>
+      </a:lnRef>
+      <a:fillRef idx="3">
+        <a:scrgbClr r="0" g="0" b="0"/>
+      </a:fillRef>
+      <a:effectRef idx="2">
+        <a:scrgbClr r="0" g="0" b="0"/>
+      </a:effectRef>
+      <a:fontRef idx="minor">
+        <a:schemeClr val="lt1"/>
+      </a:fontRef>
+    </dgm:style>
+  </dgm:styleLbl>
+  <dgm:styleLbl name="parChTrans2D2">
+    <dgm:scene3d>
+      <a:camera prst="orthographicFront"/>
+      <a:lightRig rig="threePt" dir="t"/>
+    </dgm:scene3d>
+    <dgm:sp3d/>
+    <dgm:txPr/>
+    <dgm:style>
+      <a:lnRef idx="0">
+        <a:scrgbClr r="0" g="0" b="0"/>
+      </a:lnRef>
+      <a:fillRef idx="3">
+        <a:scrgbClr r="0" g="0" b="0"/>
+      </a:fillRef>
+      <a:effectRef idx="2">
+        <a:scrgbClr r="0" g="0" b="0"/>
+      </a:effectRef>
+      <a:fontRef idx="minor">
+        <a:schemeClr val="lt1"/>
+      </a:fontRef>
+    </dgm:style>
+  </dgm:styleLbl>
+  <dgm:styleLbl name="parChTrans2D3">
+    <dgm:scene3d>
+      <a:camera prst="orthographicFront"/>
+      <a:lightRig rig="threePt" dir="t"/>
+    </dgm:scene3d>
+    <dgm:sp3d/>
+    <dgm:txPr/>
+    <dgm:style>
+      <a:lnRef idx="1">
+        <a:scrgbClr r="0" g="0" b="0"/>
+      </a:lnRef>
+      <a:fillRef idx="3">
+        <a:scrgbClr r="0" g="0" b="0"/>
+      </a:fillRef>
+      <a:effectRef idx="2">
+        <a:scrgbClr r="0" g="0" b="0"/>
+      </a:effectRef>
+      <a:fontRef idx="minor">
+        <a:schemeClr val="lt1"/>
+      </a:fontRef>
+    </dgm:style>
+  </dgm:styleLbl>
+  <dgm:styleLbl name="parChTrans2D4">
+    <dgm:scene3d>
+      <a:camera prst="orthographicFront"/>
+      <a:lightRig rig="threePt" dir="t"/>
+    </dgm:scene3d>
+    <dgm:sp3d/>
+    <dgm:txPr/>
+    <dgm:style>
+      <a:lnRef idx="1">
+        <a:scrgbClr r="0" g="0" b="0"/>
+      </a:lnRef>
+      <a:fillRef idx="3">
+        <a:scrgbClr r="0" g="0" b="0"/>
+      </a:fillRef>
+      <a:effectRef idx="2">
+        <a:scrgbClr r="0" g="0" b="0"/>
+      </a:effectRef>
+      <a:fontRef idx="minor">
+        <a:schemeClr val="lt1"/>
+      </a:fontRef>
+    </dgm:style>
+  </dgm:styleLbl>
+  <dgm:styleLbl name="parChTrans1D1">
+    <dgm:scene3d>
+      <a:camera prst="orthographicFront"/>
+      <a:lightRig rig="threePt" dir="t"/>
+    </dgm:scene3d>
+    <dgm:sp3d/>
+    <dgm:txPr/>
+    <dgm:style>
+      <a:lnRef idx="1">
+        <a:scrgbClr r="0" g="0" b="0"/>
+      </a:lnRef>
+      <a:fillRef idx="0">
+        <a:scrgbClr r="0" g="0" b="0"/>
+      </a:fillRef>
+      <a:effectRef idx="0">
+        <a:scrgbClr r="0" g="0" b="0"/>
+      </a:effectRef>
+      <a:fontRef idx="minor"/>
+    </dgm:style>
+  </dgm:styleLbl>
+  <dgm:styleLbl name="parChTrans1D2">
+    <dgm:scene3d>
+      <a:camera prst="orthographicFront"/>
+      <a:lightRig rig="threePt" dir="t"/>
+    </dgm:scene3d>
+    <dgm:sp3d/>
+    <dgm:txPr/>
+    <dgm:style>
+      <a:lnRef idx="1">
+        <a:scrgbClr r="0" g="0" b="0"/>
+      </a:lnRef>
+      <a:fillRef idx="0">
+        <a:scrgbClr r="0" g="0" b="0"/>
+      </a:fillRef>
+      <a:effectRef idx="0">
+        <a:scrgbClr r="0" g="0" b="0"/>
+      </a:effectRef>
+      <a:fontRef idx="minor"/>
+    </dgm:style>
+  </dgm:styleLbl>
+  <dgm:styleLbl name="parChTrans1D3">
+    <dgm:scene3d>
+      <a:camera prst="orthographicFront"/>
+      <a:lightRig rig="threePt" dir="t"/>
+    </dgm:scene3d>
+    <dgm:sp3d/>
+    <dgm:txPr/>
+    <dgm:style>
+      <a:lnRef idx="1">
+        <a:scrgbClr r="0" g="0" b="0"/>
+      </a:lnRef>
+      <a:fillRef idx="0">
+        <a:scrgbClr r="0" g="0" b="0"/>
+      </a:fillRef>
+      <a:effectRef idx="0">
+        <a:scrgbClr r="0" g="0" b="0"/>
+      </a:effectRef>
+      <a:fontRef idx="minor"/>
+    </dgm:style>
+  </dgm:styleLbl>
+  <dgm:styleLbl name="parChTrans1D4">
+    <dgm:scene3d>
+      <a:camera prst="orthographicFront"/>
+      <a:lightRig rig="threePt" dir="t"/>
+    </dgm:scene3d>
+    <dgm:sp3d/>
+    <dgm:txPr/>
+    <dgm:style>
+      <a:lnRef idx="1">
+        <a:scrgbClr r="0" g="0" b="0"/>
+      </a:lnRef>
+      <a:fillRef idx="0">
+        <a:scrgbClr r="0" g="0" b="0"/>
+      </a:fillRef>
+      <a:effectRef idx="0">
+        <a:scrgbClr r="0" g="0" b="0"/>
+      </a:effectRef>
+      <a:fontRef idx="minor"/>
+    </dgm:style>
+  </dgm:styleLbl>
+  <dgm:styleLbl name="fgAcc1">
+    <dgm:scene3d>
+      <a:camera prst="orthographicFront"/>
+      <a:lightRig rig="threePt" dir="t"/>
+    </dgm:scene3d>
+    <dgm:sp3d/>
+    <dgm:txPr/>
+    <dgm:style>
+      <a:lnRef idx="1">
+        <a:scrgbClr r="0" g="0" b="0"/>
+      </a:lnRef>
+      <a:fillRef idx="1">
+        <a:scrgbClr r="0" g="0" b="0"/>
+      </a:fillRef>
+      <a:effectRef idx="0">
+        <a:scrgbClr r="0" g="0" b="0"/>
+      </a:effectRef>
+      <a:fontRef idx="minor"/>
+    </dgm:style>
+  </dgm:styleLbl>
+  <dgm:styleLbl name="conFgAcc1">
+    <dgm:scene3d>
+      <a:camera prst="orthographicFront"/>
+      <a:lightRig rig="threePt" dir="t"/>
+    </dgm:scene3d>
+    <dgm:sp3d/>
+    <dgm:txPr/>
+    <dgm:style>
+      <a:lnRef idx="1">
+        <a:scrgbClr r="0" g="0" b="0"/>
+      </a:lnRef>
+      <a:fillRef idx="1">
+        <a:scrgbClr r="0" g="0" b="0"/>
+      </a:fillRef>
+      <a:effectRef idx="0">
+        <a:scrgbClr r="0" g="0" b="0"/>
+      </a:effectRef>
+      <a:fontRef idx="minor"/>
+    </dgm:style>
+  </dgm:styleLbl>
+  <dgm:styleLbl name="alignAcc1">
+    <dgm:scene3d>
+      <a:camera prst="orthographicFront"/>
+      <a:lightRig rig="threePt" dir="t"/>
+    </dgm:scene3d>
+    <dgm:sp3d/>
+    <dgm:txPr/>
+    <dgm:style>
+      <a:lnRef idx="1">
+        <a:scrgbClr r="0" g="0" b="0"/>
+      </a:lnRef>
+      <a:fillRef idx="1">
+        <a:scrgbClr r="0" g="0" b="0"/>
+      </a:fillRef>
+      <a:effectRef idx="0">
+        <a:scrgbClr r="0" g="0" b="0"/>
+      </a:effectRef>
+      <a:fontRef idx="minor"/>
+    </dgm:style>
+  </dgm:styleLbl>
+  <dgm:styleLbl name="trAlignAcc1">
+    <dgm:scene3d>
+      <a:camera prst="orthographicFront"/>
+      <a:lightRig rig="threePt" dir="t"/>
+    </dgm:scene3d>
+    <dgm:sp3d/>
+    <dgm:txPr/>
+    <dgm:style>
+      <a:lnRef idx="1">
+        <a:scrgbClr r="0" g="0" b="0"/>
+      </a:lnRef>
+      <a:fillRef idx="1">
+        <a:scrgbClr r="0" g="0" b="0"/>
+      </a:fillRef>
+      <a:effectRef idx="0">
+        <a:scrgbClr r="0" g="0" b="0"/>
+      </a:effectRef>
+      <a:fontRef idx="minor"/>
+    </dgm:style>
+  </dgm:styleLbl>
+  <dgm:styleLbl name="bgAcc1">
+    <dgm:scene3d>
+      <a:camera prst="orthographicFront"/>
+      <a:lightRig rig="threePt" dir="t"/>
+    </dgm:scene3d>
+    <dgm:sp3d/>
+    <dgm:txPr/>
+    <dgm:style>
+      <a:lnRef idx="1">
+        <a:scrgbClr r="0" g="0" b="0"/>
+      </a:lnRef>
+      <a:fillRef idx="1">
+        <a:scrgbClr r="0" g="0" b="0"/>
+      </a:fillRef>
+      <a:effectRef idx="0">
+        <a:scrgbClr r="0" g="0" b="0"/>
+      </a:effectRef>
+      <a:fontRef idx="minor"/>
+    </dgm:style>
+  </dgm:styleLbl>
+  <dgm:styleLbl name="solidFgAcc1">
+    <dgm:scene3d>
+      <a:camera prst="orthographicFront"/>
+      <a:lightRig rig="threePt" dir="t"/>
+    </dgm:scene3d>
+    <dgm:sp3d/>
+    <dgm:txPr/>
+    <dgm:style>
+      <a:lnRef idx="1">
+        <a:scrgbClr r="0" g="0" b="0"/>
+      </a:lnRef>
+      <a:fillRef idx="1">
+        <a:scrgbClr r="0" g="0" b="0"/>
+      </a:fillRef>
+      <a:effectRef idx="0">
+        <a:scrgbClr r="0" g="0" b="0"/>
+      </a:effectRef>
+      <a:fontRef idx="minor"/>
+    </dgm:style>
+  </dgm:styleLbl>
+  <dgm:styleLbl name="solidAlignAcc1">
+    <dgm:scene3d>
+      <a:camera prst="orthographicFront"/>
+      <a:lightRig rig="threePt" dir="t"/>
+    </dgm:scene3d>
+    <dgm:sp3d/>
+    <dgm:txPr/>
+    <dgm:style>
+      <a:lnRef idx="1">
+        <a:scrgbClr r="0" g="0" b="0"/>
+      </a:lnRef>
+      <a:fillRef idx="1">
+        <a:scrgbClr r="0" g="0" b="0"/>
+      </a:fillRef>
+      <a:effectRef idx="0">
+        <a:scrgbClr r="0" g="0" b="0"/>
+      </a:effectRef>
+      <a:fontRef idx="minor"/>
+    </dgm:style>
+  </dgm:styleLbl>
+  <dgm:styleLbl name="solidBgAcc1">
+    <dgm:scene3d>
+      <a:camera prst="orthographicFront"/>
+      <a:lightRig rig="threePt" dir="t"/>
+    </dgm:scene3d>
+    <dgm:sp3d/>
+    <dgm:txPr/>
+    <dgm:style>
+      <a:lnRef idx="1">
+        <a:scrgbClr r="0" g="0" b="0"/>
+      </a:lnRef>
+      <a:fillRef idx="1">
+        <a:scrgbClr r="0" g="0" b="0"/>
+      </a:fillRef>
+      <a:effectRef idx="0">
+        <a:scrgbClr r="0" g="0" b="0"/>
+      </a:effectRef>
+      <a:fontRef idx="minor"/>
+    </dgm:style>
+  </dgm:styleLbl>
+  <dgm:styleLbl name="fgAccFollowNode1">
+    <dgm:scene3d>
+      <a:camera prst="orthographicFront"/>
+      <a:lightRig rig="threePt" dir="t"/>
+    </dgm:scene3d>
+    <dgm:sp3d/>
+    <dgm:txPr/>
+    <dgm:style>
+      <a:lnRef idx="1">
+        <a:scrgbClr r="0" g="0" b="0"/>
+      </a:lnRef>
+      <a:fillRef idx="1">
+        <a:scrgbClr r="0" g="0" b="0"/>
+      </a:fillRef>
+      <a:effectRef idx="0">
+        <a:scrgbClr r="0" g="0" b="0"/>
+      </a:effectRef>
+      <a:fontRef idx="minor"/>
+    </dgm:style>
+  </dgm:styleLbl>
+  <dgm:styleLbl name="alignAccFollowNode1">
+    <dgm:scene3d>
+      <a:camera prst="orthographicFront"/>
+      <a:lightRig rig="threePt" dir="t"/>
+    </dgm:scene3d>
+    <dgm:sp3d/>
+    <dgm:txPr/>
+    <dgm:style>
+      <a:lnRef idx="1">
+        <a:scrgbClr r="0" g="0" b="0"/>
+      </a:lnRef>
+      <a:fillRef idx="1">
+        <a:scrgbClr r="0" g="0" b="0"/>
+      </a:fillRef>
+      <a:effectRef idx="0">
+        <a:scrgbClr r="0" g="0" b="0"/>
+      </a:effectRef>
+      <a:fontRef idx="minor"/>
+    </dgm:style>
+  </dgm:styleLbl>
+  <dgm:styleLbl name="bgAccFollowNode1">
+    <dgm:scene3d>
+      <a:camera prst="orthographicFront"/>
+      <a:lightRig rig="threePt" dir="t"/>
+    </dgm:scene3d>
+    <dgm:sp3d/>
+    <dgm:txPr/>
+    <dgm:style>
+      <a:lnRef idx="1">
+        <a:scrgbClr r="0" g="0" b="0"/>
+      </a:lnRef>
+      <a:fillRef idx="1">
+        <a:scrgbClr r="0" g="0" b="0"/>
+      </a:fillRef>
+      <a:effectRef idx="0">
+        <a:scrgbClr r="0" g="0" b="0"/>
+      </a:effectRef>
+      <a:fontRef idx="minor"/>
+    </dgm:style>
+  </dgm:styleLbl>
+  <dgm:styleLbl name="fgAcc0">
+    <dgm:scene3d>
+      <a:camera prst="orthographicFront"/>
+      <a:lightRig rig="threePt" dir="t"/>
+    </dgm:scene3d>
+    <dgm:sp3d/>
+    <dgm:txPr/>
+    <dgm:style>
+      <a:lnRef idx="1">
+        <a:scrgbClr r="0" g="0" b="0"/>
+      </a:lnRef>
+      <a:fillRef idx="1">
+        <a:scrgbClr r="0" g="0" b="0"/>
+      </a:fillRef>
+      <a:effectRef idx="0">
+        <a:scrgbClr r="0" g="0" b="0"/>
+      </a:effectRef>
+      <a:fontRef idx="minor"/>
+    </dgm:style>
+  </dgm:styleLbl>
+  <dgm:styleLbl name="fgAcc2">
+    <dgm:scene3d>
+      <a:camera prst="orthographicFront"/>
+      <a:lightRig rig="threePt" dir="t"/>
+    </dgm:scene3d>
+    <dgm:sp3d/>
+    <dgm:txPr/>
+    <dgm:style>
+      <a:lnRef idx="1">
+        <a:scrgbClr r="0" g="0" b="0"/>
+      </a:lnRef>
+      <a:fillRef idx="1">
+        <a:scrgbClr r="0" g="0" b="0"/>
+      </a:fillRef>
+      <a:effectRef idx="0">
+        <a:scrgbClr r="0" g="0" b="0"/>
+      </a:effectRef>
+      <a:fontRef idx="minor"/>
+    </dgm:style>
+  </dgm:styleLbl>
+  <dgm:styleLbl name="fgAcc3">
+    <dgm:scene3d>
+      <a:camera prst="orthographicFront"/>
+      <a:lightRig rig="threePt" dir="t"/>
+    </dgm:scene3d>
+    <dgm:sp3d/>
+    <dgm:txPr/>
+    <dgm:style>
+      <a:lnRef idx="1">
+        <a:scrgbClr r="0" g="0" b="0"/>
+      </a:lnRef>
+      <a:fillRef idx="1">
+        <a:scrgbClr r="0" g="0" b="0"/>
+      </a:fillRef>
+      <a:effectRef idx="0">
+        <a:scrgbClr r="0" g="0" b="0"/>
+      </a:effectRef>
+      <a:fontRef idx="minor"/>
+    </dgm:style>
+  </dgm:styleLbl>
+  <dgm:styleLbl name="fgAcc4">
+    <dgm:scene3d>
+      <a:camera prst="orthographicFront"/>
+      <a:lightRig rig="threePt" dir="t"/>
+    </dgm:scene3d>
+    <dgm:sp3d/>
+    <dgm:txPr/>
+    <dgm:style>
+      <a:lnRef idx="1">
+        <a:scrgbClr r="0" g="0" b="0"/>
+      </a:lnRef>
+      <a:fillRef idx="1">
+        <a:scrgbClr r="0" g="0" b="0"/>
+      </a:fillRef>
+      <a:effectRef idx="0">
+        <a:scrgbClr r="0" g="0" b="0"/>
+      </a:effectRef>
+      <a:fontRef idx="minor"/>
+    </dgm:style>
+  </dgm:styleLbl>
+  <dgm:styleLbl name="bgShp">
+    <dgm:scene3d>
+      <a:camera prst="orthographicFront"/>
+      <a:lightRig rig="threePt" dir="t"/>
+    </dgm:scene3d>
+    <dgm:sp3d/>
+    <dgm:txPr/>
+    <dgm:style>
+      <a:lnRef idx="0">
+        <a:scrgbClr r="0" g="0" b="0"/>
+      </a:lnRef>
+      <a:fillRef idx="1">
+        <a:scrgbClr r="0" g="0" b="0"/>
+      </a:fillRef>
+      <a:effectRef idx="2">
+        <a:scrgbClr r="0" g="0" b="0"/>
+      </a:effectRef>
+      <a:fontRef idx="minor"/>
+    </dgm:style>
+  </dgm:styleLbl>
+  <dgm:styleLbl name="dkBgShp">
+    <dgm:scene3d>
+      <a:camera prst="orthographicFront"/>
+      <a:lightRig rig="threePt" dir="t"/>
+    </dgm:scene3d>
+    <dgm:sp3d/>
+    <dgm:txPr/>
+    <dgm:style>
+      <a:lnRef idx="0">
+        <a:scrgbClr r="0" g="0" b="0"/>
+      </a:lnRef>
+      <a:fillRef idx="1">
+        <a:scrgbClr r="0" g="0" b="0"/>
+      </a:fillRef>
+      <a:effectRef idx="2">
+        <a:scrgbClr r="0" g="0" b="0"/>
+      </a:effectRef>
+      <a:fontRef idx="minor"/>
+    </dgm:style>
+  </dgm:styleLbl>
+  <dgm:styleLbl name="trBgShp">
+    <dgm:scene3d>
+      <a:camera prst="orthographicFront"/>
+      <a:lightRig rig="threePt" dir="t"/>
+    </dgm:scene3d>
+    <dgm:sp3d/>
+    <dgm:txPr/>
+    <dgm:style>
+      <a:lnRef idx="0">
+        <a:scrgbClr r="0" g="0" b="0"/>
+      </a:lnRef>
+      <a:fillRef idx="1">
+        <a:scrgbClr r="0" g="0" b="0"/>
+      </a:fillRef>
+      <a:effectRef idx="0">
+        <a:scrgbClr r="0" g="0" b="0"/>
+      </a:effectRef>
+      <a:fontRef idx="minor"/>
+    </dgm:style>
+  </dgm:styleLbl>
+  <dgm:styleLbl name="fgShp">
+    <dgm:scene3d>
+      <a:camera prst="orthographicFront"/>
+      <a:lightRig rig="threePt" dir="t"/>
+    </dgm:scene3d>
+    <dgm:sp3d/>
+    <dgm:txPr/>
+    <dgm:style>
+      <a:lnRef idx="0">
+        <a:scrgbClr r="0" g="0" b="0"/>
+      </a:lnRef>
+      <a:fillRef idx="3">
+        <a:scrgbClr r="0" g="0" b="0"/>
+      </a:fillRef>
+      <a:effectRef idx="2">
+        <a:scrgbClr r="0" g="0" b="0"/>
+      </a:effectRef>
+      <a:fontRef idx="minor"/>
+    </dgm:style>
+  </dgm:styleLbl>
+  <dgm:styleLbl name="revTx">
+    <dgm:scene3d>
+      <a:camera prst="orthographicFront"/>
+      <a:lightRig rig="threePt" dir="t"/>
+    </dgm:scene3d>
+    <dgm:sp3d/>
+    <dgm:txPr/>
+    <dgm:style>
+      <a:lnRef idx="0">
+        <a:scrgbClr r="0" g="0" b="0"/>
+      </a:lnRef>
+      <a:fillRef idx="0">
+        <a:scrgbClr r="0" g="0" b="0"/>
+      </a:fillRef>
+      <a:effectRef idx="0">
+        <a:scrgbClr r="0" g="0" b="0"/>
+      </a:effectRef>
+      <a:fontRef idx="minor"/>
+    </dgm:style>
+  </dgm:styleLbl>
+</dgm:styleDef>
+</file>
+
+<file path=ppt/notesMasters/notesMaster1.xml><?xml version="1.0" encoding="utf-8"?>
+<p:notesMaster xmlns:a="http://schemas.openxmlformats.org/drawingml/2006/main" xmlns:r="http://schemas.openxmlformats.org/officeDocument/2006/relationships" xmlns:p="http://schemas.openxmlformats.org/presentationml/2006/main">
+  <p:cSld>
+    <p:bg>
+      <p:bgRef idx="1001">
+        <a:schemeClr val="bg1"/>
+      </p:bgRef>
+    </p:bg>
+    <p:spTree>
+      <p:nvGrpSpPr>
+        <p:cNvPr id="1" name=""/>
+        <p:cNvGrpSpPr/>
+        <p:nvPr/>
+      </p:nvGrpSpPr>
+      <p:grpSpPr>
+        <a:xfrm>
+          <a:off x="0" y="0"/>
+          <a:ext cx="0" cy="0"/>
+          <a:chOff x="0" y="0"/>
+          <a:chExt cx="0" cy="0"/>
+        </a:xfrm>
+      </p:grpSpPr>
+      <p:sp>
+        <p:nvSpPr>
+          <p:cNvPr id="2" name="Header Placeholder 1"/>
+          <p:cNvSpPr>
+            <a:spLocks noGrp="1"/>
+          </p:cNvSpPr>
+          <p:nvPr>
+            <p:ph type="hdr" sz="quarter"/>
+          </p:nvPr>
+        </p:nvSpPr>
+        <p:spPr>
+          <a:xfrm>
+            <a:off x="0" y="0"/>
+            <a:ext cx="2971800" cy="458788"/>
+          </a:xfrm>
+          <a:prstGeom prst="rect">
+            <a:avLst/>
+          </a:prstGeom>
+        </p:spPr>
+        <p:txBody>
+          <a:bodyPr vert="horz" lIns="91440" tIns="45720" rIns="91440" bIns="45720" rtlCol="0"/>
+          <a:lstStyle>
+            <a:lvl1pPr algn="l">
+              <a:defRPr sz="1200"/>
+            </a:lvl1pPr>
+          </a:lstStyle>
+          <a:p>
+            <a:endParaRPr lang="en-US"/>
+          </a:p>
+        </p:txBody>
+      </p:sp>
+      <p:sp>
+        <p:nvSpPr>
+          <p:cNvPr id="3" name="Date Placeholder 2"/>
+          <p:cNvSpPr>
+            <a:spLocks noGrp="1"/>
+          </p:cNvSpPr>
+          <p:nvPr>
+            <p:ph type="dt" idx="1"/>
+          </p:nvPr>
+        </p:nvSpPr>
+        <p:spPr>
+          <a:xfrm>
+            <a:off x="3884613" y="0"/>
+            <a:ext cx="2971800" cy="458788"/>
+          </a:xfrm>
+          <a:prstGeom prst="rect">
+            <a:avLst/>
+          </a:prstGeom>
+        </p:spPr>
+        <p:txBody>
+          <a:bodyPr vert="horz" lIns="91440" tIns="45720" rIns="91440" bIns="45720" rtlCol="0"/>
+          <a:lstStyle>
+            <a:lvl1pPr algn="r">
+              <a:defRPr sz="1200"/>
+            </a:lvl1pPr>
+          </a:lstStyle>
+          <a:p>
+            <a:fld id="{418674B6-3DD0-DD4C-87E2-C82AEC08B29F}" type="datetimeFigureOut">
+              <a:rPr lang="en-US" smtClean="0"/>
+              <a:t>10/31/16</a:t>
+            </a:fld>
+            <a:endParaRPr lang="en-US"/>
+          </a:p>
+        </p:txBody>
+      </p:sp>
+      <p:sp>
+        <p:nvSpPr>
+          <p:cNvPr id="4" name="Slide Image Placeholder 3"/>
+          <p:cNvSpPr>
+            <a:spLocks noGrp="1" noRot="1" noChangeAspect="1"/>
+          </p:cNvSpPr>
+          <p:nvPr>
+            <p:ph type="sldImg" idx="2"/>
+          </p:nvPr>
+        </p:nvSpPr>
+        <p:spPr>
+          <a:xfrm>
+            <a:off x="1371600" y="1143000"/>
+            <a:ext cx="4114800" cy="3086100"/>
+          </a:xfrm>
+          <a:prstGeom prst="rect">
+            <a:avLst/>
+          </a:prstGeom>
+          <a:noFill/>
+          <a:ln w="12700">
+            <a:solidFill>
+              <a:prstClr val="black"/>
+            </a:solidFill>
+          </a:ln>
+        </p:spPr>
+        <p:txBody>
+          <a:bodyPr vert="horz" lIns="91440" tIns="45720" rIns="91440" bIns="45720" rtlCol="0" anchor="ctr"/>
+          <a:lstStyle/>
+          <a:p>
+            <a:endParaRPr lang="en-US"/>
+          </a:p>
+        </p:txBody>
+      </p:sp>
+      <p:sp>
+        <p:nvSpPr>
+          <p:cNvPr id="5" name="Notes Placeholder 4"/>
+          <p:cNvSpPr>
+            <a:spLocks noGrp="1"/>
+          </p:cNvSpPr>
+          <p:nvPr>
+            <p:ph type="body" sz="quarter" idx="3"/>
+          </p:nvPr>
+        </p:nvSpPr>
+        <p:spPr>
+          <a:xfrm>
+            <a:off x="685800" y="4400550"/>
+            <a:ext cx="5486400" cy="3600450"/>
+          </a:xfrm>
+          <a:prstGeom prst="rect">
+            <a:avLst/>
+          </a:prstGeom>
+        </p:spPr>
+        <p:txBody>
+          <a:bodyPr vert="horz" lIns="91440" tIns="45720" rIns="91440" bIns="45720" rtlCol="0"/>
+          <a:lstStyle/>
+          <a:p>
+            <a:pPr lvl="0"/>
+            <a:r>
+              <a:rPr lang="en-US" smtClean="0"/>
+              <a:t>Click to edit Master text styles</a:t>
+            </a:r>
+          </a:p>
+          <a:p>
+            <a:pPr lvl="1"/>
+            <a:r>
+              <a:rPr lang="en-US" smtClean="0"/>
+              <a:t>Second level</a:t>
+            </a:r>
+          </a:p>
+          <a:p>
+            <a:pPr lvl="2"/>
+            <a:r>
+              <a:rPr lang="en-US" smtClean="0"/>
+              <a:t>Third level</a:t>
+            </a:r>
+          </a:p>
+          <a:p>
+            <a:pPr lvl="3"/>
+            <a:r>
+              <a:rPr lang="en-US" smtClean="0"/>
+              <a:t>Fourth level</a:t>
+            </a:r>
+          </a:p>
+          <a:p>
+            <a:pPr lvl="4"/>
+            <a:r>
+              <a:rPr lang="en-US" smtClean="0"/>
+              <a:t>Fifth level</a:t>
+            </a:r>
+            <a:endParaRPr lang="en-US"/>
+          </a:p>
+        </p:txBody>
+      </p:sp>
+      <p:sp>
+        <p:nvSpPr>
+          <p:cNvPr id="6" name="Footer Placeholder 5"/>
+          <p:cNvSpPr>
+            <a:spLocks noGrp="1"/>
+          </p:cNvSpPr>
+          <p:nvPr>
+            <p:ph type="ftr" sz="quarter" idx="4"/>
+          </p:nvPr>
+        </p:nvSpPr>
+        <p:spPr>
+          <a:xfrm>
+            <a:off x="0" y="8685213"/>
+            <a:ext cx="2971800" cy="458787"/>
+          </a:xfrm>
+          <a:prstGeom prst="rect">
+            <a:avLst/>
+          </a:prstGeom>
+        </p:spPr>
+        <p:txBody>
+          <a:bodyPr vert="horz" lIns="91440" tIns="45720" rIns="91440" bIns="45720" rtlCol="0" anchor="b"/>
+          <a:lstStyle>
+            <a:lvl1pPr algn="l">
+              <a:defRPr sz="1200"/>
+            </a:lvl1pPr>
+          </a:lstStyle>
+          <a:p>
+            <a:endParaRPr lang="en-US"/>
+          </a:p>
+        </p:txBody>
+      </p:sp>
+      <p:sp>
+        <p:nvSpPr>
+          <p:cNvPr id="7" name="Slide Number Placeholder 6"/>
+          <p:cNvSpPr>
+            <a:spLocks noGrp="1"/>
+          </p:cNvSpPr>
+          <p:nvPr>
+            <p:ph type="sldNum" sz="quarter" idx="5"/>
+          </p:nvPr>
+        </p:nvSpPr>
+        <p:spPr>
+          <a:xfrm>
+            <a:off x="3884613" y="8685213"/>
+            <a:ext cx="2971800" cy="458787"/>
+          </a:xfrm>
+          <a:prstGeom prst="rect">
+            <a:avLst/>
+          </a:prstGeom>
+        </p:spPr>
+        <p:txBody>
+          <a:bodyPr vert="horz" lIns="91440" tIns="45720" rIns="91440" bIns="45720" rtlCol="0" anchor="b"/>
+          <a:lstStyle>
+            <a:lvl1pPr algn="r">
+              <a:defRPr sz="1200"/>
+            </a:lvl1pPr>
+          </a:lstStyle>
+          <a:p>
+            <a:fld id="{EC67A1BE-BAC5-3E4D-BFDD-87773E79784F}" type="slidenum">
+              <a:rPr lang="en-US" smtClean="0"/>
+              <a:t>‹#›</a:t>
+            </a:fld>
+            <a:endParaRPr lang="en-US"/>
+          </a:p>
+        </p:txBody>
+      </p:sp>
+    </p:spTree>
+    <p:extLst>
+      <p:ext uri="{BB962C8B-B14F-4D97-AF65-F5344CB8AC3E}">
+        <p14:creationId xmlns:p14="http://schemas.microsoft.com/office/powerpoint/2010/main" val="131820962"/>
+      </p:ext>
+    </p:extLst>
+  </p:cSld>
+  <p:clrMap bg1="lt1" tx1="dk1" bg2="lt2" tx2="dk2" accent1="accent1" accent2="accent2" accent3="accent3" accent4="accent4" accent5="accent5" accent6="accent6" hlink="hlink" folHlink="folHlink"/>
+  <p:notesStyle>
+    <a:lvl1pPr marL="0" algn="l" defTabSz="914400" rtl="0" eaLnBrk="1" latinLnBrk="0" hangingPunct="1">
+      <a:defRPr sz="1200" kern="1200">
+        <a:solidFill>
+          <a:schemeClr val="tx1"/>
+        </a:solidFill>
+        <a:latin typeface="+mn-lt"/>
+        <a:ea typeface="+mn-ea"/>
+        <a:cs typeface="+mn-cs"/>
+      </a:defRPr>
+    </a:lvl1pPr>
+    <a:lvl2pPr marL="457200" algn="l" defTabSz="914400" rtl="0" eaLnBrk="1" latinLnBrk="0" hangingPunct="1">
+      <a:defRPr sz="1200" kern="1200">
+        <a:solidFill>
+          <a:schemeClr val="tx1"/>
+        </a:solidFill>
+        <a:latin typeface="+mn-lt"/>
+        <a:ea typeface="+mn-ea"/>
+        <a:cs typeface="+mn-cs"/>
+      </a:defRPr>
+    </a:lvl2pPr>
+    <a:lvl3pPr marL="914400" algn="l" defTabSz="914400" rtl="0" eaLnBrk="1" latinLnBrk="0" hangingPunct="1">
+      <a:defRPr sz="1200" kern="1200">
+        <a:solidFill>
+          <a:schemeClr val="tx1"/>
+        </a:solidFill>
+        <a:latin typeface="+mn-lt"/>
+        <a:ea typeface="+mn-ea"/>
+        <a:cs typeface="+mn-cs"/>
+      </a:defRPr>
+    </a:lvl3pPr>
+    <a:lvl4pPr marL="1371600" algn="l" defTabSz="914400" rtl="0" eaLnBrk="1" latinLnBrk="0" hangingPunct="1">
+      <a:defRPr sz="1200" kern="1200">
+        <a:solidFill>
+          <a:schemeClr val="tx1"/>
+        </a:solidFill>
+        <a:latin typeface="+mn-lt"/>
+        <a:ea typeface="+mn-ea"/>
+        <a:cs typeface="+mn-cs"/>
+      </a:defRPr>
+    </a:lvl4pPr>
+    <a:lvl5pPr marL="1828800" algn="l" defTabSz="914400" rtl="0" eaLnBrk="1" latinLnBrk="0" hangingPunct="1">
+      <a:defRPr sz="1200" kern="1200">
+        <a:solidFill>
+          <a:schemeClr val="tx1"/>
+        </a:solidFill>
+        <a:latin typeface="+mn-lt"/>
+        <a:ea typeface="+mn-ea"/>
+        <a:cs typeface="+mn-cs"/>
+      </a:defRPr>
+    </a:lvl5pPr>
+    <a:lvl6pPr marL="2286000" algn="l" defTabSz="914400" rtl="0" eaLnBrk="1" latinLnBrk="0" hangingPunct="1">
+      <a:defRPr sz="1200" kern="1200">
+        <a:solidFill>
+          <a:schemeClr val="tx1"/>
+        </a:solidFill>
+        <a:latin typeface="+mn-lt"/>
+        <a:ea typeface="+mn-ea"/>
+        <a:cs typeface="+mn-cs"/>
+      </a:defRPr>
+    </a:lvl6pPr>
+    <a:lvl7pPr marL="2743200" algn="l" defTabSz="914400" rtl="0" eaLnBrk="1" latinLnBrk="0" hangingPunct="1">
+      <a:defRPr sz="1200" kern="1200">
+        <a:solidFill>
+          <a:schemeClr val="tx1"/>
+        </a:solidFill>
+        <a:latin typeface="+mn-lt"/>
+        <a:ea typeface="+mn-ea"/>
+        <a:cs typeface="+mn-cs"/>
+      </a:defRPr>
+    </a:lvl7pPr>
+    <a:lvl8pPr marL="3200400" algn="l" defTabSz="914400" rtl="0" eaLnBrk="1" latinLnBrk="0" hangingPunct="1">
+      <a:defRPr sz="1200" kern="1200">
+        <a:solidFill>
+          <a:schemeClr val="tx1"/>
+        </a:solidFill>
+        <a:latin typeface="+mn-lt"/>
+        <a:ea typeface="+mn-ea"/>
+        <a:cs typeface="+mn-cs"/>
+      </a:defRPr>
+    </a:lvl8pPr>
+    <a:lvl9pPr marL="3657600" algn="l" defTabSz="914400" rtl="0" eaLnBrk="1" latinLnBrk="0" hangingPunct="1">
+      <a:defRPr sz="1200" kern="1200">
+        <a:solidFill>
+          <a:schemeClr val="tx1"/>
+        </a:solidFill>
+        <a:latin typeface="+mn-lt"/>
+        <a:ea typeface="+mn-ea"/>
+        <a:cs typeface="+mn-cs"/>
+      </a:defRPr>
+    </a:lvl9pPr>
+  </p:notesStyle>
+</p:notesMaster>
+</file>
+
 <file path=ppt/slideLayouts/slideLayout1.xml><?xml version="1.0" encoding="utf-8"?>
 <p:sldLayout xmlns:a="http://schemas.openxmlformats.org/drawingml/2006/main" xmlns:r="http://schemas.openxmlformats.org/officeDocument/2006/relationships" xmlns:p="http://schemas.openxmlformats.org/presentationml/2006/main" type="title" preserve="1">
   <p:cSld name="Title Slide">
@@ -10719,7 +14898,7 @@
           <a:p>
             <a:fld id="{5192CB05-E4E3-6543-BB47-54865E41FD91}" type="datetimeFigureOut">
               <a:rPr lang="en-US" smtClean="0"/>
-              <a:t>10/19/16</a:t>
+              <a:t>10/31/16</a:t>
             </a:fld>
             <a:endParaRPr lang="en-US"/>
           </a:p>
@@ -10889,7 +15068,7 @@
           <a:p>
             <a:fld id="{5192CB05-E4E3-6543-BB47-54865E41FD91}" type="datetimeFigureOut">
               <a:rPr lang="en-US" smtClean="0"/>
-              <a:t>10/19/16</a:t>
+              <a:t>10/31/16</a:t>
             </a:fld>
             <a:endParaRPr lang="en-US"/>
           </a:p>
@@ -11069,7 +15248,7 @@
           <a:p>
             <a:fld id="{5192CB05-E4E3-6543-BB47-54865E41FD91}" type="datetimeFigureOut">
               <a:rPr lang="en-US" smtClean="0"/>
-              <a:t>10/19/16</a:t>
+              <a:t>10/31/16</a:t>
             </a:fld>
             <a:endParaRPr lang="en-US"/>
           </a:p>
@@ -11239,7 +15418,7 @@
           <a:p>
             <a:fld id="{5192CB05-E4E3-6543-BB47-54865E41FD91}" type="datetimeFigureOut">
               <a:rPr lang="en-US" smtClean="0"/>
-              <a:t>10/19/16</a:t>
+              <a:t>10/31/16</a:t>
             </a:fld>
             <a:endParaRPr lang="en-US"/>
           </a:p>
@@ -11483,7 +15662,7 @@
           <a:p>
             <a:fld id="{5192CB05-E4E3-6543-BB47-54865E41FD91}" type="datetimeFigureOut">
               <a:rPr lang="en-US" smtClean="0"/>
-              <a:t>10/19/16</a:t>
+              <a:t>10/31/16</a:t>
             </a:fld>
             <a:endParaRPr lang="en-US"/>
           </a:p>
@@ -11715,7 +15894,7 @@
           <a:p>
             <a:fld id="{5192CB05-E4E3-6543-BB47-54865E41FD91}" type="datetimeFigureOut">
               <a:rPr lang="en-US" smtClean="0"/>
-              <a:t>10/19/16</a:t>
+              <a:t>10/31/16</a:t>
             </a:fld>
             <a:endParaRPr lang="en-US"/>
           </a:p>
@@ -12082,7 +16261,7 @@
           <a:p>
             <a:fld id="{5192CB05-E4E3-6543-BB47-54865E41FD91}" type="datetimeFigureOut">
               <a:rPr lang="en-US" smtClean="0"/>
-              <a:t>10/19/16</a:t>
+              <a:t>10/31/16</a:t>
             </a:fld>
             <a:endParaRPr lang="en-US"/>
           </a:p>
@@ -12200,7 +16379,7 @@
           <a:p>
             <a:fld id="{5192CB05-E4E3-6543-BB47-54865E41FD91}" type="datetimeFigureOut">
               <a:rPr lang="en-US" smtClean="0"/>
-              <a:t>10/19/16</a:t>
+              <a:t>10/31/16</a:t>
             </a:fld>
             <a:endParaRPr lang="en-US"/>
           </a:p>
@@ -12295,7 +16474,7 @@
           <a:p>
             <a:fld id="{5192CB05-E4E3-6543-BB47-54865E41FD91}" type="datetimeFigureOut">
               <a:rPr lang="en-US" smtClean="0"/>
-              <a:t>10/19/16</a:t>
+              <a:t>10/31/16</a:t>
             </a:fld>
             <a:endParaRPr lang="en-US"/>
           </a:p>
@@ -12572,7 +16751,7 @@
           <a:p>
             <a:fld id="{5192CB05-E4E3-6543-BB47-54865E41FD91}" type="datetimeFigureOut">
               <a:rPr lang="en-US" smtClean="0"/>
-              <a:t>10/19/16</a:t>
+              <a:t>10/31/16</a:t>
             </a:fld>
             <a:endParaRPr lang="en-US"/>
           </a:p>
@@ -12829,7 +17008,7 @@
           <a:p>
             <a:fld id="{5192CB05-E4E3-6543-BB47-54865E41FD91}" type="datetimeFigureOut">
               <a:rPr lang="en-US" smtClean="0"/>
-              <a:t>10/19/16</a:t>
+              <a:t>10/31/16</a:t>
             </a:fld>
             <a:endParaRPr lang="en-US"/>
           </a:p>
@@ -13042,7 +17221,7 @@
           <a:p>
             <a:fld id="{5192CB05-E4E3-6543-BB47-54865E41FD91}" type="datetimeFigureOut">
               <a:rPr lang="en-US" smtClean="0"/>
-              <a:t>10/19/16</a:t>
+              <a:t>10/31/16</a:t>
             </a:fld>
             <a:endParaRPr lang="en-US"/>
           </a:p>
@@ -13504,6 +17683,156 @@
       </p:grpSpPr>
       <p:graphicFrame>
         <p:nvGraphicFramePr>
+          <p:cNvPr id="6" name="Content Placeholder 5"/>
+          <p:cNvGraphicFramePr>
+            <a:graphicFrameLocks noGrp="1"/>
+          </p:cNvGraphicFramePr>
+          <p:nvPr>
+            <p:ph idx="1"/>
+            <p:extLst>
+              <p:ext uri="{D42A27DB-BD31-4B8C-83A1-F6EECF244321}">
+                <p14:modId xmlns:p14="http://schemas.microsoft.com/office/powerpoint/2010/main" val="1546166413"/>
+              </p:ext>
+            </p:extLst>
+          </p:nvPr>
+        </p:nvGraphicFramePr>
+        <p:xfrm>
+          <a:off x="0" y="0"/>
+          <a:ext cx="9144000" cy="6857999"/>
+        </p:xfrm>
+        <a:graphic>
+          <a:graphicData uri="http://schemas.openxmlformats.org/drawingml/2006/diagram">
+            <dgm:relIds xmlns:dgm="http://schemas.openxmlformats.org/drawingml/2006/diagram" xmlns:r="http://schemas.openxmlformats.org/officeDocument/2006/relationships" r:dm="rId2" r:lo="rId3" r:qs="rId4" r:cs="rId5"/>
+          </a:graphicData>
+        </a:graphic>
+      </p:graphicFrame>
+      <p:sp>
+        <p:nvSpPr>
+          <p:cNvPr id="3" name="Rounded Rectangle 2"/>
+          <p:cNvSpPr/>
+          <p:nvPr/>
+        </p:nvSpPr>
+        <p:spPr>
+          <a:xfrm>
+            <a:off x="3623733" y="2960687"/>
+            <a:ext cx="1896534" cy="1354667"/>
+          </a:xfrm>
+          <a:prstGeom prst="roundRect">
+            <a:avLst/>
+          </a:prstGeom>
+          <a:gradFill flip="none" rotWithShape="1">
+            <a:gsLst>
+              <a:gs pos="0">
+                <a:schemeClr val="accent4">
+                  <a:lumMod val="0"/>
+                  <a:lumOff val="100000"/>
+                </a:schemeClr>
+              </a:gs>
+              <a:gs pos="35000">
+                <a:schemeClr val="accent4">
+                  <a:lumMod val="0"/>
+                  <a:lumOff val="100000"/>
+                </a:schemeClr>
+              </a:gs>
+              <a:gs pos="100000">
+                <a:schemeClr val="accent4">
+                  <a:lumMod val="100000"/>
+                </a:schemeClr>
+              </a:gs>
+            </a:gsLst>
+            <a:path path="circle">
+              <a:fillToRect l="50000" t="-80000" r="50000" b="180000"/>
+            </a:path>
+            <a:tileRect/>
+          </a:gradFill>
+          <a:effectLst>
+            <a:outerShdw blurRad="50800" dist="38100" dir="2700000" algn="tl" rotWithShape="0">
+              <a:prstClr val="black">
+                <a:alpha val="40000"/>
+              </a:prstClr>
+            </a:outerShdw>
+          </a:effectLst>
+        </p:spPr>
+        <p:style>
+          <a:lnRef idx="2">
+            <a:schemeClr val="accent1">
+              <a:shade val="50000"/>
+            </a:schemeClr>
+          </a:lnRef>
+          <a:fillRef idx="1">
+            <a:schemeClr val="accent1"/>
+          </a:fillRef>
+          <a:effectRef idx="0">
+            <a:schemeClr val="accent1"/>
+          </a:effectRef>
+          <a:fontRef idx="minor">
+            <a:schemeClr val="lt1"/>
+          </a:fontRef>
+        </p:style>
+        <p:txBody>
+          <a:bodyPr rtlCol="0" anchor="ctr"/>
+          <a:lstStyle/>
+          <a:p>
+            <a:pPr algn="ctr"/>
+            <a:r>
+              <a:rPr lang="en-US" sz="2000" b="1" i="1" dirty="0" smtClean="0">
+                <a:solidFill>
+                  <a:schemeClr val="tx1"/>
+                </a:solidFill>
+              </a:rPr>
+              <a:t>Continuous</a:t>
+            </a:r>
+          </a:p>
+          <a:p>
+            <a:pPr algn="ctr"/>
+            <a:r>
+              <a:rPr lang="en-US" sz="2000" b="1" i="1" dirty="0" smtClean="0">
+                <a:solidFill>
+                  <a:schemeClr val="tx1"/>
+                </a:solidFill>
+              </a:rPr>
+              <a:t>improvement</a:t>
+            </a:r>
+            <a:endParaRPr lang="en-US" sz="2000" b="1" i="1" dirty="0">
+              <a:solidFill>
+                <a:schemeClr val="tx1"/>
+              </a:solidFill>
+            </a:endParaRPr>
+          </a:p>
+        </p:txBody>
+      </p:sp>
+    </p:spTree>
+    <p:extLst>
+      <p:ext uri="{BB962C8B-B14F-4D97-AF65-F5344CB8AC3E}">
+        <p14:creationId xmlns:p14="http://schemas.microsoft.com/office/powerpoint/2010/main" val="1683008316"/>
+      </p:ext>
+    </p:extLst>
+  </p:cSld>
+  <p:clrMapOvr>
+    <a:masterClrMapping/>
+  </p:clrMapOvr>
+</p:sld>
+</file>
+
+<file path=ppt/slides/slide3.xml><?xml version="1.0" encoding="utf-8"?>
+<p:sld xmlns:a="http://schemas.openxmlformats.org/drawingml/2006/main" xmlns:r="http://schemas.openxmlformats.org/officeDocument/2006/relationships" xmlns:p="http://schemas.openxmlformats.org/presentationml/2006/main">
+  <p:cSld>
+    <p:spTree>
+      <p:nvGrpSpPr>
+        <p:cNvPr id="1" name=""/>
+        <p:cNvGrpSpPr/>
+        <p:nvPr/>
+      </p:nvGrpSpPr>
+      <p:grpSpPr>
+        <a:xfrm>
+          <a:off x="0" y="0"/>
+          <a:ext cx="0" cy="0"/>
+          <a:chOff x="0" y="0"/>
+          <a:chExt cx="0" cy="0"/>
+        </a:xfrm>
+      </p:grpSpPr>
+      <p:graphicFrame>
+        <p:nvGraphicFramePr>
           <p:cNvPr id="4" name="Content Placeholder 3"/>
           <p:cNvGraphicFramePr>
             <a:graphicFrameLocks noGrp="1"/>
@@ -13540,7 +17869,7 @@
 </p:sld>
 </file>
 
-<file path=ppt/slides/slide3.xml><?xml version="1.0" encoding="utf-8"?>
+<file path=ppt/slides/slide4.xml><?xml version="1.0" encoding="utf-8"?>
 <p:sld xmlns:a="http://schemas.openxmlformats.org/drawingml/2006/main" xmlns:r="http://schemas.openxmlformats.org/officeDocument/2006/relationships" xmlns:p="http://schemas.openxmlformats.org/presentationml/2006/main">
   <p:cSld>
     <p:spTree>
@@ -13617,7 +17946,7 @@
           <a:p>
             <a:pPr algn="ctr"/>
             <a:r>
-              <a:rPr lang="en-US" dirty="0">
+              <a:rPr lang="en-US" sz="2400" dirty="0">
                 <a:solidFill>
                   <a:schemeClr val="tx1"/>
                 </a:solidFill>
@@ -13625,7 +17954,7 @@
               <a:t>r</a:t>
             </a:r>
             <a:r>
-              <a:rPr lang="en-US" dirty="0" smtClean="0">
+              <a:rPr lang="en-US" sz="2400" dirty="0" smtClean="0">
                 <a:solidFill>
                   <a:schemeClr val="tx1"/>
                 </a:solidFill>
@@ -13636,14 +17965,14 @@
           <a:p>
             <a:pPr algn="ctr"/>
             <a:r>
-              <a:rPr lang="en-US" dirty="0" smtClean="0">
+              <a:rPr lang="en-US" sz="2400" dirty="0" smtClean="0">
                 <a:solidFill>
                   <a:schemeClr val="tx1"/>
                 </a:solidFill>
               </a:rPr>
               <a:t>data</a:t>
             </a:r>
-            <a:endParaRPr lang="en-US" dirty="0">
+            <a:endParaRPr lang="en-US" sz="2400" dirty="0">
               <a:solidFill>
                 <a:schemeClr val="tx1"/>
               </a:solidFill>
@@ -13711,14 +18040,14 @@
           <a:p>
             <a:pPr algn="ctr"/>
             <a:r>
-              <a:rPr lang="en-US" dirty="0" err="1" smtClean="0">
+              <a:rPr lang="en-US" sz="2400" dirty="0" err="1" smtClean="0">
                 <a:solidFill>
                   <a:schemeClr val="tx1"/>
                 </a:solidFill>
               </a:rPr>
               <a:t>github</a:t>
             </a:r>
-            <a:endParaRPr lang="en-US" dirty="0">
+            <a:endParaRPr lang="en-US" sz="2400" dirty="0">
               <a:solidFill>
                 <a:schemeClr val="tx1"/>
               </a:solidFill>
@@ -13734,7 +18063,7 @@
         </p:nvSpPr>
         <p:spPr>
           <a:xfrm>
-            <a:off x="3712683" y="2105138"/>
+            <a:off x="3037298" y="3057026"/>
             <a:ext cx="1189822" cy="837282"/>
           </a:xfrm>
           <a:prstGeom prst="can">
@@ -13786,7 +18115,7 @@
           <a:p>
             <a:pPr algn="ctr"/>
             <a:r>
-              <a:rPr lang="en-US" dirty="0" err="1">
+              <a:rPr lang="en-US" sz="2400" dirty="0" err="1">
                 <a:solidFill>
                   <a:schemeClr val="tx1"/>
                 </a:solidFill>
@@ -13794,14 +18123,14 @@
               <a:t>a</a:t>
             </a:r>
             <a:r>
-              <a:rPr lang="en-US" dirty="0" err="1" smtClean="0">
+              <a:rPr lang="en-US" sz="2400" dirty="0" err="1" smtClean="0">
                 <a:solidFill>
                   <a:schemeClr val="tx1"/>
                 </a:solidFill>
               </a:rPr>
               <a:t>nsible</a:t>
             </a:r>
-            <a:endParaRPr lang="en-US" dirty="0" smtClean="0">
+            <a:endParaRPr lang="en-US" sz="2400" dirty="0" smtClean="0">
               <a:solidFill>
                 <a:schemeClr val="tx1"/>
               </a:solidFill>
@@ -13810,14 +18139,14 @@
           <a:p>
             <a:pPr algn="ctr"/>
             <a:r>
-              <a:rPr lang="en-US" dirty="0" smtClean="0">
+              <a:rPr lang="en-US" sz="2400" dirty="0" smtClean="0">
                 <a:solidFill>
                   <a:schemeClr val="tx1"/>
                 </a:solidFill>
               </a:rPr>
               <a:t>galaxy</a:t>
             </a:r>
-            <a:endParaRPr lang="en-US" dirty="0">
+            <a:endParaRPr lang="en-US" sz="2400" dirty="0">
               <a:solidFill>
                 <a:schemeClr val="tx1"/>
               </a:solidFill>
@@ -13833,7 +18162,7 @@
         </p:nvSpPr>
         <p:spPr>
           <a:xfrm>
-            <a:off x="3712683" y="3024129"/>
+            <a:off x="3066043" y="4330733"/>
             <a:ext cx="1189822" cy="837282"/>
           </a:xfrm>
           <a:prstGeom prst="can">
@@ -13885,14 +18214,14 @@
           <a:p>
             <a:pPr algn="ctr"/>
             <a:r>
-              <a:rPr lang="en-US" dirty="0" smtClean="0">
+              <a:rPr lang="en-US" sz="2400" dirty="0" smtClean="0">
                 <a:solidFill>
                   <a:schemeClr val="tx1"/>
                 </a:solidFill>
               </a:rPr>
               <a:t>data</a:t>
             </a:r>
-            <a:endParaRPr lang="en-US" dirty="0">
+            <a:endParaRPr lang="en-US" sz="2400" dirty="0">
               <a:solidFill>
                 <a:schemeClr val="tx1"/>
               </a:solidFill>
@@ -13960,14 +18289,14 @@
           <a:p>
             <a:pPr algn="ctr"/>
             <a:r>
-              <a:rPr lang="en-US" sz="1200" dirty="0" smtClean="0">
+              <a:rPr lang="en-US" sz="2400" dirty="0" smtClean="0">
                 <a:solidFill>
                   <a:schemeClr val="tx1"/>
                 </a:solidFill>
               </a:rPr>
               <a:t>playbook</a:t>
             </a:r>
-            <a:endParaRPr lang="en-US" sz="1200" dirty="0">
+            <a:endParaRPr lang="en-US" sz="2400" dirty="0">
               <a:solidFill>
                 <a:schemeClr val="tx1"/>
               </a:solidFill>
@@ -14035,7 +18364,7 @@
           <a:p>
             <a:pPr algn="ctr"/>
             <a:r>
-              <a:rPr lang="en-US" sz="1200" dirty="0">
+              <a:rPr lang="en-US" sz="2400" dirty="0">
                 <a:solidFill>
                   <a:schemeClr val="tx1"/>
                 </a:solidFill>
@@ -14043,7 +18372,7 @@
               <a:t>r</a:t>
             </a:r>
             <a:r>
-              <a:rPr lang="en-US" sz="1200" dirty="0" smtClean="0">
+              <a:rPr lang="en-US" sz="2400" dirty="0" smtClean="0">
                 <a:solidFill>
                   <a:schemeClr val="tx1"/>
                 </a:solidFill>
@@ -14054,89 +18383,14 @@
           <a:p>
             <a:pPr algn="ctr"/>
             <a:r>
-              <a:rPr lang="en-US" sz="1200" dirty="0" smtClean="0">
+              <a:rPr lang="en-US" sz="2400" dirty="0" smtClean="0">
                 <a:solidFill>
                   <a:schemeClr val="tx1"/>
                 </a:solidFill>
               </a:rPr>
               <a:t>tests</a:t>
             </a:r>
-            <a:endParaRPr lang="en-US" sz="1200" dirty="0">
-              <a:solidFill>
-                <a:schemeClr val="tx1"/>
-              </a:solidFill>
-            </a:endParaRPr>
-          </a:p>
-        </p:txBody>
-      </p:sp>
-      <p:sp>
-        <p:nvSpPr>
-          <p:cNvPr id="9" name="Snip and Round Single Corner Rectangle 8"/>
-          <p:cNvSpPr/>
-          <p:nvPr/>
-        </p:nvSpPr>
-        <p:spPr>
-          <a:xfrm>
-            <a:off x="2357608" y="437384"/>
-            <a:ext cx="1133737" cy="1002535"/>
-          </a:xfrm>
-          <a:prstGeom prst="snipRoundRect">
-            <a:avLst/>
-          </a:prstGeom>
-          <a:gradFill flip="none" rotWithShape="1">
-            <a:gsLst>
-              <a:gs pos="0">
-                <a:schemeClr val="accent1">
-                  <a:lumMod val="67000"/>
-                </a:schemeClr>
-              </a:gs>
-              <a:gs pos="48000">
-                <a:schemeClr val="accent1">
-                  <a:lumMod val="97000"/>
-                  <a:lumOff val="3000"/>
-                </a:schemeClr>
-              </a:gs>
-              <a:gs pos="100000">
-                <a:schemeClr val="accent1">
-                  <a:lumMod val="60000"/>
-                  <a:lumOff val="40000"/>
-                </a:schemeClr>
-              </a:gs>
-            </a:gsLst>
-            <a:lin ang="16200000" scaled="1"/>
-            <a:tileRect/>
-          </a:gradFill>
-        </p:spPr>
-        <p:style>
-          <a:lnRef idx="2">
-            <a:schemeClr val="accent1">
-              <a:shade val="50000"/>
-            </a:schemeClr>
-          </a:lnRef>
-          <a:fillRef idx="1">
-            <a:schemeClr val="accent1"/>
-          </a:fillRef>
-          <a:effectRef idx="0">
-            <a:schemeClr val="accent1"/>
-          </a:effectRef>
-          <a:fontRef idx="minor">
-            <a:schemeClr val="lt1"/>
-          </a:fontRef>
-        </p:style>
-        <p:txBody>
-          <a:bodyPr rtlCol="0" anchor="ctr"/>
-          <a:lstStyle/>
-          <a:p>
-            <a:pPr algn="ctr"/>
-            <a:r>
-              <a:rPr lang="en-US" sz="1200" smtClean="0">
-                <a:solidFill>
-                  <a:schemeClr val="tx1"/>
-                </a:solidFill>
-              </a:rPr>
-              <a:t>modification</a:t>
-            </a:r>
-            <a:endParaRPr lang="en-US" sz="1200" dirty="0">
+            <a:endParaRPr lang="en-US" sz="2400" dirty="0">
               <a:solidFill>
                 <a:schemeClr val="tx1"/>
               </a:solidFill>
@@ -14152,7 +18406,7 @@
         </p:nvSpPr>
         <p:spPr>
           <a:xfrm>
-            <a:off x="5640777" y="674783"/>
+            <a:off x="5676396" y="444116"/>
             <a:ext cx="1079511" cy="1002535"/>
           </a:xfrm>
           <a:prstGeom prst="snipRoundRect">
@@ -14204,14 +18458,14 @@
           <a:p>
             <a:pPr algn="ctr"/>
             <a:r>
-              <a:rPr lang="en-US" sz="1200" smtClean="0">
+              <a:rPr lang="en-US" sz="2400" smtClean="0">
                 <a:solidFill>
                   <a:schemeClr val="tx1"/>
                 </a:solidFill>
               </a:rPr>
               <a:t>Cloudmesh script</a:t>
             </a:r>
-            <a:endParaRPr lang="en-US" sz="1200" dirty="0">
+            <a:endParaRPr lang="en-US" sz="2400" dirty="0">
               <a:solidFill>
                 <a:schemeClr val="tx1"/>
               </a:solidFill>
@@ -14230,8 +18484,8 @@
         </p:nvCxnSpPr>
         <p:spPr>
           <a:xfrm flipV="1">
-            <a:off x="4902505" y="1176051"/>
-            <a:ext cx="738272" cy="395687"/>
+            <a:off x="4902505" y="945384"/>
+            <a:ext cx="773891" cy="626354"/>
           </a:xfrm>
           <a:prstGeom prst="straightConnector1">
             <a:avLst/>
@@ -14266,8 +18520,8 @@
         </p:nvCxnSpPr>
         <p:spPr>
           <a:xfrm flipH="1">
-            <a:off x="4902505" y="1176051"/>
-            <a:ext cx="738272" cy="1347728"/>
+            <a:off x="4227120" y="945384"/>
+            <a:ext cx="1449276" cy="2530283"/>
           </a:xfrm>
           <a:prstGeom prst="straightConnector1">
             <a:avLst/>
@@ -14301,9 +18555,9 @@
           <p:nvPr/>
         </p:nvCxnSpPr>
         <p:spPr>
-          <a:xfrm>
-            <a:off x="4902505" y="2523779"/>
-            <a:ext cx="738272" cy="15568"/>
+          <a:xfrm flipV="1">
+            <a:off x="4227120" y="2539347"/>
+            <a:ext cx="1413657" cy="936320"/>
           </a:xfrm>
           <a:prstGeom prst="straightConnector1">
             <a:avLst/>
@@ -14338,8 +18592,8 @@
         </p:nvCxnSpPr>
         <p:spPr>
           <a:xfrm flipV="1">
-            <a:off x="4902505" y="2539347"/>
-            <a:ext cx="738272" cy="903423"/>
+            <a:off x="4255865" y="2539347"/>
+            <a:ext cx="1384912" cy="2210027"/>
           </a:xfrm>
           <a:prstGeom prst="straightConnector1">
             <a:avLst/>
@@ -14459,14 +18713,14 @@
           <a:p>
             <a:pPr algn="ctr"/>
             <a:r>
-              <a:rPr lang="en-US" sz="1200" dirty="0" smtClean="0">
+              <a:rPr lang="en-US" sz="2400" dirty="0" smtClean="0">
                 <a:solidFill>
                   <a:schemeClr val="tx1"/>
                 </a:solidFill>
               </a:rPr>
               <a:t>test</a:t>
             </a:r>
-            <a:endParaRPr lang="en-US" sz="1200" dirty="0">
+            <a:endParaRPr lang="en-US" sz="2400" dirty="0">
               <a:solidFill>
                 <a:schemeClr val="tx1"/>
               </a:solidFill>
@@ -14478,14 +18732,15 @@
         <p:nvCxnSpPr>
           <p:cNvPr id="27" name="Straight Arrow Connector 26"/>
           <p:cNvCxnSpPr>
-            <a:stCxn id="9" idx="0"/>
+            <a:stCxn id="40" idx="3"/>
+            <a:endCxn id="11" idx="2"/>
           </p:cNvCxnSpPr>
           <p:nvPr/>
         </p:nvCxnSpPr>
         <p:spPr>
           <a:xfrm>
-            <a:off x="3491345" y="938652"/>
-            <a:ext cx="2149432" cy="0"/>
+            <a:off x="3193382" y="924365"/>
+            <a:ext cx="2483014" cy="21019"/>
           </a:xfrm>
           <a:prstGeom prst="straightConnector1">
             <a:avLst/>
@@ -14549,19 +18804,19 @@
           <p:cNvPr id="16" name="Elbow Connector 15"/>
           <p:cNvCxnSpPr>
             <a:stCxn id="25" idx="2"/>
-            <a:endCxn id="9" idx="2"/>
+            <a:endCxn id="40" idx="1"/>
           </p:cNvCxnSpPr>
           <p:nvPr/>
         </p:nvCxnSpPr>
         <p:spPr>
           <a:xfrm rot="5400000" flipH="1">
-            <a:off x="1939542" y="1356719"/>
-            <a:ext cx="4747121" cy="3910989"/>
+            <a:off x="1368042" y="785218"/>
+            <a:ext cx="4761408" cy="5039702"/>
           </a:xfrm>
           <a:prstGeom prst="bentConnector4">
             <a:avLst>
-              <a:gd name="adj1" fmla="val -4816"/>
-              <a:gd name="adj2" fmla="val 105845"/>
+              <a:gd name="adj1" fmla="val -4801"/>
+              <a:gd name="adj2" fmla="val 104536"/>
             </a:avLst>
           </a:prstGeom>
           <a:ln>
@@ -14593,9 +18848,9 @@
           <p:nvPr/>
         </p:nvCxnSpPr>
         <p:spPr>
-          <a:xfrm>
-            <a:off x="6180533" y="1677318"/>
-            <a:ext cx="0" cy="360761"/>
+          <a:xfrm flipH="1">
+            <a:off x="6180533" y="1446651"/>
+            <a:ext cx="35619" cy="591428"/>
           </a:xfrm>
           <a:prstGeom prst="straightConnector1">
             <a:avLst/>
@@ -14628,7 +18883,7 @@
         <p:spPr>
           <a:xfrm>
             <a:off x="6216152" y="1673033"/>
-            <a:ext cx="586764" cy="369332"/>
+            <a:ext cx="720838" cy="461665"/>
           </a:xfrm>
           <a:prstGeom prst="rect">
             <a:avLst/>
@@ -14642,10 +18897,10 @@
           <a:lstStyle/>
           <a:p>
             <a:r>
-              <a:rPr lang="en-US" smtClean="0"/>
+              <a:rPr lang="en-US" sz="2400" smtClean="0"/>
               <a:t>calls</a:t>
             </a:r>
-            <a:endParaRPr lang="en-US"/>
+            <a:endParaRPr lang="en-US" sz="2400"/>
           </a:p>
         </p:txBody>
       </p:sp>
@@ -14658,7 +18913,7 @@
         <p:spPr>
           <a:xfrm>
             <a:off x="6297342" y="4518542"/>
-            <a:ext cx="863891" cy="369332"/>
+            <a:ext cx="1092415" cy="461665"/>
           </a:xfrm>
           <a:prstGeom prst="rect">
             <a:avLst/>
@@ -14672,10 +18927,10 @@
           <a:lstStyle/>
           <a:p>
             <a:r>
-              <a:rPr lang="en-US" dirty="0" smtClean="0"/>
+              <a:rPr lang="en-US" sz="2400" dirty="0" smtClean="0"/>
               <a:t>verifies</a:t>
             </a:r>
-            <a:endParaRPr lang="en-US" dirty="0"/>
+            <a:endParaRPr lang="en-US" sz="2400" dirty="0"/>
           </a:p>
         </p:txBody>
       </p:sp>
@@ -14688,7 +18943,7 @@
         <p:spPr>
           <a:xfrm>
             <a:off x="6180532" y="3057026"/>
-            <a:ext cx="1051378" cy="369332"/>
+            <a:ext cx="1338700" cy="461665"/>
           </a:xfrm>
           <a:prstGeom prst="rect">
             <a:avLst/>
@@ -14702,10 +18957,84 @@
           <a:lstStyle/>
           <a:p>
             <a:r>
-              <a:rPr lang="en-US" dirty="0" smtClean="0"/>
+              <a:rPr lang="en-US" sz="2400" dirty="0" smtClean="0"/>
               <a:t>produces</a:t>
             </a:r>
-            <a:endParaRPr lang="en-US" dirty="0"/>
+            <a:endParaRPr lang="en-US" sz="2400" dirty="0"/>
+          </a:p>
+        </p:txBody>
+      </p:sp>
+      <p:sp>
+        <p:nvSpPr>
+          <p:cNvPr id="40" name="Rounded Rectangle 39"/>
+          <p:cNvSpPr/>
+          <p:nvPr/>
+        </p:nvSpPr>
+        <p:spPr>
+          <a:xfrm>
+            <a:off x="1228895" y="415801"/>
+            <a:ext cx="1964487" cy="1017128"/>
+          </a:xfrm>
+          <a:prstGeom prst="roundRect">
+            <a:avLst/>
+          </a:prstGeom>
+          <a:gradFill>
+            <a:gsLst>
+              <a:gs pos="0">
+                <a:schemeClr val="accent1">
+                  <a:lumMod val="67000"/>
+                </a:schemeClr>
+              </a:gs>
+              <a:gs pos="48000">
+                <a:schemeClr val="accent1">
+                  <a:lumMod val="97000"/>
+                  <a:lumOff val="3000"/>
+                </a:schemeClr>
+              </a:gs>
+              <a:gs pos="100000">
+                <a:schemeClr val="accent1">
+                  <a:lumMod val="60000"/>
+                  <a:lumOff val="40000"/>
+                </a:schemeClr>
+              </a:gs>
+            </a:gsLst>
+            <a:lin ang="16200000" scaled="1"/>
+          </a:gradFill>
+        </p:spPr>
+        <p:style>
+          <a:lnRef idx="2">
+            <a:schemeClr val="accent1">
+              <a:shade val="50000"/>
+            </a:schemeClr>
+          </a:lnRef>
+          <a:fillRef idx="1">
+            <a:schemeClr val="accent1"/>
+          </a:fillRef>
+          <a:effectRef idx="0">
+            <a:schemeClr val="accent1"/>
+          </a:effectRef>
+          <a:fontRef idx="minor">
+            <a:schemeClr val="lt1"/>
+          </a:fontRef>
+        </p:style>
+        <p:txBody>
+          <a:bodyPr rtlCol="0" anchor="ctr"/>
+          <a:lstStyle/>
+          <a:p>
+            <a:pPr algn="ctr"/>
+            <a:r>
+              <a:rPr lang="en-US" sz="2400" dirty="0" smtClean="0">
+                <a:solidFill>
+                  <a:sysClr val="windowText" lastClr="000000"/>
+                </a:solidFill>
+              </a:rPr>
+              <a:t>modification</a:t>
+            </a:r>
+            <a:endParaRPr lang="en-US" sz="2400" dirty="0">
+              <a:solidFill>
+                <a:sysClr val="windowText" lastClr="000000"/>
+              </a:solidFill>
+            </a:endParaRPr>
           </a:p>
         </p:txBody>
       </p:sp>
@@ -14722,7 +19051,7 @@
 </p:sld>
 </file>
 
-<file path=ppt/slides/slide4.xml><?xml version="1.0" encoding="utf-8"?>
+<file path=ppt/slides/slide5.xml><?xml version="1.0" encoding="utf-8"?>
 <p:sld xmlns:a="http://schemas.openxmlformats.org/drawingml/2006/main" xmlns:r="http://schemas.openxmlformats.org/officeDocument/2006/relationships" xmlns:p="http://schemas.openxmlformats.org/presentationml/2006/main">
   <p:cSld>
     <p:spTree>
@@ -15036,4 +19365,265 @@
     </a:ext>
   </a:extLst>
 </a:theme>
+</file>
+
+<file path=ppt/theme/theme2.xml><?xml version="1.0" encoding="utf-8"?>
+<a:theme xmlns:a="http://schemas.openxmlformats.org/drawingml/2006/main" name="Office Theme">
+  <a:themeElements>
+    <a:clrScheme name="Office">
+      <a:dk1>
+        <a:sysClr val="windowText" lastClr="000000"/>
+      </a:dk1>
+      <a:lt1>
+        <a:sysClr val="window" lastClr="FFFFFF"/>
+      </a:lt1>
+      <a:dk2>
+        <a:srgbClr val="44546A"/>
+      </a:dk2>
+      <a:lt2>
+        <a:srgbClr val="E7E6E6"/>
+      </a:lt2>
+      <a:accent1>
+        <a:srgbClr val="5B9BD5"/>
+      </a:accent1>
+      <a:accent2>
+        <a:srgbClr val="ED7D31"/>
+      </a:accent2>
+      <a:accent3>
+        <a:srgbClr val="A5A5A5"/>
+      </a:accent3>
+      <a:accent4>
+        <a:srgbClr val="FFC000"/>
+      </a:accent4>
+      <a:accent5>
+        <a:srgbClr val="4472C4"/>
+      </a:accent5>
+      <a:accent6>
+        <a:srgbClr val="70AD47"/>
+      </a:accent6>
+      <a:hlink>
+        <a:srgbClr val="0563C1"/>
+      </a:hlink>
+      <a:folHlink>
+        <a:srgbClr val="954F72"/>
+      </a:folHlink>
+    </a:clrScheme>
+    <a:fontScheme name="Office">
+      <a:majorFont>
+        <a:latin typeface="Calibri Light" panose="020F0302020204030204"/>
+        <a:ea typeface=""/>
+        <a:cs typeface=""/>
+        <a:font script="Jpan" typeface="Yu Gothic Light"/>
+        <a:font script="Hang" typeface="맑은 고딕"/>
+        <a:font script="Hans" typeface="DengXian Light"/>
+        <a:font script="Hant" typeface="新細明體"/>
+        <a:font script="Arab" typeface="Times New Roman"/>
+        <a:font script="Hebr" typeface="Times New Roman"/>
+        <a:font script="Thai" typeface="Angsana New"/>
+        <a:font script="Ethi" typeface="Nyala"/>
+        <a:font script="Beng" typeface="Vrinda"/>
+        <a:font script="Gujr" typeface="Shruti"/>
+        <a:font script="Khmr" typeface="MoolBoran"/>
+        <a:font script="Knda" typeface="Tunga"/>
+        <a:font script="Guru" typeface="Raavi"/>
+        <a:font script="Cans" typeface="Euphemia"/>
+        <a:font script="Cher" typeface="Plantagenet Cherokee"/>
+        <a:font script="Yiii" typeface="Microsoft Yi Baiti"/>
+        <a:font script="Tibt" typeface="Microsoft Himalaya"/>
+        <a:font script="Thaa" typeface="MV Boli"/>
+        <a:font script="Deva" typeface="Mangal"/>
+        <a:font script="Telu" typeface="Gautami"/>
+        <a:font script="Taml" typeface="Latha"/>
+        <a:font script="Syrc" typeface="Estrangelo Edessa"/>
+        <a:font script="Orya" typeface="Kalinga"/>
+        <a:font script="Mlym" typeface="Kartika"/>
+        <a:font script="Laoo" typeface="DokChampa"/>
+        <a:font script="Sinh" typeface="Iskoola Pota"/>
+        <a:font script="Mong" typeface="Mongolian Baiti"/>
+        <a:font script="Viet" typeface="Times New Roman"/>
+        <a:font script="Uigh" typeface="Microsoft Uighur"/>
+        <a:font script="Geor" typeface="Sylfaen"/>
+      </a:majorFont>
+      <a:minorFont>
+        <a:latin typeface="Calibri" panose="020F0502020204030204"/>
+        <a:ea typeface=""/>
+        <a:cs typeface=""/>
+        <a:font script="Jpan" typeface="Yu Gothic"/>
+        <a:font script="Hang" typeface="맑은 고딕"/>
+        <a:font script="Hans" typeface="DengXian"/>
+        <a:font script="Hant" typeface="新細明體"/>
+        <a:font script="Arab" typeface="Arial"/>
+        <a:font script="Hebr" typeface="Arial"/>
+        <a:font script="Thai" typeface="Cordia New"/>
+        <a:font script="Ethi" typeface="Nyala"/>
+        <a:font script="Beng" typeface="Vrinda"/>
+        <a:font script="Gujr" typeface="Shruti"/>
+        <a:font script="Khmr" typeface="DaunPenh"/>
+        <a:font script="Knda" typeface="Tunga"/>
+        <a:font script="Guru" typeface="Raavi"/>
+        <a:font script="Cans" typeface="Euphemia"/>
+        <a:font script="Cher" typeface="Plantagenet Cherokee"/>
+        <a:font script="Yiii" typeface="Microsoft Yi Baiti"/>
+        <a:font script="Tibt" typeface="Microsoft Himalaya"/>
+        <a:font script="Thaa" typeface="MV Boli"/>
+        <a:font script="Deva" typeface="Mangal"/>
+        <a:font script="Telu" typeface="Gautami"/>
+        <a:font script="Taml" typeface="Latha"/>
+        <a:font script="Syrc" typeface="Estrangelo Edessa"/>
+        <a:font script="Orya" typeface="Kalinga"/>
+        <a:font script="Mlym" typeface="Kartika"/>
+        <a:font script="Laoo" typeface="DokChampa"/>
+        <a:font script="Sinh" typeface="Iskoola Pota"/>
+        <a:font script="Mong" typeface="Mongolian Baiti"/>
+        <a:font script="Viet" typeface="Arial"/>
+        <a:font script="Uigh" typeface="Microsoft Uighur"/>
+        <a:font script="Geor" typeface="Sylfaen"/>
+      </a:minorFont>
+    </a:fontScheme>
+    <a:fmtScheme name="Office">
+      <a:fillStyleLst>
+        <a:solidFill>
+          <a:schemeClr val="phClr"/>
+        </a:solidFill>
+        <a:gradFill rotWithShape="1">
+          <a:gsLst>
+            <a:gs pos="0">
+              <a:schemeClr val="phClr">
+                <a:lumMod val="110000"/>
+                <a:satMod val="105000"/>
+                <a:tint val="67000"/>
+              </a:schemeClr>
+            </a:gs>
+            <a:gs pos="50000">
+              <a:schemeClr val="phClr">
+                <a:lumMod val="105000"/>
+                <a:satMod val="103000"/>
+                <a:tint val="73000"/>
+              </a:schemeClr>
+            </a:gs>
+            <a:gs pos="100000">
+              <a:schemeClr val="phClr">
+                <a:lumMod val="105000"/>
+                <a:satMod val="109000"/>
+                <a:tint val="81000"/>
+              </a:schemeClr>
+            </a:gs>
+          </a:gsLst>
+          <a:lin ang="5400000" scaled="0"/>
+        </a:gradFill>
+        <a:gradFill rotWithShape="1">
+          <a:gsLst>
+            <a:gs pos="0">
+              <a:schemeClr val="phClr">
+                <a:satMod val="103000"/>
+                <a:lumMod val="102000"/>
+                <a:tint val="94000"/>
+              </a:schemeClr>
+            </a:gs>
+            <a:gs pos="50000">
+              <a:schemeClr val="phClr">
+                <a:satMod val="110000"/>
+                <a:lumMod val="100000"/>
+                <a:shade val="100000"/>
+              </a:schemeClr>
+            </a:gs>
+            <a:gs pos="100000">
+              <a:schemeClr val="phClr">
+                <a:lumMod val="99000"/>
+                <a:satMod val="120000"/>
+                <a:shade val="78000"/>
+              </a:schemeClr>
+            </a:gs>
+          </a:gsLst>
+          <a:lin ang="5400000" scaled="0"/>
+        </a:gradFill>
+      </a:fillStyleLst>
+      <a:lnStyleLst>
+        <a:ln w="6350" cap="flat" cmpd="sng" algn="ctr">
+          <a:solidFill>
+            <a:schemeClr val="phClr"/>
+          </a:solidFill>
+          <a:prstDash val="solid"/>
+          <a:miter lim="800000"/>
+        </a:ln>
+        <a:ln w="12700" cap="flat" cmpd="sng" algn="ctr">
+          <a:solidFill>
+            <a:schemeClr val="phClr"/>
+          </a:solidFill>
+          <a:prstDash val="solid"/>
+          <a:miter lim="800000"/>
+        </a:ln>
+        <a:ln w="19050" cap="flat" cmpd="sng" algn="ctr">
+          <a:solidFill>
+            <a:schemeClr val="phClr"/>
+          </a:solidFill>
+          <a:prstDash val="solid"/>
+          <a:miter lim="800000"/>
+        </a:ln>
+      </a:lnStyleLst>
+      <a:effectStyleLst>
+        <a:effectStyle>
+          <a:effectLst/>
+        </a:effectStyle>
+        <a:effectStyle>
+          <a:effectLst/>
+        </a:effectStyle>
+        <a:effectStyle>
+          <a:effectLst>
+            <a:outerShdw blurRad="57150" dist="19050" dir="5400000" algn="ctr" rotWithShape="0">
+              <a:srgbClr val="000000">
+                <a:alpha val="63000"/>
+              </a:srgbClr>
+            </a:outerShdw>
+          </a:effectLst>
+        </a:effectStyle>
+      </a:effectStyleLst>
+      <a:bgFillStyleLst>
+        <a:solidFill>
+          <a:schemeClr val="phClr"/>
+        </a:solidFill>
+        <a:solidFill>
+          <a:schemeClr val="phClr">
+            <a:tint val="95000"/>
+            <a:satMod val="170000"/>
+          </a:schemeClr>
+        </a:solidFill>
+        <a:gradFill rotWithShape="1">
+          <a:gsLst>
+            <a:gs pos="0">
+              <a:schemeClr val="phClr">
+                <a:tint val="93000"/>
+                <a:satMod val="150000"/>
+                <a:shade val="98000"/>
+                <a:lumMod val="102000"/>
+              </a:schemeClr>
+            </a:gs>
+            <a:gs pos="50000">
+              <a:schemeClr val="phClr">
+                <a:tint val="98000"/>
+                <a:satMod val="130000"/>
+                <a:shade val="90000"/>
+                <a:lumMod val="103000"/>
+              </a:schemeClr>
+            </a:gs>
+            <a:gs pos="100000">
+              <a:schemeClr val="phClr">
+                <a:shade val="63000"/>
+                <a:satMod val="120000"/>
+              </a:schemeClr>
+            </a:gs>
+          </a:gsLst>
+          <a:lin ang="5400000" scaled="0"/>
+        </a:gradFill>
+      </a:bgFillStyleLst>
+    </a:fmtScheme>
+  </a:themeElements>
+  <a:objectDefaults/>
+  <a:extraClrSchemeLst/>
+  <a:extLst>
+    <a:ext uri="{05A4C25C-085E-4340-85A3-A5531E510DB2}">
+      <thm15:themeFamily xmlns:thm15="http://schemas.microsoft.com/office/thememl/2012/main" name="Office Theme" id="{62F939B6-93AF-4DB8-9C6B-D6C7DFDC589F}" vid="{4A3C46E8-61CC-4603-A589-7422A47A8E4A}"/>
+    </a:ext>
+  </a:extLst>
+</a:theme>
 </file>
--- a/images/nist-devops.pptx
+++ b/images/nist-devops.pptx
@@ -4820,25 +4820,25 @@
     </dgm:pt>
   </dgm:ptLst>
   <dgm:cxnLst>
-    <dgm:cxn modelId="{E915C8B1-60E4-6445-A078-D967E313A794}" type="presOf" srcId="{F2AA9E6C-32D4-E143-B4C1-8323F5885693}" destId="{698B8BAB-0490-4D42-8916-57106E38A5E6}" srcOrd="0" destOrd="0" presId="urn:microsoft.com/office/officeart/2005/8/layout/cycle6"/>
-    <dgm:cxn modelId="{D8C89E1E-B693-CF46-B777-659EA7D008D5}" srcId="{F2AA9E6C-32D4-E143-B4C1-8323F5885693}" destId="{1C9AF31C-6701-294A-8523-64A8E647FBC5}" srcOrd="4" destOrd="0" parTransId="{6F6B9BF6-FAB3-F64A-B99C-E2674A2FB6F3}" sibTransId="{5DF77001-9AAE-C74E-8FCC-76A47D898C55}"/>
-    <dgm:cxn modelId="{F8CA60E5-7720-0343-8D64-5641EBAFD148}" type="presOf" srcId="{884FC63A-8684-A946-8A4D-9A97E9DECCD5}" destId="{2795BB30-447C-9B46-9F86-B12019B65932}" srcOrd="0" destOrd="0" presId="urn:microsoft.com/office/officeart/2005/8/layout/cycle6"/>
-    <dgm:cxn modelId="{08BC1C92-A07E-824A-8F16-5DCDB7D35E19}" type="presOf" srcId="{CFD1D5B7-A236-4148-A257-4F15376180F1}" destId="{60876D31-8141-E546-B35B-C21A6BE94BFE}" srcOrd="0" destOrd="0" presId="urn:microsoft.com/office/officeart/2005/8/layout/cycle6"/>
-    <dgm:cxn modelId="{379BB9B3-7645-7D47-9759-6DB624EA39E8}" type="presOf" srcId="{3E4B078D-2B88-F24A-983B-7E3B1DA39EA8}" destId="{3D9EF82D-0041-DC49-8628-3E721199BA89}" srcOrd="0" destOrd="0" presId="urn:microsoft.com/office/officeart/2005/8/layout/cycle6"/>
-    <dgm:cxn modelId="{901C4254-49CF-5C41-A3D3-41DBAEF09077}" srcId="{F2AA9E6C-32D4-E143-B4C1-8323F5885693}" destId="{21D29210-83AD-4144-90F7-E799EA922D66}" srcOrd="5" destOrd="0" parTransId="{7EB2BD94-4CD1-3049-9702-ACA060C2840E}" sibTransId="{00C2C499-F023-9C4B-ABEE-1A521DB4A7DD}"/>
-    <dgm:cxn modelId="{E0DC473E-12E2-8640-82E5-D779140A50FC}" type="presOf" srcId="{34B8F909-BE72-3641-B716-D95BA06B7D24}" destId="{5F76135B-3823-414A-B176-155A5F4EA279}" srcOrd="0" destOrd="0" presId="urn:microsoft.com/office/officeart/2005/8/layout/cycle6"/>
-    <dgm:cxn modelId="{84DD6098-914F-3640-8F07-79AF5C97FFA1}" type="presOf" srcId="{21D29210-83AD-4144-90F7-E799EA922D66}" destId="{33B66A95-5460-5149-96FC-9F90C0DE0FB7}" srcOrd="0" destOrd="0" presId="urn:microsoft.com/office/officeart/2005/8/layout/cycle6"/>
-    <dgm:cxn modelId="{FF646128-7C1A-B741-B224-FA3107D25185}" type="presOf" srcId="{00C2C499-F023-9C4B-ABEE-1A521DB4A7DD}" destId="{1F11EC56-0728-F04D-A48B-B5D87E7476EF}" srcOrd="0" destOrd="0" presId="urn:microsoft.com/office/officeart/2005/8/layout/cycle6"/>
     <dgm:cxn modelId="{90FB996F-FC16-B249-9EB3-6F44443E32D5}" type="presOf" srcId="{1C9AF31C-6701-294A-8523-64A8E647FBC5}" destId="{6A6FF06C-7BCC-B743-B2ED-8BA2C5240519}" srcOrd="0" destOrd="0" presId="urn:microsoft.com/office/officeart/2005/8/layout/cycle6"/>
     <dgm:cxn modelId="{DDCAA909-1A99-1842-9DFC-6DE3BAC9D28C}" type="presOf" srcId="{69112F31-8EA7-934A-94C2-F9C45529A03A}" destId="{6A8ACD90-E6D4-4947-8A9F-9E401BBC524F}" srcOrd="0" destOrd="0" presId="urn:microsoft.com/office/officeart/2005/8/layout/cycle6"/>
-    <dgm:cxn modelId="{9598BADE-3C95-B042-A6AE-D841CCC53126}" srcId="{F2AA9E6C-32D4-E143-B4C1-8323F5885693}" destId="{CFD1D5B7-A236-4148-A257-4F15376180F1}" srcOrd="2" destOrd="0" parTransId="{583F1E4E-A41E-244D-8F1A-CD23F3DA4963}" sibTransId="{8F6A9027-1016-0E48-8D2C-387C4E6425C1}"/>
-    <dgm:cxn modelId="{5BA835BF-70E1-2A48-9128-148874E04563}" type="presOf" srcId="{F9B230ED-6196-744A-9501-511F0AF26565}" destId="{22C0D86C-105D-8F40-8CF5-ABBDD706D463}" srcOrd="0" destOrd="0" presId="urn:microsoft.com/office/officeart/2005/8/layout/cycle6"/>
     <dgm:cxn modelId="{056A086C-D65C-8545-A4E2-6DAD7A176C07}" srcId="{F2AA9E6C-32D4-E143-B4C1-8323F5885693}" destId="{69112F31-8EA7-934A-94C2-F9C45529A03A}" srcOrd="1" destOrd="0" parTransId="{8FA3605F-C7D0-2A41-A9FE-12F91A45D350}" sibTransId="{34B8F909-BE72-3641-B716-D95BA06B7D24}"/>
-    <dgm:cxn modelId="{44451C92-98C4-4246-97AE-BADFD30C1803}" type="presOf" srcId="{8F6A9027-1016-0E48-8D2C-387C4E6425C1}" destId="{52E2D454-DEB3-0045-8C98-100D8D0B390A}" srcOrd="0" destOrd="0" presId="urn:microsoft.com/office/officeart/2005/8/layout/cycle6"/>
-    <dgm:cxn modelId="{375428FB-61B8-3E4F-AF6C-90B1A16E075D}" type="presOf" srcId="{1B32649E-9152-F740-ABAE-F8D218EB563C}" destId="{348744F8-58A7-1947-8982-1C5A6326D2D3}" srcOrd="0" destOrd="0" presId="urn:microsoft.com/office/officeart/2005/8/layout/cycle6"/>
+    <dgm:cxn modelId="{84DD6098-914F-3640-8F07-79AF5C97FFA1}" type="presOf" srcId="{21D29210-83AD-4144-90F7-E799EA922D66}" destId="{33B66A95-5460-5149-96FC-9F90C0DE0FB7}" srcOrd="0" destOrd="0" presId="urn:microsoft.com/office/officeart/2005/8/layout/cycle6"/>
+    <dgm:cxn modelId="{08BC1C92-A07E-824A-8F16-5DCDB7D35E19}" type="presOf" srcId="{CFD1D5B7-A236-4148-A257-4F15376180F1}" destId="{60876D31-8141-E546-B35B-C21A6BE94BFE}" srcOrd="0" destOrd="0" presId="urn:microsoft.com/office/officeart/2005/8/layout/cycle6"/>
+    <dgm:cxn modelId="{FF646128-7C1A-B741-B224-FA3107D25185}" type="presOf" srcId="{00C2C499-F023-9C4B-ABEE-1A521DB4A7DD}" destId="{1F11EC56-0728-F04D-A48B-B5D87E7476EF}" srcOrd="0" destOrd="0" presId="urn:microsoft.com/office/officeart/2005/8/layout/cycle6"/>
     <dgm:cxn modelId="{90371554-F177-7B48-862A-D03AA6F02119}" type="presOf" srcId="{5DF77001-9AAE-C74E-8FCC-76A47D898C55}" destId="{505E05D5-587F-B94E-9FD4-9C57DFC470A2}" srcOrd="0" destOrd="0" presId="urn:microsoft.com/office/officeart/2005/8/layout/cycle6"/>
     <dgm:cxn modelId="{02D29D97-913C-874C-ADCC-C40189F50A67}" srcId="{F2AA9E6C-32D4-E143-B4C1-8323F5885693}" destId="{884FC63A-8684-A946-8A4D-9A97E9DECCD5}" srcOrd="3" destOrd="0" parTransId="{45FE1951-9F2C-C944-A894-AE569D975842}" sibTransId="{1B32649E-9152-F740-ABAE-F8D218EB563C}"/>
+    <dgm:cxn modelId="{E915C8B1-60E4-6445-A078-D967E313A794}" type="presOf" srcId="{F2AA9E6C-32D4-E143-B4C1-8323F5885693}" destId="{698B8BAB-0490-4D42-8916-57106E38A5E6}" srcOrd="0" destOrd="0" presId="urn:microsoft.com/office/officeart/2005/8/layout/cycle6"/>
+    <dgm:cxn modelId="{F8CA60E5-7720-0343-8D64-5641EBAFD148}" type="presOf" srcId="{884FC63A-8684-A946-8A4D-9A97E9DECCD5}" destId="{2795BB30-447C-9B46-9F86-B12019B65932}" srcOrd="0" destOrd="0" presId="urn:microsoft.com/office/officeart/2005/8/layout/cycle6"/>
+    <dgm:cxn modelId="{375428FB-61B8-3E4F-AF6C-90B1A16E075D}" type="presOf" srcId="{1B32649E-9152-F740-ABAE-F8D218EB563C}" destId="{348744F8-58A7-1947-8982-1C5A6326D2D3}" srcOrd="0" destOrd="0" presId="urn:microsoft.com/office/officeart/2005/8/layout/cycle6"/>
+    <dgm:cxn modelId="{5BA835BF-70E1-2A48-9128-148874E04563}" type="presOf" srcId="{F9B230ED-6196-744A-9501-511F0AF26565}" destId="{22C0D86C-105D-8F40-8CF5-ABBDD706D463}" srcOrd="0" destOrd="0" presId="urn:microsoft.com/office/officeart/2005/8/layout/cycle6"/>
     <dgm:cxn modelId="{9F4CE09B-E031-3248-9DD0-8D31F2C4F098}" srcId="{F2AA9E6C-32D4-E143-B4C1-8323F5885693}" destId="{3E4B078D-2B88-F24A-983B-7E3B1DA39EA8}" srcOrd="0" destOrd="0" parTransId="{A9130C4F-D749-AF41-917F-1D446BF19ACD}" sibTransId="{F9B230ED-6196-744A-9501-511F0AF26565}"/>
+    <dgm:cxn modelId="{901C4254-49CF-5C41-A3D3-41DBAEF09077}" srcId="{F2AA9E6C-32D4-E143-B4C1-8323F5885693}" destId="{21D29210-83AD-4144-90F7-E799EA922D66}" srcOrd="5" destOrd="0" parTransId="{7EB2BD94-4CD1-3049-9702-ACA060C2840E}" sibTransId="{00C2C499-F023-9C4B-ABEE-1A521DB4A7DD}"/>
+    <dgm:cxn modelId="{379BB9B3-7645-7D47-9759-6DB624EA39E8}" type="presOf" srcId="{3E4B078D-2B88-F24A-983B-7E3B1DA39EA8}" destId="{3D9EF82D-0041-DC49-8628-3E721199BA89}" srcOrd="0" destOrd="0" presId="urn:microsoft.com/office/officeart/2005/8/layout/cycle6"/>
+    <dgm:cxn modelId="{D8C89E1E-B693-CF46-B777-659EA7D008D5}" srcId="{F2AA9E6C-32D4-E143-B4C1-8323F5885693}" destId="{1C9AF31C-6701-294A-8523-64A8E647FBC5}" srcOrd="4" destOrd="0" parTransId="{6F6B9BF6-FAB3-F64A-B99C-E2674A2FB6F3}" sibTransId="{5DF77001-9AAE-C74E-8FCC-76A47D898C55}"/>
+    <dgm:cxn modelId="{44451C92-98C4-4246-97AE-BADFD30C1803}" type="presOf" srcId="{8F6A9027-1016-0E48-8D2C-387C4E6425C1}" destId="{52E2D454-DEB3-0045-8C98-100D8D0B390A}" srcOrd="0" destOrd="0" presId="urn:microsoft.com/office/officeart/2005/8/layout/cycle6"/>
+    <dgm:cxn modelId="{E0DC473E-12E2-8640-82E5-D779140A50FC}" type="presOf" srcId="{34B8F909-BE72-3641-B716-D95BA06B7D24}" destId="{5F76135B-3823-414A-B176-155A5F4EA279}" srcOrd="0" destOrd="0" presId="urn:microsoft.com/office/officeart/2005/8/layout/cycle6"/>
+    <dgm:cxn modelId="{9598BADE-3C95-B042-A6AE-D841CCC53126}" srcId="{F2AA9E6C-32D4-E143-B4C1-8323F5885693}" destId="{CFD1D5B7-A236-4148-A257-4F15376180F1}" srcOrd="2" destOrd="0" parTransId="{583F1E4E-A41E-244D-8F1A-CD23F3DA4963}" sibTransId="{8F6A9027-1016-0E48-8D2C-387C4E6425C1}"/>
     <dgm:cxn modelId="{391512D4-EB38-2544-9A02-D402F1E11D0C}" type="presParOf" srcId="{698B8BAB-0490-4D42-8916-57106E38A5E6}" destId="{3D9EF82D-0041-DC49-8628-3E721199BA89}" srcOrd="0" destOrd="0" presId="urn:microsoft.com/office/officeart/2005/8/layout/cycle6"/>
     <dgm:cxn modelId="{CA2C7460-387A-BE41-ABCF-0459ECB7268D}" type="presParOf" srcId="{698B8BAB-0490-4D42-8916-57106E38A5E6}" destId="{DA52E55E-0807-4244-A0A5-E7EE3E4D8468}" srcOrd="1" destOrd="0" presId="urn:microsoft.com/office/officeart/2005/8/layout/cycle6"/>
     <dgm:cxn modelId="{3A1FB1DE-0ACD-2642-9A38-1FC9AA918A70}" type="presParOf" srcId="{698B8BAB-0490-4D42-8916-57106E38A5E6}" destId="{22C0D86C-105D-8F40-8CF5-ABBDD706D463}" srcOrd="2" destOrd="0" presId="urn:microsoft.com/office/officeart/2005/8/layout/cycle6"/>
@@ -14499,7 +14499,7 @@
           <a:p>
             <a:fld id="{418674B6-3DD0-DD4C-87E2-C82AEC08B29F}" type="datetimeFigureOut">
               <a:rPr lang="en-US" smtClean="0"/>
-              <a:t>10/31/16</a:t>
+              <a:t>11/1/16</a:t>
             </a:fld>
             <a:endParaRPr lang="en-US"/>
           </a:p>
@@ -14767,6 +14767,90 @@
 </p:notesMaster>
 </file>
 
+<file path=ppt/notesSlides/notesSlide1.xml><?xml version="1.0" encoding="utf-8"?>
+<p:notes xmlns:a="http://schemas.openxmlformats.org/drawingml/2006/main" xmlns:r="http://schemas.openxmlformats.org/officeDocument/2006/relationships" xmlns:p="http://schemas.openxmlformats.org/presentationml/2006/main">
+  <p:cSld>
+    <p:spTree>
+      <p:nvGrpSpPr>
+        <p:cNvPr id="1" name=""/>
+        <p:cNvGrpSpPr/>
+        <p:nvPr/>
+      </p:nvGrpSpPr>
+      <p:grpSpPr>
+        <a:xfrm>
+          <a:off x="0" y="0"/>
+          <a:ext cx="0" cy="0"/>
+          <a:chOff x="0" y="0"/>
+          <a:chExt cx="0" cy="0"/>
+        </a:xfrm>
+      </p:grpSpPr>
+      <p:sp>
+        <p:nvSpPr>
+          <p:cNvPr id="2" name="Slide Image Placeholder 1"/>
+          <p:cNvSpPr>
+            <a:spLocks noGrp="1" noRot="1" noChangeAspect="1"/>
+          </p:cNvSpPr>
+          <p:nvPr>
+            <p:ph type="sldImg"/>
+          </p:nvPr>
+        </p:nvSpPr>
+        <p:spPr/>
+      </p:sp>
+      <p:sp>
+        <p:nvSpPr>
+          <p:cNvPr id="3" name="Notes Placeholder 2"/>
+          <p:cNvSpPr>
+            <a:spLocks noGrp="1"/>
+          </p:cNvSpPr>
+          <p:nvPr>
+            <p:ph type="body" idx="1"/>
+          </p:nvPr>
+        </p:nvSpPr>
+        <p:spPr/>
+        <p:txBody>
+          <a:bodyPr/>
+          <a:lstStyle/>
+          <a:p>
+            <a:endParaRPr lang="en-US" dirty="0"/>
+          </a:p>
+        </p:txBody>
+      </p:sp>
+      <p:sp>
+        <p:nvSpPr>
+          <p:cNvPr id="4" name="Slide Number Placeholder 3"/>
+          <p:cNvSpPr>
+            <a:spLocks noGrp="1"/>
+          </p:cNvSpPr>
+          <p:nvPr>
+            <p:ph type="sldNum" sz="quarter" idx="10"/>
+          </p:nvPr>
+        </p:nvSpPr>
+        <p:spPr/>
+        <p:txBody>
+          <a:bodyPr/>
+          <a:lstStyle/>
+          <a:p>
+            <a:fld id="{EC67A1BE-BAC5-3E4D-BFDD-87773E79784F}" type="slidenum">
+              <a:rPr lang="en-US" smtClean="0"/>
+              <a:t>4</a:t>
+            </a:fld>
+            <a:endParaRPr lang="en-US"/>
+          </a:p>
+        </p:txBody>
+      </p:sp>
+    </p:spTree>
+    <p:extLst>
+      <p:ext uri="{BB962C8B-B14F-4D97-AF65-F5344CB8AC3E}">
+        <p14:creationId xmlns:p14="http://schemas.microsoft.com/office/powerpoint/2010/main" val="1221861289"/>
+      </p:ext>
+    </p:extLst>
+  </p:cSld>
+  <p:clrMapOvr>
+    <a:masterClrMapping/>
+  </p:clrMapOvr>
+</p:notes>
+</file>
+
 <file path=ppt/slideLayouts/slideLayout1.xml><?xml version="1.0" encoding="utf-8"?>
 <p:sldLayout xmlns:a="http://schemas.openxmlformats.org/drawingml/2006/main" xmlns:r="http://schemas.openxmlformats.org/officeDocument/2006/relationships" xmlns:p="http://schemas.openxmlformats.org/presentationml/2006/main" type="title" preserve="1">
   <p:cSld name="Title Slide">
@@ -14898,7 +14982,7 @@
           <a:p>
             <a:fld id="{5192CB05-E4E3-6543-BB47-54865E41FD91}" type="datetimeFigureOut">
               <a:rPr lang="en-US" smtClean="0"/>
-              <a:t>10/31/16</a:t>
+              <a:t>11/1/16</a:t>
             </a:fld>
             <a:endParaRPr lang="en-US"/>
           </a:p>
@@ -15068,7 +15152,7 @@
           <a:p>
             <a:fld id="{5192CB05-E4E3-6543-BB47-54865E41FD91}" type="datetimeFigureOut">
               <a:rPr lang="en-US" smtClean="0"/>
-              <a:t>10/31/16</a:t>
+              <a:t>11/1/16</a:t>
             </a:fld>
             <a:endParaRPr lang="en-US"/>
           </a:p>
@@ -15248,7 +15332,7 @@
           <a:p>
             <a:fld id="{5192CB05-E4E3-6543-BB47-54865E41FD91}" type="datetimeFigureOut">
               <a:rPr lang="en-US" smtClean="0"/>
-              <a:t>10/31/16</a:t>
+              <a:t>11/1/16</a:t>
             </a:fld>
             <a:endParaRPr lang="en-US"/>
           </a:p>
@@ -15418,7 +15502,7 @@
           <a:p>
             <a:fld id="{5192CB05-E4E3-6543-BB47-54865E41FD91}" type="datetimeFigureOut">
               <a:rPr lang="en-US" smtClean="0"/>
-              <a:t>10/31/16</a:t>
+              <a:t>11/1/16</a:t>
             </a:fld>
             <a:endParaRPr lang="en-US"/>
           </a:p>
@@ -15662,7 +15746,7 @@
           <a:p>
             <a:fld id="{5192CB05-E4E3-6543-BB47-54865E41FD91}" type="datetimeFigureOut">
               <a:rPr lang="en-US" smtClean="0"/>
-              <a:t>10/31/16</a:t>
+              <a:t>11/1/16</a:t>
             </a:fld>
             <a:endParaRPr lang="en-US"/>
           </a:p>
@@ -15894,7 +15978,7 @@
           <a:p>
             <a:fld id="{5192CB05-E4E3-6543-BB47-54865E41FD91}" type="datetimeFigureOut">
               <a:rPr lang="en-US" smtClean="0"/>
-              <a:t>10/31/16</a:t>
+              <a:t>11/1/16</a:t>
             </a:fld>
             <a:endParaRPr lang="en-US"/>
           </a:p>
@@ -16261,7 +16345,7 @@
           <a:p>
             <a:fld id="{5192CB05-E4E3-6543-BB47-54865E41FD91}" type="datetimeFigureOut">
               <a:rPr lang="en-US" smtClean="0"/>
-              <a:t>10/31/16</a:t>
+              <a:t>11/1/16</a:t>
             </a:fld>
             <a:endParaRPr lang="en-US"/>
           </a:p>
@@ -16379,7 +16463,7 @@
           <a:p>
             <a:fld id="{5192CB05-E4E3-6543-BB47-54865E41FD91}" type="datetimeFigureOut">
               <a:rPr lang="en-US" smtClean="0"/>
-              <a:t>10/31/16</a:t>
+              <a:t>11/1/16</a:t>
             </a:fld>
             <a:endParaRPr lang="en-US"/>
           </a:p>
@@ -16474,7 +16558,7 @@
           <a:p>
             <a:fld id="{5192CB05-E4E3-6543-BB47-54865E41FD91}" type="datetimeFigureOut">
               <a:rPr lang="en-US" smtClean="0"/>
-              <a:t>10/31/16</a:t>
+              <a:t>11/1/16</a:t>
             </a:fld>
             <a:endParaRPr lang="en-US"/>
           </a:p>
@@ -16751,7 +16835,7 @@
           <a:p>
             <a:fld id="{5192CB05-E4E3-6543-BB47-54865E41FD91}" type="datetimeFigureOut">
               <a:rPr lang="en-US" smtClean="0"/>
-              <a:t>10/31/16</a:t>
+              <a:t>11/1/16</a:t>
             </a:fld>
             <a:endParaRPr lang="en-US"/>
           </a:p>
@@ -17008,7 +17092,7 @@
           <a:p>
             <a:fld id="{5192CB05-E4E3-6543-BB47-54865E41FD91}" type="datetimeFigureOut">
               <a:rPr lang="en-US" smtClean="0"/>
-              <a:t>10/31/16</a:t>
+              <a:t>11/1/16</a:t>
             </a:fld>
             <a:endParaRPr lang="en-US"/>
           </a:p>
@@ -17221,7 +17305,7 @@
           <a:p>
             <a:fld id="{5192CB05-E4E3-6543-BB47-54865E41FD91}" type="datetimeFigureOut">
               <a:rPr lang="en-US" smtClean="0"/>
-              <a:t>10/31/16</a:t>
+              <a:t>11/1/16</a:t>
             </a:fld>
             <a:endParaRPr lang="en-US"/>
           </a:p>
@@ -17894,7 +17978,122 @@
         </p:nvSpPr>
         <p:spPr>
           <a:xfrm>
-            <a:off x="6433850" y="3393625"/>
+            <a:off x="5522345" y="3781948"/>
+            <a:ext cx="1483793" cy="574662"/>
+          </a:xfrm>
+          <a:prstGeom prst="can">
+            <a:avLst/>
+          </a:prstGeom>
+          <a:gradFill flip="none" rotWithShape="1">
+            <a:gsLst>
+              <a:gs pos="0">
+                <a:schemeClr val="accent1">
+                  <a:lumMod val="67000"/>
+                </a:schemeClr>
+              </a:gs>
+              <a:gs pos="48000">
+                <a:schemeClr val="accent1">
+                  <a:lumMod val="97000"/>
+                  <a:lumOff val="3000"/>
+                </a:schemeClr>
+              </a:gs>
+              <a:gs pos="100000">
+                <a:schemeClr val="accent1">
+                  <a:lumMod val="60000"/>
+                  <a:lumOff val="40000"/>
+                </a:schemeClr>
+              </a:gs>
+            </a:gsLst>
+            <a:lin ang="16200000" scaled="1"/>
+            <a:tileRect/>
+          </a:gradFill>
+          <a:ln>
+            <a:solidFill>
+              <a:schemeClr val="accent1"/>
+            </a:solidFill>
+          </a:ln>
+          <a:effectLst>
+            <a:outerShdw blurRad="50800" dist="38100" dir="2700000" algn="tl" rotWithShape="0">
+              <a:prstClr val="black">
+                <a:alpha val="40000"/>
+              </a:prstClr>
+            </a:outerShdw>
+          </a:effectLst>
+        </p:spPr>
+        <p:style>
+          <a:lnRef idx="2">
+            <a:schemeClr val="accent1">
+              <a:shade val="50000"/>
+            </a:schemeClr>
+          </a:lnRef>
+          <a:fillRef idx="1">
+            <a:schemeClr val="accent1"/>
+          </a:fillRef>
+          <a:effectRef idx="0">
+            <a:schemeClr val="accent1"/>
+          </a:effectRef>
+          <a:fontRef idx="minor">
+            <a:schemeClr val="lt1"/>
+          </a:fontRef>
+        </p:style>
+        <p:txBody>
+          <a:bodyPr rtlCol="0" anchor="ctr"/>
+          <a:lstStyle/>
+          <a:p>
+            <a:pPr algn="ctr"/>
+            <a:r>
+              <a:rPr lang="en-US" b="1">
+                <a:solidFill>
+                  <a:schemeClr val="tx1"/>
+                </a:solidFill>
+                <a:latin typeface="Helvetica" charset="0"/>
+                <a:ea typeface="Helvetica" charset="0"/>
+                <a:cs typeface="Helvetica" charset="0"/>
+              </a:rPr>
+              <a:t>r</a:t>
+            </a:r>
+            <a:r>
+              <a:rPr lang="en-US" b="1" smtClean="0">
+                <a:solidFill>
+                  <a:schemeClr val="tx1"/>
+                </a:solidFill>
+                <a:latin typeface="Helvetica" charset="0"/>
+                <a:ea typeface="Helvetica" charset="0"/>
+                <a:cs typeface="Helvetica" charset="0"/>
+              </a:rPr>
+              <a:t>esult </a:t>
+            </a:r>
+            <a:r>
+              <a:rPr lang="en-US" b="1" smtClean="0">
+                <a:solidFill>
+                  <a:schemeClr val="tx1"/>
+                </a:solidFill>
+                <a:latin typeface="Helvetica" charset="0"/>
+                <a:ea typeface="Helvetica" charset="0"/>
+                <a:cs typeface="Helvetica" charset="0"/>
+              </a:rPr>
+              <a:t>data</a:t>
+            </a:r>
+            <a:endParaRPr lang="en-US" b="1" dirty="0">
+              <a:solidFill>
+                <a:schemeClr val="tx1"/>
+              </a:solidFill>
+              <a:latin typeface="Helvetica" charset="0"/>
+              <a:ea typeface="Helvetica" charset="0"/>
+              <a:cs typeface="Helvetica" charset="0"/>
+            </a:endParaRPr>
+          </a:p>
+        </p:txBody>
+      </p:sp>
+      <p:sp>
+        <p:nvSpPr>
+          <p:cNvPr id="4" name="Can 3"/>
+          <p:cNvSpPr/>
+          <p:nvPr/>
+        </p:nvSpPr>
+        <p:spPr>
+          <a:xfrm>
+            <a:off x="1565937" y="1708527"/>
             <a:ext cx="1189822" cy="837282"/>
           </a:xfrm>
           <a:prstGeom prst="can">
@@ -17923,6 +18122,18 @@
             <a:lin ang="16200000" scaled="1"/>
             <a:tileRect/>
           </a:gradFill>
+          <a:ln>
+            <a:solidFill>
+              <a:schemeClr val="accent1"/>
+            </a:solidFill>
+          </a:ln>
+          <a:effectLst>
+            <a:outerShdw blurRad="50800" dist="38100" dir="2700000" algn="tl" rotWithShape="0">
+              <a:prstClr val="black">
+                <a:alpha val="40000"/>
+              </a:prstClr>
+            </a:outerShdw>
+          </a:effectLst>
         </p:spPr>
         <p:style>
           <a:lnRef idx="2">
@@ -17946,49 +18157,36 @@
           <a:p>
             <a:pPr algn="ctr"/>
             <a:r>
-              <a:rPr lang="en-US" sz="2400" dirty="0">
+              <a:rPr lang="en-US" b="1" dirty="0" err="1" smtClean="0">
                 <a:solidFill>
                   <a:schemeClr val="tx1"/>
                 </a:solidFill>
+                <a:latin typeface="Helvetica" charset="0"/>
+                <a:ea typeface="Helvetica" charset="0"/>
+                <a:cs typeface="Helvetica" charset="0"/>
               </a:rPr>
-              <a:t>r</a:t>
+              <a:t>github</a:t>
             </a:r>
-            <a:r>
-              <a:rPr lang="en-US" sz="2400" dirty="0" smtClean="0">
-                <a:solidFill>
-                  <a:schemeClr val="tx1"/>
-                </a:solidFill>
-              </a:rPr>
-              <a:t>esult </a:t>
-            </a:r>
-          </a:p>
-          <a:p>
-            <a:pPr algn="ctr"/>
-            <a:r>
-              <a:rPr lang="en-US" sz="2400" dirty="0" smtClean="0">
-                <a:solidFill>
-                  <a:schemeClr val="tx1"/>
-                </a:solidFill>
-              </a:rPr>
-              <a:t>data</a:t>
-            </a:r>
-            <a:endParaRPr lang="en-US" sz="2400" dirty="0">
+            <a:endParaRPr lang="en-US" b="1" dirty="0">
               <a:solidFill>
                 <a:schemeClr val="tx1"/>
               </a:solidFill>
+              <a:latin typeface="Helvetica" charset="0"/>
+              <a:ea typeface="Helvetica" charset="0"/>
+              <a:cs typeface="Helvetica" charset="0"/>
             </a:endParaRPr>
           </a:p>
         </p:txBody>
       </p:sp>
       <p:sp>
         <p:nvSpPr>
-          <p:cNvPr id="4" name="Can 3"/>
+          <p:cNvPr id="5" name="Can 4"/>
           <p:cNvSpPr/>
           <p:nvPr/>
         </p:nvSpPr>
         <p:spPr>
           <a:xfrm>
-            <a:off x="3712683" y="1153097"/>
+            <a:off x="1640993" y="2784227"/>
             <a:ext cx="1189822" cy="837282"/>
           </a:xfrm>
           <a:prstGeom prst="can">
@@ -18017,6 +18215,18 @@
             <a:lin ang="16200000" scaled="1"/>
             <a:tileRect/>
           </a:gradFill>
+          <a:ln>
+            <a:solidFill>
+              <a:schemeClr val="accent1"/>
+            </a:solidFill>
+          </a:ln>
+          <a:effectLst>
+            <a:outerShdw blurRad="50800" dist="38100" dir="2700000" algn="tl" rotWithShape="0">
+              <a:prstClr val="black">
+                <a:alpha val="40000"/>
+              </a:prstClr>
+            </a:outerShdw>
+          </a:effectLst>
         </p:spPr>
         <p:style>
           <a:lnRef idx="2">
@@ -18040,30 +18250,69 @@
           <a:p>
             <a:pPr algn="ctr"/>
             <a:r>
-              <a:rPr lang="en-US" sz="2400" dirty="0" err="1" smtClean="0">
+              <a:rPr lang="en-US" b="1" dirty="0" err="1">
                 <a:solidFill>
                   <a:schemeClr val="tx1"/>
                 </a:solidFill>
+                <a:latin typeface="Helvetica" charset="0"/>
+                <a:ea typeface="Helvetica" charset="0"/>
+                <a:cs typeface="Helvetica" charset="0"/>
               </a:rPr>
-              <a:t>github</a:t>
+              <a:t>a</a:t>
             </a:r>
-            <a:endParaRPr lang="en-US" sz="2400" dirty="0">
+            <a:r>
+              <a:rPr lang="en-US" b="1" dirty="0" err="1" smtClean="0">
+                <a:solidFill>
+                  <a:schemeClr val="tx1"/>
+                </a:solidFill>
+                <a:latin typeface="Helvetica" charset="0"/>
+                <a:ea typeface="Helvetica" charset="0"/>
+                <a:cs typeface="Helvetica" charset="0"/>
+              </a:rPr>
+              <a:t>nsible</a:t>
+            </a:r>
+            <a:endParaRPr lang="en-US" b="1" dirty="0" smtClean="0">
               <a:solidFill>
                 <a:schemeClr val="tx1"/>
               </a:solidFill>
+              <a:latin typeface="Helvetica" charset="0"/>
+              <a:ea typeface="Helvetica" charset="0"/>
+              <a:cs typeface="Helvetica" charset="0"/>
+            </a:endParaRPr>
+          </a:p>
+          <a:p>
+            <a:pPr algn="ctr"/>
+            <a:r>
+              <a:rPr lang="en-US" b="1" dirty="0" smtClean="0">
+                <a:solidFill>
+                  <a:schemeClr val="tx1"/>
+                </a:solidFill>
+                <a:latin typeface="Helvetica" charset="0"/>
+                <a:ea typeface="Helvetica" charset="0"/>
+                <a:cs typeface="Helvetica" charset="0"/>
+              </a:rPr>
+              <a:t>galaxy</a:t>
+            </a:r>
+            <a:endParaRPr lang="en-US" b="1" dirty="0">
+              <a:solidFill>
+                <a:schemeClr val="tx1"/>
+              </a:solidFill>
+              <a:latin typeface="Helvetica" charset="0"/>
+              <a:ea typeface="Helvetica" charset="0"/>
+              <a:cs typeface="Helvetica" charset="0"/>
             </a:endParaRPr>
           </a:p>
         </p:txBody>
       </p:sp>
       <p:sp>
         <p:nvSpPr>
-          <p:cNvPr id="5" name="Can 4"/>
+          <p:cNvPr id="6" name="Can 5"/>
           <p:cNvSpPr/>
           <p:nvPr/>
         </p:nvSpPr>
         <p:spPr>
           <a:xfrm>
-            <a:off x="3037298" y="3057026"/>
+            <a:off x="1640993" y="3859927"/>
             <a:ext cx="1189822" cy="837282"/>
           </a:xfrm>
           <a:prstGeom prst="can">
@@ -18092,6 +18341,18 @@
             <a:lin ang="16200000" scaled="1"/>
             <a:tileRect/>
           </a:gradFill>
+          <a:ln>
+            <a:solidFill>
+              <a:schemeClr val="accent1"/>
+            </a:solidFill>
+          </a:ln>
+          <a:effectLst>
+            <a:outerShdw blurRad="50800" dist="38100" dir="2700000" algn="tl" rotWithShape="0">
+              <a:prstClr val="black">
+                <a:alpha val="40000"/>
+              </a:prstClr>
+            </a:outerShdw>
+          </a:effectLst>
         </p:spPr>
         <p:style>
           <a:lnRef idx="2">
@@ -18115,116 +18376,23 @@
           <a:p>
             <a:pPr algn="ctr"/>
             <a:r>
-              <a:rPr lang="en-US" sz="2400" dirty="0" err="1">
+              <a:rPr lang="en-US" b="1" dirty="0" smtClean="0">
                 <a:solidFill>
                   <a:schemeClr val="tx1"/>
                 </a:solidFill>
+                <a:latin typeface="Helvetica" charset="0"/>
+                <a:ea typeface="Helvetica" charset="0"/>
+                <a:cs typeface="Helvetica" charset="0"/>
               </a:rPr>
-              <a:t>a</a:t>
+              <a:t>data</a:t>
             </a:r>
-            <a:r>
-              <a:rPr lang="en-US" sz="2400" dirty="0" err="1" smtClean="0">
-                <a:solidFill>
-                  <a:schemeClr val="tx1"/>
-                </a:solidFill>
-              </a:rPr>
-              <a:t>nsible</a:t>
-            </a:r>
-            <a:endParaRPr lang="en-US" sz="2400" dirty="0" smtClean="0">
+            <a:endParaRPr lang="en-US" b="1" dirty="0">
               <a:solidFill>
                 <a:schemeClr val="tx1"/>
               </a:solidFill>
-            </a:endParaRPr>
-          </a:p>
-          <a:p>
-            <a:pPr algn="ctr"/>
-            <a:r>
-              <a:rPr lang="en-US" sz="2400" dirty="0" smtClean="0">
-                <a:solidFill>
-                  <a:schemeClr val="tx1"/>
-                </a:solidFill>
-              </a:rPr>
-              <a:t>galaxy</a:t>
-            </a:r>
-            <a:endParaRPr lang="en-US" sz="2400" dirty="0">
-              <a:solidFill>
-                <a:schemeClr val="tx1"/>
-              </a:solidFill>
-            </a:endParaRPr>
-          </a:p>
-        </p:txBody>
-      </p:sp>
-      <p:sp>
-        <p:nvSpPr>
-          <p:cNvPr id="6" name="Can 5"/>
-          <p:cNvSpPr/>
-          <p:nvPr/>
-        </p:nvSpPr>
-        <p:spPr>
-          <a:xfrm>
-            <a:off x="3066043" y="4330733"/>
-            <a:ext cx="1189822" cy="837282"/>
-          </a:xfrm>
-          <a:prstGeom prst="can">
-            <a:avLst/>
-          </a:prstGeom>
-          <a:gradFill flip="none" rotWithShape="1">
-            <a:gsLst>
-              <a:gs pos="0">
-                <a:schemeClr val="accent1">
-                  <a:lumMod val="67000"/>
-                </a:schemeClr>
-              </a:gs>
-              <a:gs pos="48000">
-                <a:schemeClr val="accent1">
-                  <a:lumMod val="97000"/>
-                  <a:lumOff val="3000"/>
-                </a:schemeClr>
-              </a:gs>
-              <a:gs pos="100000">
-                <a:schemeClr val="accent1">
-                  <a:lumMod val="60000"/>
-                  <a:lumOff val="40000"/>
-                </a:schemeClr>
-              </a:gs>
-            </a:gsLst>
-            <a:lin ang="16200000" scaled="1"/>
-            <a:tileRect/>
-          </a:gradFill>
-        </p:spPr>
-        <p:style>
-          <a:lnRef idx="2">
-            <a:schemeClr val="accent1">
-              <a:shade val="50000"/>
-            </a:schemeClr>
-          </a:lnRef>
-          <a:fillRef idx="1">
-            <a:schemeClr val="accent1"/>
-          </a:fillRef>
-          <a:effectRef idx="0">
-            <a:schemeClr val="accent1"/>
-          </a:effectRef>
-          <a:fontRef idx="minor">
-            <a:schemeClr val="lt1"/>
-          </a:fontRef>
-        </p:style>
-        <p:txBody>
-          <a:bodyPr rtlCol="0" anchor="ctr"/>
-          <a:lstStyle/>
-          <a:p>
-            <a:pPr algn="ctr"/>
-            <a:r>
-              <a:rPr lang="en-US" sz="2400" dirty="0" smtClean="0">
-                <a:solidFill>
-                  <a:schemeClr val="tx1"/>
-                </a:solidFill>
-              </a:rPr>
-              <a:t>data</a:t>
-            </a:r>
-            <a:endParaRPr lang="en-US" sz="2400" dirty="0">
-              <a:solidFill>
-                <a:schemeClr val="tx1"/>
-              </a:solidFill>
+              <a:latin typeface="Helvetica" charset="0"/>
+              <a:ea typeface="Helvetica" charset="0"/>
+              <a:cs typeface="Helvetica" charset="0"/>
             </a:endParaRPr>
           </a:p>
         </p:txBody>
@@ -18237,8 +18405,8 @@
         </p:nvSpPr>
         <p:spPr>
           <a:xfrm>
-            <a:off x="5640777" y="2038079"/>
-            <a:ext cx="1079511" cy="1002535"/>
+            <a:off x="3962211" y="1706956"/>
+            <a:ext cx="1660608" cy="713035"/>
           </a:xfrm>
           <a:prstGeom prst="snipRoundRect">
             <a:avLst/>
@@ -18266,6 +18434,18 @@
             <a:lin ang="16200000" scaled="1"/>
             <a:tileRect/>
           </a:gradFill>
+          <a:ln>
+            <a:solidFill>
+              <a:schemeClr val="accent1"/>
+            </a:solidFill>
+          </a:ln>
+          <a:effectLst>
+            <a:outerShdw blurRad="50800" dist="38100" dir="2700000" algn="tl" rotWithShape="0">
+              <a:prstClr val="black">
+                <a:alpha val="40000"/>
+              </a:prstClr>
+            </a:outerShdw>
+          </a:effectLst>
         </p:spPr>
         <p:style>
           <a:lnRef idx="2">
@@ -18289,17 +18469,23 @@
           <a:p>
             <a:pPr algn="ctr"/>
             <a:r>
-              <a:rPr lang="en-US" sz="2400" dirty="0" smtClean="0">
+              <a:rPr lang="en-US" b="1" dirty="0" smtClean="0">
                 <a:solidFill>
                   <a:schemeClr val="tx1"/>
                 </a:solidFill>
+                <a:latin typeface="Helvetica" charset="0"/>
+                <a:ea typeface="Helvetica" charset="0"/>
+                <a:cs typeface="Helvetica" charset="0"/>
               </a:rPr>
               <a:t>playbook</a:t>
             </a:r>
-            <a:endParaRPr lang="en-US" sz="2400" dirty="0">
+            <a:endParaRPr lang="en-US" b="1" dirty="0">
               <a:solidFill>
                 <a:schemeClr val="tx1"/>
               </a:solidFill>
+              <a:latin typeface="Helvetica" charset="0"/>
+              <a:ea typeface="Helvetica" charset="0"/>
+              <a:cs typeface="Helvetica" charset="0"/>
             </a:endParaRPr>
           </a:p>
         </p:txBody>
@@ -18312,8 +18498,8 @@
         </p:nvSpPr>
         <p:spPr>
           <a:xfrm>
-            <a:off x="5640777" y="3521696"/>
-            <a:ext cx="1079511" cy="1002535"/>
+            <a:off x="3962211" y="4377526"/>
+            <a:ext cx="1660608" cy="743778"/>
           </a:xfrm>
           <a:prstGeom prst="snipRoundRect">
             <a:avLst/>
@@ -18341,6 +18527,18 @@
             <a:lin ang="16200000" scaled="1"/>
             <a:tileRect/>
           </a:gradFill>
+          <a:ln>
+            <a:solidFill>
+              <a:schemeClr val="accent1"/>
+            </a:solidFill>
+          </a:ln>
+          <a:effectLst>
+            <a:outerShdw blurRad="50800" dist="38100" dir="2700000" algn="tl" rotWithShape="0">
+              <a:prstClr val="black">
+                <a:alpha val="40000"/>
+              </a:prstClr>
+            </a:outerShdw>
+          </a:effectLst>
         </p:spPr>
         <p:style>
           <a:lnRef idx="2">
@@ -18364,36 +18562,81 @@
           <a:p>
             <a:pPr algn="ctr"/>
             <a:r>
-              <a:rPr lang="en-US" sz="2400" dirty="0">
+              <a:rPr lang="en-US" b="1" dirty="0">
                 <a:solidFill>
                   <a:schemeClr val="tx1"/>
                 </a:solidFill>
+                <a:latin typeface="Helvetica" charset="0"/>
+                <a:ea typeface="Helvetica" charset="0"/>
+                <a:cs typeface="Helvetica" charset="0"/>
               </a:rPr>
-              <a:t>r</a:t>
+              <a:t>v</a:t>
             </a:r>
             <a:r>
-              <a:rPr lang="en-US" sz="2400" dirty="0" smtClean="0">
+              <a:rPr lang="en-US" b="1" smtClean="0">
                 <a:solidFill>
                   <a:schemeClr val="tx1"/>
                 </a:solidFill>
+                <a:latin typeface="Helvetica" charset="0"/>
+                <a:ea typeface="Helvetica" charset="0"/>
+                <a:cs typeface="Helvetica" charset="0"/>
               </a:rPr>
-              <a:t>esult</a:t>
+              <a:t>erification</a:t>
+            </a:r>
+            <a:r>
+              <a:rPr lang="en-US" b="1" dirty="0" smtClean="0">
+                <a:solidFill>
+                  <a:schemeClr val="tx1"/>
+                </a:solidFill>
+                <a:latin typeface="Helvetica" charset="0"/>
+                <a:ea typeface="Helvetica" charset="0"/>
+                <a:cs typeface="Helvetica" charset="0"/>
+              </a:rPr>
+              <a:t>/</a:t>
             </a:r>
           </a:p>
           <a:p>
             <a:pPr algn="ctr"/>
             <a:r>
-              <a:rPr lang="en-US" sz="2400" dirty="0" smtClean="0">
+              <a:rPr lang="en-US" b="1" dirty="0" smtClean="0">
                 <a:solidFill>
                   <a:schemeClr val="tx1"/>
                 </a:solidFill>
+                <a:latin typeface="Helvetica" charset="0"/>
+                <a:ea typeface="Helvetica" charset="0"/>
+                <a:cs typeface="Helvetica" charset="0"/>
+              </a:rPr>
+              <a:t>Result</a:t>
+            </a:r>
+            <a:r>
+              <a:rPr lang="en-US" b="1" dirty="0" smtClean="0">
+                <a:solidFill>
+                  <a:schemeClr val="tx1"/>
+                </a:solidFill>
+                <a:latin typeface="Helvetica" charset="0"/>
+                <a:ea typeface="Helvetica" charset="0"/>
+                <a:cs typeface="Helvetica" charset="0"/>
+              </a:rPr>
+              <a:t> </a:t>
+            </a:r>
+            <a:r>
+              <a:rPr lang="en-US" b="1" dirty="0" smtClean="0">
+                <a:solidFill>
+                  <a:schemeClr val="tx1"/>
+                </a:solidFill>
+                <a:latin typeface="Helvetica" charset="0"/>
+                <a:ea typeface="Helvetica" charset="0"/>
+                <a:cs typeface="Helvetica" charset="0"/>
               </a:rPr>
               <a:t>tests</a:t>
             </a:r>
-            <a:endParaRPr lang="en-US" sz="2400" dirty="0">
+            <a:endParaRPr lang="en-US" b="1" dirty="0">
               <a:solidFill>
                 <a:schemeClr val="tx1"/>
               </a:solidFill>
+              <a:latin typeface="Helvetica" charset="0"/>
+              <a:ea typeface="Helvetica" charset="0"/>
+              <a:cs typeface="Helvetica" charset="0"/>
             </a:endParaRPr>
           </a:p>
         </p:txBody>
@@ -18406,8 +18649,8 @@
         </p:nvSpPr>
         <p:spPr>
           <a:xfrm>
-            <a:off x="5676396" y="444116"/>
-            <a:ext cx="1079511" cy="1002535"/>
+            <a:off x="3962211" y="571037"/>
+            <a:ext cx="1660608" cy="713035"/>
           </a:xfrm>
           <a:prstGeom prst="snipRoundRect">
             <a:avLst/>
@@ -18435,6 +18678,18 @@
             <a:lin ang="16200000" scaled="1"/>
             <a:tileRect/>
           </a:gradFill>
+          <a:ln>
+            <a:solidFill>
+              <a:schemeClr val="accent1"/>
+            </a:solidFill>
+          </a:ln>
+          <a:effectLst>
+            <a:outerShdw blurRad="50800" dist="38100" dir="2700000" algn="tl" rotWithShape="0">
+              <a:prstClr val="black">
+                <a:alpha val="40000"/>
+              </a:prstClr>
+            </a:outerShdw>
+          </a:effectLst>
         </p:spPr>
         <p:style>
           <a:lnRef idx="2">
@@ -18458,17 +18713,23 @@
           <a:p>
             <a:pPr algn="ctr"/>
             <a:r>
-              <a:rPr lang="en-US" sz="2400" smtClean="0">
+              <a:rPr lang="en-US" b="1" dirty="0" smtClean="0">
                 <a:solidFill>
                   <a:schemeClr val="tx1"/>
                 </a:solidFill>
+                <a:latin typeface="Helvetica" charset="0"/>
+                <a:ea typeface="Helvetica" charset="0"/>
+                <a:cs typeface="Helvetica" charset="0"/>
               </a:rPr>
               <a:t>Cloudmesh script</a:t>
             </a:r>
-            <a:endParaRPr lang="en-US" sz="2400" dirty="0">
+            <a:endParaRPr lang="en-US" b="1" dirty="0">
               <a:solidFill>
                 <a:schemeClr val="tx1"/>
               </a:solidFill>
+              <a:latin typeface="Helvetica" charset="0"/>
+              <a:ea typeface="Helvetica" charset="0"/>
+              <a:cs typeface="Helvetica" charset="0"/>
             </a:endParaRPr>
           </a:p>
         </p:txBody>
@@ -18476,22 +18737,22 @@
       <p:cxnSp>
         <p:nvCxnSpPr>
           <p:cNvPr id="13" name="Straight Arrow Connector 12"/>
-          <p:cNvCxnSpPr>
-            <a:stCxn id="4" idx="4"/>
-            <a:endCxn id="11" idx="2"/>
-          </p:cNvCxnSpPr>
+          <p:cNvCxnSpPr/>
           <p:nvPr/>
         </p:nvCxnSpPr>
         <p:spPr>
           <a:xfrm flipV="1">
-            <a:off x="4902505" y="945384"/>
-            <a:ext cx="773891" cy="626354"/>
+            <a:off x="2755759" y="881463"/>
+            <a:ext cx="1170066" cy="1260142"/>
           </a:xfrm>
           <a:prstGeom prst="straightConnector1">
             <a:avLst/>
           </a:prstGeom>
-          <a:ln>
-            <a:tailEnd type="triangle"/>
+          <a:ln w="76200">
+            <a:solidFill>
+              <a:schemeClr val="accent3"/>
+            </a:solidFill>
+            <a:tailEnd type="stealth"/>
           </a:ln>
         </p:spPr>
         <p:style>
@@ -18512,22 +18773,22 @@
       <p:cxnSp>
         <p:nvCxnSpPr>
           <p:cNvPr id="15" name="Straight Arrow Connector 14"/>
-          <p:cNvCxnSpPr>
-            <a:stCxn id="11" idx="2"/>
-            <a:endCxn id="5" idx="4"/>
-          </p:cNvCxnSpPr>
+          <p:cNvCxnSpPr/>
           <p:nvPr/>
         </p:nvCxnSpPr>
         <p:spPr>
           <a:xfrm flipH="1">
-            <a:off x="4227120" y="945384"/>
-            <a:ext cx="1449276" cy="2530283"/>
+            <a:off x="2830815" y="881463"/>
+            <a:ext cx="1095010" cy="2335842"/>
           </a:xfrm>
           <a:prstGeom prst="straightConnector1">
             <a:avLst/>
           </a:prstGeom>
-          <a:ln>
-            <a:tailEnd type="triangle"/>
+          <a:ln w="76200">
+            <a:solidFill>
+              <a:schemeClr val="accent3"/>
+            </a:solidFill>
+            <a:tailEnd type="stealth"/>
           </a:ln>
         </p:spPr>
         <p:style>
@@ -18548,22 +18809,22 @@
       <p:cxnSp>
         <p:nvCxnSpPr>
           <p:cNvPr id="18" name="Straight Arrow Connector 17"/>
-          <p:cNvCxnSpPr>
-            <a:stCxn id="5" idx="4"/>
-            <a:endCxn id="7" idx="2"/>
-          </p:cNvCxnSpPr>
+          <p:cNvCxnSpPr/>
           <p:nvPr/>
         </p:nvCxnSpPr>
         <p:spPr>
           <a:xfrm flipV="1">
-            <a:off x="4227120" y="2539347"/>
-            <a:ext cx="1413657" cy="936320"/>
+            <a:off x="2830815" y="2273511"/>
+            <a:ext cx="1089500" cy="943794"/>
           </a:xfrm>
           <a:prstGeom prst="straightConnector1">
             <a:avLst/>
           </a:prstGeom>
-          <a:ln>
-            <a:tailEnd type="triangle"/>
+          <a:ln w="76200">
+            <a:solidFill>
+              <a:schemeClr val="accent3"/>
+            </a:solidFill>
+            <a:tailEnd type="stealth"/>
           </a:ln>
         </p:spPr>
         <p:style>
@@ -18584,22 +18845,22 @@
       <p:cxnSp>
         <p:nvCxnSpPr>
           <p:cNvPr id="21" name="Straight Arrow Connector 20"/>
-          <p:cNvCxnSpPr>
-            <a:stCxn id="6" idx="4"/>
-            <a:endCxn id="7" idx="2"/>
-          </p:cNvCxnSpPr>
+          <p:cNvCxnSpPr/>
           <p:nvPr/>
         </p:nvCxnSpPr>
         <p:spPr>
           <a:xfrm flipV="1">
-            <a:off x="4255865" y="2539347"/>
-            <a:ext cx="1384912" cy="2210027"/>
+            <a:off x="2830815" y="2273511"/>
+            <a:ext cx="1089500" cy="2019494"/>
           </a:xfrm>
           <a:prstGeom prst="straightConnector1">
             <a:avLst/>
           </a:prstGeom>
-          <a:ln>
-            <a:tailEnd type="triangle"/>
+          <a:ln w="76200">
+            <a:solidFill>
+              <a:schemeClr val="accent3"/>
+            </a:solidFill>
+            <a:tailEnd type="stealth"/>
           </a:ln>
         </p:spPr>
         <p:style>
@@ -18622,20 +18883,23 @@
           <p:cNvPr id="23" name="Straight Arrow Connector 22"/>
           <p:cNvCxnSpPr>
             <a:stCxn id="7" idx="1"/>
-            <a:endCxn id="8" idx="3"/>
+            <a:endCxn id="94" idx="0"/>
           </p:cNvCxnSpPr>
           <p:nvPr/>
         </p:nvCxnSpPr>
         <p:spPr>
           <a:xfrm>
-            <a:off x="6180533" y="3040614"/>
-            <a:ext cx="0" cy="481082"/>
+            <a:off x="4792515" y="2419991"/>
+            <a:ext cx="0" cy="422884"/>
           </a:xfrm>
           <a:prstGeom prst="straightConnector1">
             <a:avLst/>
           </a:prstGeom>
-          <a:ln>
-            <a:tailEnd type="triangle"/>
+          <a:ln w="76200">
+            <a:solidFill>
+              <a:schemeClr val="accent3"/>
+            </a:solidFill>
+            <a:tailEnd type="stealth"/>
           </a:ln>
         </p:spPr>
         <p:style>
@@ -18661,8 +18925,8 @@
         </p:nvSpPr>
         <p:spPr>
           <a:xfrm>
-            <a:off x="5734278" y="4780553"/>
-            <a:ext cx="1068638" cy="905220"/>
+            <a:off x="4115677" y="5399920"/>
+            <a:ext cx="1269883" cy="905220"/>
           </a:xfrm>
           <a:prstGeom prst="diamond">
             <a:avLst/>
@@ -18690,6 +18954,18 @@
             <a:lin ang="16200000" scaled="1"/>
             <a:tileRect/>
           </a:gradFill>
+          <a:ln>
+            <a:solidFill>
+              <a:schemeClr val="accent1"/>
+            </a:solidFill>
+          </a:ln>
+          <a:effectLst>
+            <a:outerShdw blurRad="50800" dist="38100" dir="2700000" algn="tl" rotWithShape="0">
+              <a:prstClr val="black">
+                <a:alpha val="40000"/>
+              </a:prstClr>
+            </a:outerShdw>
+          </a:effectLst>
         </p:spPr>
         <p:style>
           <a:lnRef idx="2">
@@ -18713,17 +18989,23 @@
           <a:p>
             <a:pPr algn="ctr"/>
             <a:r>
-              <a:rPr lang="en-US" sz="2400" dirty="0" smtClean="0">
+              <a:rPr lang="en-US" b="1" dirty="0" smtClean="0">
                 <a:solidFill>
                   <a:schemeClr val="tx1"/>
                 </a:solidFill>
+                <a:latin typeface="Helvetica" charset="0"/>
+                <a:ea typeface="Helvetica" charset="0"/>
+                <a:cs typeface="Helvetica" charset="0"/>
               </a:rPr>
               <a:t>test</a:t>
             </a:r>
-            <a:endParaRPr lang="en-US" sz="2400" dirty="0">
+            <a:endParaRPr lang="en-US" b="1" dirty="0">
               <a:solidFill>
                 <a:schemeClr val="tx1"/>
               </a:solidFill>
+              <a:latin typeface="Helvetica" charset="0"/>
+              <a:ea typeface="Helvetica" charset="0"/>
+              <a:cs typeface="Helvetica" charset="0"/>
             </a:endParaRPr>
           </a:p>
         </p:txBody>
@@ -18731,22 +19013,22 @@
       <p:cxnSp>
         <p:nvCxnSpPr>
           <p:cNvPr id="27" name="Straight Arrow Connector 26"/>
-          <p:cNvCxnSpPr>
-            <a:stCxn id="40" idx="3"/>
-            <a:endCxn id="11" idx="2"/>
-          </p:cNvCxnSpPr>
+          <p:cNvCxnSpPr/>
           <p:nvPr/>
         </p:nvCxnSpPr>
         <p:spPr>
-          <a:xfrm>
-            <a:off x="3193382" y="924365"/>
-            <a:ext cx="2483014" cy="21019"/>
+          <a:xfrm flipV="1">
+            <a:off x="2833602" y="881463"/>
+            <a:ext cx="1092223" cy="19490"/>
           </a:xfrm>
           <a:prstGeom prst="straightConnector1">
             <a:avLst/>
           </a:prstGeom>
-          <a:ln>
-            <a:tailEnd type="triangle"/>
+          <a:ln w="76200">
+            <a:solidFill>
+              <a:schemeClr val="accent3"/>
+            </a:solidFill>
+            <a:tailEnd type="stealth"/>
           </a:ln>
         </p:spPr>
         <p:style>
@@ -18768,20 +19050,24 @@
         <p:nvCxnSpPr>
           <p:cNvPr id="29" name="Straight Arrow Connector 28"/>
           <p:cNvCxnSpPr>
+            <a:stCxn id="8" idx="1"/>
             <a:endCxn id="25" idx="0"/>
           </p:cNvCxnSpPr>
           <p:nvPr/>
         </p:nvCxnSpPr>
         <p:spPr>
-          <a:xfrm>
-            <a:off x="6265846" y="4523651"/>
-            <a:ext cx="2751" cy="256902"/>
+          <a:xfrm flipH="1">
+            <a:off x="4750619" y="5121304"/>
+            <a:ext cx="41896" cy="278616"/>
           </a:xfrm>
           <a:prstGeom prst="straightConnector1">
             <a:avLst/>
           </a:prstGeom>
-          <a:ln>
-            <a:tailEnd type="triangle"/>
+          <a:ln w="76200">
+            <a:solidFill>
+              <a:schemeClr val="accent3"/>
+            </a:solidFill>
+            <a:tailEnd type="stealth"/>
           </a:ln>
         </p:spPr>
         <p:style>
@@ -18802,25 +19088,25 @@
       <p:cxnSp>
         <p:nvCxnSpPr>
           <p:cNvPr id="16" name="Elbow Connector 15"/>
-          <p:cNvCxnSpPr>
-            <a:stCxn id="25" idx="2"/>
-            <a:endCxn id="40" idx="1"/>
-          </p:cNvCxnSpPr>
+          <p:cNvCxnSpPr/>
           <p:nvPr/>
         </p:nvCxnSpPr>
         <p:spPr>
           <a:xfrm rot="5400000" flipH="1">
-            <a:off x="1368042" y="785218"/>
-            <a:ext cx="4761408" cy="5039702"/>
+            <a:off x="124291" y="1622108"/>
+            <a:ext cx="5418624" cy="3881504"/>
           </a:xfrm>
           <a:prstGeom prst="bentConnector4">
             <a:avLst>
-              <a:gd name="adj1" fmla="val -4801"/>
-              <a:gd name="adj2" fmla="val 104536"/>
+              <a:gd name="adj1" fmla="val -4219"/>
+              <a:gd name="adj2" fmla="val 109030"/>
             </a:avLst>
           </a:prstGeom>
-          <a:ln>
-            <a:tailEnd type="triangle"/>
+          <a:ln w="76200">
+            <a:solidFill>
+              <a:schemeClr val="accent3"/>
+            </a:solidFill>
+            <a:tailEnd type="stealth"/>
           </a:ln>
         </p:spPr>
         <p:style>
@@ -18848,15 +19134,18 @@
           <p:nvPr/>
         </p:nvCxnSpPr>
         <p:spPr>
-          <a:xfrm flipH="1">
-            <a:off x="6180533" y="1446651"/>
-            <a:ext cx="35619" cy="591428"/>
+          <a:xfrm>
+            <a:off x="4792515" y="1284072"/>
+            <a:ext cx="0" cy="422884"/>
           </a:xfrm>
           <a:prstGeom prst="straightConnector1">
             <a:avLst/>
           </a:prstGeom>
-          <a:ln>
-            <a:tailEnd type="triangle"/>
+          <a:ln w="76200">
+            <a:solidFill>
+              <a:schemeClr val="accent3"/>
+            </a:solidFill>
+            <a:tailEnd type="stealth"/>
           </a:ln>
         </p:spPr>
         <p:style>
@@ -18882,13 +19171,16 @@
         </p:nvSpPr>
         <p:spPr>
           <a:xfrm>
-            <a:off x="6216152" y="1673033"/>
-            <a:ext cx="720838" cy="461665"/>
+            <a:off x="4976537" y="1284887"/>
+            <a:ext cx="697627" cy="369332"/>
           </a:xfrm>
           <a:prstGeom prst="rect">
             <a:avLst/>
           </a:prstGeom>
           <a:noFill/>
+          <a:ln>
+            <a:noFill/>
+          </a:ln>
         </p:spPr>
         <p:txBody>
           <a:bodyPr wrap="none" rtlCol="0">
@@ -18897,10 +19189,18 @@
           <a:lstStyle/>
           <a:p>
             <a:r>
-              <a:rPr lang="en-US" sz="2400" smtClean="0"/>
+              <a:rPr lang="en-US" b="1" smtClean="0">
+                <a:latin typeface="Helvetica" charset="0"/>
+                <a:ea typeface="Helvetica" charset="0"/>
+                <a:cs typeface="Helvetica" charset="0"/>
+              </a:rPr>
               <a:t>calls</a:t>
             </a:r>
-            <a:endParaRPr lang="en-US" sz="2400"/>
+            <a:endParaRPr lang="en-US" b="1">
+              <a:latin typeface="Helvetica" charset="0"/>
+              <a:ea typeface="Helvetica" charset="0"/>
+              <a:cs typeface="Helvetica" charset="0"/>
+            </a:endParaRPr>
           </a:p>
         </p:txBody>
       </p:sp>
@@ -18912,13 +19212,16 @@
         </p:nvSpPr>
         <p:spPr>
           <a:xfrm>
-            <a:off x="6297342" y="4518542"/>
-            <a:ext cx="1092415" cy="461665"/>
+            <a:off x="5241785" y="5267186"/>
+            <a:ext cx="992579" cy="369332"/>
           </a:xfrm>
           <a:prstGeom prst="rect">
             <a:avLst/>
           </a:prstGeom>
           <a:noFill/>
+          <a:ln>
+            <a:noFill/>
+          </a:ln>
         </p:spPr>
         <p:txBody>
           <a:bodyPr wrap="none" rtlCol="0">
@@ -18927,40 +19230,18 @@
           <a:lstStyle/>
           <a:p>
             <a:r>
-              <a:rPr lang="en-US" sz="2400" dirty="0" smtClean="0"/>
+              <a:rPr lang="en-US" b="1" dirty="0" smtClean="0">
+                <a:latin typeface="Helvetica" charset="0"/>
+                <a:ea typeface="Helvetica" charset="0"/>
+                <a:cs typeface="Helvetica" charset="0"/>
+              </a:rPr>
               <a:t>verifies</a:t>
             </a:r>
-            <a:endParaRPr lang="en-US" sz="2400" dirty="0"/>
-          </a:p>
-        </p:txBody>
-      </p:sp>
-      <p:sp>
-        <p:nvSpPr>
-          <p:cNvPr id="59" name="TextBox 58"/>
-          <p:cNvSpPr txBox="1"/>
-          <p:nvPr/>
-        </p:nvSpPr>
-        <p:spPr>
-          <a:xfrm>
-            <a:off x="6180532" y="3057026"/>
-            <a:ext cx="1338700" cy="461665"/>
-          </a:xfrm>
-          <a:prstGeom prst="rect">
-            <a:avLst/>
-          </a:prstGeom>
-          <a:noFill/>
-        </p:spPr>
-        <p:txBody>
-          <a:bodyPr wrap="none" rtlCol="0">
-            <a:spAutoFit/>
-          </a:bodyPr>
-          <a:lstStyle/>
-          <a:p>
-            <a:r>
-              <a:rPr lang="en-US" sz="2400" dirty="0" smtClean="0"/>
-              <a:t>produces</a:t>
-            </a:r>
-            <a:endParaRPr lang="en-US" sz="2400" dirty="0"/>
+            <a:endParaRPr lang="en-US" b="1" dirty="0">
+              <a:latin typeface="Helvetica" charset="0"/>
+              <a:ea typeface="Helvetica" charset="0"/>
+              <a:cs typeface="Helvetica" charset="0"/>
+            </a:endParaRPr>
           </a:p>
         </p:txBody>
       </p:sp>
@@ -18972,7 +19253,7 @@
         </p:nvSpPr>
         <p:spPr>
           <a:xfrm>
-            <a:off x="1228895" y="415801"/>
+            <a:off x="869115" y="377952"/>
             <a:ext cx="1964487" cy="1017128"/>
           </a:xfrm>
           <a:prstGeom prst="roundRect">
@@ -19000,6 +19281,18 @@
             </a:gsLst>
             <a:lin ang="16200000" scaled="1"/>
           </a:gradFill>
+          <a:ln>
+            <a:solidFill>
+              <a:schemeClr val="accent1"/>
+            </a:solidFill>
+          </a:ln>
+          <a:effectLst>
+            <a:outerShdw blurRad="50800" dist="38100" dir="2700000" algn="tl" rotWithShape="0">
+              <a:prstClr val="black">
+                <a:alpha val="40000"/>
+              </a:prstClr>
+            </a:outerShdw>
+          </a:effectLst>
         </p:spPr>
         <p:style>
           <a:lnRef idx="2">
@@ -19023,21 +19316,344 @@
           <a:p>
             <a:pPr algn="ctr"/>
             <a:r>
-              <a:rPr lang="en-US" sz="2400" dirty="0" smtClean="0">
+              <a:rPr lang="en-US" b="1" dirty="0">
                 <a:solidFill>
                   <a:sysClr val="windowText" lastClr="000000"/>
                 </a:solidFill>
+                <a:latin typeface="Helvetica" charset="0"/>
+                <a:ea typeface="Helvetica" charset="0"/>
+                <a:cs typeface="Helvetica" charset="0"/>
               </a:rPr>
-              <a:t>modification</a:t>
+              <a:t>d</a:t>
             </a:r>
-            <a:endParaRPr lang="en-US" sz="2400" dirty="0">
+            <a:r>
+              <a:rPr lang="en-US" b="1" dirty="0" smtClean="0">
+                <a:solidFill>
+                  <a:sysClr val="windowText" lastClr="000000"/>
+                </a:solidFill>
+                <a:latin typeface="Helvetica" charset="0"/>
+                <a:ea typeface="Helvetica" charset="0"/>
+                <a:cs typeface="Helvetica" charset="0"/>
+              </a:rPr>
+              <a:t>esign &amp; modification</a:t>
+            </a:r>
+            <a:endParaRPr lang="en-US" b="1" dirty="0">
               <a:solidFill>
                 <a:sysClr val="windowText" lastClr="000000"/>
               </a:solidFill>
+              <a:latin typeface="Helvetica" charset="0"/>
+              <a:ea typeface="Helvetica" charset="0"/>
+              <a:cs typeface="Helvetica" charset="0"/>
             </a:endParaRPr>
           </a:p>
         </p:txBody>
       </p:sp>
+      <p:grpSp>
+        <p:nvGrpSpPr>
+          <p:cNvPr id="93" name="Group 92"/>
+          <p:cNvGrpSpPr/>
+          <p:nvPr/>
+        </p:nvGrpSpPr>
+        <p:grpSpPr>
+          <a:xfrm>
+            <a:off x="3962211" y="2842875"/>
+            <a:ext cx="1660608" cy="719985"/>
+            <a:chOff x="1202712" y="4241283"/>
+            <a:chExt cx="1846212" cy="1200038"/>
+          </a:xfrm>
+        </p:grpSpPr>
+        <p:sp>
+          <p:nvSpPr>
+            <p:cNvPr id="94" name="Rounded Rectangle 93"/>
+            <p:cNvSpPr/>
+            <p:nvPr/>
+          </p:nvSpPr>
+          <p:spPr>
+            <a:xfrm>
+              <a:off x="1202712" y="4241283"/>
+              <a:ext cx="1846212" cy="1200038"/>
+            </a:xfrm>
+            <a:prstGeom prst="roundRect">
+              <a:avLst/>
+            </a:prstGeom>
+            <a:gradFill flip="none" rotWithShape="1">
+              <a:gsLst>
+                <a:gs pos="0">
+                  <a:schemeClr val="accent2">
+                    <a:lumMod val="67000"/>
+                  </a:schemeClr>
+                </a:gs>
+                <a:gs pos="48000">
+                  <a:schemeClr val="accent2">
+                    <a:lumMod val="97000"/>
+                    <a:lumOff val="3000"/>
+                  </a:schemeClr>
+                </a:gs>
+                <a:gs pos="100000">
+                  <a:schemeClr val="accent2">
+                    <a:lumMod val="60000"/>
+                    <a:lumOff val="40000"/>
+                  </a:schemeClr>
+                </a:gs>
+              </a:gsLst>
+              <a:lin ang="16200000" scaled="1"/>
+              <a:tileRect/>
+            </a:gradFill>
+            <a:effectLst>
+              <a:outerShdw blurRad="50800" dist="38100" dir="2700000" algn="tl" rotWithShape="0">
+                <a:prstClr val="black">
+                  <a:alpha val="40000"/>
+                </a:prstClr>
+              </a:outerShdw>
+            </a:effectLst>
+          </p:spPr>
+          <p:style>
+            <a:lnRef idx="0">
+              <a:schemeClr val="lt1">
+                <a:hueOff val="0"/>
+                <a:satOff val="0"/>
+                <a:lumOff val="0"/>
+                <a:alphaOff val="0"/>
+              </a:schemeClr>
+            </a:lnRef>
+            <a:fillRef idx="3">
+              <a:scrgbClr r="0" g="0" b="0"/>
+            </a:fillRef>
+            <a:effectRef idx="2">
+              <a:scrgbClr r="0" g="0" b="0"/>
+            </a:effectRef>
+            <a:fontRef idx="minor">
+              <a:schemeClr val="lt1"/>
+            </a:fontRef>
+          </p:style>
+        </p:sp>
+        <p:sp>
+          <p:nvSpPr>
+            <p:cNvPr id="95" name="Rounded Rectangle 4"/>
+            <p:cNvSpPr/>
+            <p:nvPr/>
+          </p:nvSpPr>
+          <p:spPr>
+            <a:xfrm>
+              <a:off x="1261293" y="4299864"/>
+              <a:ext cx="1729050" cy="1082876"/>
+            </a:xfrm>
+            <a:prstGeom prst="rect">
+              <a:avLst/>
+            </a:prstGeom>
+          </p:spPr>
+          <p:style>
+            <a:lnRef idx="0">
+              <a:scrgbClr r="0" g="0" b="0"/>
+            </a:lnRef>
+            <a:fillRef idx="0">
+              <a:scrgbClr r="0" g="0" b="0"/>
+            </a:fillRef>
+            <a:effectRef idx="0">
+              <a:scrgbClr r="0" g="0" b="0"/>
+            </a:effectRef>
+            <a:fontRef idx="minor">
+              <a:schemeClr val="lt1"/>
+            </a:fontRef>
+          </p:style>
+          <p:txBody>
+            <a:bodyPr spcFirstLastPara="0" vert="horz" wrap="square" lIns="87630" tIns="87630" rIns="87630" bIns="87630" numCol="1" spcCol="1270" anchor="ctr" anchorCtr="0">
+              <a:noAutofit/>
+            </a:bodyPr>
+            <a:lstStyle/>
+            <a:p>
+              <a:pPr lvl="0" algn="ctr" defTabSz="1022350">
+                <a:lnSpc>
+                  <a:spcPct val="90000"/>
+                </a:lnSpc>
+                <a:spcBef>
+                  <a:spcPct val="0"/>
+                </a:spcBef>
+                <a:spcAft>
+                  <a:spcPct val="35000"/>
+                </a:spcAft>
+              </a:pPr>
+              <a:r>
+                <a:rPr lang="en-US" b="1" kern="1200" dirty="0" smtClean="0">
+                  <a:solidFill>
+                    <a:schemeClr val="tx1"/>
+                  </a:solidFill>
+                  <a:latin typeface="Helvetica" charset="0"/>
+                  <a:ea typeface="Helvetica" charset="0"/>
+                  <a:cs typeface="Helvetica" charset="0"/>
+                </a:rPr>
+                <a:t>execution</a:t>
+              </a:r>
+              <a:endParaRPr lang="en-US" b="1" kern="1200" dirty="0">
+                <a:solidFill>
+                  <a:schemeClr val="tx1"/>
+                </a:solidFill>
+                <a:latin typeface="Helvetica" charset="0"/>
+                <a:ea typeface="Helvetica" charset="0"/>
+                <a:cs typeface="Helvetica" charset="0"/>
+              </a:endParaRPr>
+            </a:p>
+          </p:txBody>
+        </p:sp>
+      </p:grpSp>
+      <p:cxnSp>
+        <p:nvCxnSpPr>
+          <p:cNvPr id="103" name="Straight Arrow Connector 102"/>
+          <p:cNvCxnSpPr>
+            <a:stCxn id="94" idx="2"/>
+            <a:endCxn id="8" idx="3"/>
+          </p:cNvCxnSpPr>
+          <p:nvPr/>
+        </p:nvCxnSpPr>
+        <p:spPr>
+          <a:xfrm>
+            <a:off x="4792515" y="3562860"/>
+            <a:ext cx="0" cy="814666"/>
+          </a:xfrm>
+          <a:prstGeom prst="straightConnector1">
+            <a:avLst/>
+          </a:prstGeom>
+          <a:ln w="76200">
+            <a:solidFill>
+              <a:schemeClr val="accent3"/>
+            </a:solidFill>
+            <a:tailEnd type="stealth"/>
+          </a:ln>
+        </p:spPr>
+        <p:style>
+          <a:lnRef idx="1">
+            <a:schemeClr val="accent1"/>
+          </a:lnRef>
+          <a:fillRef idx="0">
+            <a:schemeClr val="accent1"/>
+          </a:fillRef>
+          <a:effectRef idx="0">
+            <a:schemeClr val="accent1"/>
+          </a:effectRef>
+          <a:fontRef idx="minor">
+            <a:schemeClr val="tx1"/>
+          </a:fontRef>
+        </p:style>
+      </p:cxnSp>
+      <p:cxnSp>
+        <p:nvCxnSpPr>
+          <p:cNvPr id="110" name="Straight Arrow Connector 109"/>
+          <p:cNvCxnSpPr>
+            <a:stCxn id="94" idx="2"/>
+            <a:endCxn id="42" idx="1"/>
+          </p:cNvCxnSpPr>
+          <p:nvPr/>
+        </p:nvCxnSpPr>
+        <p:spPr>
+          <a:xfrm>
+            <a:off x="4792515" y="3562860"/>
+            <a:ext cx="1471727" cy="219088"/>
+          </a:xfrm>
+          <a:prstGeom prst="straightConnector1">
+            <a:avLst/>
+          </a:prstGeom>
+          <a:ln w="76200">
+            <a:solidFill>
+              <a:schemeClr val="accent3"/>
+            </a:solidFill>
+            <a:tailEnd type="stealth"/>
+          </a:ln>
+        </p:spPr>
+        <p:style>
+          <a:lnRef idx="1">
+            <a:schemeClr val="accent1"/>
+          </a:lnRef>
+          <a:fillRef idx="0">
+            <a:schemeClr val="accent1"/>
+          </a:fillRef>
+          <a:effectRef idx="0">
+            <a:schemeClr val="accent1"/>
+          </a:effectRef>
+          <a:fontRef idx="minor">
+            <a:schemeClr val="tx1"/>
+          </a:fontRef>
+        </p:style>
+      </p:cxnSp>
+      <p:sp>
+        <p:nvSpPr>
+          <p:cNvPr id="59" name="TextBox 58"/>
+          <p:cNvSpPr txBox="1"/>
+          <p:nvPr/>
+        </p:nvSpPr>
+        <p:spPr>
+          <a:xfrm>
+            <a:off x="5816316" y="3302709"/>
+            <a:ext cx="1223412" cy="369332"/>
+          </a:xfrm>
+          <a:prstGeom prst="rect">
+            <a:avLst/>
+          </a:prstGeom>
+          <a:noFill/>
+          <a:ln>
+            <a:noFill/>
+          </a:ln>
+        </p:spPr>
+        <p:txBody>
+          <a:bodyPr wrap="none" rtlCol="0">
+            <a:spAutoFit/>
+          </a:bodyPr>
+          <a:lstStyle/>
+          <a:p>
+            <a:r>
+              <a:rPr lang="en-US" b="1" dirty="0" smtClean="0">
+                <a:latin typeface="Helvetica" charset="0"/>
+                <a:ea typeface="Helvetica" charset="0"/>
+                <a:cs typeface="Helvetica" charset="0"/>
+              </a:rPr>
+              <a:t>produces</a:t>
+            </a:r>
+            <a:endParaRPr lang="en-US" b="1" dirty="0">
+              <a:latin typeface="Helvetica" charset="0"/>
+              <a:ea typeface="Helvetica" charset="0"/>
+              <a:cs typeface="Helvetica" charset="0"/>
+            </a:endParaRPr>
+          </a:p>
+        </p:txBody>
+      </p:sp>
+      <p:cxnSp>
+        <p:nvCxnSpPr>
+          <p:cNvPr id="115" name="Straight Arrow Connector 114"/>
+          <p:cNvCxnSpPr>
+            <a:stCxn id="42" idx="3"/>
+            <a:endCxn id="8" idx="0"/>
+          </p:cNvCxnSpPr>
+          <p:nvPr/>
+        </p:nvCxnSpPr>
+        <p:spPr>
+          <a:xfrm flipH="1">
+            <a:off x="5622819" y="4356610"/>
+            <a:ext cx="641423" cy="392805"/>
+          </a:xfrm>
+          <a:prstGeom prst="straightConnector1">
+            <a:avLst/>
+          </a:prstGeom>
+          <a:ln w="76200">
+            <a:solidFill>
+              <a:schemeClr val="accent3"/>
+            </a:solidFill>
+            <a:tailEnd type="stealth"/>
+          </a:ln>
+        </p:spPr>
+        <p:style>
+          <a:lnRef idx="1">
+            <a:schemeClr val="accent1"/>
+          </a:lnRef>
+          <a:fillRef idx="0">
+            <a:schemeClr val="accent1"/>
+          </a:fillRef>
+          <a:effectRef idx="0">
+            <a:schemeClr val="accent1"/>
+          </a:effectRef>
+          <a:fontRef idx="minor">
+            <a:schemeClr val="tx1"/>
+          </a:fontRef>
+        </p:style>
+      </p:cxnSp>
     </p:spTree>
     <p:extLst>
       <p:ext uri="{BB962C8B-B14F-4D97-AF65-F5344CB8AC3E}">

--- a/images/nist-devops.pptx
+++ b/images/nist-devops.pptx
@@ -4386,7 +4386,15 @@
                 <a:schemeClr val="tx1"/>
               </a:solidFill>
             </a:rPr>
-            <a:t>cloudmesh script</a:t>
+            <a:t>Cloudmesh </a:t>
+          </a:r>
+          <a:r>
+            <a:rPr lang="en-US" b="1" dirty="0" smtClean="0">
+              <a:solidFill>
+                <a:schemeClr val="tx1"/>
+              </a:solidFill>
+            </a:rPr>
+            <a:t>script</a:t>
           </a:r>
           <a:endParaRPr lang="en-US" b="1" dirty="0">
             <a:solidFill>
@@ -4478,7 +4486,7 @@
                 <a:schemeClr val="tx1"/>
               </a:solidFill>
             </a:rPr>
-            <a:t>playbook</a:t>
+            <a:t>deployment</a:t>
           </a:r>
           <a:endParaRPr lang="en-US" b="1" dirty="0">
             <a:solidFill>
@@ -7044,7 +7052,15 @@
                 <a:schemeClr val="tx1"/>
               </a:solidFill>
             </a:rPr>
-            <a:t>cloudmesh script</a:t>
+            <a:t>Cloudmesh </a:t>
+          </a:r>
+          <a:r>
+            <a:rPr lang="en-US" sz="2300" b="1" kern="1200" dirty="0" smtClean="0">
+              <a:solidFill>
+                <a:schemeClr val="tx1"/>
+              </a:solidFill>
+            </a:rPr>
+            <a:t>script</a:t>
           </a:r>
           <a:endParaRPr lang="en-US" sz="2300" b="1" kern="1200" dirty="0">
             <a:solidFill>
@@ -7192,7 +7208,7 @@
                 <a:schemeClr val="tx1"/>
               </a:solidFill>
             </a:rPr>
-            <a:t>playbook</a:t>
+            <a:t>deployment</a:t>
           </a:r>
           <a:endParaRPr lang="en-US" sz="2300" b="1" kern="1200" dirty="0">
             <a:solidFill>
@@ -14499,7 +14515,7 @@
           <a:p>
             <a:fld id="{418674B6-3DD0-DD4C-87E2-C82AEC08B29F}" type="datetimeFigureOut">
               <a:rPr lang="en-US" smtClean="0"/>
-              <a:t>11/1/16</a:t>
+              <a:t>11/10/16</a:t>
             </a:fld>
             <a:endParaRPr lang="en-US"/>
           </a:p>
@@ -14982,7 +14998,7 @@
           <a:p>
             <a:fld id="{5192CB05-E4E3-6543-BB47-54865E41FD91}" type="datetimeFigureOut">
               <a:rPr lang="en-US" smtClean="0"/>
-              <a:t>11/1/16</a:t>
+              <a:t>11/10/16</a:t>
             </a:fld>
             <a:endParaRPr lang="en-US"/>
           </a:p>
@@ -15152,7 +15168,7 @@
           <a:p>
             <a:fld id="{5192CB05-E4E3-6543-BB47-54865E41FD91}" type="datetimeFigureOut">
               <a:rPr lang="en-US" smtClean="0"/>
-              <a:t>11/1/16</a:t>
+              <a:t>11/10/16</a:t>
             </a:fld>
             <a:endParaRPr lang="en-US"/>
           </a:p>
@@ -15332,7 +15348,7 @@
           <a:p>
             <a:fld id="{5192CB05-E4E3-6543-BB47-54865E41FD91}" type="datetimeFigureOut">
               <a:rPr lang="en-US" smtClean="0"/>
-              <a:t>11/1/16</a:t>
+              <a:t>11/10/16</a:t>
             </a:fld>
             <a:endParaRPr lang="en-US"/>
           </a:p>
@@ -15502,7 +15518,7 @@
           <a:p>
             <a:fld id="{5192CB05-E4E3-6543-BB47-54865E41FD91}" type="datetimeFigureOut">
               <a:rPr lang="en-US" smtClean="0"/>
-              <a:t>11/1/16</a:t>
+              <a:t>11/10/16</a:t>
             </a:fld>
             <a:endParaRPr lang="en-US"/>
           </a:p>
@@ -15746,7 +15762,7 @@
           <a:p>
             <a:fld id="{5192CB05-E4E3-6543-BB47-54865E41FD91}" type="datetimeFigureOut">
               <a:rPr lang="en-US" smtClean="0"/>
-              <a:t>11/1/16</a:t>
+              <a:t>11/10/16</a:t>
             </a:fld>
             <a:endParaRPr lang="en-US"/>
           </a:p>
@@ -15978,7 +15994,7 @@
           <a:p>
             <a:fld id="{5192CB05-E4E3-6543-BB47-54865E41FD91}" type="datetimeFigureOut">
               <a:rPr lang="en-US" smtClean="0"/>
-              <a:t>11/1/16</a:t>
+              <a:t>11/10/16</a:t>
             </a:fld>
             <a:endParaRPr lang="en-US"/>
           </a:p>
@@ -16345,7 +16361,7 @@
           <a:p>
             <a:fld id="{5192CB05-E4E3-6543-BB47-54865E41FD91}" type="datetimeFigureOut">
               <a:rPr lang="en-US" smtClean="0"/>
-              <a:t>11/1/16</a:t>
+              <a:t>11/10/16</a:t>
             </a:fld>
             <a:endParaRPr lang="en-US"/>
           </a:p>
@@ -16463,7 +16479,7 @@
           <a:p>
             <a:fld id="{5192CB05-E4E3-6543-BB47-54865E41FD91}" type="datetimeFigureOut">
               <a:rPr lang="en-US" smtClean="0"/>
-              <a:t>11/1/16</a:t>
+              <a:t>11/10/16</a:t>
             </a:fld>
             <a:endParaRPr lang="en-US"/>
           </a:p>
@@ -16558,7 +16574,7 @@
           <a:p>
             <a:fld id="{5192CB05-E4E3-6543-BB47-54865E41FD91}" type="datetimeFigureOut">
               <a:rPr lang="en-US" smtClean="0"/>
-              <a:t>11/1/16</a:t>
+              <a:t>11/10/16</a:t>
             </a:fld>
             <a:endParaRPr lang="en-US"/>
           </a:p>
@@ -16835,7 +16851,7 @@
           <a:p>
             <a:fld id="{5192CB05-E4E3-6543-BB47-54865E41FD91}" type="datetimeFigureOut">
               <a:rPr lang="en-US" smtClean="0"/>
-              <a:t>11/1/16</a:t>
+              <a:t>11/10/16</a:t>
             </a:fld>
             <a:endParaRPr lang="en-US"/>
           </a:p>
@@ -17092,7 +17108,7 @@
           <a:p>
             <a:fld id="{5192CB05-E4E3-6543-BB47-54865E41FD91}" type="datetimeFigureOut">
               <a:rPr lang="en-US" smtClean="0"/>
-              <a:t>11/1/16</a:t>
+              <a:t>11/10/16</a:t>
             </a:fld>
             <a:endParaRPr lang="en-US"/>
           </a:p>
@@ -17305,7 +17321,7 @@
           <a:p>
             <a:fld id="{5192CB05-E4E3-6543-BB47-54865E41FD91}" type="datetimeFigureOut">
               <a:rPr lang="en-US" smtClean="0"/>
-              <a:t>11/1/16</a:t>
+              <a:t>11/10/16</a:t>
             </a:fld>
             <a:endParaRPr lang="en-US"/>
           </a:p>
@@ -17775,7 +17791,7 @@
             <p:ph idx="1"/>
             <p:extLst>
               <p:ext uri="{D42A27DB-BD31-4B8C-83A1-F6EECF244321}">
-                <p14:modId xmlns:p14="http://schemas.microsoft.com/office/powerpoint/2010/main" val="1546166413"/>
+                <p14:modId xmlns:p14="http://schemas.microsoft.com/office/powerpoint/2010/main" val="666729978"/>
               </p:ext>
             </p:extLst>
           </p:nvPr>
@@ -17987,20 +18003,27 @@
           <a:gradFill flip="none" rotWithShape="1">
             <a:gsLst>
               <a:gs pos="0">
-                <a:schemeClr val="accent1">
-                  <a:lumMod val="67000"/>
+                <a:schemeClr val="accent6">
+                  <a:lumMod val="60000"/>
+                  <a:lumOff val="40000"/>
+                  <a:shade val="30000"/>
+                  <a:satMod val="115000"/>
                 </a:schemeClr>
               </a:gs>
-              <a:gs pos="48000">
-                <a:schemeClr val="accent1">
-                  <a:lumMod val="97000"/>
-                  <a:lumOff val="3000"/>
+              <a:gs pos="50000">
+                <a:schemeClr val="accent6">
+                  <a:lumMod val="60000"/>
+                  <a:lumOff val="40000"/>
+                  <a:shade val="67500"/>
+                  <a:satMod val="115000"/>
                 </a:schemeClr>
               </a:gs>
               <a:gs pos="100000">
-                <a:schemeClr val="accent1">
+                <a:schemeClr val="accent6">
                   <a:lumMod val="60000"/>
                   <a:lumOff val="40000"/>
+                  <a:shade val="100000"/>
+                  <a:satMod val="115000"/>
                 </a:schemeClr>
               </a:gs>
             </a:gsLst>
@@ -18061,18 +18084,7 @@
                 <a:ea typeface="Helvetica" charset="0"/>
                 <a:cs typeface="Helvetica" charset="0"/>
               </a:rPr>
-              <a:t>esult </a:t>
-            </a:r>
-            <a:r>
-              <a:rPr lang="en-US" b="1" smtClean="0">
-                <a:solidFill>
-                  <a:schemeClr val="tx1"/>
-                </a:solidFill>
-                <a:latin typeface="Helvetica" charset="0"/>
-                <a:ea typeface="Helvetica" charset="0"/>
-                <a:cs typeface="Helvetica" charset="0"/>
-              </a:rPr>
-              <a:t>data</a:t>
+              <a:t>esult data</a:t>
             </a:r>
             <a:endParaRPr lang="en-US" b="1" dirty="0">
               <a:solidFill>
@@ -18186,8 +18198,8 @@
         </p:nvSpPr>
         <p:spPr>
           <a:xfrm>
-            <a:off x="1640993" y="2784227"/>
-            <a:ext cx="1189822" cy="837282"/>
+            <a:off x="1350009" y="2784227"/>
+            <a:ext cx="1480806" cy="837282"/>
           </a:xfrm>
           <a:prstGeom prst="can">
             <a:avLst/>
@@ -18312,7 +18324,7 @@
         </p:nvSpPr>
         <p:spPr>
           <a:xfrm>
-            <a:off x="1640993" y="3859927"/>
+            <a:off x="1828130" y="5296387"/>
             <a:ext cx="1189822" cy="837282"/>
           </a:xfrm>
           <a:prstGeom prst="can">
@@ -18477,7 +18489,7 @@
                 <a:ea typeface="Helvetica" charset="0"/>
                 <a:cs typeface="Helvetica" charset="0"/>
               </a:rPr>
-              <a:t>playbook</a:t>
+              <a:t>deployment</a:t>
             </a:r>
             <a:endParaRPr lang="en-US" b="1" dirty="0">
               <a:solidFill>
@@ -18507,20 +18519,27 @@
           <a:gradFill flip="none" rotWithShape="1">
             <a:gsLst>
               <a:gs pos="0">
-                <a:schemeClr val="accent2">
-                  <a:lumMod val="67000"/>
+                <a:schemeClr val="accent6">
+                  <a:lumMod val="60000"/>
+                  <a:lumOff val="40000"/>
+                  <a:shade val="30000"/>
+                  <a:satMod val="115000"/>
                 </a:schemeClr>
               </a:gs>
-              <a:gs pos="48000">
-                <a:schemeClr val="accent2">
-                  <a:lumMod val="97000"/>
-                  <a:lumOff val="3000"/>
+              <a:gs pos="50000">
+                <a:schemeClr val="accent6">
+                  <a:lumMod val="60000"/>
+                  <a:lumOff val="40000"/>
+                  <a:shade val="67500"/>
+                  <a:satMod val="115000"/>
                 </a:schemeClr>
               </a:gs>
               <a:gs pos="100000">
-                <a:schemeClr val="accent2">
+                <a:schemeClr val="accent6">
                   <a:lumMod val="60000"/>
                   <a:lumOff val="40000"/>
+                  <a:shade val="100000"/>
+                  <a:satMod val="115000"/>
                 </a:schemeClr>
               </a:gs>
             </a:gsLst>
@@ -18573,17 +18592,6 @@
               <a:t>v</a:t>
             </a:r>
             <a:r>
-              <a:rPr lang="en-US" b="1" smtClean="0">
-                <a:solidFill>
-                  <a:schemeClr val="tx1"/>
-                </a:solidFill>
-                <a:latin typeface="Helvetica" charset="0"/>
-                <a:ea typeface="Helvetica" charset="0"/>
-                <a:cs typeface="Helvetica" charset="0"/>
-              </a:rPr>
-              <a:t>erification</a:t>
-            </a:r>
-            <a:r>
               <a:rPr lang="en-US" b="1" dirty="0" smtClean="0">
                 <a:solidFill>
                   <a:schemeClr val="tx1"/>
@@ -18592,7 +18600,7 @@
                 <a:ea typeface="Helvetica" charset="0"/>
                 <a:cs typeface="Helvetica" charset="0"/>
               </a:rPr>
-              <a:t>/</a:t>
+              <a:t>erification/</a:t>
             </a:r>
           </a:p>
           <a:p>
@@ -18606,29 +18614,7 @@
                 <a:ea typeface="Helvetica" charset="0"/>
                 <a:cs typeface="Helvetica" charset="0"/>
               </a:rPr>
-              <a:t>Result</a:t>
-            </a:r>
-            <a:r>
-              <a:rPr lang="en-US" b="1" dirty="0" smtClean="0">
-                <a:solidFill>
-                  <a:schemeClr val="tx1"/>
-                </a:solidFill>
-                <a:latin typeface="Helvetica" charset="0"/>
-                <a:ea typeface="Helvetica" charset="0"/>
-                <a:cs typeface="Helvetica" charset="0"/>
-              </a:rPr>
-              <a:t> </a:t>
-            </a:r>
-            <a:r>
-              <a:rPr lang="en-US" b="1" dirty="0" smtClean="0">
-                <a:solidFill>
-                  <a:schemeClr val="tx1"/>
-                </a:solidFill>
-                <a:latin typeface="Helvetica" charset="0"/>
-                <a:ea typeface="Helvetica" charset="0"/>
-                <a:cs typeface="Helvetica" charset="0"/>
-              </a:rPr>
-              <a:t>tests</a:t>
+              <a:t>Result tests</a:t>
             </a:r>
             <a:endParaRPr lang="en-US" b="1" dirty="0">
               <a:solidFill>
@@ -18809,13 +18795,15 @@
       <p:cxnSp>
         <p:nvCxnSpPr>
           <p:cNvPr id="18" name="Straight Arrow Connector 17"/>
-          <p:cNvCxnSpPr/>
+          <p:cNvCxnSpPr>
+            <a:endCxn id="7" idx="2"/>
+          </p:cNvCxnSpPr>
           <p:nvPr/>
         </p:nvCxnSpPr>
         <p:spPr>
           <a:xfrm flipV="1">
-            <a:off x="2830815" y="2273511"/>
-            <a:ext cx="1089500" cy="943794"/>
+            <a:off x="2830815" y="2063474"/>
+            <a:ext cx="1131396" cy="1153831"/>
           </a:xfrm>
           <a:prstGeom prst="straightConnector1">
             <a:avLst/>
@@ -18845,13 +18833,16 @@
       <p:cxnSp>
         <p:nvCxnSpPr>
           <p:cNvPr id="21" name="Straight Arrow Connector 20"/>
-          <p:cNvCxnSpPr/>
+          <p:cNvCxnSpPr>
+            <a:stCxn id="6" idx="4"/>
+            <a:endCxn id="7" idx="2"/>
+          </p:cNvCxnSpPr>
           <p:nvPr/>
         </p:nvCxnSpPr>
         <p:spPr>
           <a:xfrm flipV="1">
-            <a:off x="2830815" y="2273511"/>
-            <a:ext cx="1089500" cy="2019494"/>
+            <a:off x="3017952" y="2063474"/>
+            <a:ext cx="944259" cy="3651554"/>
           </a:xfrm>
           <a:prstGeom prst="straightConnector1">
             <a:avLst/>
@@ -18935,19 +18926,26 @@
             <a:gsLst>
               <a:gs pos="0">
                 <a:schemeClr val="accent6">
-                  <a:lumMod val="67000"/>
+                  <a:lumMod val="60000"/>
+                  <a:lumOff val="40000"/>
+                  <a:shade val="30000"/>
+                  <a:satMod val="115000"/>
                 </a:schemeClr>
               </a:gs>
-              <a:gs pos="48000">
+              <a:gs pos="50000">
                 <a:schemeClr val="accent6">
-                  <a:lumMod val="97000"/>
-                  <a:lumOff val="3000"/>
+                  <a:lumMod val="60000"/>
+                  <a:lumOff val="40000"/>
+                  <a:shade val="67500"/>
+                  <a:satMod val="115000"/>
                 </a:schemeClr>
               </a:gs>
               <a:gs pos="100000">
                 <a:schemeClr val="accent6">
                   <a:lumMod val="60000"/>
                   <a:lumOff val="40000"/>
+                  <a:shade val="100000"/>
+                  <a:satMod val="115000"/>
                 </a:schemeClr>
               </a:gs>
             </a:gsLst>
@@ -19654,6 +19652,300 @@
           </a:fontRef>
         </p:style>
       </p:cxnSp>
+      <p:cxnSp>
+        <p:nvCxnSpPr>
+          <p:cNvPr id="30" name="Straight Arrow Connector 29"/>
+          <p:cNvCxnSpPr>
+            <a:stCxn id="4" idx="4"/>
+            <a:endCxn id="7" idx="2"/>
+          </p:cNvCxnSpPr>
+          <p:nvPr/>
+        </p:nvCxnSpPr>
+        <p:spPr>
+          <a:xfrm flipV="1">
+            <a:off x="2755759" y="2063474"/>
+            <a:ext cx="1206452" cy="63694"/>
+          </a:xfrm>
+          <a:prstGeom prst="straightConnector1">
+            <a:avLst/>
+          </a:prstGeom>
+          <a:ln w="76200">
+            <a:solidFill>
+              <a:schemeClr val="accent3"/>
+            </a:solidFill>
+            <a:tailEnd type="stealth"/>
+          </a:ln>
+        </p:spPr>
+        <p:style>
+          <a:lnRef idx="1">
+            <a:schemeClr val="accent1"/>
+          </a:lnRef>
+          <a:fillRef idx="0">
+            <a:schemeClr val="accent1"/>
+          </a:fillRef>
+          <a:effectRef idx="0">
+            <a:schemeClr val="accent1"/>
+          </a:effectRef>
+          <a:fontRef idx="minor">
+            <a:schemeClr val="tx1"/>
+          </a:fontRef>
+        </p:style>
+      </p:cxnSp>
+      <p:sp>
+        <p:nvSpPr>
+          <p:cNvPr id="33" name="Can 32"/>
+          <p:cNvSpPr/>
+          <p:nvPr/>
+        </p:nvSpPr>
+        <p:spPr>
+          <a:xfrm>
+            <a:off x="1216761" y="3533769"/>
+            <a:ext cx="1538997" cy="837282"/>
+          </a:xfrm>
+          <a:prstGeom prst="can">
+            <a:avLst/>
+          </a:prstGeom>
+          <a:gradFill flip="none" rotWithShape="1">
+            <a:gsLst>
+              <a:gs pos="0">
+                <a:schemeClr val="accent1">
+                  <a:lumMod val="67000"/>
+                </a:schemeClr>
+              </a:gs>
+              <a:gs pos="48000">
+                <a:schemeClr val="accent1">
+                  <a:lumMod val="97000"/>
+                  <a:lumOff val="3000"/>
+                </a:schemeClr>
+              </a:gs>
+              <a:gs pos="100000">
+                <a:schemeClr val="accent1">
+                  <a:lumMod val="60000"/>
+                  <a:lumOff val="40000"/>
+                </a:schemeClr>
+              </a:gs>
+            </a:gsLst>
+            <a:lin ang="16200000" scaled="1"/>
+            <a:tileRect/>
+          </a:gradFill>
+          <a:ln>
+            <a:solidFill>
+              <a:schemeClr val="accent1"/>
+            </a:solidFill>
+          </a:ln>
+          <a:effectLst>
+            <a:outerShdw blurRad="50800" dist="38100" dir="2700000" algn="tl" rotWithShape="0">
+              <a:prstClr val="black">
+                <a:alpha val="40000"/>
+              </a:prstClr>
+            </a:outerShdw>
+          </a:effectLst>
+        </p:spPr>
+        <p:style>
+          <a:lnRef idx="2">
+            <a:schemeClr val="accent1">
+              <a:shade val="50000"/>
+            </a:schemeClr>
+          </a:lnRef>
+          <a:fillRef idx="1">
+            <a:schemeClr val="accent1"/>
+          </a:fillRef>
+          <a:effectRef idx="0">
+            <a:schemeClr val="accent1"/>
+          </a:effectRef>
+          <a:fontRef idx="minor">
+            <a:schemeClr val="lt1"/>
+          </a:fontRef>
+        </p:style>
+        <p:txBody>
+          <a:bodyPr rtlCol="0" anchor="ctr"/>
+          <a:lstStyle/>
+          <a:p>
+            <a:pPr algn="ctr"/>
+            <a:r>
+              <a:rPr lang="en-US" b="1" dirty="0" smtClean="0">
+                <a:solidFill>
+                  <a:schemeClr val="tx1"/>
+                </a:solidFill>
+                <a:latin typeface="Helvetica" charset="0"/>
+                <a:ea typeface="Helvetica" charset="0"/>
+                <a:cs typeface="Helvetica" charset="0"/>
+              </a:rPr>
+              <a:t>chef</a:t>
+            </a:r>
+          </a:p>
+          <a:p>
+            <a:pPr algn="ctr"/>
+            <a:r>
+              <a:rPr lang="en-US" b="1" dirty="0" smtClean="0">
+                <a:solidFill>
+                  <a:schemeClr val="tx1"/>
+                </a:solidFill>
+                <a:latin typeface="Helvetica" charset="0"/>
+                <a:ea typeface="Helvetica" charset="0"/>
+                <a:cs typeface="Helvetica" charset="0"/>
+              </a:rPr>
+              <a:t>cookbooks</a:t>
+            </a:r>
+            <a:endParaRPr lang="en-US" b="1" dirty="0">
+              <a:solidFill>
+                <a:schemeClr val="tx1"/>
+              </a:solidFill>
+              <a:latin typeface="Helvetica" charset="0"/>
+              <a:ea typeface="Helvetica" charset="0"/>
+              <a:cs typeface="Helvetica" charset="0"/>
+            </a:endParaRPr>
+          </a:p>
+        </p:txBody>
+      </p:sp>
+      <p:sp>
+        <p:nvSpPr>
+          <p:cNvPr id="34" name="Can 33"/>
+          <p:cNvSpPr/>
+          <p:nvPr/>
+        </p:nvSpPr>
+        <p:spPr>
+          <a:xfrm>
+            <a:off x="1141704" y="4264131"/>
+            <a:ext cx="1538997" cy="837282"/>
+          </a:xfrm>
+          <a:prstGeom prst="can">
+            <a:avLst/>
+          </a:prstGeom>
+          <a:gradFill flip="none" rotWithShape="1">
+            <a:gsLst>
+              <a:gs pos="0">
+                <a:schemeClr val="accent1">
+                  <a:lumMod val="67000"/>
+                </a:schemeClr>
+              </a:gs>
+              <a:gs pos="48000">
+                <a:schemeClr val="accent1">
+                  <a:lumMod val="97000"/>
+                  <a:lumOff val="3000"/>
+                </a:schemeClr>
+              </a:gs>
+              <a:gs pos="100000">
+                <a:schemeClr val="accent1">
+                  <a:lumMod val="60000"/>
+                  <a:lumOff val="40000"/>
+                </a:schemeClr>
+              </a:gs>
+            </a:gsLst>
+            <a:lin ang="16200000" scaled="1"/>
+            <a:tileRect/>
+          </a:gradFill>
+          <a:ln>
+            <a:solidFill>
+              <a:schemeClr val="accent1"/>
+            </a:solidFill>
+          </a:ln>
+          <a:effectLst>
+            <a:outerShdw blurRad="50800" dist="38100" dir="2700000" algn="tl" rotWithShape="0">
+              <a:prstClr val="black">
+                <a:alpha val="40000"/>
+              </a:prstClr>
+            </a:outerShdw>
+          </a:effectLst>
+        </p:spPr>
+        <p:style>
+          <a:lnRef idx="2">
+            <a:schemeClr val="accent1">
+              <a:shade val="50000"/>
+            </a:schemeClr>
+          </a:lnRef>
+          <a:fillRef idx="1">
+            <a:schemeClr val="accent1"/>
+          </a:fillRef>
+          <a:effectRef idx="0">
+            <a:schemeClr val="accent1"/>
+          </a:effectRef>
+          <a:fontRef idx="minor">
+            <a:schemeClr val="lt1"/>
+          </a:fontRef>
+        </p:style>
+        <p:txBody>
+          <a:bodyPr rtlCol="0" anchor="ctr"/>
+          <a:lstStyle/>
+          <a:p>
+            <a:pPr algn="ctr"/>
+            <a:r>
+              <a:rPr lang="en-US" b="1" dirty="0">
+                <a:solidFill>
+                  <a:schemeClr val="tx1"/>
+                </a:solidFill>
+                <a:latin typeface="Helvetica" charset="0"/>
+                <a:ea typeface="Helvetica" charset="0"/>
+                <a:cs typeface="Helvetica" charset="0"/>
+              </a:rPr>
+              <a:t>h</a:t>
+            </a:r>
+            <a:r>
+              <a:rPr lang="en-US" b="1" dirty="0" smtClean="0">
+                <a:solidFill>
+                  <a:schemeClr val="tx1"/>
+                </a:solidFill>
+                <a:latin typeface="Helvetica" charset="0"/>
+                <a:ea typeface="Helvetica" charset="0"/>
+                <a:cs typeface="Helvetica" charset="0"/>
+              </a:rPr>
+              <a:t>eat</a:t>
+            </a:r>
+          </a:p>
+          <a:p>
+            <a:pPr algn="ctr"/>
+            <a:r>
+              <a:rPr lang="en-US" b="1" dirty="0" smtClean="0">
+                <a:solidFill>
+                  <a:schemeClr val="tx1"/>
+                </a:solidFill>
+                <a:latin typeface="Helvetica" charset="0"/>
+                <a:ea typeface="Helvetica" charset="0"/>
+                <a:cs typeface="Helvetica" charset="0"/>
+              </a:rPr>
+              <a:t>scripts</a:t>
+            </a:r>
+            <a:endParaRPr lang="en-US" b="1" dirty="0">
+              <a:solidFill>
+                <a:schemeClr val="tx1"/>
+              </a:solidFill>
+              <a:latin typeface="Helvetica" charset="0"/>
+              <a:ea typeface="Helvetica" charset="0"/>
+              <a:cs typeface="Helvetica" charset="0"/>
+            </a:endParaRPr>
+          </a:p>
+        </p:txBody>
+      </p:sp>
+      <p:sp>
+        <p:nvSpPr>
+          <p:cNvPr id="14" name="TextBox 13"/>
+          <p:cNvSpPr txBox="1"/>
+          <p:nvPr/>
+        </p:nvSpPr>
+        <p:spPr>
+          <a:xfrm>
+            <a:off x="1017336" y="5075946"/>
+            <a:ext cx="343364" cy="369332"/>
+          </a:xfrm>
+          <a:prstGeom prst="rect">
+            <a:avLst/>
+          </a:prstGeom>
+          <a:noFill/>
+        </p:spPr>
+        <p:txBody>
+          <a:bodyPr wrap="none" rtlCol="0">
+            <a:spAutoFit/>
+          </a:bodyPr>
+          <a:lstStyle/>
+          <a:p>
+            <a:r>
+              <a:rPr lang="mr-IN" smtClean="0"/>
+              <a:t>…</a:t>
+            </a:r>
+            <a:endParaRPr lang="en-US" dirty="0"/>
+          </a:p>
+        </p:txBody>
+      </p:sp>
     </p:spTree>
     <p:extLst>
       <p:ext uri="{BB962C8B-B14F-4D97-AF65-F5344CB8AC3E}">

--- a/images/nist-devops.pptx
+++ b/images/nist-devops.pptx
@@ -17791,7 +17791,7 @@
             <p:ph idx="1"/>
             <p:extLst>
               <p:ext uri="{D42A27DB-BD31-4B8C-83A1-F6EECF244321}">
-                <p14:modId xmlns:p14="http://schemas.microsoft.com/office/powerpoint/2010/main" val="666729978"/>
+                <p14:modId xmlns:p14="http://schemas.microsoft.com/office/powerpoint/2010/main" val="2074589294"/>
               </p:ext>
             </p:extLst>
           </p:nvPr>

--- a/images/nist-devops.pptx
+++ b/images/nist-devops.pptx
@@ -17791,7 +17791,7 @@
             <p:ph idx="1"/>
             <p:extLst>
               <p:ext uri="{D42A27DB-BD31-4B8C-83A1-F6EECF244321}">
-                <p14:modId xmlns:p14="http://schemas.microsoft.com/office/powerpoint/2010/main" val="2074589294"/>
+                <p14:modId xmlns:p14="http://schemas.microsoft.com/office/powerpoint/2010/main" val="82147317"/>
               </p:ext>
             </p:extLst>
           </p:nvPr>
@@ -17814,7 +17814,7 @@
         </p:nvSpPr>
         <p:spPr>
           <a:xfrm>
-            <a:off x="3623733" y="2960687"/>
+            <a:off x="3623733" y="2971572"/>
             <a:ext cx="1896534" cy="1354667"/>
           </a:xfrm>
           <a:prstGeom prst="roundRect">
